--- a/Project Info/ui.pptx
+++ b/Project Info/ui.pptx
@@ -12,10 +12,9 @@
     <p:sldId id="259" r:id="rId6"/>
     <p:sldId id="263" r:id="rId7"/>
     <p:sldId id="265" r:id="rId8"/>
-    <p:sldId id="266" r:id="rId9"/>
-    <p:sldId id="260" r:id="rId10"/>
-    <p:sldId id="261" r:id="rId11"/>
-    <p:sldId id="262" r:id="rId12"/>
+    <p:sldId id="260" r:id="rId9"/>
+    <p:sldId id="261" r:id="rId10"/>
+    <p:sldId id="262" r:id="rId11"/>
   </p:sldIdLst>
   <p:sldSz cx="9144000" cy="6858000" type="screen4x3"/>
   <p:notesSz cx="6858000" cy="9144000"/>
@@ -298,7 +297,7 @@
           <a:p>
             <a:fld id="{FB30EDBD-1C2D-4C1E-B459-B60219FAB484}" type="datetimeFigureOut">
               <a:rPr lang="ko-KR" altLang="en-US" smtClean="0"/>
-              <a:t>2017-06-03</a:t>
+              <a:t>2017-06-04</a:t>
             </a:fld>
             <a:endParaRPr lang="ko-KR" altLang="en-US"/>
           </a:p>
@@ -463,7 +462,7 @@
           <a:p>
             <a:fld id="{FB30EDBD-1C2D-4C1E-B459-B60219FAB484}" type="datetimeFigureOut">
               <a:rPr lang="ko-KR" altLang="en-US" smtClean="0"/>
-              <a:t>2017-06-03</a:t>
+              <a:t>2017-06-04</a:t>
             </a:fld>
             <a:endParaRPr lang="ko-KR" altLang="en-US"/>
           </a:p>
@@ -638,7 +637,7 @@
           <a:p>
             <a:fld id="{FB30EDBD-1C2D-4C1E-B459-B60219FAB484}" type="datetimeFigureOut">
               <a:rPr lang="ko-KR" altLang="en-US" smtClean="0"/>
-              <a:t>2017-06-03</a:t>
+              <a:t>2017-06-04</a:t>
             </a:fld>
             <a:endParaRPr lang="ko-KR" altLang="en-US"/>
           </a:p>
@@ -803,7 +802,7 @@
           <a:p>
             <a:fld id="{FB30EDBD-1C2D-4C1E-B459-B60219FAB484}" type="datetimeFigureOut">
               <a:rPr lang="ko-KR" altLang="en-US" smtClean="0"/>
-              <a:t>2017-06-03</a:t>
+              <a:t>2017-06-04</a:t>
             </a:fld>
             <a:endParaRPr lang="ko-KR" altLang="en-US"/>
           </a:p>
@@ -1044,7 +1043,7 @@
           <a:p>
             <a:fld id="{FB30EDBD-1C2D-4C1E-B459-B60219FAB484}" type="datetimeFigureOut">
               <a:rPr lang="ko-KR" altLang="en-US" smtClean="0"/>
-              <a:t>2017-06-03</a:t>
+              <a:t>2017-06-04</a:t>
             </a:fld>
             <a:endParaRPr lang="ko-KR" altLang="en-US"/>
           </a:p>
@@ -1327,7 +1326,7 @@
           <a:p>
             <a:fld id="{FB30EDBD-1C2D-4C1E-B459-B60219FAB484}" type="datetimeFigureOut">
               <a:rPr lang="ko-KR" altLang="en-US" smtClean="0"/>
-              <a:t>2017-06-03</a:t>
+              <a:t>2017-06-04</a:t>
             </a:fld>
             <a:endParaRPr lang="ko-KR" altLang="en-US"/>
           </a:p>
@@ -1744,7 +1743,7 @@
           <a:p>
             <a:fld id="{FB30EDBD-1C2D-4C1E-B459-B60219FAB484}" type="datetimeFigureOut">
               <a:rPr lang="ko-KR" altLang="en-US" smtClean="0"/>
-              <a:t>2017-06-03</a:t>
+              <a:t>2017-06-04</a:t>
             </a:fld>
             <a:endParaRPr lang="ko-KR" altLang="en-US"/>
           </a:p>
@@ -1857,7 +1856,7 @@
           <a:p>
             <a:fld id="{FB30EDBD-1C2D-4C1E-B459-B60219FAB484}" type="datetimeFigureOut">
               <a:rPr lang="ko-KR" altLang="en-US" smtClean="0"/>
-              <a:t>2017-06-03</a:t>
+              <a:t>2017-06-04</a:t>
             </a:fld>
             <a:endParaRPr lang="ko-KR" altLang="en-US"/>
           </a:p>
@@ -1947,7 +1946,7 @@
           <a:p>
             <a:fld id="{FB30EDBD-1C2D-4C1E-B459-B60219FAB484}" type="datetimeFigureOut">
               <a:rPr lang="ko-KR" altLang="en-US" smtClean="0"/>
-              <a:t>2017-06-03</a:t>
+              <a:t>2017-06-04</a:t>
             </a:fld>
             <a:endParaRPr lang="ko-KR" altLang="en-US"/>
           </a:p>
@@ -2219,7 +2218,7 @@
           <a:p>
             <a:fld id="{FB30EDBD-1C2D-4C1E-B459-B60219FAB484}" type="datetimeFigureOut">
               <a:rPr lang="ko-KR" altLang="en-US" smtClean="0"/>
-              <a:t>2017-06-03</a:t>
+              <a:t>2017-06-04</a:t>
             </a:fld>
             <a:endParaRPr lang="ko-KR" altLang="en-US"/>
           </a:p>
@@ -2467,7 +2466,7 @@
           <a:p>
             <a:fld id="{FB30EDBD-1C2D-4C1E-B459-B60219FAB484}" type="datetimeFigureOut">
               <a:rPr lang="ko-KR" altLang="en-US" smtClean="0"/>
-              <a:t>2017-06-03</a:t>
+              <a:t>2017-06-04</a:t>
             </a:fld>
             <a:endParaRPr lang="ko-KR" altLang="en-US"/>
           </a:p>
@@ -2675,7 +2674,7 @@
           <a:p>
             <a:fld id="{FB30EDBD-1C2D-4C1E-B459-B60219FAB484}" type="datetimeFigureOut">
               <a:rPr lang="ko-KR" altLang="en-US" smtClean="0"/>
-              <a:t>2017-06-03</a:t>
+              <a:t>2017-06-04</a:t>
             </a:fld>
             <a:endParaRPr lang="ko-KR" altLang="en-US"/>
           </a:p>
@@ -3146,130 +3145,11 @@
           <a:p>
             <a:r>
               <a:rPr lang="en-US" altLang="ko-KR" dirty="0" smtClean="0"/>
-              <a:t>1 </a:t>
-            </a:r>
-            <a:r>
-              <a:rPr lang="ko-KR" altLang="en-US" dirty="0" err="1" smtClean="0"/>
-              <a:t>인트로</a:t>
-            </a:r>
-            <a:endParaRPr lang="ko-KR" altLang="en-US" dirty="0"/>
-          </a:p>
-        </p:txBody>
-      </p:sp>
-      <p:sp>
-        <p:nvSpPr>
-          <p:cNvPr id="3" name="직사각형 2"/>
-          <p:cNvSpPr/>
-          <p:nvPr/>
-        </p:nvSpPr>
-        <p:spPr>
-          <a:xfrm>
-            <a:off x="631740" y="1844824"/>
-            <a:ext cx="2356084" cy="3672408"/>
-          </a:xfrm>
-          <a:prstGeom prst="rect">
-            <a:avLst/>
-          </a:prstGeom>
-        </p:spPr>
-        <p:style>
-          <a:lnRef idx="2">
-            <a:schemeClr val="dk1"/>
-          </a:lnRef>
-          <a:fillRef idx="1">
-            <a:schemeClr val="lt1"/>
-          </a:fillRef>
-          <a:effectRef idx="0">
-            <a:schemeClr val="dk1"/>
-          </a:effectRef>
-          <a:fontRef idx="minor">
-            <a:schemeClr val="dk1"/>
-          </a:fontRef>
-        </p:style>
-        <p:txBody>
-          <a:bodyPr rtlCol="0" anchor="ctr"/>
-          <a:lstStyle/>
-          <a:p>
-            <a:pPr algn="ctr"/>
-            <a:r>
-              <a:rPr lang="ko-KR" altLang="en-US" sz="1200" dirty="0" smtClean="0"/>
-              <a:t>제주 관광정보</a:t>
-            </a:r>
-            <a:endParaRPr lang="en-US" altLang="ko-KR" sz="1200" dirty="0" smtClean="0"/>
-          </a:p>
-          <a:p>
-            <a:pPr algn="ctr"/>
-            <a:endParaRPr lang="en-US" altLang="ko-KR" sz="1200" dirty="0" smtClean="0"/>
-          </a:p>
-          <a:p>
-            <a:pPr algn="ctr"/>
-            <a:r>
-              <a:rPr lang="en-US" altLang="ko-KR" sz="1200" dirty="0" smtClean="0"/>
-              <a:t>(With </a:t>
-            </a:r>
-            <a:r>
-              <a:rPr lang="ko-KR" altLang="en-US" sz="1200" dirty="0" smtClean="0"/>
-              <a:t>공공데이터 </a:t>
-            </a:r>
-            <a:r>
-              <a:rPr lang="en-US" altLang="ko-KR" sz="1200" dirty="0" smtClean="0"/>
-              <a:t>3.0)</a:t>
-            </a:r>
-            <a:endParaRPr lang="ko-KR" altLang="en-US" sz="1200" dirty="0"/>
-          </a:p>
-        </p:txBody>
-      </p:sp>
-    </p:spTree>
-    <p:extLst>
-      <p:ext uri="{BB962C8B-B14F-4D97-AF65-F5344CB8AC3E}">
-        <p14:creationId xmlns:p14="http://schemas.microsoft.com/office/powerpoint/2010/main" val="1334516203"/>
-      </p:ext>
-    </p:extLst>
-  </p:cSld>
-  <p:clrMapOvr>
-    <a:masterClrMapping/>
-  </p:clrMapOvr>
-</p:sld>
-</file>
-
-<file path=ppt/slides/slide11.xml><?xml version="1.0" encoding="utf-8"?>
-<p:sld xmlns:a="http://schemas.openxmlformats.org/drawingml/2006/main" xmlns:r="http://schemas.openxmlformats.org/officeDocument/2006/relationships" xmlns:p="http://schemas.openxmlformats.org/presentationml/2006/main">
-  <p:cSld>
-    <p:spTree>
-      <p:nvGrpSpPr>
-        <p:cNvPr id="1" name=""/>
-        <p:cNvGrpSpPr/>
-        <p:nvPr/>
-      </p:nvGrpSpPr>
-      <p:grpSpPr>
-        <a:xfrm>
-          <a:off x="0" y="0"/>
-          <a:ext cx="0" cy="0"/>
-          <a:chOff x="0" y="0"/>
-          <a:chExt cx="0" cy="0"/>
-        </a:xfrm>
-      </p:grpSpPr>
-      <p:sp>
-        <p:nvSpPr>
-          <p:cNvPr id="2" name="제목 1"/>
-          <p:cNvSpPr>
-            <a:spLocks noGrp="1"/>
-          </p:cNvSpPr>
-          <p:nvPr>
-            <p:ph type="title"/>
-          </p:nvPr>
-        </p:nvSpPr>
-        <p:spPr/>
-        <p:txBody>
-          <a:bodyPr/>
-          <a:lstStyle/>
-          <a:p>
-            <a:r>
-              <a:rPr lang="en-US" altLang="ko-KR" dirty="0" smtClean="0"/>
-              <a:t>1 </a:t>
-            </a:r>
-            <a:r>
-              <a:rPr lang="ko-KR" altLang="en-US" dirty="0" err="1" smtClean="0"/>
-              <a:t>인트로</a:t>
+              <a:t>8 </a:t>
+            </a:r>
+            <a:r>
+              <a:rPr lang="ko-KR" altLang="en-US" dirty="0"/>
+              <a:t>근처 음식점 추천</a:t>
             </a:r>
             <a:endParaRPr lang="ko-KR" altLang="en-US" dirty="0"/>
           </a:p>
@@ -3417,11 +3297,7 @@
             </a:r>
             <a:r>
               <a:rPr lang="ko-KR" altLang="en-US" sz="1800" dirty="0" smtClean="0"/>
-              <a:t> </a:t>
-            </a:r>
-            <a:r>
-              <a:rPr lang="ko-KR" altLang="en-US" sz="1800" dirty="0" smtClean="0"/>
-              <a:t>및 목록</a:t>
+              <a:t> 및 목록</a:t>
             </a:r>
             <a:endParaRPr lang="en-US" altLang="ko-KR" sz="1800" dirty="0" smtClean="0"/>
           </a:p>
@@ -3449,7 +3325,6 @@
               <a:rPr lang="en-US" altLang="ko-KR" sz="1800" dirty="0" smtClean="0"/>
               <a:t> </a:t>
             </a:r>
-            <a:endParaRPr lang="en-US" altLang="ko-KR" sz="1800" dirty="0" smtClean="0"/>
           </a:p>
           <a:p>
             <a:r>
@@ -3473,7 +3348,11 @@
             </a:r>
             <a:r>
               <a:rPr lang="ko-KR" altLang="en-US" sz="1800" dirty="0"/>
-              <a:t>제주시 공연행사 정보</a:t>
+              <a:t>제주시 공연행사 </a:t>
+            </a:r>
+            <a:r>
+              <a:rPr lang="ko-KR" altLang="en-US" sz="1800" dirty="0" smtClean="0"/>
+              <a:t>정보</a:t>
             </a:r>
             <a:endParaRPr lang="en-US" altLang="ko-KR" sz="1800" dirty="0"/>
           </a:p>
@@ -3484,29 +3363,12 @@
             </a:r>
             <a:r>
               <a:rPr lang="ko-KR" altLang="en-US" sz="1800" dirty="0" smtClean="0"/>
-              <a:t>제주관광 </a:t>
-            </a:r>
-            <a:r>
-              <a:rPr lang="en-US" altLang="ko-KR" sz="1800" dirty="0" err="1"/>
-              <a:t>ebook</a:t>
-            </a:r>
-            <a:r>
-              <a:rPr lang="en-US" altLang="ko-KR" sz="1800" dirty="0"/>
-              <a:t> </a:t>
+              <a:t>제주특별자치도 </a:t>
             </a:r>
             <a:r>
               <a:rPr lang="ko-KR" altLang="en-US" sz="1800" dirty="0"/>
-              <a:t>정보 </a:t>
-            </a:r>
-            <a:r>
-              <a:rPr lang="ko-KR" altLang="en-US" sz="1800" dirty="0" smtClean="0"/>
-              <a:t>서비스</a:t>
-            </a:r>
-            <a:r>
-              <a:rPr lang="en-US" altLang="ko-KR" sz="1800" dirty="0" smtClean="0"/>
-              <a:t> </a:t>
-            </a:r>
-            <a:endParaRPr lang="en-US" altLang="ko-KR" sz="1800" dirty="0"/>
+              <a:t>기상관측 정보</a:t>
+            </a:r>
           </a:p>
           <a:p>
             <a:r>
@@ -3515,31 +3377,17 @@
             </a:r>
             <a:r>
               <a:rPr lang="ko-KR" altLang="en-US" sz="1800" dirty="0" smtClean="0"/>
-              <a:t>제주특별자치도 </a:t>
-            </a:r>
-            <a:r>
-              <a:rPr lang="ko-KR" altLang="en-US" sz="1800" dirty="0"/>
-              <a:t>기상관측 정보</a:t>
+              <a:t>제주 </a:t>
+            </a:r>
+            <a:r>
+              <a:rPr lang="en-US" altLang="ko-KR" sz="1800" dirty="0"/>
+              <a:t>HOT PLACE</a:t>
             </a:r>
           </a:p>
           <a:p>
             <a:r>
               <a:rPr lang="en-US" altLang="ko-KR" sz="1800" dirty="0" smtClean="0"/>
               <a:t>8 </a:t>
-            </a:r>
-            <a:r>
-              <a:rPr lang="ko-KR" altLang="en-US" sz="1800" dirty="0" smtClean="0"/>
-              <a:t>제주 </a:t>
-            </a:r>
-            <a:r>
-              <a:rPr lang="en-US" altLang="ko-KR" sz="1800" dirty="0"/>
-              <a:t>HOT PLACE</a:t>
-            </a:r>
-          </a:p>
-          <a:p>
-            <a:r>
-              <a:rPr lang="en-US" altLang="ko-KR" sz="1800" dirty="0" smtClean="0"/>
-              <a:t>9 </a:t>
             </a:r>
             <a:r>
               <a:rPr lang="ko-KR" altLang="en-US" sz="1800" dirty="0" smtClean="0"/>
@@ -5555,7 +5403,7 @@
         <p:spPr/>
         <p:txBody>
           <a:bodyPr>
-            <a:normAutofit/>
+            <a:normAutofit fontScale="90000"/>
           </a:bodyPr>
           <a:lstStyle/>
           <a:p>
@@ -5565,31 +5413,19 @@
             </a:r>
             <a:r>
               <a:rPr lang="ko-KR" altLang="en-US" dirty="0"/>
-              <a:t>제주관광 </a:t>
-            </a:r>
-            <a:r>
-              <a:rPr lang="en-US" altLang="ko-KR" dirty="0" err="1"/>
-              <a:t>ebook</a:t>
-            </a:r>
-            <a:r>
-              <a:rPr lang="en-US" altLang="ko-KR" dirty="0"/>
-              <a:t> </a:t>
-            </a:r>
-            <a:r>
-              <a:rPr lang="ko-KR" altLang="en-US" dirty="0"/>
-              <a:t>정보 서비스</a:t>
-            </a:r>
-            <a:r>
-              <a:rPr lang="en-US" altLang="ko-KR" dirty="0"/>
-              <a:t> </a:t>
-            </a:r>
-            <a:endParaRPr lang="en-US" altLang="ko-KR" dirty="0"/>
-          </a:p>
-        </p:txBody>
-      </p:sp>
-      <p:sp>
-        <p:nvSpPr>
-          <p:cNvPr id="11" name="직사각형 10"/>
+              <a:t>제주특별자치도 기상관측 </a:t>
+            </a:r>
+            <a:r>
+              <a:rPr lang="ko-KR" altLang="en-US" dirty="0" smtClean="0"/>
+              <a:t>정보</a:t>
+            </a:r>
+            <a:endParaRPr lang="ko-KR" altLang="en-US" dirty="0"/>
+          </a:p>
+        </p:txBody>
+      </p:sp>
+      <p:sp>
+        <p:nvSpPr>
+          <p:cNvPr id="3" name="직사각형 2"/>
           <p:cNvSpPr/>
           <p:nvPr/>
         </p:nvSpPr>
@@ -5652,7 +5488,7 @@
     </p:spTree>
     <p:extLst>
       <p:ext uri="{BB962C8B-B14F-4D97-AF65-F5344CB8AC3E}">
-        <p14:creationId xmlns:p14="http://schemas.microsoft.com/office/powerpoint/2010/main" val="856052157"/>
+        <p14:creationId xmlns:p14="http://schemas.microsoft.com/office/powerpoint/2010/main" val="1334516203"/>
       </p:ext>
     </p:extLst>
   </p:cSld>
@@ -5696,13 +5532,17 @@
           <a:p>
             <a:r>
               <a:rPr lang="en-US" altLang="ko-KR" dirty="0" smtClean="0"/>
-              <a:t>1 </a:t>
-            </a:r>
-            <a:r>
-              <a:rPr lang="ko-KR" altLang="en-US" dirty="0" err="1" smtClean="0"/>
-              <a:t>인트로</a:t>
-            </a:r>
-            <a:endParaRPr lang="ko-KR" altLang="en-US" dirty="0"/>
+              <a:t>7 </a:t>
+            </a:r>
+            <a:r>
+              <a:rPr lang="ko-KR" altLang="en-US" dirty="0"/>
+              <a:t>제주 </a:t>
+            </a:r>
+            <a:r>
+              <a:rPr lang="en-US" altLang="ko-KR" dirty="0"/>
+              <a:t>HOT PLACE</a:t>
+            </a:r>
+            <a:endParaRPr lang="en-US" altLang="ko-KR" dirty="0"/>
           </a:p>
         </p:txBody>
       </p:sp>

--- a/Project Info/ui.pptx
+++ b/Project Info/ui.pptx
@@ -8,13 +8,15 @@
     <p:sldId id="256" r:id="rId2"/>
     <p:sldId id="257" r:id="rId3"/>
     <p:sldId id="258" r:id="rId4"/>
-    <p:sldId id="264" r:id="rId5"/>
-    <p:sldId id="259" r:id="rId6"/>
-    <p:sldId id="263" r:id="rId7"/>
-    <p:sldId id="265" r:id="rId8"/>
-    <p:sldId id="260" r:id="rId9"/>
-    <p:sldId id="261" r:id="rId10"/>
-    <p:sldId id="262" r:id="rId11"/>
+    <p:sldId id="266" r:id="rId5"/>
+    <p:sldId id="267" r:id="rId6"/>
+    <p:sldId id="264" r:id="rId7"/>
+    <p:sldId id="259" r:id="rId8"/>
+    <p:sldId id="263" r:id="rId9"/>
+    <p:sldId id="265" r:id="rId10"/>
+    <p:sldId id="260" r:id="rId11"/>
+    <p:sldId id="261" r:id="rId12"/>
+    <p:sldId id="262" r:id="rId13"/>
   </p:sldIdLst>
   <p:sldSz cx="9144000" cy="6858000" type="screen4x3"/>
   <p:notesSz cx="6858000" cy="9144000"/>
@@ -3140,16 +3142,22 @@
         </p:nvSpPr>
         <p:spPr/>
         <p:txBody>
-          <a:bodyPr/>
+          <a:bodyPr>
+            <a:normAutofit fontScale="90000"/>
+          </a:bodyPr>
           <a:lstStyle/>
           <a:p>
             <a:r>
               <a:rPr lang="en-US" altLang="ko-KR" dirty="0" smtClean="0"/>
-              <a:t>8 </a:t>
+              <a:t>6 </a:t>
             </a:r>
             <a:r>
               <a:rPr lang="ko-KR" altLang="en-US" dirty="0"/>
-              <a:t>근처 음식점 추천</a:t>
+              <a:t>제주특별자치도 기상관측 </a:t>
+            </a:r>
+            <a:r>
+              <a:rPr lang="ko-KR" altLang="en-US" dirty="0" smtClean="0"/>
+              <a:t>정보</a:t>
             </a:r>
             <a:endParaRPr lang="ko-KR" altLang="en-US" dirty="0"/>
           </a:p>
@@ -3191,29 +3199,1253 @@
             <a:pPr algn="ctr"/>
             <a:r>
               <a:rPr lang="ko-KR" altLang="en-US" sz="1200" dirty="0" smtClean="0"/>
-              <a:t>제주 관광정보</a:t>
+              <a:t>제주 날씨정보</a:t>
             </a:r>
             <a:endParaRPr lang="en-US" altLang="ko-KR" sz="1200" dirty="0" smtClean="0"/>
           </a:p>
           <a:p>
             <a:pPr algn="ctr"/>
+            <a:endParaRPr lang="en-US" altLang="ko-KR" sz="1200" dirty="0"/>
+          </a:p>
+          <a:p>
+            <a:pPr algn="ctr"/>
+            <a:endParaRPr lang="en-US" altLang="ko-KR" sz="1200" dirty="0"/>
+          </a:p>
+          <a:p>
+            <a:pPr algn="ctr"/>
             <a:endParaRPr lang="en-US" altLang="ko-KR" sz="1200" dirty="0" smtClean="0"/>
           </a:p>
           <a:p>
             <a:pPr algn="ctr"/>
+            <a:endParaRPr lang="en-US" altLang="ko-KR" sz="1200" dirty="0"/>
+          </a:p>
+          <a:p>
+            <a:pPr algn="ctr"/>
+            <a:endParaRPr lang="en-US" altLang="ko-KR" sz="1200" dirty="0" smtClean="0"/>
+          </a:p>
+          <a:p>
+            <a:pPr algn="ctr"/>
+            <a:endParaRPr lang="en-US" altLang="ko-KR" sz="1200" dirty="0"/>
+          </a:p>
+          <a:p>
+            <a:pPr algn="ctr"/>
+            <a:endParaRPr lang="en-US" altLang="ko-KR" sz="1200" dirty="0" smtClean="0"/>
+          </a:p>
+          <a:p>
+            <a:pPr algn="ctr"/>
+            <a:endParaRPr lang="en-US" altLang="ko-KR" sz="1200" dirty="0"/>
+          </a:p>
+          <a:p>
+            <a:pPr algn="ctr"/>
+            <a:endParaRPr lang="en-US" altLang="ko-KR" sz="1200" dirty="0" smtClean="0"/>
+          </a:p>
+          <a:p>
+            <a:pPr algn="ctr"/>
+            <a:endParaRPr lang="en-US" altLang="ko-KR" sz="1200" dirty="0"/>
+          </a:p>
+          <a:p>
+            <a:pPr algn="ctr"/>
+            <a:endParaRPr lang="en-US" altLang="ko-KR" sz="1200" dirty="0" smtClean="0"/>
+          </a:p>
+          <a:p>
+            <a:pPr algn="ctr"/>
+            <a:endParaRPr lang="en-US" altLang="ko-KR" sz="1200" dirty="0"/>
+          </a:p>
+          <a:p>
+            <a:pPr algn="ctr"/>
+            <a:endParaRPr lang="en-US" altLang="ko-KR" sz="1200" dirty="0" smtClean="0"/>
+          </a:p>
+          <a:p>
+            <a:pPr algn="ctr"/>
+            <a:endParaRPr lang="ko-KR" altLang="en-US" sz="1200" dirty="0"/>
+          </a:p>
+        </p:txBody>
+      </p:sp>
+      <p:pic>
+        <p:nvPicPr>
+          <p:cNvPr id="1026" name="Picture 2"/>
+          <p:cNvPicPr>
+            <a:picLocks noChangeAspect="1" noChangeArrowheads="1"/>
+          </p:cNvPicPr>
+          <p:nvPr/>
+        </p:nvPicPr>
+        <p:blipFill>
+          <a:blip r:embed="rId2" cstate="print">
+            <a:extLst>
+              <a:ext uri="{28A0092B-C50C-407E-A947-70E740481C1C}">
+                <a14:useLocalDpi xmlns:a14="http://schemas.microsoft.com/office/drawing/2010/main" val="0"/>
+              </a:ext>
+            </a:extLst>
+          </a:blip>
+          <a:srcRect/>
+          <a:stretch>
+            <a:fillRect/>
+          </a:stretch>
+        </p:blipFill>
+        <p:spPr bwMode="auto">
+          <a:xfrm>
+            <a:off x="642107" y="4193341"/>
+            <a:ext cx="2345717" cy="1277650"/>
+          </a:xfrm>
+          <a:prstGeom prst="rect">
+            <a:avLst/>
+          </a:prstGeom>
+          <a:noFill/>
+          <a:ln>
+            <a:noFill/>
+          </a:ln>
+          <a:effectLst/>
+          <a:extLst>
+            <a:ext uri="{909E8E84-426E-40DD-AFC4-6F175D3DCCD1}">
+              <a14:hiddenFill xmlns:a14="http://schemas.microsoft.com/office/drawing/2010/main">
+                <a:solidFill>
+                  <a:schemeClr val="accent1"/>
+                </a:solidFill>
+              </a14:hiddenFill>
+            </a:ext>
+            <a:ext uri="{91240B29-F687-4F45-9708-019B960494DF}">
+              <a14:hiddenLine xmlns:a14="http://schemas.microsoft.com/office/drawing/2010/main" w="9525">
+                <a:solidFill>
+                  <a:schemeClr val="tx1"/>
+                </a:solidFill>
+                <a:miter lim="800000"/>
+                <a:headEnd/>
+                <a:tailEnd/>
+              </a14:hiddenLine>
+            </a:ext>
+            <a:ext uri="{AF507438-7753-43E0-B8FC-AC1667EBCBE1}">
+              <a14:hiddenEffects xmlns:a14="http://schemas.microsoft.com/office/drawing/2010/main">
+                <a:effectLst>
+                  <a:outerShdw dist="35921" dir="2700000" algn="ctr" rotWithShape="0">
+                    <a:schemeClr val="bg2"/>
+                  </a:outerShdw>
+                </a:effectLst>
+              </a14:hiddenEffects>
+            </a:ext>
+          </a:extLst>
+        </p:spPr>
+      </p:pic>
+      <p:pic>
+        <p:nvPicPr>
+          <p:cNvPr id="1027" name="Picture 3"/>
+          <p:cNvPicPr>
+            <a:picLocks noChangeAspect="1" noChangeArrowheads="1"/>
+          </p:cNvPicPr>
+          <p:nvPr/>
+        </p:nvPicPr>
+        <p:blipFill>
+          <a:blip r:embed="rId3" cstate="print">
+            <a:extLst>
+              <a:ext uri="{28A0092B-C50C-407E-A947-70E740481C1C}">
+                <a14:useLocalDpi xmlns:a14="http://schemas.microsoft.com/office/drawing/2010/main" val="0"/>
+              </a:ext>
+            </a:extLst>
+          </a:blip>
+          <a:srcRect/>
+          <a:stretch>
+            <a:fillRect/>
+          </a:stretch>
+        </p:blipFill>
+        <p:spPr bwMode="auto">
+          <a:xfrm>
+            <a:off x="642107" y="2631410"/>
+            <a:ext cx="2345717" cy="1445662"/>
+          </a:xfrm>
+          <a:prstGeom prst="rect">
+            <a:avLst/>
+          </a:prstGeom>
+          <a:noFill/>
+          <a:ln>
+            <a:noFill/>
+          </a:ln>
+          <a:effectLst/>
+          <a:extLst>
+            <a:ext uri="{909E8E84-426E-40DD-AFC4-6F175D3DCCD1}">
+              <a14:hiddenFill xmlns:a14="http://schemas.microsoft.com/office/drawing/2010/main">
+                <a:solidFill>
+                  <a:schemeClr val="accent1"/>
+                </a:solidFill>
+              </a14:hiddenFill>
+            </a:ext>
+            <a:ext uri="{91240B29-F687-4F45-9708-019B960494DF}">
+              <a14:hiddenLine xmlns:a14="http://schemas.microsoft.com/office/drawing/2010/main" w="9525">
+                <a:solidFill>
+                  <a:schemeClr val="tx1"/>
+                </a:solidFill>
+                <a:miter lim="800000"/>
+                <a:headEnd/>
+                <a:tailEnd/>
+              </a14:hiddenLine>
+            </a:ext>
+            <a:ext uri="{AF507438-7753-43E0-B8FC-AC1667EBCBE1}">
+              <a14:hiddenEffects xmlns:a14="http://schemas.microsoft.com/office/drawing/2010/main">
+                <a:effectLst>
+                  <a:outerShdw dist="35921" dir="2700000" algn="ctr" rotWithShape="0">
+                    <a:schemeClr val="bg2"/>
+                  </a:outerShdw>
+                </a:effectLst>
+              </a14:hiddenEffects>
+            </a:ext>
+          </a:extLst>
+        </p:spPr>
+      </p:pic>
+      <p:sp>
+        <p:nvSpPr>
+          <p:cNvPr id="6" name="왼쪽 화살표 설명선 5"/>
+          <p:cNvSpPr/>
+          <p:nvPr/>
+        </p:nvSpPr>
+        <p:spPr>
+          <a:xfrm>
+            <a:off x="3059832" y="2674854"/>
+            <a:ext cx="2088232" cy="1402218"/>
+          </a:xfrm>
+          <a:prstGeom prst="leftArrowCallout">
+            <a:avLst>
+              <a:gd name="adj1" fmla="val 8400"/>
+              <a:gd name="adj2" fmla="val 15778"/>
+              <a:gd name="adj3" fmla="val 14856"/>
+              <a:gd name="adj4" fmla="val 64977"/>
+            </a:avLst>
+          </a:prstGeom>
+        </p:spPr>
+        <p:style>
+          <a:lnRef idx="2">
+            <a:schemeClr val="accent3">
+              <a:shade val="50000"/>
+            </a:schemeClr>
+          </a:lnRef>
+          <a:fillRef idx="1">
+            <a:schemeClr val="accent3"/>
+          </a:fillRef>
+          <a:effectRef idx="0">
+            <a:schemeClr val="accent3"/>
+          </a:effectRef>
+          <a:fontRef idx="minor">
+            <a:schemeClr val="lt1"/>
+          </a:fontRef>
+        </p:style>
+        <p:txBody>
+          <a:bodyPr rtlCol="0" anchor="ctr"/>
+          <a:lstStyle/>
+          <a:p>
+            <a:pPr algn="ctr"/>
+            <a:r>
+              <a:rPr lang="ko-KR" altLang="en-US" sz="1200" dirty="0" smtClean="0"/>
+              <a:t>제주도 오늘의 상세날씨와</a:t>
+            </a:r>
+            <a:endParaRPr lang="ko-KR" altLang="en-US" sz="1200" dirty="0"/>
+          </a:p>
+        </p:txBody>
+      </p:sp>
+      <p:sp>
+        <p:nvSpPr>
+          <p:cNvPr id="7" name="왼쪽 화살표 설명선 6"/>
+          <p:cNvSpPr/>
+          <p:nvPr/>
+        </p:nvSpPr>
+        <p:spPr>
+          <a:xfrm>
+            <a:off x="3059832" y="4177345"/>
+            <a:ext cx="2088232" cy="1402218"/>
+          </a:xfrm>
+          <a:prstGeom prst="leftArrowCallout">
+            <a:avLst>
+              <a:gd name="adj1" fmla="val 8400"/>
+              <a:gd name="adj2" fmla="val 15778"/>
+              <a:gd name="adj3" fmla="val 14856"/>
+              <a:gd name="adj4" fmla="val 64977"/>
+            </a:avLst>
+          </a:prstGeom>
+        </p:spPr>
+        <p:style>
+          <a:lnRef idx="2">
+            <a:schemeClr val="accent3">
+              <a:shade val="50000"/>
+            </a:schemeClr>
+          </a:lnRef>
+          <a:fillRef idx="1">
+            <a:schemeClr val="accent3"/>
+          </a:fillRef>
+          <a:effectRef idx="0">
+            <a:schemeClr val="accent3"/>
+          </a:effectRef>
+          <a:fontRef idx="minor">
+            <a:schemeClr val="lt1"/>
+          </a:fontRef>
+        </p:style>
+        <p:txBody>
+          <a:bodyPr rtlCol="0" anchor="ctr"/>
+          <a:lstStyle/>
+          <a:p>
+            <a:pPr algn="ctr"/>
+            <a:r>
+              <a:rPr lang="ko-KR" altLang="en-US" sz="1200" dirty="0" smtClean="0"/>
+              <a:t>제주도 주간날씨를 한번에</a:t>
+            </a:r>
+            <a:endParaRPr lang="ko-KR" altLang="en-US" sz="1200" dirty="0"/>
+          </a:p>
+        </p:txBody>
+      </p:sp>
+    </p:spTree>
+    <p:extLst>
+      <p:ext uri="{BB962C8B-B14F-4D97-AF65-F5344CB8AC3E}">
+        <p14:creationId xmlns:p14="http://schemas.microsoft.com/office/powerpoint/2010/main" val="1334516203"/>
+      </p:ext>
+    </p:extLst>
+  </p:cSld>
+  <p:clrMapOvr>
+    <a:masterClrMapping/>
+  </p:clrMapOvr>
+</p:sld>
+</file>
+
+<file path=ppt/slides/slide11.xml><?xml version="1.0" encoding="utf-8"?>
+<p:sld xmlns:a="http://schemas.openxmlformats.org/drawingml/2006/main" xmlns:r="http://schemas.openxmlformats.org/officeDocument/2006/relationships" xmlns:p="http://schemas.openxmlformats.org/presentationml/2006/main">
+  <p:cSld>
+    <p:spTree>
+      <p:nvGrpSpPr>
+        <p:cNvPr id="1" name=""/>
+        <p:cNvGrpSpPr/>
+        <p:nvPr/>
+      </p:nvGrpSpPr>
+      <p:grpSpPr>
+        <a:xfrm>
+          <a:off x="0" y="0"/>
+          <a:ext cx="0" cy="0"/>
+          <a:chOff x="0" y="0"/>
+          <a:chExt cx="0" cy="0"/>
+        </a:xfrm>
+      </p:grpSpPr>
+      <p:sp>
+        <p:nvSpPr>
+          <p:cNvPr id="2" name="제목 1"/>
+          <p:cNvSpPr>
+            <a:spLocks noGrp="1"/>
+          </p:cNvSpPr>
+          <p:nvPr>
+            <p:ph type="title"/>
+          </p:nvPr>
+        </p:nvSpPr>
+        <p:spPr/>
+        <p:txBody>
+          <a:bodyPr/>
+          <a:lstStyle/>
+          <a:p>
+            <a:r>
+              <a:rPr lang="en-US" altLang="ko-KR" dirty="0" smtClean="0"/>
+              <a:t>7 </a:t>
+            </a:r>
+            <a:r>
+              <a:rPr lang="ko-KR" altLang="en-US" dirty="0"/>
+              <a:t>제주 </a:t>
+            </a:r>
+            <a:r>
+              <a:rPr lang="en-US" altLang="ko-KR" dirty="0"/>
+              <a:t>HOT PLACE</a:t>
+            </a:r>
+          </a:p>
+        </p:txBody>
+      </p:sp>
+      <p:sp>
+        <p:nvSpPr>
+          <p:cNvPr id="3" name="직사각형 2"/>
+          <p:cNvSpPr/>
+          <p:nvPr/>
+        </p:nvSpPr>
+        <p:spPr>
+          <a:xfrm>
+            <a:off x="631740" y="1844824"/>
+            <a:ext cx="2356084" cy="3672408"/>
+          </a:xfrm>
+          <a:prstGeom prst="rect">
+            <a:avLst/>
+          </a:prstGeom>
+        </p:spPr>
+        <p:style>
+          <a:lnRef idx="2">
+            <a:schemeClr val="dk1"/>
+          </a:lnRef>
+          <a:fillRef idx="1">
+            <a:schemeClr val="lt1"/>
+          </a:fillRef>
+          <a:effectRef idx="0">
+            <a:schemeClr val="dk1"/>
+          </a:effectRef>
+          <a:fontRef idx="minor">
+            <a:schemeClr val="dk1"/>
+          </a:fontRef>
+        </p:style>
+        <p:txBody>
+          <a:bodyPr rtlCol="0" anchor="ctr"/>
+          <a:lstStyle/>
+          <a:p>
+            <a:pPr algn="ctr"/>
+            <a:endParaRPr lang="ko-KR" altLang="en-US" sz="1200" dirty="0"/>
+          </a:p>
+        </p:txBody>
+      </p:sp>
+      <p:sp>
+        <p:nvSpPr>
+          <p:cNvPr id="4" name="직사각형 3"/>
+          <p:cNvSpPr/>
+          <p:nvPr/>
+        </p:nvSpPr>
+        <p:spPr>
+          <a:xfrm>
+            <a:off x="1197714" y="2456892"/>
+            <a:ext cx="1224136" cy="360040"/>
+          </a:xfrm>
+          <a:prstGeom prst="rect">
+            <a:avLst/>
+          </a:prstGeom>
+        </p:spPr>
+        <p:style>
+          <a:lnRef idx="2">
+            <a:schemeClr val="accent1"/>
+          </a:lnRef>
+          <a:fillRef idx="1">
+            <a:schemeClr val="lt1"/>
+          </a:fillRef>
+          <a:effectRef idx="0">
+            <a:schemeClr val="accent1"/>
+          </a:effectRef>
+          <a:fontRef idx="minor">
+            <a:schemeClr val="dk1"/>
+          </a:fontRef>
+        </p:style>
+        <p:txBody>
+          <a:bodyPr rtlCol="0" anchor="ctr"/>
+          <a:lstStyle/>
+          <a:p>
+            <a:pPr algn="ctr"/>
+            <a:r>
+              <a:rPr lang="ko-KR" altLang="en-US" sz="1200" dirty="0"/>
+              <a:t>제주목관아</a:t>
+            </a:r>
+          </a:p>
+        </p:txBody>
+      </p:sp>
+      <p:sp>
+        <p:nvSpPr>
+          <p:cNvPr id="5" name="직사각형 4"/>
+          <p:cNvSpPr/>
+          <p:nvPr/>
+        </p:nvSpPr>
+        <p:spPr>
+          <a:xfrm>
+            <a:off x="1197714" y="2888940"/>
+            <a:ext cx="1224136" cy="360040"/>
+          </a:xfrm>
+          <a:prstGeom prst="rect">
+            <a:avLst/>
+          </a:prstGeom>
+        </p:spPr>
+        <p:style>
+          <a:lnRef idx="2">
+            <a:schemeClr val="accent1"/>
+          </a:lnRef>
+          <a:fillRef idx="1">
+            <a:schemeClr val="lt1"/>
+          </a:fillRef>
+          <a:effectRef idx="0">
+            <a:schemeClr val="accent1"/>
+          </a:effectRef>
+          <a:fontRef idx="minor">
+            <a:schemeClr val="dk1"/>
+          </a:fontRef>
+        </p:style>
+        <p:txBody>
+          <a:bodyPr rtlCol="0" anchor="ctr"/>
+          <a:lstStyle/>
+          <a:p>
+            <a:pPr algn="ctr"/>
+            <a:r>
+              <a:rPr lang="ko-KR" altLang="en-US" sz="1200" smtClean="0"/>
+              <a:t>주상절리</a:t>
+            </a:r>
+            <a:r>
+              <a:rPr lang="ko-KR" altLang="en-US" sz="1200"/>
+              <a:t>대</a:t>
+            </a:r>
+            <a:endParaRPr lang="ko-KR" altLang="en-US" sz="1200" dirty="0"/>
+          </a:p>
+        </p:txBody>
+      </p:sp>
+      <p:sp>
+        <p:nvSpPr>
+          <p:cNvPr id="6" name="직사각형 5"/>
+          <p:cNvSpPr/>
+          <p:nvPr/>
+        </p:nvSpPr>
+        <p:spPr>
+          <a:xfrm>
+            <a:off x="1197714" y="3320988"/>
+            <a:ext cx="1224136" cy="360040"/>
+          </a:xfrm>
+          <a:prstGeom prst="rect">
+            <a:avLst/>
+          </a:prstGeom>
+        </p:spPr>
+        <p:style>
+          <a:lnRef idx="2">
+            <a:schemeClr val="accent1"/>
+          </a:lnRef>
+          <a:fillRef idx="1">
+            <a:schemeClr val="lt1"/>
+          </a:fillRef>
+          <a:effectRef idx="0">
+            <a:schemeClr val="accent1"/>
+          </a:effectRef>
+          <a:fontRef idx="minor">
+            <a:schemeClr val="dk1"/>
+          </a:fontRef>
+        </p:style>
+        <p:txBody>
+          <a:bodyPr rtlCol="0" anchor="ctr"/>
+          <a:lstStyle/>
+          <a:p>
+            <a:pPr algn="ctr"/>
+            <a:r>
+              <a:rPr lang="ko-KR" altLang="en-US" sz="1200" dirty="0" err="1" smtClean="0"/>
+              <a:t>ㅁㄴㅇㄹ</a:t>
+            </a:r>
+            <a:endParaRPr lang="ko-KR" altLang="en-US" sz="1200" dirty="0"/>
+          </a:p>
+        </p:txBody>
+      </p:sp>
+      <p:sp>
+        <p:nvSpPr>
+          <p:cNvPr id="7" name="직사각형 6"/>
+          <p:cNvSpPr/>
+          <p:nvPr/>
+        </p:nvSpPr>
+        <p:spPr>
+          <a:xfrm>
+            <a:off x="1197714" y="3832096"/>
+            <a:ext cx="1224136" cy="360040"/>
+          </a:xfrm>
+          <a:prstGeom prst="rect">
+            <a:avLst/>
+          </a:prstGeom>
+        </p:spPr>
+        <p:style>
+          <a:lnRef idx="2">
+            <a:schemeClr val="accent1"/>
+          </a:lnRef>
+          <a:fillRef idx="1">
+            <a:schemeClr val="lt1"/>
+          </a:fillRef>
+          <a:effectRef idx="0">
+            <a:schemeClr val="accent1"/>
+          </a:effectRef>
+          <a:fontRef idx="minor">
+            <a:schemeClr val="dk1"/>
+          </a:fontRef>
+        </p:style>
+        <p:txBody>
+          <a:bodyPr rtlCol="0" anchor="ctr"/>
+          <a:lstStyle/>
+          <a:p>
+            <a:pPr algn="ctr"/>
+            <a:r>
+              <a:rPr lang="ko-KR" altLang="en-US" sz="1200" dirty="0" err="1" smtClean="0"/>
+              <a:t>ㅂㅈㄷㄱ</a:t>
+            </a:r>
+            <a:endParaRPr lang="ko-KR" altLang="en-US" sz="1200" dirty="0"/>
+          </a:p>
+        </p:txBody>
+      </p:sp>
+      <p:pic>
+        <p:nvPicPr>
+          <p:cNvPr id="2050" name="Picture 2"/>
+          <p:cNvPicPr>
+            <a:picLocks noChangeAspect="1" noChangeArrowheads="1"/>
+          </p:cNvPicPr>
+          <p:nvPr/>
+        </p:nvPicPr>
+        <p:blipFill>
+          <a:blip r:embed="rId2" cstate="print">
+            <a:extLst>
+              <a:ext uri="{28A0092B-C50C-407E-A947-70E740481C1C}">
+                <a14:useLocalDpi xmlns:a14="http://schemas.microsoft.com/office/drawing/2010/main" val="0"/>
+              </a:ext>
+            </a:extLst>
+          </a:blip>
+          <a:srcRect/>
+          <a:stretch>
+            <a:fillRect/>
+          </a:stretch>
+        </p:blipFill>
+        <p:spPr bwMode="auto">
+          <a:xfrm>
+            <a:off x="2510923" y="2491111"/>
+            <a:ext cx="288032" cy="288032"/>
+          </a:xfrm>
+          <a:prstGeom prst="rect">
+            <a:avLst/>
+          </a:prstGeom>
+          <a:noFill/>
+          <a:ln>
+            <a:noFill/>
+          </a:ln>
+          <a:effectLst/>
+          <a:extLst>
+            <a:ext uri="{909E8E84-426E-40DD-AFC4-6F175D3DCCD1}">
+              <a14:hiddenFill xmlns:a14="http://schemas.microsoft.com/office/drawing/2010/main">
+                <a:solidFill>
+                  <a:schemeClr val="accent1"/>
+                </a:solidFill>
+              </a14:hiddenFill>
+            </a:ext>
+            <a:ext uri="{91240B29-F687-4F45-9708-019B960494DF}">
+              <a14:hiddenLine xmlns:a14="http://schemas.microsoft.com/office/drawing/2010/main" w="9525">
+                <a:solidFill>
+                  <a:schemeClr val="tx1"/>
+                </a:solidFill>
+                <a:miter lim="800000"/>
+                <a:headEnd/>
+                <a:tailEnd/>
+              </a14:hiddenLine>
+            </a:ext>
+            <a:ext uri="{AF507438-7753-43E0-B8FC-AC1667EBCBE1}">
+              <a14:hiddenEffects xmlns:a14="http://schemas.microsoft.com/office/drawing/2010/main">
+                <a:effectLst>
+                  <a:outerShdw dist="35921" dir="2700000" algn="ctr" rotWithShape="0">
+                    <a:schemeClr val="bg2"/>
+                  </a:outerShdw>
+                </a:effectLst>
+              </a14:hiddenEffects>
+            </a:ext>
+          </a:extLst>
+        </p:spPr>
+      </p:pic>
+      <p:pic>
+        <p:nvPicPr>
+          <p:cNvPr id="11" name="Picture 2"/>
+          <p:cNvPicPr>
+            <a:picLocks noChangeAspect="1" noChangeArrowheads="1"/>
+          </p:cNvPicPr>
+          <p:nvPr/>
+        </p:nvPicPr>
+        <p:blipFill>
+          <a:blip r:embed="rId2" cstate="print">
+            <a:extLst>
+              <a:ext uri="{28A0092B-C50C-407E-A947-70E740481C1C}">
+                <a14:useLocalDpi xmlns:a14="http://schemas.microsoft.com/office/drawing/2010/main" val="0"/>
+              </a:ext>
+            </a:extLst>
+          </a:blip>
+          <a:srcRect/>
+          <a:stretch>
+            <a:fillRect/>
+          </a:stretch>
+        </p:blipFill>
+        <p:spPr bwMode="auto">
+          <a:xfrm>
+            <a:off x="2510923" y="2960948"/>
+            <a:ext cx="288032" cy="288032"/>
+          </a:xfrm>
+          <a:prstGeom prst="rect">
+            <a:avLst/>
+          </a:prstGeom>
+          <a:noFill/>
+          <a:ln>
+            <a:noFill/>
+          </a:ln>
+          <a:effectLst/>
+          <a:extLst>
+            <a:ext uri="{909E8E84-426E-40DD-AFC4-6F175D3DCCD1}">
+              <a14:hiddenFill xmlns:a14="http://schemas.microsoft.com/office/drawing/2010/main">
+                <a:solidFill>
+                  <a:schemeClr val="accent1"/>
+                </a:solidFill>
+              </a14:hiddenFill>
+            </a:ext>
+            <a:ext uri="{91240B29-F687-4F45-9708-019B960494DF}">
+              <a14:hiddenLine xmlns:a14="http://schemas.microsoft.com/office/drawing/2010/main" w="9525">
+                <a:solidFill>
+                  <a:schemeClr val="tx1"/>
+                </a:solidFill>
+                <a:miter lim="800000"/>
+                <a:headEnd/>
+                <a:tailEnd/>
+              </a14:hiddenLine>
+            </a:ext>
+            <a:ext uri="{AF507438-7753-43E0-B8FC-AC1667EBCBE1}">
+              <a14:hiddenEffects xmlns:a14="http://schemas.microsoft.com/office/drawing/2010/main">
+                <a:effectLst>
+                  <a:outerShdw dist="35921" dir="2700000" algn="ctr" rotWithShape="0">
+                    <a:schemeClr val="bg2"/>
+                  </a:outerShdw>
+                </a:effectLst>
+              </a14:hiddenEffects>
+            </a:ext>
+          </a:extLst>
+        </p:spPr>
+      </p:pic>
+      <p:pic>
+        <p:nvPicPr>
+          <p:cNvPr id="12" name="Picture 2"/>
+          <p:cNvPicPr>
+            <a:picLocks noChangeAspect="1" noChangeArrowheads="1"/>
+          </p:cNvPicPr>
+          <p:nvPr/>
+        </p:nvPicPr>
+        <p:blipFill>
+          <a:blip r:embed="rId2" cstate="print">
+            <a:extLst>
+              <a:ext uri="{28A0092B-C50C-407E-A947-70E740481C1C}">
+                <a14:useLocalDpi xmlns:a14="http://schemas.microsoft.com/office/drawing/2010/main" val="0"/>
+              </a:ext>
+            </a:extLst>
+          </a:blip>
+          <a:srcRect/>
+          <a:stretch>
+            <a:fillRect/>
+          </a:stretch>
+        </p:blipFill>
+        <p:spPr bwMode="auto">
+          <a:xfrm>
+            <a:off x="2510923" y="3397709"/>
+            <a:ext cx="288032" cy="288032"/>
+          </a:xfrm>
+          <a:prstGeom prst="rect">
+            <a:avLst/>
+          </a:prstGeom>
+          <a:noFill/>
+          <a:ln>
+            <a:noFill/>
+          </a:ln>
+          <a:effectLst/>
+          <a:extLst>
+            <a:ext uri="{909E8E84-426E-40DD-AFC4-6F175D3DCCD1}">
+              <a14:hiddenFill xmlns:a14="http://schemas.microsoft.com/office/drawing/2010/main">
+                <a:solidFill>
+                  <a:schemeClr val="accent1"/>
+                </a:solidFill>
+              </a14:hiddenFill>
+            </a:ext>
+            <a:ext uri="{91240B29-F687-4F45-9708-019B960494DF}">
+              <a14:hiddenLine xmlns:a14="http://schemas.microsoft.com/office/drawing/2010/main" w="9525">
+                <a:solidFill>
+                  <a:schemeClr val="tx1"/>
+                </a:solidFill>
+                <a:miter lim="800000"/>
+                <a:headEnd/>
+                <a:tailEnd/>
+              </a14:hiddenLine>
+            </a:ext>
+            <a:ext uri="{AF507438-7753-43E0-B8FC-AC1667EBCBE1}">
+              <a14:hiddenEffects xmlns:a14="http://schemas.microsoft.com/office/drawing/2010/main">
+                <a:effectLst>
+                  <a:outerShdw dist="35921" dir="2700000" algn="ctr" rotWithShape="0">
+                    <a:schemeClr val="bg2"/>
+                  </a:outerShdw>
+                </a:effectLst>
+              </a14:hiddenEffects>
+            </a:ext>
+          </a:extLst>
+        </p:spPr>
+      </p:pic>
+      <p:pic>
+        <p:nvPicPr>
+          <p:cNvPr id="13" name="Picture 2"/>
+          <p:cNvPicPr>
+            <a:picLocks noChangeAspect="1" noChangeArrowheads="1"/>
+          </p:cNvPicPr>
+          <p:nvPr/>
+        </p:nvPicPr>
+        <p:blipFill>
+          <a:blip r:embed="rId2" cstate="print">
+            <a:extLst>
+              <a:ext uri="{28A0092B-C50C-407E-A947-70E740481C1C}">
+                <a14:useLocalDpi xmlns:a14="http://schemas.microsoft.com/office/drawing/2010/main" val="0"/>
+              </a:ext>
+            </a:extLst>
+          </a:blip>
+          <a:srcRect/>
+          <a:stretch>
+            <a:fillRect/>
+          </a:stretch>
+        </p:blipFill>
+        <p:spPr bwMode="auto">
+          <a:xfrm>
+            <a:off x="2510923" y="3832096"/>
+            <a:ext cx="288032" cy="288032"/>
+          </a:xfrm>
+          <a:prstGeom prst="rect">
+            <a:avLst/>
+          </a:prstGeom>
+          <a:noFill/>
+          <a:ln>
+            <a:noFill/>
+          </a:ln>
+          <a:effectLst/>
+          <a:extLst>
+            <a:ext uri="{909E8E84-426E-40DD-AFC4-6F175D3DCCD1}">
+              <a14:hiddenFill xmlns:a14="http://schemas.microsoft.com/office/drawing/2010/main">
+                <a:solidFill>
+                  <a:schemeClr val="accent1"/>
+                </a:solidFill>
+              </a14:hiddenFill>
+            </a:ext>
+            <a:ext uri="{91240B29-F687-4F45-9708-019B960494DF}">
+              <a14:hiddenLine xmlns:a14="http://schemas.microsoft.com/office/drawing/2010/main" w="9525">
+                <a:solidFill>
+                  <a:schemeClr val="tx1"/>
+                </a:solidFill>
+                <a:miter lim="800000"/>
+                <a:headEnd/>
+                <a:tailEnd/>
+              </a14:hiddenLine>
+            </a:ext>
+            <a:ext uri="{AF507438-7753-43E0-B8FC-AC1667EBCBE1}">
+              <a14:hiddenEffects xmlns:a14="http://schemas.microsoft.com/office/drawing/2010/main">
+                <a:effectLst>
+                  <a:outerShdw dist="35921" dir="2700000" algn="ctr" rotWithShape="0">
+                    <a:schemeClr val="bg2"/>
+                  </a:outerShdw>
+                </a:effectLst>
+              </a14:hiddenEffects>
+            </a:ext>
+          </a:extLst>
+        </p:spPr>
+      </p:pic>
+    </p:spTree>
+    <p:extLst>
+      <p:ext uri="{BB962C8B-B14F-4D97-AF65-F5344CB8AC3E}">
+        <p14:creationId xmlns:p14="http://schemas.microsoft.com/office/powerpoint/2010/main" val="1334516203"/>
+      </p:ext>
+    </p:extLst>
+  </p:cSld>
+  <p:clrMapOvr>
+    <a:masterClrMapping/>
+  </p:clrMapOvr>
+</p:sld>
+</file>
+
+<file path=ppt/slides/slide12.xml><?xml version="1.0" encoding="utf-8"?>
+<p:sld xmlns:a="http://schemas.openxmlformats.org/drawingml/2006/main" xmlns:r="http://schemas.openxmlformats.org/officeDocument/2006/relationships" xmlns:p="http://schemas.openxmlformats.org/presentationml/2006/main">
+  <p:cSld>
+    <p:spTree>
+      <p:nvGrpSpPr>
+        <p:cNvPr id="1" name=""/>
+        <p:cNvGrpSpPr/>
+        <p:nvPr/>
+      </p:nvGrpSpPr>
+      <p:grpSpPr>
+        <a:xfrm>
+          <a:off x="0" y="0"/>
+          <a:ext cx="0" cy="0"/>
+          <a:chOff x="0" y="0"/>
+          <a:chExt cx="0" cy="0"/>
+        </a:xfrm>
+      </p:grpSpPr>
+      <p:sp>
+        <p:nvSpPr>
+          <p:cNvPr id="2" name="제목 1"/>
+          <p:cNvSpPr>
+            <a:spLocks noGrp="1"/>
+          </p:cNvSpPr>
+          <p:nvPr>
+            <p:ph type="title"/>
+          </p:nvPr>
+        </p:nvSpPr>
+        <p:spPr/>
+        <p:txBody>
+          <a:bodyPr/>
+          <a:lstStyle/>
+          <a:p>
+            <a:r>
+              <a:rPr lang="en-US" altLang="ko-KR" dirty="0" smtClean="0"/>
+              <a:t>8 </a:t>
+            </a:r>
+            <a:r>
+              <a:rPr lang="ko-KR" altLang="en-US" dirty="0"/>
+              <a:t>근처 음식점 추천</a:t>
+            </a:r>
+          </a:p>
+        </p:txBody>
+      </p:sp>
+      <p:sp>
+        <p:nvSpPr>
+          <p:cNvPr id="3" name="직사각형 2"/>
+          <p:cNvSpPr/>
+          <p:nvPr/>
+        </p:nvSpPr>
+        <p:spPr>
+          <a:xfrm>
+            <a:off x="631740" y="1844824"/>
+            <a:ext cx="2356084" cy="3672408"/>
+          </a:xfrm>
+          <a:prstGeom prst="rect">
+            <a:avLst/>
+          </a:prstGeom>
+        </p:spPr>
+        <p:style>
+          <a:lnRef idx="2">
+            <a:schemeClr val="dk1"/>
+          </a:lnRef>
+          <a:fillRef idx="1">
+            <a:schemeClr val="lt1"/>
+          </a:fillRef>
+          <a:effectRef idx="0">
+            <a:schemeClr val="dk1"/>
+          </a:effectRef>
+          <a:fontRef idx="minor">
+            <a:schemeClr val="dk1"/>
+          </a:fontRef>
+        </p:style>
+        <p:txBody>
+          <a:bodyPr rtlCol="0" anchor="ctr"/>
+          <a:lstStyle/>
+          <a:p>
+            <a:r>
+              <a:rPr lang="ko-KR" altLang="en-US" sz="1200" dirty="0" err="1" smtClean="0"/>
+              <a:t>ㅁㅁㅁ식당</a:t>
+            </a:r>
+            <a:endParaRPr lang="en-US" altLang="ko-KR" sz="1200" dirty="0"/>
+          </a:p>
+          <a:p>
+            <a:endParaRPr lang="en-US" altLang="ko-KR" sz="1200" dirty="0" smtClean="0"/>
+          </a:p>
+          <a:p>
+            <a:r>
+              <a:rPr lang="ko-KR" altLang="en-US" sz="1200" dirty="0" err="1" smtClean="0"/>
+              <a:t>ㅇㅇㅇ식당</a:t>
+            </a:r>
+            <a:endParaRPr lang="en-US" altLang="ko-KR" sz="1200" dirty="0" smtClean="0"/>
+          </a:p>
+          <a:p>
+            <a:endParaRPr lang="en-US" altLang="ko-KR" sz="1200" dirty="0"/>
+          </a:p>
+          <a:p>
+            <a:r>
+              <a:rPr lang="ko-KR" altLang="en-US" sz="1200" dirty="0" err="1" smtClean="0"/>
+              <a:t>ㄹㄹㄹ식당</a:t>
+            </a:r>
+            <a:endParaRPr lang="en-US" altLang="ko-KR" sz="1200" dirty="0" smtClean="0"/>
+          </a:p>
+          <a:p>
+            <a:endParaRPr lang="en-US" altLang="ko-KR" sz="1200" dirty="0"/>
+          </a:p>
+          <a:p>
+            <a:r>
+              <a:rPr lang="ko-KR" altLang="en-US" sz="1200" dirty="0" err="1" smtClean="0"/>
+              <a:t>ㅎㅎㅎ식당</a:t>
+            </a:r>
+            <a:endParaRPr lang="en-US" altLang="ko-KR" sz="1200" dirty="0" smtClean="0"/>
+          </a:p>
+          <a:p>
+            <a:endParaRPr lang="en-US" altLang="ko-KR" sz="1200" dirty="0" smtClean="0"/>
+          </a:p>
+          <a:p>
+            <a:r>
+              <a:rPr lang="ko-KR" altLang="en-US" sz="1200" dirty="0" err="1" smtClean="0"/>
+              <a:t>ㅌㅌㅌ식당</a:t>
+            </a:r>
+            <a:endParaRPr lang="en-US" altLang="ko-KR" sz="1200" dirty="0" smtClean="0"/>
+          </a:p>
+        </p:txBody>
+      </p:sp>
+      <p:sp>
+        <p:nvSpPr>
+          <p:cNvPr id="4" name="왼쪽 화살표 설명선 3"/>
+          <p:cNvSpPr/>
+          <p:nvPr/>
+        </p:nvSpPr>
+        <p:spPr>
+          <a:xfrm>
+            <a:off x="3082969" y="1972609"/>
+            <a:ext cx="2088232" cy="1402218"/>
+          </a:xfrm>
+          <a:prstGeom prst="leftArrowCallout">
+            <a:avLst>
+              <a:gd name="adj1" fmla="val 8400"/>
+              <a:gd name="adj2" fmla="val 15778"/>
+              <a:gd name="adj3" fmla="val 14856"/>
+              <a:gd name="adj4" fmla="val 64977"/>
+            </a:avLst>
+          </a:prstGeom>
+        </p:spPr>
+        <p:style>
+          <a:lnRef idx="2">
+            <a:schemeClr val="accent3">
+              <a:shade val="50000"/>
+            </a:schemeClr>
+          </a:lnRef>
+          <a:fillRef idx="1">
+            <a:schemeClr val="accent3"/>
+          </a:fillRef>
+          <a:effectRef idx="0">
+            <a:schemeClr val="accent3"/>
+          </a:effectRef>
+          <a:fontRef idx="minor">
+            <a:schemeClr val="lt1"/>
+          </a:fontRef>
+        </p:style>
+        <p:txBody>
+          <a:bodyPr rtlCol="0" anchor="ctr"/>
+          <a:lstStyle/>
+          <a:p>
+            <a:pPr algn="ctr"/>
+            <a:r>
+              <a:rPr lang="ko-KR" altLang="en-US" sz="1200" dirty="0" smtClean="0"/>
+              <a:t>위치 데이터 비교가 된다면</a:t>
+            </a:r>
+            <a:endParaRPr lang="en-US" altLang="ko-KR" sz="1200" dirty="0" smtClean="0"/>
+          </a:p>
+          <a:p>
+            <a:pPr algn="ctr"/>
+            <a:endParaRPr lang="en-US" altLang="ko-KR" sz="1200" dirty="0" smtClean="0"/>
+          </a:p>
+          <a:p>
+            <a:pPr algn="ctr"/>
             <a:r>
               <a:rPr lang="en-US" altLang="ko-KR" sz="1200" dirty="0" smtClean="0"/>
-              <a:t>(With </a:t>
+              <a:t>GPS</a:t>
             </a:r>
             <a:r>
               <a:rPr lang="ko-KR" altLang="en-US" sz="1200" dirty="0" smtClean="0"/>
-              <a:t>공공데이터 </a:t>
+              <a:t>받아와서  </a:t>
             </a:r>
             <a:r>
               <a:rPr lang="en-US" altLang="ko-KR" sz="1200" dirty="0" smtClean="0"/>
-              <a:t>3.0)</a:t>
-            </a:r>
-            <a:endParaRPr lang="ko-KR" altLang="en-US" sz="1200" dirty="0"/>
+              <a:t>? </a:t>
+            </a:r>
+          </a:p>
+          <a:p>
+            <a:pPr algn="ctr"/>
+            <a:endParaRPr lang="en-US" altLang="ko-KR" sz="1200" dirty="0"/>
+          </a:p>
+          <a:p>
+            <a:pPr algn="ctr"/>
+            <a:r>
+              <a:rPr lang="ko-KR" altLang="en-US" sz="1200" dirty="0" smtClean="0"/>
+              <a:t>근처 지점 목록</a:t>
+            </a:r>
+            <a:endParaRPr lang="en-US" altLang="ko-KR" sz="1200" dirty="0" smtClean="0"/>
+          </a:p>
+        </p:txBody>
+      </p:sp>
+      <p:sp>
+        <p:nvSpPr>
+          <p:cNvPr id="5" name="직사각형 4"/>
+          <p:cNvSpPr/>
+          <p:nvPr/>
+        </p:nvSpPr>
+        <p:spPr>
+          <a:xfrm>
+            <a:off x="1835696" y="2780928"/>
+            <a:ext cx="864096" cy="288032"/>
+          </a:xfrm>
+          <a:prstGeom prst="rect">
+            <a:avLst/>
+          </a:prstGeom>
+        </p:spPr>
+        <p:style>
+          <a:lnRef idx="2">
+            <a:schemeClr val="accent1">
+              <a:shade val="50000"/>
+            </a:schemeClr>
+          </a:lnRef>
+          <a:fillRef idx="1">
+            <a:schemeClr val="accent1"/>
+          </a:fillRef>
+          <a:effectRef idx="0">
+            <a:schemeClr val="accent1"/>
+          </a:effectRef>
+          <a:fontRef idx="minor">
+            <a:schemeClr val="lt1"/>
+          </a:fontRef>
+        </p:style>
+        <p:txBody>
+          <a:bodyPr rtlCol="0" anchor="ctr"/>
+          <a:lstStyle/>
+          <a:p>
+            <a:pPr algn="ctr"/>
+            <a:r>
+              <a:rPr lang="ko-KR" altLang="en-US" sz="1100" smtClean="0"/>
+              <a:t>상세보기</a:t>
+            </a:r>
+            <a:endParaRPr lang="en-US" altLang="ko-KR" sz="1100" dirty="0" smtClean="0"/>
+          </a:p>
+        </p:txBody>
+      </p:sp>
+      <p:sp>
+        <p:nvSpPr>
+          <p:cNvPr id="6" name="직사각형 5"/>
+          <p:cNvSpPr/>
+          <p:nvPr/>
+        </p:nvSpPr>
+        <p:spPr>
+          <a:xfrm>
+            <a:off x="1835696" y="3212976"/>
+            <a:ext cx="864096" cy="288032"/>
+          </a:xfrm>
+          <a:prstGeom prst="rect">
+            <a:avLst/>
+          </a:prstGeom>
+        </p:spPr>
+        <p:style>
+          <a:lnRef idx="2">
+            <a:schemeClr val="accent1">
+              <a:shade val="50000"/>
+            </a:schemeClr>
+          </a:lnRef>
+          <a:fillRef idx="1">
+            <a:schemeClr val="accent1"/>
+          </a:fillRef>
+          <a:effectRef idx="0">
+            <a:schemeClr val="accent1"/>
+          </a:effectRef>
+          <a:fontRef idx="minor">
+            <a:schemeClr val="lt1"/>
+          </a:fontRef>
+        </p:style>
+        <p:txBody>
+          <a:bodyPr rtlCol="0" anchor="ctr"/>
+          <a:lstStyle/>
+          <a:p>
+            <a:pPr algn="ctr"/>
+            <a:r>
+              <a:rPr lang="ko-KR" altLang="en-US" sz="1100" dirty="0" smtClean="0"/>
+              <a:t>상세보기</a:t>
+            </a:r>
+            <a:endParaRPr lang="en-US" altLang="ko-KR" sz="1100" dirty="0" smtClean="0"/>
+          </a:p>
+        </p:txBody>
+      </p:sp>
+      <p:sp>
+        <p:nvSpPr>
+          <p:cNvPr id="7" name="직사각형 6"/>
+          <p:cNvSpPr/>
+          <p:nvPr/>
+        </p:nvSpPr>
+        <p:spPr>
+          <a:xfrm>
+            <a:off x="1835696" y="3562966"/>
+            <a:ext cx="864096" cy="288032"/>
+          </a:xfrm>
+          <a:prstGeom prst="rect">
+            <a:avLst/>
+          </a:prstGeom>
+        </p:spPr>
+        <p:style>
+          <a:lnRef idx="2">
+            <a:schemeClr val="accent1">
+              <a:shade val="50000"/>
+            </a:schemeClr>
+          </a:lnRef>
+          <a:fillRef idx="1">
+            <a:schemeClr val="accent1"/>
+          </a:fillRef>
+          <a:effectRef idx="0">
+            <a:schemeClr val="accent1"/>
+          </a:effectRef>
+          <a:fontRef idx="minor">
+            <a:schemeClr val="lt1"/>
+          </a:fontRef>
+        </p:style>
+        <p:txBody>
+          <a:bodyPr rtlCol="0" anchor="ctr"/>
+          <a:lstStyle/>
+          <a:p>
+            <a:pPr algn="ctr"/>
+            <a:r>
+              <a:rPr lang="ko-KR" altLang="en-US" sz="1100" smtClean="0"/>
+              <a:t>상세보기</a:t>
+            </a:r>
+            <a:endParaRPr lang="en-US" altLang="ko-KR" sz="1100" dirty="0" smtClean="0"/>
+          </a:p>
+        </p:txBody>
+      </p:sp>
+      <p:sp>
+        <p:nvSpPr>
+          <p:cNvPr id="8" name="직사각형 7"/>
+          <p:cNvSpPr/>
+          <p:nvPr/>
+        </p:nvSpPr>
+        <p:spPr>
+          <a:xfrm>
+            <a:off x="1835696" y="3933056"/>
+            <a:ext cx="864096" cy="288032"/>
+          </a:xfrm>
+          <a:prstGeom prst="rect">
+            <a:avLst/>
+          </a:prstGeom>
+        </p:spPr>
+        <p:style>
+          <a:lnRef idx="2">
+            <a:schemeClr val="accent1">
+              <a:shade val="50000"/>
+            </a:schemeClr>
+          </a:lnRef>
+          <a:fillRef idx="1">
+            <a:schemeClr val="accent1"/>
+          </a:fillRef>
+          <a:effectRef idx="0">
+            <a:schemeClr val="accent1"/>
+          </a:effectRef>
+          <a:fontRef idx="minor">
+            <a:schemeClr val="lt1"/>
+          </a:fontRef>
+        </p:style>
+        <p:txBody>
+          <a:bodyPr rtlCol="0" anchor="ctr"/>
+          <a:lstStyle/>
+          <a:p>
+            <a:pPr algn="ctr"/>
+            <a:r>
+              <a:rPr lang="ko-KR" altLang="en-US" sz="1100" smtClean="0"/>
+              <a:t>상세보기</a:t>
+            </a:r>
+            <a:endParaRPr lang="en-US" altLang="ko-KR" sz="1100" dirty="0" smtClean="0"/>
+          </a:p>
+        </p:txBody>
+      </p:sp>
+      <p:sp>
+        <p:nvSpPr>
+          <p:cNvPr id="9" name="직사각형 8"/>
+          <p:cNvSpPr/>
+          <p:nvPr/>
+        </p:nvSpPr>
+        <p:spPr>
+          <a:xfrm>
+            <a:off x="1835696" y="4293096"/>
+            <a:ext cx="864096" cy="288032"/>
+          </a:xfrm>
+          <a:prstGeom prst="rect">
+            <a:avLst/>
+          </a:prstGeom>
+        </p:spPr>
+        <p:style>
+          <a:lnRef idx="2">
+            <a:schemeClr val="accent1">
+              <a:shade val="50000"/>
+            </a:schemeClr>
+          </a:lnRef>
+          <a:fillRef idx="1">
+            <a:schemeClr val="accent1"/>
+          </a:fillRef>
+          <a:effectRef idx="0">
+            <a:schemeClr val="accent1"/>
+          </a:effectRef>
+          <a:fontRef idx="minor">
+            <a:schemeClr val="lt1"/>
+          </a:fontRef>
+        </p:style>
+        <p:txBody>
+          <a:bodyPr rtlCol="0" anchor="ctr"/>
+          <a:lstStyle/>
+          <a:p>
+            <a:pPr algn="ctr"/>
+            <a:r>
+              <a:rPr lang="ko-KR" altLang="en-US" sz="1100" smtClean="0"/>
+              <a:t>상세보기</a:t>
+            </a:r>
+            <a:endParaRPr lang="en-US" altLang="ko-KR" sz="1100" dirty="0" smtClean="0"/>
           </a:p>
         </p:txBody>
       </p:sp>
@@ -3297,7 +4529,40 @@
             </a:r>
             <a:r>
               <a:rPr lang="ko-KR" altLang="en-US" sz="1800" dirty="0" smtClean="0"/>
-              <a:t> 및 목록</a:t>
+              <a:t> 및 </a:t>
+            </a:r>
+            <a:r>
+              <a:rPr lang="ko-KR" altLang="en-US" sz="1800" dirty="0" smtClean="0"/>
+              <a:t>목록</a:t>
+            </a:r>
+            <a:endParaRPr lang="en-US" altLang="ko-KR" sz="1800" dirty="0" smtClean="0"/>
+          </a:p>
+          <a:p>
+            <a:r>
+              <a:rPr lang="en-US" altLang="ko-KR" sz="1800" dirty="0" smtClean="0"/>
+              <a:t>1-1 </a:t>
+            </a:r>
+            <a:r>
+              <a:rPr lang="ko-KR" altLang="en-US" sz="1800" dirty="0" smtClean="0"/>
+              <a:t>로그인화면</a:t>
+            </a:r>
+            <a:endParaRPr lang="en-US" altLang="ko-KR" sz="1800" dirty="0" smtClean="0"/>
+          </a:p>
+          <a:p>
+            <a:r>
+              <a:rPr lang="en-US" altLang="ko-KR" sz="1800" dirty="0" smtClean="0"/>
+              <a:t>1-2 </a:t>
+            </a:r>
+            <a:r>
+              <a:rPr lang="ko-KR" altLang="en-US" sz="1800" dirty="0" smtClean="0"/>
+              <a:t>회원가입</a:t>
+            </a:r>
+            <a:endParaRPr lang="en-US" altLang="ko-KR" sz="1800" dirty="0" smtClean="0"/>
+          </a:p>
+          <a:p>
+            <a:r>
+              <a:rPr lang="en-US" altLang="ko-KR" sz="1800" dirty="0" smtClean="0"/>
+              <a:t>1-3 </a:t>
             </a:r>
             <a:endParaRPr lang="en-US" altLang="ko-KR" sz="1800" dirty="0" smtClean="0"/>
           </a:p>
@@ -3811,26 +5076,26 @@
           <a:lstStyle/>
           <a:p>
             <a:r>
-              <a:rPr lang="en-US" altLang="ko-KR" dirty="0" smtClean="0"/>
-              <a:t>2 </a:t>
-            </a:r>
-            <a:r>
-              <a:rPr lang="ko-KR" altLang="en-US" dirty="0" smtClean="0"/>
-              <a:t>공통사항</a:t>
-            </a:r>
-            <a:endParaRPr lang="ko-KR" altLang="en-US" dirty="0"/>
-          </a:p>
-        </p:txBody>
-      </p:sp>
-      <p:sp>
-        <p:nvSpPr>
-          <p:cNvPr id="6" name="직사각형 5"/>
+              <a:rPr lang="en-US" altLang="ko-KR" dirty="0"/>
+              <a:t>1-1 </a:t>
+            </a:r>
+            <a:r>
+              <a:rPr lang="ko-KR" altLang="en-US" dirty="0"/>
+              <a:t>로그인화면</a:t>
+            </a:r>
+            <a:endParaRPr lang="en-US" altLang="ko-KR" dirty="0"/>
+          </a:p>
+        </p:txBody>
+      </p:sp>
+      <p:sp>
+        <p:nvSpPr>
+          <p:cNvPr id="5" name="직사각형 4"/>
           <p:cNvSpPr/>
           <p:nvPr/>
         </p:nvSpPr>
         <p:spPr>
           <a:xfrm>
-            <a:off x="755576" y="1710990"/>
+            <a:off x="631740" y="1844824"/>
             <a:ext cx="2356084" cy="3672408"/>
           </a:xfrm>
           <a:prstGeom prst="rect">
@@ -3857,239 +5122,107 @@
           <a:p>
             <a:pPr algn="ctr"/>
             <a:r>
-              <a:rPr lang="en-US" altLang="ko-KR" sz="1200" dirty="0" smtClean="0"/>
-              <a:t> </a:t>
-            </a:r>
-            <a:r>
-              <a:rPr lang="en-US" altLang="ko-KR" sz="800" dirty="0" err="1" smtClean="0"/>
-              <a:t>ui</a:t>
-            </a:r>
-            <a:r>
-              <a:rPr lang="en-US" altLang="ko-KR" sz="800" dirty="0" smtClean="0"/>
-              <a:t>(</a:t>
+              <a:rPr lang="ko-KR" altLang="en-US" sz="1200" dirty="0" smtClean="0"/>
+              <a:t>배경이미지 </a:t>
+            </a:r>
+            <a:r>
+              <a:rPr lang="ko-KR" altLang="en-US" sz="1200" dirty="0" err="1" smtClean="0"/>
+              <a:t>하나있고</a:t>
+            </a:r>
+            <a:endParaRPr lang="en-US" altLang="ko-KR" sz="1200" dirty="0" smtClean="0"/>
+          </a:p>
+          <a:p>
+            <a:pPr algn="ctr"/>
+            <a:endParaRPr lang="en-US" altLang="ko-KR" sz="1200" dirty="0"/>
+          </a:p>
+          <a:p>
+            <a:pPr algn="ctr"/>
+            <a:endParaRPr lang="en-US" altLang="ko-KR" sz="1200" dirty="0" smtClean="0"/>
+          </a:p>
+          <a:p>
+            <a:pPr algn="ctr"/>
+            <a:endParaRPr lang="en-US" altLang="ko-KR" sz="1200" dirty="0"/>
+          </a:p>
+          <a:p>
+            <a:pPr algn="ctr"/>
+            <a:endParaRPr lang="en-US" altLang="ko-KR" sz="1200" dirty="0" smtClean="0"/>
+          </a:p>
+          <a:p>
+            <a:pPr algn="ctr"/>
+            <a:endParaRPr lang="en-US" altLang="ko-KR" sz="1200" dirty="0"/>
+          </a:p>
+          <a:p>
+            <a:pPr algn="ctr"/>
+            <a:endParaRPr lang="en-US" altLang="ko-KR" sz="1200" dirty="0" smtClean="0"/>
+          </a:p>
+          <a:p>
+            <a:pPr algn="ctr"/>
+            <a:endParaRPr lang="en-US" altLang="ko-KR" sz="1200" dirty="0"/>
+          </a:p>
+          <a:p>
+            <a:pPr algn="ctr"/>
+            <a:endParaRPr lang="en-US" altLang="ko-KR" sz="1200" dirty="0" smtClean="0"/>
+          </a:p>
+          <a:p>
+            <a:pPr algn="ctr"/>
+            <a:endParaRPr lang="en-US" altLang="ko-KR" sz="1200" dirty="0"/>
+          </a:p>
+          <a:p>
+            <a:pPr algn="ctr"/>
+            <a:endParaRPr lang="en-US" altLang="ko-KR" sz="1200" dirty="0" smtClean="0"/>
+          </a:p>
+          <a:p>
+            <a:pPr algn="ctr"/>
+            <a:r>
+              <a:rPr lang="ko-KR" altLang="en-US" sz="800" dirty="0" smtClean="0"/>
+              <a:t>회원가입        </a:t>
             </a:r>
             <a:r>
               <a:rPr lang="ko-KR" altLang="en-US" sz="800" dirty="0" err="1" smtClean="0"/>
-              <a:t>밤낮판단</a:t>
-            </a:r>
-            <a:r>
-              <a:rPr lang="ko-KR" altLang="en-US" sz="800" dirty="0" smtClean="0"/>
-              <a:t> 및 위치 판단 배경</a:t>
-            </a:r>
-            <a:r>
-              <a:rPr lang="en-US" altLang="ko-KR" sz="800" dirty="0" smtClean="0"/>
-              <a:t>)</a:t>
-            </a:r>
-          </a:p>
-          <a:p>
-            <a:pPr algn="ctr"/>
-            <a:endParaRPr lang="en-US" altLang="ko-KR" sz="800" dirty="0"/>
-          </a:p>
-          <a:p>
-            <a:pPr algn="ctr"/>
-            <a:endParaRPr lang="en-US" altLang="ko-KR" sz="800" dirty="0" smtClean="0"/>
-          </a:p>
-          <a:p>
-            <a:pPr algn="ctr"/>
-            <a:endParaRPr lang="en-US" altLang="ko-KR" sz="800" dirty="0" smtClean="0"/>
-          </a:p>
-          <a:p>
-            <a:pPr lvl="2" algn="ctr"/>
-            <a:r>
-              <a:rPr lang="en-US" altLang="ko-KR" sz="700" dirty="0" smtClean="0"/>
-              <a:t>----------------------------</a:t>
-            </a:r>
-            <a:endParaRPr lang="en-US" altLang="ko-KR" sz="700" dirty="0"/>
-          </a:p>
-          <a:p>
-            <a:pPr lvl="2" algn="ctr"/>
-            <a:r>
-              <a:rPr lang="en-US" altLang="ko-KR" sz="700" dirty="0" smtClean="0"/>
-              <a:t>MY STAMP</a:t>
-            </a:r>
-            <a:endParaRPr lang="en-US" altLang="ko-KR" sz="700" dirty="0"/>
-          </a:p>
-          <a:p>
-            <a:pPr lvl="2" algn="ctr"/>
-            <a:r>
-              <a:rPr lang="en-US" altLang="ko-KR" sz="700" dirty="0"/>
-              <a:t>----------------------------</a:t>
-            </a:r>
-          </a:p>
-          <a:p>
-            <a:pPr lvl="2" algn="ctr"/>
-            <a:r>
-              <a:rPr lang="ko-KR" altLang="en-US" sz="700" dirty="0"/>
-              <a:t>제주시 문화축제현황 정보</a:t>
-            </a:r>
-            <a:endParaRPr lang="en-US" altLang="ko-KR" sz="700" dirty="0"/>
-          </a:p>
-          <a:p>
-            <a:pPr lvl="2" algn="ctr"/>
-            <a:r>
-              <a:rPr lang="en-US" altLang="ko-KR" sz="700" dirty="0" smtClean="0"/>
-              <a:t>----------------------------</a:t>
-            </a:r>
-            <a:endParaRPr lang="en-US" altLang="ko-KR" sz="700" dirty="0"/>
-          </a:p>
-          <a:p>
-            <a:pPr lvl="2" algn="ctr"/>
-            <a:r>
-              <a:rPr lang="ko-KR" altLang="en-US" sz="700" dirty="0"/>
-              <a:t>제주시 </a:t>
-            </a:r>
-            <a:r>
-              <a:rPr lang="ko-KR" altLang="en-US" sz="700" dirty="0" smtClean="0"/>
-              <a:t>공연행사 </a:t>
-            </a:r>
-            <a:r>
-              <a:rPr lang="ko-KR" altLang="en-US" sz="700" dirty="0"/>
-              <a:t>정보</a:t>
-            </a:r>
-            <a:endParaRPr lang="en-US" altLang="ko-KR" sz="700" dirty="0"/>
-          </a:p>
-          <a:p>
-            <a:pPr lvl="2" algn="ctr"/>
-            <a:r>
-              <a:rPr lang="en-US" altLang="ko-KR" sz="700" dirty="0"/>
-              <a:t>----------------------------</a:t>
-            </a:r>
-          </a:p>
-          <a:p>
-            <a:pPr lvl="2" algn="ctr"/>
-            <a:r>
-              <a:rPr lang="ko-KR" altLang="en-US" sz="700" dirty="0" smtClean="0"/>
-              <a:t>제주관광 </a:t>
-            </a:r>
-            <a:r>
-              <a:rPr lang="en-US" altLang="ko-KR" sz="700" dirty="0" err="1" smtClean="0"/>
-              <a:t>ebook</a:t>
-            </a:r>
-            <a:r>
-              <a:rPr lang="en-US" altLang="ko-KR" sz="700" dirty="0" smtClean="0"/>
-              <a:t> </a:t>
-            </a:r>
-            <a:r>
-              <a:rPr lang="ko-KR" altLang="en-US" sz="700" dirty="0" smtClean="0"/>
-              <a:t>정보 서비스</a:t>
-            </a:r>
-            <a:endParaRPr lang="en-US" altLang="ko-KR" sz="700" dirty="0"/>
-          </a:p>
-          <a:p>
-            <a:pPr lvl="2" algn="ctr"/>
-            <a:r>
-              <a:rPr lang="en-US" altLang="ko-KR" sz="700" dirty="0"/>
-              <a:t>----------------------------</a:t>
-            </a:r>
-          </a:p>
-          <a:p>
-            <a:pPr lvl="2" algn="ctr"/>
-            <a:r>
-              <a:rPr lang="ko-KR" altLang="en-US" sz="700" dirty="0" smtClean="0"/>
-              <a:t>제주특별자치도 기상관측 정보</a:t>
-            </a:r>
-            <a:endParaRPr lang="en-US" altLang="ko-KR" sz="700" dirty="0"/>
-          </a:p>
-          <a:p>
-            <a:pPr lvl="2" algn="ctr"/>
-            <a:r>
-              <a:rPr lang="en-US" altLang="ko-KR" sz="700" dirty="0"/>
-              <a:t>----------------------------</a:t>
-            </a:r>
-          </a:p>
-          <a:p>
-            <a:pPr lvl="2" algn="ctr"/>
-            <a:r>
-              <a:rPr lang="ko-KR" altLang="en-US" sz="700" dirty="0" smtClean="0"/>
-              <a:t>제주 </a:t>
-            </a:r>
-            <a:r>
-              <a:rPr lang="en-US" altLang="ko-KR" sz="700" dirty="0" smtClean="0"/>
-              <a:t>HOT PLACE</a:t>
-            </a:r>
-            <a:endParaRPr lang="en-US" altLang="ko-KR" sz="700" dirty="0"/>
-          </a:p>
-          <a:p>
-            <a:pPr lvl="2" algn="ctr"/>
-            <a:r>
-              <a:rPr lang="en-US" altLang="ko-KR" sz="700" dirty="0"/>
-              <a:t>----------------------------</a:t>
-            </a:r>
-          </a:p>
-          <a:p>
-            <a:pPr lvl="2" algn="ctr"/>
-            <a:r>
-              <a:rPr lang="ko-KR" altLang="en-US" sz="700" dirty="0" smtClean="0"/>
-              <a:t>근처 음식점 추천</a:t>
-            </a:r>
-            <a:endParaRPr lang="en-US" altLang="ko-KR" sz="700" dirty="0"/>
-          </a:p>
-          <a:p>
-            <a:pPr lvl="2" algn="ctr"/>
-            <a:r>
-              <a:rPr lang="en-US" altLang="ko-KR" sz="700" dirty="0" smtClean="0"/>
-              <a:t>----------------------------</a:t>
-            </a:r>
-          </a:p>
-          <a:p>
-            <a:pPr algn="ctr"/>
+              <a:t>비밀번호찾기</a:t>
+            </a:r>
             <a:endParaRPr lang="en-US" altLang="ko-KR" sz="1200" dirty="0"/>
           </a:p>
           <a:p>
             <a:pPr algn="ctr"/>
+            <a:endParaRPr lang="en-US" altLang="ko-KR" sz="1200" dirty="0" smtClean="0"/>
+          </a:p>
+          <a:p>
+            <a:pPr algn="ctr"/>
+            <a:endParaRPr lang="en-US" altLang="ko-KR" sz="1200" dirty="0"/>
+          </a:p>
+          <a:p>
+            <a:pPr algn="ctr"/>
+            <a:endParaRPr lang="en-US" altLang="ko-KR" sz="1200" dirty="0" smtClean="0"/>
+          </a:p>
+          <a:p>
+            <a:pPr algn="ctr"/>
+            <a:endParaRPr lang="en-US" altLang="ko-KR" sz="1200" dirty="0"/>
+          </a:p>
+          <a:p>
+            <a:pPr algn="ctr"/>
+            <a:endParaRPr lang="en-US" altLang="ko-KR" sz="1200" dirty="0" smtClean="0"/>
+          </a:p>
+          <a:p>
+            <a:pPr algn="ctr"/>
             <a:endParaRPr lang="ko-KR" altLang="en-US" sz="1200" dirty="0"/>
           </a:p>
         </p:txBody>
       </p:sp>
       <p:sp>
         <p:nvSpPr>
-          <p:cNvPr id="8" name="TextBox 7"/>
-          <p:cNvSpPr txBox="1"/>
+          <p:cNvPr id="6" name="직사각형 5"/>
+          <p:cNvSpPr/>
           <p:nvPr/>
         </p:nvSpPr>
         <p:spPr>
           <a:xfrm>
-            <a:off x="1043608" y="5527414"/>
-            <a:ext cx="1872208" cy="430887"/>
+            <a:off x="755576" y="3005336"/>
+            <a:ext cx="1728192" cy="423664"/>
           </a:xfrm>
           <a:prstGeom prst="rect">
             <a:avLst/>
           </a:prstGeom>
-          <a:noFill/>
-        </p:spPr>
-        <p:txBody>
-          <a:bodyPr wrap="square" rtlCol="0">
-            <a:spAutoFit/>
-          </a:bodyPr>
-          <a:lstStyle/>
-          <a:p>
-            <a:r>
-              <a:rPr lang="en-US" altLang="ko-KR" sz="1100" dirty="0" smtClean="0"/>
-              <a:t>+ </a:t>
-            </a:r>
-            <a:r>
-              <a:rPr lang="ko-KR" altLang="en-US" sz="1100" dirty="0" smtClean="0"/>
-              <a:t>어디서든지 화면 오른쪽으로 리스트 추가되게</a:t>
-            </a:r>
-            <a:endParaRPr lang="ko-KR" altLang="en-US" sz="1100" dirty="0"/>
-          </a:p>
-        </p:txBody>
-      </p:sp>
-      <p:sp>
-        <p:nvSpPr>
-          <p:cNvPr id="9" name="직사각형 8"/>
-          <p:cNvSpPr/>
-          <p:nvPr/>
-        </p:nvSpPr>
-        <p:spPr>
-          <a:xfrm>
-            <a:off x="1619672" y="2716296"/>
-            <a:ext cx="1491988" cy="1800200"/>
-          </a:xfrm>
-          <a:prstGeom prst="rect">
-            <a:avLst/>
-          </a:prstGeom>
-          <a:noFill/>
         </p:spPr>
         <p:style>
           <a:lnRef idx="2">
@@ -4110,14 +5243,102 @@
           <a:lstStyle/>
           <a:p>
             <a:pPr algn="ctr"/>
-            <a:endParaRPr lang="ko-KR" altLang="en-US"/>
+            <a:r>
+              <a:rPr lang="ko-KR" altLang="en-US" sz="1200" smtClean="0"/>
+              <a:t>아이디</a:t>
+            </a:r>
+            <a:endParaRPr lang="ko-KR" altLang="en-US" sz="1200" dirty="0"/>
+          </a:p>
+        </p:txBody>
+      </p:sp>
+      <p:sp>
+        <p:nvSpPr>
+          <p:cNvPr id="8" name="직사각형 7"/>
+          <p:cNvSpPr/>
+          <p:nvPr/>
+        </p:nvSpPr>
+        <p:spPr>
+          <a:xfrm>
+            <a:off x="755576" y="3509392"/>
+            <a:ext cx="1728192" cy="423664"/>
+          </a:xfrm>
+          <a:prstGeom prst="rect">
+            <a:avLst/>
+          </a:prstGeom>
+        </p:spPr>
+        <p:style>
+          <a:lnRef idx="2">
+            <a:schemeClr val="dk1"/>
+          </a:lnRef>
+          <a:fillRef idx="1">
+            <a:schemeClr val="lt1"/>
+          </a:fillRef>
+          <a:effectRef idx="0">
+            <a:schemeClr val="dk1"/>
+          </a:effectRef>
+          <a:fontRef idx="minor">
+            <a:schemeClr val="dk1"/>
+          </a:fontRef>
+        </p:style>
+        <p:txBody>
+          <a:bodyPr rtlCol="0" anchor="ctr"/>
+          <a:lstStyle/>
+          <a:p>
+            <a:pPr algn="ctr"/>
+            <a:r>
+              <a:rPr lang="ko-KR" altLang="en-US" sz="1200" dirty="0" smtClean="0"/>
+              <a:t>비번</a:t>
+            </a:r>
+            <a:endParaRPr lang="ko-KR" altLang="en-US" sz="1200" dirty="0"/>
+          </a:p>
+        </p:txBody>
+      </p:sp>
+      <p:sp>
+        <p:nvSpPr>
+          <p:cNvPr id="9" name="직사각형 8"/>
+          <p:cNvSpPr/>
+          <p:nvPr/>
+        </p:nvSpPr>
+        <p:spPr>
+          <a:xfrm>
+            <a:off x="2555776" y="3005336"/>
+            <a:ext cx="360040" cy="927720"/>
+          </a:xfrm>
+          <a:prstGeom prst="rect">
+            <a:avLst/>
+          </a:prstGeom>
+        </p:spPr>
+        <p:style>
+          <a:lnRef idx="2">
+            <a:schemeClr val="dk1"/>
+          </a:lnRef>
+          <a:fillRef idx="1">
+            <a:schemeClr val="lt1"/>
+          </a:fillRef>
+          <a:effectRef idx="0">
+            <a:schemeClr val="dk1"/>
+          </a:effectRef>
+          <a:fontRef idx="minor">
+            <a:schemeClr val="dk1"/>
+          </a:fontRef>
+        </p:style>
+        <p:txBody>
+          <a:bodyPr rtlCol="0" anchor="ctr"/>
+          <a:lstStyle/>
+          <a:p>
+            <a:pPr algn="ctr"/>
+            <a:r>
+              <a:rPr lang="ko-KR" altLang="en-US" sz="1200" dirty="0" smtClean="0"/>
+              <a:t>로그인</a:t>
+            </a:r>
+            <a:endParaRPr lang="ko-KR" altLang="en-US" sz="1200" dirty="0"/>
           </a:p>
         </p:txBody>
       </p:sp>
     </p:spTree>
     <p:extLst>
       <p:ext uri="{BB962C8B-B14F-4D97-AF65-F5344CB8AC3E}">
-        <p14:creationId xmlns:p14="http://schemas.microsoft.com/office/powerpoint/2010/main" val="2821373486"/>
+        <p14:creationId xmlns:p14="http://schemas.microsoft.com/office/powerpoint/2010/main" val="723334699"/>
       </p:ext>
     </p:extLst>
   </p:cSld>
@@ -4160,16 +5381,20 @@
           <a:lstStyle/>
           <a:p>
             <a:r>
-              <a:rPr lang="en-US" altLang="ko-KR" dirty="0" smtClean="0"/>
-              <a:t>3 MY STAMP</a:t>
-            </a:r>
-            <a:endParaRPr lang="ko-KR" altLang="en-US" dirty="0"/>
-          </a:p>
-        </p:txBody>
-      </p:sp>
-      <p:sp>
-        <p:nvSpPr>
-          <p:cNvPr id="3" name="직사각형 2"/>
+              <a:rPr lang="en-US" altLang="ko-KR" dirty="0"/>
+              <a:t>1-2 </a:t>
+            </a:r>
+            <a:r>
+              <a:rPr lang="ko-KR" altLang="en-US" dirty="0"/>
+              <a:t>회원가입</a:t>
+            </a:r>
+            <a:endParaRPr lang="en-US" altLang="ko-KR" dirty="0"/>
+          </a:p>
+        </p:txBody>
+      </p:sp>
+      <p:sp>
+        <p:nvSpPr>
+          <p:cNvPr id="5" name="직사각형 4"/>
           <p:cNvSpPr/>
           <p:nvPr/>
         </p:nvSpPr>
@@ -4203,12 +5428,1057 @@
             <a:pPr algn="ctr"/>
             <a:r>
               <a:rPr lang="ko-KR" altLang="en-US" sz="1200" dirty="0" smtClean="0"/>
-              <a:t>미</a:t>
-            </a:r>
+              <a:t>제주 관광정보</a:t>
+            </a:r>
+            <a:endParaRPr lang="en-US" altLang="ko-KR" sz="1200" dirty="0" smtClean="0"/>
+          </a:p>
+          <a:p>
+            <a:pPr algn="ctr"/>
+            <a:endParaRPr lang="en-US" altLang="ko-KR" sz="1200" dirty="0" smtClean="0"/>
+          </a:p>
+          <a:p>
+            <a:pPr algn="ctr"/>
+            <a:r>
+              <a:rPr lang="en-US" altLang="ko-KR" sz="1200" dirty="0" smtClean="0"/>
+              <a:t>(With </a:t>
+            </a:r>
+            <a:r>
+              <a:rPr lang="ko-KR" altLang="en-US" sz="1200" dirty="0" smtClean="0"/>
+              <a:t>공공데이터 </a:t>
+            </a:r>
+            <a:r>
+              <a:rPr lang="en-US" altLang="ko-KR" sz="1200" dirty="0" smtClean="0"/>
+              <a:t>3.0)</a:t>
+            </a:r>
+            <a:endParaRPr lang="ko-KR" altLang="en-US" sz="1200" dirty="0"/>
+          </a:p>
+        </p:txBody>
+      </p:sp>
+      <p:sp>
+        <p:nvSpPr>
+          <p:cNvPr id="7" name="직사각형 6"/>
+          <p:cNvSpPr/>
+          <p:nvPr/>
+        </p:nvSpPr>
+        <p:spPr>
+          <a:xfrm>
+            <a:off x="3635896" y="1844824"/>
+            <a:ext cx="2356084" cy="3672408"/>
+          </a:xfrm>
+          <a:prstGeom prst="rect">
+            <a:avLst/>
+          </a:prstGeom>
+        </p:spPr>
+        <p:style>
+          <a:lnRef idx="2">
+            <a:schemeClr val="dk1"/>
+          </a:lnRef>
+          <a:fillRef idx="1">
+            <a:schemeClr val="lt1"/>
+          </a:fillRef>
+          <a:effectRef idx="0">
+            <a:schemeClr val="dk1"/>
+          </a:effectRef>
+          <a:fontRef idx="minor">
+            <a:schemeClr val="dk1"/>
+          </a:fontRef>
+        </p:style>
+        <p:txBody>
+          <a:bodyPr rtlCol="0" anchor="ctr"/>
+          <a:lstStyle/>
+          <a:p>
+            <a:pPr algn="ctr"/>
+            <a:r>
+              <a:rPr lang="en-US" altLang="ko-KR" sz="1200" dirty="0" smtClean="0"/>
+              <a:t> </a:t>
+            </a:r>
+            <a:r>
+              <a:rPr lang="en-US" altLang="ko-KR" sz="800" dirty="0" err="1" smtClean="0"/>
+              <a:t>ui</a:t>
+            </a:r>
+            <a:r>
+              <a:rPr lang="en-US" altLang="ko-KR" sz="800" dirty="0" smtClean="0"/>
+              <a:t>(</a:t>
+            </a:r>
+            <a:r>
+              <a:rPr lang="ko-KR" altLang="en-US" sz="800" dirty="0" err="1" smtClean="0"/>
+              <a:t>밤낮판단</a:t>
+            </a:r>
+            <a:r>
+              <a:rPr lang="ko-KR" altLang="en-US" sz="800" dirty="0" smtClean="0"/>
+              <a:t> 및 위치 판단 배경</a:t>
+            </a:r>
+            <a:r>
+              <a:rPr lang="en-US" altLang="ko-KR" sz="800" dirty="0" smtClean="0"/>
+              <a:t>)</a:t>
+            </a:r>
+          </a:p>
+          <a:p>
+            <a:pPr algn="ctr"/>
+            <a:endParaRPr lang="en-US" altLang="ko-KR" sz="800" dirty="0"/>
+          </a:p>
+          <a:p>
+            <a:pPr algn="ctr"/>
+            <a:endParaRPr lang="en-US" altLang="ko-KR" sz="800" dirty="0" smtClean="0"/>
+          </a:p>
+          <a:p>
+            <a:pPr algn="ctr"/>
+            <a:endParaRPr lang="en-US" altLang="ko-KR" sz="800" dirty="0" smtClean="0"/>
+          </a:p>
+          <a:p>
+            <a:pPr algn="ctr"/>
+            <a:r>
+              <a:rPr lang="en-US" altLang="ko-KR" sz="1200" dirty="0" smtClean="0"/>
+              <a:t>----------------------------</a:t>
+            </a:r>
+            <a:endParaRPr lang="en-US" altLang="ko-KR" sz="1200" dirty="0"/>
+          </a:p>
+          <a:p>
+            <a:pPr algn="ctr"/>
+            <a:r>
+              <a:rPr lang="en-US" altLang="ko-KR" sz="1200" dirty="0" smtClean="0"/>
+              <a:t>MY STAMP</a:t>
+            </a:r>
+            <a:endParaRPr lang="en-US" altLang="ko-KR" sz="1200" dirty="0"/>
+          </a:p>
+          <a:p>
+            <a:pPr algn="ctr"/>
+            <a:r>
+              <a:rPr lang="en-US" altLang="ko-KR" sz="1200" dirty="0"/>
+              <a:t>----------------------------</a:t>
+            </a:r>
+          </a:p>
+          <a:p>
+            <a:pPr algn="ctr"/>
             <a:r>
               <a:rPr lang="ko-KR" altLang="en-US" sz="1200" dirty="0"/>
-              <a:t>정</a:t>
-            </a:r>
+              <a:t>제주시 문화축제현황 정보</a:t>
+            </a:r>
+            <a:endParaRPr lang="en-US" altLang="ko-KR" sz="1200" dirty="0"/>
+          </a:p>
+          <a:p>
+            <a:pPr algn="ctr"/>
+            <a:r>
+              <a:rPr lang="en-US" altLang="ko-KR" sz="1200" dirty="0" smtClean="0"/>
+              <a:t>----------------------------</a:t>
+            </a:r>
+            <a:endParaRPr lang="en-US" altLang="ko-KR" sz="1200" dirty="0"/>
+          </a:p>
+          <a:p>
+            <a:pPr algn="ctr"/>
+            <a:r>
+              <a:rPr lang="ko-KR" altLang="en-US" sz="1200" dirty="0"/>
+              <a:t>제주시 </a:t>
+            </a:r>
+            <a:r>
+              <a:rPr lang="ko-KR" altLang="en-US" sz="1200" dirty="0" smtClean="0"/>
+              <a:t>공연행사 </a:t>
+            </a:r>
+            <a:r>
+              <a:rPr lang="ko-KR" altLang="en-US" sz="1200" dirty="0"/>
+              <a:t>정보</a:t>
+            </a:r>
+            <a:endParaRPr lang="en-US" altLang="ko-KR" sz="1200" dirty="0"/>
+          </a:p>
+          <a:p>
+            <a:pPr algn="ctr"/>
+            <a:r>
+              <a:rPr lang="en-US" altLang="ko-KR" sz="1200" dirty="0"/>
+              <a:t>----------------------------</a:t>
+            </a:r>
+          </a:p>
+          <a:p>
+            <a:pPr algn="ctr"/>
+            <a:r>
+              <a:rPr lang="ko-KR" altLang="en-US" sz="1200" dirty="0" smtClean="0"/>
+              <a:t>제주관광 </a:t>
+            </a:r>
+            <a:r>
+              <a:rPr lang="en-US" altLang="ko-KR" sz="1200" dirty="0" err="1" smtClean="0"/>
+              <a:t>ebook</a:t>
+            </a:r>
+            <a:r>
+              <a:rPr lang="en-US" altLang="ko-KR" sz="1200" dirty="0" smtClean="0"/>
+              <a:t> </a:t>
+            </a:r>
+            <a:r>
+              <a:rPr lang="ko-KR" altLang="en-US" sz="1200" dirty="0" smtClean="0"/>
+              <a:t>정보 서비스</a:t>
+            </a:r>
+            <a:endParaRPr lang="en-US" altLang="ko-KR" sz="1200" dirty="0"/>
+          </a:p>
+          <a:p>
+            <a:pPr algn="ctr"/>
+            <a:r>
+              <a:rPr lang="en-US" altLang="ko-KR" sz="1200" dirty="0"/>
+              <a:t>----------------------------</a:t>
+            </a:r>
+          </a:p>
+          <a:p>
+            <a:pPr algn="ctr"/>
+            <a:r>
+              <a:rPr lang="ko-KR" altLang="en-US" sz="1200" dirty="0" smtClean="0"/>
+              <a:t>제주특별자치도 기상관측 정보</a:t>
+            </a:r>
+            <a:endParaRPr lang="en-US" altLang="ko-KR" sz="1200" dirty="0"/>
+          </a:p>
+          <a:p>
+            <a:pPr algn="ctr"/>
+            <a:r>
+              <a:rPr lang="en-US" altLang="ko-KR" sz="1200" dirty="0"/>
+              <a:t>----------------------------</a:t>
+            </a:r>
+          </a:p>
+          <a:p>
+            <a:pPr algn="ctr"/>
+            <a:r>
+              <a:rPr lang="ko-KR" altLang="en-US" sz="1200" dirty="0" smtClean="0"/>
+              <a:t>제주 </a:t>
+            </a:r>
+            <a:r>
+              <a:rPr lang="en-US" altLang="ko-KR" sz="1200" dirty="0" smtClean="0"/>
+              <a:t>HOT PLACE</a:t>
+            </a:r>
+            <a:endParaRPr lang="en-US" altLang="ko-KR" sz="1200" dirty="0"/>
+          </a:p>
+          <a:p>
+            <a:pPr algn="ctr"/>
+            <a:r>
+              <a:rPr lang="en-US" altLang="ko-KR" sz="1200" dirty="0"/>
+              <a:t>----------------------------</a:t>
+            </a:r>
+          </a:p>
+          <a:p>
+            <a:pPr algn="ctr"/>
+            <a:r>
+              <a:rPr lang="ko-KR" altLang="en-US" sz="1200" dirty="0" smtClean="0"/>
+              <a:t>근처 음식점 추천</a:t>
+            </a:r>
+            <a:endParaRPr lang="en-US" altLang="ko-KR" sz="1200" dirty="0"/>
+          </a:p>
+          <a:p>
+            <a:pPr algn="ctr"/>
+            <a:r>
+              <a:rPr lang="en-US" altLang="ko-KR" sz="1200" dirty="0" smtClean="0"/>
+              <a:t>----------------------------</a:t>
+            </a:r>
+          </a:p>
+          <a:p>
+            <a:pPr algn="ctr"/>
+            <a:endParaRPr lang="en-US" altLang="ko-KR" sz="1200" dirty="0"/>
+          </a:p>
+          <a:p>
+            <a:pPr algn="ctr"/>
+            <a:endParaRPr lang="ko-KR" altLang="en-US" sz="1200" dirty="0"/>
+          </a:p>
+        </p:txBody>
+      </p:sp>
+    </p:spTree>
+    <p:extLst>
+      <p:ext uri="{BB962C8B-B14F-4D97-AF65-F5344CB8AC3E}">
+        <p14:creationId xmlns:p14="http://schemas.microsoft.com/office/powerpoint/2010/main" val="723334699"/>
+      </p:ext>
+    </p:extLst>
+  </p:cSld>
+  <p:clrMapOvr>
+    <a:masterClrMapping/>
+  </p:clrMapOvr>
+</p:sld>
+</file>
+
+<file path=ppt/slides/slide6.xml><?xml version="1.0" encoding="utf-8"?>
+<p:sld xmlns:a="http://schemas.openxmlformats.org/drawingml/2006/main" xmlns:r="http://schemas.openxmlformats.org/officeDocument/2006/relationships" xmlns:p="http://schemas.openxmlformats.org/presentationml/2006/main">
+  <p:cSld>
+    <p:spTree>
+      <p:nvGrpSpPr>
+        <p:cNvPr id="1" name=""/>
+        <p:cNvGrpSpPr/>
+        <p:nvPr/>
+      </p:nvGrpSpPr>
+      <p:grpSpPr>
+        <a:xfrm>
+          <a:off x="0" y="0"/>
+          <a:ext cx="0" cy="0"/>
+          <a:chOff x="0" y="0"/>
+          <a:chExt cx="0" cy="0"/>
+        </a:xfrm>
+      </p:grpSpPr>
+      <p:sp>
+        <p:nvSpPr>
+          <p:cNvPr id="2" name="제목 1"/>
+          <p:cNvSpPr>
+            <a:spLocks noGrp="1"/>
+          </p:cNvSpPr>
+          <p:nvPr>
+            <p:ph type="title"/>
+          </p:nvPr>
+        </p:nvSpPr>
+        <p:spPr/>
+        <p:txBody>
+          <a:bodyPr/>
+          <a:lstStyle/>
+          <a:p>
+            <a:r>
+              <a:rPr lang="en-US" altLang="ko-KR" dirty="0" smtClean="0"/>
+              <a:t>2 </a:t>
+            </a:r>
+            <a:r>
+              <a:rPr lang="ko-KR" altLang="en-US" dirty="0" smtClean="0"/>
+              <a:t>공통사항</a:t>
+            </a:r>
+            <a:endParaRPr lang="ko-KR" altLang="en-US" dirty="0"/>
+          </a:p>
+        </p:txBody>
+      </p:sp>
+      <p:sp>
+        <p:nvSpPr>
+          <p:cNvPr id="6" name="직사각형 5"/>
+          <p:cNvSpPr/>
+          <p:nvPr/>
+        </p:nvSpPr>
+        <p:spPr>
+          <a:xfrm>
+            <a:off x="755576" y="1710990"/>
+            <a:ext cx="2356084" cy="3672408"/>
+          </a:xfrm>
+          <a:prstGeom prst="rect">
+            <a:avLst/>
+          </a:prstGeom>
+        </p:spPr>
+        <p:style>
+          <a:lnRef idx="2">
+            <a:schemeClr val="dk1"/>
+          </a:lnRef>
+          <a:fillRef idx="1">
+            <a:schemeClr val="lt1"/>
+          </a:fillRef>
+          <a:effectRef idx="0">
+            <a:schemeClr val="dk1"/>
+          </a:effectRef>
+          <a:fontRef idx="minor">
+            <a:schemeClr val="dk1"/>
+          </a:fontRef>
+        </p:style>
+        <p:txBody>
+          <a:bodyPr rtlCol="0" anchor="ctr"/>
+          <a:lstStyle/>
+          <a:p>
+            <a:pPr algn="ctr"/>
+            <a:r>
+              <a:rPr lang="en-US" altLang="ko-KR" sz="1200" dirty="0" smtClean="0"/>
+              <a:t> </a:t>
+            </a:r>
+            <a:r>
+              <a:rPr lang="en-US" altLang="ko-KR" sz="800" dirty="0" err="1" smtClean="0"/>
+              <a:t>ui</a:t>
+            </a:r>
+            <a:r>
+              <a:rPr lang="en-US" altLang="ko-KR" sz="800" dirty="0" smtClean="0"/>
+              <a:t>(</a:t>
+            </a:r>
+            <a:r>
+              <a:rPr lang="ko-KR" altLang="en-US" sz="800" dirty="0" err="1" smtClean="0"/>
+              <a:t>밤낮판단</a:t>
+            </a:r>
+            <a:r>
+              <a:rPr lang="ko-KR" altLang="en-US" sz="800" dirty="0" smtClean="0"/>
+              <a:t> 및 위치 판단 배경</a:t>
+            </a:r>
+            <a:r>
+              <a:rPr lang="en-US" altLang="ko-KR" sz="800" dirty="0" smtClean="0"/>
+              <a:t>)</a:t>
+            </a:r>
+          </a:p>
+          <a:p>
+            <a:pPr algn="ctr"/>
+            <a:endParaRPr lang="en-US" altLang="ko-KR" sz="800" dirty="0"/>
+          </a:p>
+          <a:p>
+            <a:pPr algn="ctr"/>
+            <a:endParaRPr lang="en-US" altLang="ko-KR" sz="800" dirty="0" smtClean="0"/>
+          </a:p>
+          <a:p>
+            <a:pPr algn="ctr"/>
+            <a:endParaRPr lang="en-US" altLang="ko-KR" sz="800" dirty="0" smtClean="0"/>
+          </a:p>
+          <a:p>
+            <a:pPr lvl="2" algn="ctr"/>
+            <a:r>
+              <a:rPr lang="en-US" altLang="ko-KR" sz="700" dirty="0" smtClean="0"/>
+              <a:t>----------------------------</a:t>
+            </a:r>
+            <a:endParaRPr lang="en-US" altLang="ko-KR" sz="700" dirty="0"/>
+          </a:p>
+          <a:p>
+            <a:pPr lvl="2" algn="ctr"/>
+            <a:r>
+              <a:rPr lang="en-US" altLang="ko-KR" sz="700" dirty="0" smtClean="0"/>
+              <a:t>MY STAMP</a:t>
+            </a:r>
+            <a:endParaRPr lang="en-US" altLang="ko-KR" sz="700" dirty="0"/>
+          </a:p>
+          <a:p>
+            <a:pPr lvl="2" algn="ctr"/>
+            <a:r>
+              <a:rPr lang="en-US" altLang="ko-KR" sz="700" dirty="0"/>
+              <a:t>----------------------------</a:t>
+            </a:r>
+          </a:p>
+          <a:p>
+            <a:pPr lvl="2" algn="ctr"/>
+            <a:r>
+              <a:rPr lang="ko-KR" altLang="en-US" sz="700" dirty="0"/>
+              <a:t>제주시 문화축제현황 정보</a:t>
+            </a:r>
+            <a:endParaRPr lang="en-US" altLang="ko-KR" sz="700" dirty="0"/>
+          </a:p>
+          <a:p>
+            <a:pPr lvl="2" algn="ctr"/>
+            <a:r>
+              <a:rPr lang="en-US" altLang="ko-KR" sz="700" dirty="0" smtClean="0"/>
+              <a:t>----------------------------</a:t>
+            </a:r>
+            <a:endParaRPr lang="en-US" altLang="ko-KR" sz="700" dirty="0"/>
+          </a:p>
+          <a:p>
+            <a:pPr lvl="2" algn="ctr"/>
+            <a:r>
+              <a:rPr lang="ko-KR" altLang="en-US" sz="700" dirty="0"/>
+              <a:t>제주시 </a:t>
+            </a:r>
+            <a:r>
+              <a:rPr lang="ko-KR" altLang="en-US" sz="700" dirty="0" smtClean="0"/>
+              <a:t>공연행사 </a:t>
+            </a:r>
+            <a:r>
+              <a:rPr lang="ko-KR" altLang="en-US" sz="700" dirty="0"/>
+              <a:t>정보</a:t>
+            </a:r>
+            <a:endParaRPr lang="en-US" altLang="ko-KR" sz="700" dirty="0"/>
+          </a:p>
+          <a:p>
+            <a:pPr lvl="2" algn="ctr"/>
+            <a:r>
+              <a:rPr lang="en-US" altLang="ko-KR" sz="700" dirty="0"/>
+              <a:t>----------------------------</a:t>
+            </a:r>
+          </a:p>
+          <a:p>
+            <a:pPr lvl="2" algn="ctr"/>
+            <a:r>
+              <a:rPr lang="ko-KR" altLang="en-US" sz="700" dirty="0" smtClean="0"/>
+              <a:t>제주관광 </a:t>
+            </a:r>
+            <a:r>
+              <a:rPr lang="en-US" altLang="ko-KR" sz="700" dirty="0" err="1" smtClean="0"/>
+              <a:t>ebook</a:t>
+            </a:r>
+            <a:r>
+              <a:rPr lang="en-US" altLang="ko-KR" sz="700" dirty="0" smtClean="0"/>
+              <a:t> </a:t>
+            </a:r>
+            <a:r>
+              <a:rPr lang="ko-KR" altLang="en-US" sz="700" dirty="0" smtClean="0"/>
+              <a:t>정보 서비스</a:t>
+            </a:r>
+            <a:endParaRPr lang="en-US" altLang="ko-KR" sz="700" dirty="0"/>
+          </a:p>
+          <a:p>
+            <a:pPr lvl="2" algn="ctr"/>
+            <a:r>
+              <a:rPr lang="en-US" altLang="ko-KR" sz="700" dirty="0"/>
+              <a:t>----------------------------</a:t>
+            </a:r>
+          </a:p>
+          <a:p>
+            <a:pPr lvl="2" algn="ctr"/>
+            <a:r>
+              <a:rPr lang="ko-KR" altLang="en-US" sz="700" dirty="0" smtClean="0"/>
+              <a:t>제주특별자치도 기상관측 정보</a:t>
+            </a:r>
+            <a:endParaRPr lang="en-US" altLang="ko-KR" sz="700" dirty="0"/>
+          </a:p>
+          <a:p>
+            <a:pPr lvl="2" algn="ctr"/>
+            <a:r>
+              <a:rPr lang="en-US" altLang="ko-KR" sz="700" dirty="0"/>
+              <a:t>----------------------------</a:t>
+            </a:r>
+          </a:p>
+          <a:p>
+            <a:pPr lvl="2" algn="ctr"/>
+            <a:r>
+              <a:rPr lang="ko-KR" altLang="en-US" sz="700" dirty="0" smtClean="0"/>
+              <a:t>제주 </a:t>
+            </a:r>
+            <a:r>
+              <a:rPr lang="en-US" altLang="ko-KR" sz="700" dirty="0" smtClean="0"/>
+              <a:t>HOT PLACE</a:t>
+            </a:r>
+            <a:endParaRPr lang="en-US" altLang="ko-KR" sz="700" dirty="0"/>
+          </a:p>
+          <a:p>
+            <a:pPr lvl="2" algn="ctr"/>
+            <a:r>
+              <a:rPr lang="en-US" altLang="ko-KR" sz="700" dirty="0"/>
+              <a:t>----------------------------</a:t>
+            </a:r>
+          </a:p>
+          <a:p>
+            <a:pPr lvl="2" algn="ctr"/>
+            <a:r>
+              <a:rPr lang="ko-KR" altLang="en-US" sz="700" dirty="0" smtClean="0"/>
+              <a:t>근처 음식점 추천</a:t>
+            </a:r>
+            <a:endParaRPr lang="en-US" altLang="ko-KR" sz="700" dirty="0"/>
+          </a:p>
+          <a:p>
+            <a:pPr lvl="2" algn="ctr"/>
+            <a:r>
+              <a:rPr lang="en-US" altLang="ko-KR" sz="700" dirty="0" smtClean="0"/>
+              <a:t>----------------------------</a:t>
+            </a:r>
+          </a:p>
+          <a:p>
+            <a:pPr algn="ctr"/>
+            <a:endParaRPr lang="en-US" altLang="ko-KR" sz="1200" dirty="0"/>
+          </a:p>
+          <a:p>
+            <a:pPr algn="ctr"/>
+            <a:endParaRPr lang="ko-KR" altLang="en-US" sz="1200" dirty="0"/>
+          </a:p>
+        </p:txBody>
+      </p:sp>
+      <p:sp>
+        <p:nvSpPr>
+          <p:cNvPr id="8" name="TextBox 7"/>
+          <p:cNvSpPr txBox="1"/>
+          <p:nvPr/>
+        </p:nvSpPr>
+        <p:spPr>
+          <a:xfrm>
+            <a:off x="1043608" y="5527414"/>
+            <a:ext cx="1872208" cy="430887"/>
+          </a:xfrm>
+          <a:prstGeom prst="rect">
+            <a:avLst/>
+          </a:prstGeom>
+          <a:noFill/>
+        </p:spPr>
+        <p:txBody>
+          <a:bodyPr wrap="square" rtlCol="0">
+            <a:spAutoFit/>
+          </a:bodyPr>
+          <a:lstStyle/>
+          <a:p>
+            <a:r>
+              <a:rPr lang="en-US" altLang="ko-KR" sz="1100" dirty="0" smtClean="0"/>
+              <a:t>+ </a:t>
+            </a:r>
+            <a:r>
+              <a:rPr lang="ko-KR" altLang="en-US" sz="1100" dirty="0" smtClean="0"/>
+              <a:t>어디서든지 화면 오른쪽으로 리스트 추가되게</a:t>
+            </a:r>
+            <a:endParaRPr lang="ko-KR" altLang="en-US" sz="1100" dirty="0"/>
+          </a:p>
+        </p:txBody>
+      </p:sp>
+      <p:sp>
+        <p:nvSpPr>
+          <p:cNvPr id="9" name="직사각형 8"/>
+          <p:cNvSpPr/>
+          <p:nvPr/>
+        </p:nvSpPr>
+        <p:spPr>
+          <a:xfrm>
+            <a:off x="1619672" y="2716296"/>
+            <a:ext cx="1491988" cy="1800200"/>
+          </a:xfrm>
+          <a:prstGeom prst="rect">
+            <a:avLst/>
+          </a:prstGeom>
+          <a:noFill/>
+        </p:spPr>
+        <p:style>
+          <a:lnRef idx="2">
+            <a:schemeClr val="dk1"/>
+          </a:lnRef>
+          <a:fillRef idx="1">
+            <a:schemeClr val="lt1"/>
+          </a:fillRef>
+          <a:effectRef idx="0">
+            <a:schemeClr val="dk1"/>
+          </a:effectRef>
+          <a:fontRef idx="minor">
+            <a:schemeClr val="dk1"/>
+          </a:fontRef>
+        </p:style>
+        <p:txBody>
+          <a:bodyPr rtlCol="0" anchor="ctr"/>
+          <a:lstStyle/>
+          <a:p>
+            <a:pPr algn="ctr"/>
+            <a:endParaRPr lang="ko-KR" altLang="en-US"/>
+          </a:p>
+        </p:txBody>
+      </p:sp>
+    </p:spTree>
+    <p:extLst>
+      <p:ext uri="{BB962C8B-B14F-4D97-AF65-F5344CB8AC3E}">
+        <p14:creationId xmlns:p14="http://schemas.microsoft.com/office/powerpoint/2010/main" val="2821373486"/>
+      </p:ext>
+    </p:extLst>
+  </p:cSld>
+  <p:clrMapOvr>
+    <a:masterClrMapping/>
+  </p:clrMapOvr>
+</p:sld>
+</file>
+
+<file path=ppt/slides/slide7.xml><?xml version="1.0" encoding="utf-8"?>
+<p:sld xmlns:a="http://schemas.openxmlformats.org/drawingml/2006/main" xmlns:r="http://schemas.openxmlformats.org/officeDocument/2006/relationships" xmlns:p="http://schemas.openxmlformats.org/presentationml/2006/main">
+  <p:cSld>
+    <p:spTree>
+      <p:nvGrpSpPr>
+        <p:cNvPr id="1" name=""/>
+        <p:cNvGrpSpPr/>
+        <p:nvPr/>
+      </p:nvGrpSpPr>
+      <p:grpSpPr>
+        <a:xfrm>
+          <a:off x="0" y="0"/>
+          <a:ext cx="0" cy="0"/>
+          <a:chOff x="0" y="0"/>
+          <a:chExt cx="0" cy="0"/>
+        </a:xfrm>
+      </p:grpSpPr>
+      <p:sp>
+        <p:nvSpPr>
+          <p:cNvPr id="2" name="제목 1"/>
+          <p:cNvSpPr>
+            <a:spLocks noGrp="1"/>
+          </p:cNvSpPr>
+          <p:nvPr>
+            <p:ph type="title"/>
+          </p:nvPr>
+        </p:nvSpPr>
+        <p:spPr/>
+        <p:txBody>
+          <a:bodyPr/>
+          <a:lstStyle/>
+          <a:p>
+            <a:r>
+              <a:rPr lang="en-US" altLang="ko-KR" dirty="0" smtClean="0"/>
+              <a:t>3 MY STAMP</a:t>
+            </a:r>
+            <a:endParaRPr lang="ko-KR" altLang="en-US" dirty="0"/>
+          </a:p>
+        </p:txBody>
+      </p:sp>
+      <p:sp>
+        <p:nvSpPr>
+          <p:cNvPr id="3" name="직사각형 2"/>
+          <p:cNvSpPr/>
+          <p:nvPr/>
+        </p:nvSpPr>
+        <p:spPr>
+          <a:xfrm>
+            <a:off x="631740" y="1844824"/>
+            <a:ext cx="2356084" cy="3672408"/>
+          </a:xfrm>
+          <a:prstGeom prst="rect">
+            <a:avLst/>
+          </a:prstGeom>
+        </p:spPr>
+        <p:style>
+          <a:lnRef idx="2">
+            <a:schemeClr val="dk1"/>
+          </a:lnRef>
+          <a:fillRef idx="1">
+            <a:schemeClr val="lt1"/>
+          </a:fillRef>
+          <a:effectRef idx="0">
+            <a:schemeClr val="dk1"/>
+          </a:effectRef>
+          <a:fontRef idx="minor">
+            <a:schemeClr val="dk1"/>
+          </a:fontRef>
+        </p:style>
+        <p:txBody>
+          <a:bodyPr rtlCol="0" anchor="ctr"/>
+          <a:lstStyle/>
+          <a:p>
+            <a:pPr algn="ctr"/>
+            <a:endParaRPr lang="ko-KR" altLang="en-US" sz="1200" dirty="0"/>
+          </a:p>
+        </p:txBody>
+      </p:sp>
+      <p:sp>
+        <p:nvSpPr>
+          <p:cNvPr id="4" name="직사각형 3"/>
+          <p:cNvSpPr/>
+          <p:nvPr/>
+        </p:nvSpPr>
+        <p:spPr>
+          <a:xfrm>
+            <a:off x="742710" y="1930415"/>
+            <a:ext cx="2131676" cy="3087960"/>
+          </a:xfrm>
+          <a:prstGeom prst="rect">
+            <a:avLst/>
+          </a:prstGeom>
+        </p:spPr>
+        <p:style>
+          <a:lnRef idx="2">
+            <a:schemeClr val="dk1"/>
+          </a:lnRef>
+          <a:fillRef idx="1">
+            <a:schemeClr val="lt1"/>
+          </a:fillRef>
+          <a:effectRef idx="0">
+            <a:schemeClr val="dk1"/>
+          </a:effectRef>
+          <a:fontRef idx="minor">
+            <a:schemeClr val="dk1"/>
+          </a:fontRef>
+        </p:style>
+        <p:txBody>
+          <a:bodyPr rtlCol="0" anchor="ctr"/>
+          <a:lstStyle/>
+          <a:p>
+            <a:pPr algn="ctr"/>
+            <a:endParaRPr lang="ko-KR" altLang="en-US" sz="1200" dirty="0"/>
+          </a:p>
+        </p:txBody>
+      </p:sp>
+      <p:sp>
+        <p:nvSpPr>
+          <p:cNvPr id="6" name="타원 5"/>
+          <p:cNvSpPr/>
+          <p:nvPr/>
+        </p:nvSpPr>
+        <p:spPr>
+          <a:xfrm>
+            <a:off x="899636" y="2211787"/>
+            <a:ext cx="216024" cy="288032"/>
+          </a:xfrm>
+          <a:prstGeom prst="ellipse">
+            <a:avLst/>
+          </a:prstGeom>
+        </p:spPr>
+        <p:style>
+          <a:lnRef idx="2">
+            <a:schemeClr val="accent1">
+              <a:shade val="50000"/>
+            </a:schemeClr>
+          </a:lnRef>
+          <a:fillRef idx="1">
+            <a:schemeClr val="accent1"/>
+          </a:fillRef>
+          <a:effectRef idx="0">
+            <a:schemeClr val="accent1"/>
+          </a:effectRef>
+          <a:fontRef idx="minor">
+            <a:schemeClr val="lt1"/>
+          </a:fontRef>
+        </p:style>
+        <p:txBody>
+          <a:bodyPr rtlCol="0" anchor="ctr"/>
+          <a:lstStyle/>
+          <a:p>
+            <a:pPr algn="ctr"/>
+            <a:endParaRPr lang="ko-KR" altLang="en-US"/>
+          </a:p>
+        </p:txBody>
+      </p:sp>
+      <p:sp>
+        <p:nvSpPr>
+          <p:cNvPr id="7" name="타원 6"/>
+          <p:cNvSpPr/>
+          <p:nvPr/>
+        </p:nvSpPr>
+        <p:spPr>
+          <a:xfrm>
+            <a:off x="2488100" y="2211787"/>
+            <a:ext cx="216024" cy="288032"/>
+          </a:xfrm>
+          <a:prstGeom prst="ellipse">
+            <a:avLst/>
+          </a:prstGeom>
+        </p:spPr>
+        <p:style>
+          <a:lnRef idx="2">
+            <a:schemeClr val="accent1">
+              <a:shade val="50000"/>
+            </a:schemeClr>
+          </a:lnRef>
+          <a:fillRef idx="1">
+            <a:schemeClr val="accent1"/>
+          </a:fillRef>
+          <a:effectRef idx="0">
+            <a:schemeClr val="accent1"/>
+          </a:effectRef>
+          <a:fontRef idx="minor">
+            <a:schemeClr val="lt1"/>
+          </a:fontRef>
+        </p:style>
+        <p:txBody>
+          <a:bodyPr rtlCol="0" anchor="ctr"/>
+          <a:lstStyle/>
+          <a:p>
+            <a:pPr algn="ctr"/>
+            <a:endParaRPr lang="ko-KR" altLang="en-US"/>
+          </a:p>
+        </p:txBody>
+      </p:sp>
+      <p:sp>
+        <p:nvSpPr>
+          <p:cNvPr id="8" name="타원 7"/>
+          <p:cNvSpPr/>
+          <p:nvPr/>
+        </p:nvSpPr>
+        <p:spPr>
+          <a:xfrm>
+            <a:off x="1543871" y="4581128"/>
+            <a:ext cx="216024" cy="288032"/>
+          </a:xfrm>
+          <a:prstGeom prst="ellipse">
+            <a:avLst/>
+          </a:prstGeom>
+        </p:spPr>
+        <p:style>
+          <a:lnRef idx="2">
+            <a:schemeClr val="accent1">
+              <a:shade val="50000"/>
+            </a:schemeClr>
+          </a:lnRef>
+          <a:fillRef idx="1">
+            <a:schemeClr val="accent1"/>
+          </a:fillRef>
+          <a:effectRef idx="0">
+            <a:schemeClr val="accent1"/>
+          </a:effectRef>
+          <a:fontRef idx="minor">
+            <a:schemeClr val="lt1"/>
+          </a:fontRef>
+        </p:style>
+        <p:txBody>
+          <a:bodyPr rtlCol="0" anchor="ctr"/>
+          <a:lstStyle/>
+          <a:p>
+            <a:pPr algn="ctr"/>
+            <a:endParaRPr lang="ko-KR" altLang="en-US"/>
+          </a:p>
+        </p:txBody>
+      </p:sp>
+      <p:sp>
+        <p:nvSpPr>
+          <p:cNvPr id="9" name="타원 8"/>
+          <p:cNvSpPr/>
+          <p:nvPr/>
+        </p:nvSpPr>
+        <p:spPr>
+          <a:xfrm>
+            <a:off x="2488100" y="3510399"/>
+            <a:ext cx="216024" cy="288032"/>
+          </a:xfrm>
+          <a:prstGeom prst="ellipse">
+            <a:avLst/>
+          </a:prstGeom>
+        </p:spPr>
+        <p:style>
+          <a:lnRef idx="2">
+            <a:schemeClr val="accent1">
+              <a:shade val="50000"/>
+            </a:schemeClr>
+          </a:lnRef>
+          <a:fillRef idx="1">
+            <a:schemeClr val="accent1"/>
+          </a:fillRef>
+          <a:effectRef idx="0">
+            <a:schemeClr val="accent1"/>
+          </a:effectRef>
+          <a:fontRef idx="minor">
+            <a:schemeClr val="lt1"/>
+          </a:fontRef>
+        </p:style>
+        <p:txBody>
+          <a:bodyPr rtlCol="0" anchor="ctr"/>
+          <a:lstStyle/>
+          <a:p>
+            <a:pPr algn="ctr"/>
+            <a:endParaRPr lang="ko-KR" altLang="en-US"/>
+          </a:p>
+        </p:txBody>
+      </p:sp>
+      <p:sp>
+        <p:nvSpPr>
+          <p:cNvPr id="10" name="타원 9"/>
+          <p:cNvSpPr/>
+          <p:nvPr/>
+        </p:nvSpPr>
+        <p:spPr>
+          <a:xfrm>
+            <a:off x="784831" y="3798431"/>
+            <a:ext cx="216024" cy="288032"/>
+          </a:xfrm>
+          <a:prstGeom prst="ellipse">
+            <a:avLst/>
+          </a:prstGeom>
+        </p:spPr>
+        <p:style>
+          <a:lnRef idx="2">
+            <a:schemeClr val="accent1">
+              <a:shade val="50000"/>
+            </a:schemeClr>
+          </a:lnRef>
+          <a:fillRef idx="1">
+            <a:schemeClr val="accent1"/>
+          </a:fillRef>
+          <a:effectRef idx="0">
+            <a:schemeClr val="accent1"/>
+          </a:effectRef>
+          <a:fontRef idx="minor">
+            <a:schemeClr val="lt1"/>
+          </a:fontRef>
+        </p:style>
+        <p:txBody>
+          <a:bodyPr rtlCol="0" anchor="ctr"/>
+          <a:lstStyle/>
+          <a:p>
+            <a:pPr algn="ctr"/>
+            <a:endParaRPr lang="ko-KR" altLang="en-US"/>
+          </a:p>
+        </p:txBody>
+      </p:sp>
+      <p:sp>
+        <p:nvSpPr>
+          <p:cNvPr id="12" name="웃는 얼굴 11"/>
+          <p:cNvSpPr/>
+          <p:nvPr/>
+        </p:nvSpPr>
+        <p:spPr>
+          <a:xfrm>
+            <a:off x="1579875" y="3294375"/>
+            <a:ext cx="360040" cy="360040"/>
+          </a:xfrm>
+          <a:prstGeom prst="smileyFace">
+            <a:avLst>
+              <a:gd name="adj" fmla="val 185"/>
+            </a:avLst>
+          </a:prstGeom>
+        </p:spPr>
+        <p:style>
+          <a:lnRef idx="2">
+            <a:schemeClr val="accent6">
+              <a:shade val="50000"/>
+            </a:schemeClr>
+          </a:lnRef>
+          <a:fillRef idx="1">
+            <a:schemeClr val="accent6"/>
+          </a:fillRef>
+          <a:effectRef idx="0">
+            <a:schemeClr val="accent6"/>
+          </a:effectRef>
+          <a:fontRef idx="minor">
+            <a:schemeClr val="lt1"/>
+          </a:fontRef>
+        </p:style>
+        <p:txBody>
+          <a:bodyPr rtlCol="0" anchor="ctr"/>
+          <a:lstStyle/>
+          <a:p>
+            <a:pPr algn="ctr"/>
+            <a:endParaRPr lang="ko-KR" altLang="en-US"/>
+          </a:p>
+        </p:txBody>
+      </p:sp>
+      <p:sp>
+        <p:nvSpPr>
+          <p:cNvPr id="13" name="모서리가 둥근 직사각형 12"/>
+          <p:cNvSpPr/>
+          <p:nvPr/>
+        </p:nvSpPr>
+        <p:spPr>
+          <a:xfrm>
+            <a:off x="2488100" y="4581128"/>
+            <a:ext cx="283700" cy="288032"/>
+          </a:xfrm>
+          <a:prstGeom prst="roundRect">
+            <a:avLst/>
+          </a:prstGeom>
+        </p:spPr>
+        <p:style>
+          <a:lnRef idx="2">
+            <a:schemeClr val="accent3">
+              <a:shade val="50000"/>
+            </a:schemeClr>
+          </a:lnRef>
+          <a:fillRef idx="1">
+            <a:schemeClr val="accent3"/>
+          </a:fillRef>
+          <a:effectRef idx="0">
+            <a:schemeClr val="accent3"/>
+          </a:effectRef>
+          <a:fontRef idx="minor">
+            <a:schemeClr val="lt1"/>
+          </a:fontRef>
+        </p:style>
+        <p:txBody>
+          <a:bodyPr rtlCol="0" anchor="ctr"/>
+          <a:lstStyle/>
+          <a:p>
+            <a:pPr algn="ctr"/>
+            <a:endParaRPr lang="ko-KR" altLang="en-US"/>
+          </a:p>
+        </p:txBody>
+      </p:sp>
+      <p:sp>
+        <p:nvSpPr>
+          <p:cNvPr id="14" name="왼쪽 화살표 설명선 13"/>
+          <p:cNvSpPr/>
+          <p:nvPr/>
+        </p:nvSpPr>
+        <p:spPr>
+          <a:xfrm>
+            <a:off x="2843808" y="4348071"/>
+            <a:ext cx="2088232" cy="754146"/>
+          </a:xfrm>
+          <a:prstGeom prst="leftArrowCallout">
+            <a:avLst>
+              <a:gd name="adj1" fmla="val 8400"/>
+              <a:gd name="adj2" fmla="val 15778"/>
+              <a:gd name="adj3" fmla="val 14856"/>
+              <a:gd name="adj4" fmla="val 64977"/>
+            </a:avLst>
+          </a:prstGeom>
+        </p:spPr>
+        <p:style>
+          <a:lnRef idx="2">
+            <a:schemeClr val="accent3">
+              <a:shade val="50000"/>
+            </a:schemeClr>
+          </a:lnRef>
+          <a:fillRef idx="1">
+            <a:schemeClr val="accent3"/>
+          </a:fillRef>
+          <a:effectRef idx="0">
+            <a:schemeClr val="accent3"/>
+          </a:effectRef>
+          <a:fontRef idx="minor">
+            <a:schemeClr val="lt1"/>
+          </a:fontRef>
+        </p:style>
+        <p:txBody>
+          <a:bodyPr rtlCol="0" anchor="ctr"/>
+          <a:lstStyle/>
+          <a:p>
+            <a:pPr algn="ctr"/>
+            <a:r>
+              <a:rPr lang="ko-KR" altLang="en-US" sz="1200" dirty="0" smtClean="0"/>
+              <a:t>상세보기로</a:t>
+            </a:r>
+            <a:endParaRPr lang="ko-KR" altLang="en-US" sz="1200" dirty="0"/>
           </a:p>
         </p:txBody>
       </p:sp>
@@ -4225,7 +6495,7 @@
 </p:sld>
 </file>
 
-<file path=ppt/slides/slide6.xml><?xml version="1.0" encoding="utf-8"?>
+<file path=ppt/slides/slide8.xml><?xml version="1.0" encoding="utf-8"?>
 <p:sld xmlns:a="http://schemas.openxmlformats.org/drawingml/2006/main" xmlns:r="http://schemas.openxmlformats.org/officeDocument/2006/relationships" xmlns:p="http://schemas.openxmlformats.org/presentationml/2006/main">
   <p:cSld>
     <p:spTree>
@@ -4798,7 +7068,7 @@
 </p:sld>
 </file>
 
-<file path=ppt/slides/slide7.xml><?xml version="1.0" encoding="utf-8"?>
+<file path=ppt/slides/slide9.xml><?xml version="1.0" encoding="utf-8"?>
 <p:sld xmlns:a="http://schemas.openxmlformats.org/drawingml/2006/main" xmlns:r="http://schemas.openxmlformats.org/officeDocument/2006/relationships" xmlns:p="http://schemas.openxmlformats.org/presentationml/2006/main">
   <p:cSld>
     <p:spTree>
@@ -5265,7 +7535,11 @@
             <a:pPr algn="ctr"/>
             <a:r>
               <a:rPr lang="ko-KR" altLang="en-US" sz="1200" dirty="0" smtClean="0"/>
-              <a:t>상세보기로</a:t>
+              <a:t>상세보기로 </a:t>
+            </a:r>
+            <a:r>
+              <a:rPr lang="en-US" altLang="ko-KR" sz="1200" dirty="0" smtClean="0"/>
+              <a:t>&gt; </a:t>
             </a:r>
             <a:endParaRPr lang="ko-KR" altLang="en-US" sz="1200" dirty="0"/>
           </a:p>
@@ -5364,254 +7638,6 @@
     <p:extLst>
       <p:ext uri="{BB962C8B-B14F-4D97-AF65-F5344CB8AC3E}">
         <p14:creationId xmlns:p14="http://schemas.microsoft.com/office/powerpoint/2010/main" val="58792400"/>
-      </p:ext>
-    </p:extLst>
-  </p:cSld>
-  <p:clrMapOvr>
-    <a:masterClrMapping/>
-  </p:clrMapOvr>
-</p:sld>
-</file>
-
-<file path=ppt/slides/slide8.xml><?xml version="1.0" encoding="utf-8"?>
-<p:sld xmlns:a="http://schemas.openxmlformats.org/drawingml/2006/main" xmlns:r="http://schemas.openxmlformats.org/officeDocument/2006/relationships" xmlns:p="http://schemas.openxmlformats.org/presentationml/2006/main">
-  <p:cSld>
-    <p:spTree>
-      <p:nvGrpSpPr>
-        <p:cNvPr id="1" name=""/>
-        <p:cNvGrpSpPr/>
-        <p:nvPr/>
-      </p:nvGrpSpPr>
-      <p:grpSpPr>
-        <a:xfrm>
-          <a:off x="0" y="0"/>
-          <a:ext cx="0" cy="0"/>
-          <a:chOff x="0" y="0"/>
-          <a:chExt cx="0" cy="0"/>
-        </a:xfrm>
-      </p:grpSpPr>
-      <p:sp>
-        <p:nvSpPr>
-          <p:cNvPr id="2" name="제목 1"/>
-          <p:cNvSpPr>
-            <a:spLocks noGrp="1"/>
-          </p:cNvSpPr>
-          <p:nvPr>
-            <p:ph type="title"/>
-          </p:nvPr>
-        </p:nvSpPr>
-        <p:spPr/>
-        <p:txBody>
-          <a:bodyPr>
-            <a:normAutofit fontScale="90000"/>
-          </a:bodyPr>
-          <a:lstStyle/>
-          <a:p>
-            <a:r>
-              <a:rPr lang="en-US" altLang="ko-KR" dirty="0" smtClean="0"/>
-              <a:t>6 </a:t>
-            </a:r>
-            <a:r>
-              <a:rPr lang="ko-KR" altLang="en-US" dirty="0"/>
-              <a:t>제주특별자치도 기상관측 </a:t>
-            </a:r>
-            <a:r>
-              <a:rPr lang="ko-KR" altLang="en-US" dirty="0" smtClean="0"/>
-              <a:t>정보</a:t>
-            </a:r>
-            <a:endParaRPr lang="ko-KR" altLang="en-US" dirty="0"/>
-          </a:p>
-        </p:txBody>
-      </p:sp>
-      <p:sp>
-        <p:nvSpPr>
-          <p:cNvPr id="3" name="직사각형 2"/>
-          <p:cNvSpPr/>
-          <p:nvPr/>
-        </p:nvSpPr>
-        <p:spPr>
-          <a:xfrm>
-            <a:off x="631740" y="1844824"/>
-            <a:ext cx="2356084" cy="3672408"/>
-          </a:xfrm>
-          <a:prstGeom prst="rect">
-            <a:avLst/>
-          </a:prstGeom>
-        </p:spPr>
-        <p:style>
-          <a:lnRef idx="2">
-            <a:schemeClr val="dk1"/>
-          </a:lnRef>
-          <a:fillRef idx="1">
-            <a:schemeClr val="lt1"/>
-          </a:fillRef>
-          <a:effectRef idx="0">
-            <a:schemeClr val="dk1"/>
-          </a:effectRef>
-          <a:fontRef idx="minor">
-            <a:schemeClr val="dk1"/>
-          </a:fontRef>
-        </p:style>
-        <p:txBody>
-          <a:bodyPr rtlCol="0" anchor="ctr"/>
-          <a:lstStyle/>
-          <a:p>
-            <a:pPr algn="ctr"/>
-            <a:r>
-              <a:rPr lang="ko-KR" altLang="en-US" sz="1200" dirty="0" smtClean="0"/>
-              <a:t>제주 관광정보</a:t>
-            </a:r>
-            <a:endParaRPr lang="en-US" altLang="ko-KR" sz="1200" dirty="0" smtClean="0"/>
-          </a:p>
-          <a:p>
-            <a:pPr algn="ctr"/>
-            <a:endParaRPr lang="en-US" altLang="ko-KR" sz="1200" dirty="0" smtClean="0"/>
-          </a:p>
-          <a:p>
-            <a:pPr algn="ctr"/>
-            <a:r>
-              <a:rPr lang="en-US" altLang="ko-KR" sz="1200" dirty="0" smtClean="0"/>
-              <a:t>(With </a:t>
-            </a:r>
-            <a:r>
-              <a:rPr lang="ko-KR" altLang="en-US" sz="1200" dirty="0" smtClean="0"/>
-              <a:t>공공데이터 </a:t>
-            </a:r>
-            <a:r>
-              <a:rPr lang="en-US" altLang="ko-KR" sz="1200" dirty="0" smtClean="0"/>
-              <a:t>3.0)</a:t>
-            </a:r>
-            <a:endParaRPr lang="ko-KR" altLang="en-US" sz="1200" dirty="0"/>
-          </a:p>
-        </p:txBody>
-      </p:sp>
-    </p:spTree>
-    <p:extLst>
-      <p:ext uri="{BB962C8B-B14F-4D97-AF65-F5344CB8AC3E}">
-        <p14:creationId xmlns:p14="http://schemas.microsoft.com/office/powerpoint/2010/main" val="1334516203"/>
-      </p:ext>
-    </p:extLst>
-  </p:cSld>
-  <p:clrMapOvr>
-    <a:masterClrMapping/>
-  </p:clrMapOvr>
-</p:sld>
-</file>
-
-<file path=ppt/slides/slide9.xml><?xml version="1.0" encoding="utf-8"?>
-<p:sld xmlns:a="http://schemas.openxmlformats.org/drawingml/2006/main" xmlns:r="http://schemas.openxmlformats.org/officeDocument/2006/relationships" xmlns:p="http://schemas.openxmlformats.org/presentationml/2006/main">
-  <p:cSld>
-    <p:spTree>
-      <p:nvGrpSpPr>
-        <p:cNvPr id="1" name=""/>
-        <p:cNvGrpSpPr/>
-        <p:nvPr/>
-      </p:nvGrpSpPr>
-      <p:grpSpPr>
-        <a:xfrm>
-          <a:off x="0" y="0"/>
-          <a:ext cx="0" cy="0"/>
-          <a:chOff x="0" y="0"/>
-          <a:chExt cx="0" cy="0"/>
-        </a:xfrm>
-      </p:grpSpPr>
-      <p:sp>
-        <p:nvSpPr>
-          <p:cNvPr id="2" name="제목 1"/>
-          <p:cNvSpPr>
-            <a:spLocks noGrp="1"/>
-          </p:cNvSpPr>
-          <p:nvPr>
-            <p:ph type="title"/>
-          </p:nvPr>
-        </p:nvSpPr>
-        <p:spPr/>
-        <p:txBody>
-          <a:bodyPr/>
-          <a:lstStyle/>
-          <a:p>
-            <a:r>
-              <a:rPr lang="en-US" altLang="ko-KR" dirty="0" smtClean="0"/>
-              <a:t>7 </a:t>
-            </a:r>
-            <a:r>
-              <a:rPr lang="ko-KR" altLang="en-US" dirty="0"/>
-              <a:t>제주 </a:t>
-            </a:r>
-            <a:r>
-              <a:rPr lang="en-US" altLang="ko-KR" dirty="0"/>
-              <a:t>HOT PLACE</a:t>
-            </a:r>
-            <a:endParaRPr lang="en-US" altLang="ko-KR" dirty="0"/>
-          </a:p>
-        </p:txBody>
-      </p:sp>
-      <p:sp>
-        <p:nvSpPr>
-          <p:cNvPr id="3" name="직사각형 2"/>
-          <p:cNvSpPr/>
-          <p:nvPr/>
-        </p:nvSpPr>
-        <p:spPr>
-          <a:xfrm>
-            <a:off x="631740" y="1844824"/>
-            <a:ext cx="2356084" cy="3672408"/>
-          </a:xfrm>
-          <a:prstGeom prst="rect">
-            <a:avLst/>
-          </a:prstGeom>
-        </p:spPr>
-        <p:style>
-          <a:lnRef idx="2">
-            <a:schemeClr val="dk1"/>
-          </a:lnRef>
-          <a:fillRef idx="1">
-            <a:schemeClr val="lt1"/>
-          </a:fillRef>
-          <a:effectRef idx="0">
-            <a:schemeClr val="dk1"/>
-          </a:effectRef>
-          <a:fontRef idx="minor">
-            <a:schemeClr val="dk1"/>
-          </a:fontRef>
-        </p:style>
-        <p:txBody>
-          <a:bodyPr rtlCol="0" anchor="ctr"/>
-          <a:lstStyle/>
-          <a:p>
-            <a:pPr algn="ctr"/>
-            <a:r>
-              <a:rPr lang="ko-KR" altLang="en-US" sz="1200" dirty="0" smtClean="0"/>
-              <a:t>제주 관광정보</a:t>
-            </a:r>
-            <a:endParaRPr lang="en-US" altLang="ko-KR" sz="1200" dirty="0" smtClean="0"/>
-          </a:p>
-          <a:p>
-            <a:pPr algn="ctr"/>
-            <a:endParaRPr lang="en-US" altLang="ko-KR" sz="1200" dirty="0" smtClean="0"/>
-          </a:p>
-          <a:p>
-            <a:pPr algn="ctr"/>
-            <a:r>
-              <a:rPr lang="en-US" altLang="ko-KR" sz="1200" dirty="0" smtClean="0"/>
-              <a:t>(With </a:t>
-            </a:r>
-            <a:r>
-              <a:rPr lang="ko-KR" altLang="en-US" sz="1200" dirty="0" smtClean="0"/>
-              <a:t>공공데이터 </a:t>
-            </a:r>
-            <a:r>
-              <a:rPr lang="en-US" altLang="ko-KR" sz="1200" dirty="0" smtClean="0"/>
-              <a:t>3.0)</a:t>
-            </a:r>
-            <a:endParaRPr lang="ko-KR" altLang="en-US" sz="1200" dirty="0"/>
-          </a:p>
-        </p:txBody>
-      </p:sp>
-    </p:spTree>
-    <p:extLst>
-      <p:ext uri="{BB962C8B-B14F-4D97-AF65-F5344CB8AC3E}">
-        <p14:creationId xmlns:p14="http://schemas.microsoft.com/office/powerpoint/2010/main" val="1334516203"/>
       </p:ext>
     </p:extLst>
   </p:cSld>

--- a/Project Info/ui.pptx
+++ b/Project Info/ui.pptx
@@ -115,7 +115,27 @@
       </a:defRPr>
     </a:lvl9pPr>
   </p:defaultTextStyle>
+  <p:extLst>
+    <p:ext uri="{EFAFB233-063F-42B5-8137-9DF3F51BA10A}">
+      <p15:sldGuideLst xmlns:p15="http://schemas.microsoft.com/office/powerpoint/2012/main">
+        <p15:guide id="1" orient="horz" pos="2160">
+          <p15:clr>
+            <a:srgbClr val="A4A3A4"/>
+          </p15:clr>
+        </p15:guide>
+        <p15:guide id="2" pos="2880">
+          <p15:clr>
+            <a:srgbClr val="A4A3A4"/>
+          </p15:clr>
+        </p15:guide>
+      </p15:sldGuideLst>
+    </p:ext>
+  </p:extLst>
 </p:presentation>
+</file>
+
+<file path=ppt/revisionInfo.xml><?xml version="1.0" encoding="utf-8"?>
+<p1510:revInfo xmlns:a="http://schemas.openxmlformats.org/drawingml/2006/main" xmlns:r="http://schemas.openxmlformats.org/officeDocument/2006/relationships" xmlns:p1510="http://schemas.microsoft.com/office/powerpoint/2015/10/main"/>
 </file>
 
 <file path=ppt/slideLayouts/slideLayout1.xml><?xml version="1.0" encoding="utf-8"?>
@@ -156,10 +176,9 @@
           <a:lstStyle/>
           <a:p>
             <a:r>
-              <a:rPr lang="ko-KR" altLang="en-US" smtClean="0"/>
+              <a:rPr lang="ko-KR" altLang="en-US"/>
               <a:t>마스터 제목 스타일 편집</a:t>
             </a:r>
-            <a:endParaRPr lang="ko-KR" altLang="en-US"/>
           </a:p>
         </p:txBody>
       </p:sp>
@@ -275,10 +294,9 @@
           </a:lstStyle>
           <a:p>
             <a:r>
-              <a:rPr lang="ko-KR" altLang="en-US" smtClean="0"/>
+              <a:rPr lang="ko-KR" altLang="en-US"/>
               <a:t>마스터 부제목 스타일 편집</a:t>
             </a:r>
-            <a:endParaRPr lang="ko-KR" altLang="en-US"/>
           </a:p>
         </p:txBody>
       </p:sp>
@@ -388,10 +406,9 @@
           <a:lstStyle/>
           <a:p>
             <a:r>
-              <a:rPr lang="ko-KR" altLang="en-US" smtClean="0"/>
+              <a:rPr lang="ko-KR" altLang="en-US"/>
               <a:t>마스터 제목 스타일 편집</a:t>
             </a:r>
-            <a:endParaRPr lang="ko-KR" altLang="en-US"/>
           </a:p>
         </p:txBody>
       </p:sp>
@@ -412,38 +429,37 @@
           <a:p>
             <a:pPr lvl="0"/>
             <a:r>
-              <a:rPr lang="ko-KR" altLang="en-US" smtClean="0"/>
+              <a:rPr lang="ko-KR" altLang="en-US"/>
               <a:t>마스터 텍스트 스타일을 편집합니다</a:t>
             </a:r>
           </a:p>
           <a:p>
             <a:pPr lvl="1"/>
             <a:r>
-              <a:rPr lang="ko-KR" altLang="en-US" smtClean="0"/>
+              <a:rPr lang="ko-KR" altLang="en-US"/>
               <a:t>둘째 수준</a:t>
             </a:r>
           </a:p>
           <a:p>
             <a:pPr lvl="2"/>
             <a:r>
-              <a:rPr lang="ko-KR" altLang="en-US" smtClean="0"/>
+              <a:rPr lang="ko-KR" altLang="en-US"/>
               <a:t>셋째 수준</a:t>
             </a:r>
           </a:p>
           <a:p>
             <a:pPr lvl="3"/>
             <a:r>
-              <a:rPr lang="ko-KR" altLang="en-US" smtClean="0"/>
+              <a:rPr lang="ko-KR" altLang="en-US"/>
               <a:t>넷째 수준</a:t>
             </a:r>
           </a:p>
           <a:p>
             <a:pPr lvl="4"/>
             <a:r>
-              <a:rPr lang="ko-KR" altLang="en-US" smtClean="0"/>
+              <a:rPr lang="ko-KR" altLang="en-US"/>
               <a:t>다섯째 수준</a:t>
             </a:r>
-            <a:endParaRPr lang="ko-KR" altLang="en-US"/>
           </a:p>
         </p:txBody>
       </p:sp>
@@ -558,10 +574,9 @@
           <a:lstStyle/>
           <a:p>
             <a:r>
-              <a:rPr lang="ko-KR" altLang="en-US" smtClean="0"/>
+              <a:rPr lang="ko-KR" altLang="en-US"/>
               <a:t>마스터 제목 스타일 편집</a:t>
             </a:r>
-            <a:endParaRPr lang="ko-KR" altLang="en-US"/>
           </a:p>
         </p:txBody>
       </p:sp>
@@ -587,38 +602,37 @@
           <a:p>
             <a:pPr lvl="0"/>
             <a:r>
-              <a:rPr lang="ko-KR" altLang="en-US" smtClean="0"/>
+              <a:rPr lang="ko-KR" altLang="en-US"/>
               <a:t>마스터 텍스트 스타일을 편집합니다</a:t>
             </a:r>
           </a:p>
           <a:p>
             <a:pPr lvl="1"/>
             <a:r>
-              <a:rPr lang="ko-KR" altLang="en-US" smtClean="0"/>
+              <a:rPr lang="ko-KR" altLang="en-US"/>
               <a:t>둘째 수준</a:t>
             </a:r>
           </a:p>
           <a:p>
             <a:pPr lvl="2"/>
             <a:r>
-              <a:rPr lang="ko-KR" altLang="en-US" smtClean="0"/>
+              <a:rPr lang="ko-KR" altLang="en-US"/>
               <a:t>셋째 수준</a:t>
             </a:r>
           </a:p>
           <a:p>
             <a:pPr lvl="3"/>
             <a:r>
-              <a:rPr lang="ko-KR" altLang="en-US" smtClean="0"/>
+              <a:rPr lang="ko-KR" altLang="en-US"/>
               <a:t>넷째 수준</a:t>
             </a:r>
           </a:p>
           <a:p>
             <a:pPr lvl="4"/>
             <a:r>
-              <a:rPr lang="ko-KR" altLang="en-US" smtClean="0"/>
+              <a:rPr lang="ko-KR" altLang="en-US"/>
               <a:t>다섯째 수준</a:t>
             </a:r>
-            <a:endParaRPr lang="ko-KR" altLang="en-US"/>
           </a:p>
         </p:txBody>
       </p:sp>
@@ -728,10 +742,9 @@
           <a:lstStyle/>
           <a:p>
             <a:r>
-              <a:rPr lang="ko-KR" altLang="en-US" smtClean="0"/>
+              <a:rPr lang="ko-KR" altLang="en-US"/>
               <a:t>마스터 제목 스타일 편집</a:t>
             </a:r>
-            <a:endParaRPr lang="ko-KR" altLang="en-US"/>
           </a:p>
         </p:txBody>
       </p:sp>
@@ -752,38 +765,37 @@
           <a:p>
             <a:pPr lvl="0"/>
             <a:r>
-              <a:rPr lang="ko-KR" altLang="en-US" smtClean="0"/>
+              <a:rPr lang="ko-KR" altLang="en-US"/>
               <a:t>마스터 텍스트 스타일을 편집합니다</a:t>
             </a:r>
           </a:p>
           <a:p>
             <a:pPr lvl="1"/>
             <a:r>
-              <a:rPr lang="ko-KR" altLang="en-US" smtClean="0"/>
+              <a:rPr lang="ko-KR" altLang="en-US"/>
               <a:t>둘째 수준</a:t>
             </a:r>
           </a:p>
           <a:p>
             <a:pPr lvl="2"/>
             <a:r>
-              <a:rPr lang="ko-KR" altLang="en-US" smtClean="0"/>
+              <a:rPr lang="ko-KR" altLang="en-US"/>
               <a:t>셋째 수준</a:t>
             </a:r>
           </a:p>
           <a:p>
             <a:pPr lvl="3"/>
             <a:r>
-              <a:rPr lang="ko-KR" altLang="en-US" smtClean="0"/>
+              <a:rPr lang="ko-KR" altLang="en-US"/>
               <a:t>넷째 수준</a:t>
             </a:r>
           </a:p>
           <a:p>
             <a:pPr lvl="4"/>
             <a:r>
-              <a:rPr lang="ko-KR" altLang="en-US" smtClean="0"/>
+              <a:rPr lang="ko-KR" altLang="en-US"/>
               <a:t>다섯째 수준</a:t>
             </a:r>
-            <a:endParaRPr lang="ko-KR" altLang="en-US"/>
           </a:p>
         </p:txBody>
       </p:sp>
@@ -902,10 +914,9 @@
           </a:lstStyle>
           <a:p>
             <a:r>
-              <a:rPr lang="ko-KR" altLang="en-US" smtClean="0"/>
+              <a:rPr lang="ko-KR" altLang="en-US"/>
               <a:t>마스터 제목 스타일 편집</a:t>
             </a:r>
-            <a:endParaRPr lang="ko-KR" altLang="en-US"/>
           </a:p>
         </p:txBody>
       </p:sp>
@@ -1022,7 +1033,7 @@
           <a:p>
             <a:pPr lvl="0"/>
             <a:r>
-              <a:rPr lang="ko-KR" altLang="en-US" smtClean="0"/>
+              <a:rPr lang="ko-KR" altLang="en-US"/>
               <a:t>마스터 텍스트 스타일을 편집합니다</a:t>
             </a:r>
           </a:p>
@@ -1134,10 +1145,9 @@
           <a:lstStyle/>
           <a:p>
             <a:r>
-              <a:rPr lang="ko-KR" altLang="en-US" smtClean="0"/>
+              <a:rPr lang="ko-KR" altLang="en-US"/>
               <a:t>마스터 제목 스타일 편집</a:t>
             </a:r>
-            <a:endParaRPr lang="ko-KR" altLang="en-US"/>
           </a:p>
         </p:txBody>
       </p:sp>
@@ -1191,38 +1201,37 @@
           <a:p>
             <a:pPr lvl="0"/>
             <a:r>
-              <a:rPr lang="ko-KR" altLang="en-US" smtClean="0"/>
+              <a:rPr lang="ko-KR" altLang="en-US"/>
               <a:t>마스터 텍스트 스타일을 편집합니다</a:t>
             </a:r>
           </a:p>
           <a:p>
             <a:pPr lvl="1"/>
             <a:r>
-              <a:rPr lang="ko-KR" altLang="en-US" smtClean="0"/>
+              <a:rPr lang="ko-KR" altLang="en-US"/>
               <a:t>둘째 수준</a:t>
             </a:r>
           </a:p>
           <a:p>
             <a:pPr lvl="2"/>
             <a:r>
-              <a:rPr lang="ko-KR" altLang="en-US" smtClean="0"/>
+              <a:rPr lang="ko-KR" altLang="en-US"/>
               <a:t>셋째 수준</a:t>
             </a:r>
           </a:p>
           <a:p>
             <a:pPr lvl="3"/>
             <a:r>
-              <a:rPr lang="ko-KR" altLang="en-US" smtClean="0"/>
+              <a:rPr lang="ko-KR" altLang="en-US"/>
               <a:t>넷째 수준</a:t>
             </a:r>
           </a:p>
           <a:p>
             <a:pPr lvl="4"/>
             <a:r>
-              <a:rPr lang="ko-KR" altLang="en-US" smtClean="0"/>
+              <a:rPr lang="ko-KR" altLang="en-US"/>
               <a:t>다섯째 수준</a:t>
             </a:r>
-            <a:endParaRPr lang="ko-KR" altLang="en-US"/>
           </a:p>
         </p:txBody>
       </p:sp>
@@ -1276,38 +1285,37 @@
           <a:p>
             <a:pPr lvl="0"/>
             <a:r>
-              <a:rPr lang="ko-KR" altLang="en-US" smtClean="0"/>
+              <a:rPr lang="ko-KR" altLang="en-US"/>
               <a:t>마스터 텍스트 스타일을 편집합니다</a:t>
             </a:r>
           </a:p>
           <a:p>
             <a:pPr lvl="1"/>
             <a:r>
-              <a:rPr lang="ko-KR" altLang="en-US" smtClean="0"/>
+              <a:rPr lang="ko-KR" altLang="en-US"/>
               <a:t>둘째 수준</a:t>
             </a:r>
           </a:p>
           <a:p>
             <a:pPr lvl="2"/>
             <a:r>
-              <a:rPr lang="ko-KR" altLang="en-US" smtClean="0"/>
+              <a:rPr lang="ko-KR" altLang="en-US"/>
               <a:t>셋째 수준</a:t>
             </a:r>
           </a:p>
           <a:p>
             <a:pPr lvl="3"/>
             <a:r>
-              <a:rPr lang="ko-KR" altLang="en-US" smtClean="0"/>
+              <a:rPr lang="ko-KR" altLang="en-US"/>
               <a:t>넷째 수준</a:t>
             </a:r>
           </a:p>
           <a:p>
             <a:pPr lvl="4"/>
             <a:r>
-              <a:rPr lang="ko-KR" altLang="en-US" smtClean="0"/>
+              <a:rPr lang="ko-KR" altLang="en-US"/>
               <a:t>다섯째 수준</a:t>
             </a:r>
-            <a:endParaRPr lang="ko-KR" altLang="en-US"/>
           </a:p>
         </p:txBody>
       </p:sp>
@@ -1421,10 +1429,9 @@
           </a:lstStyle>
           <a:p>
             <a:r>
-              <a:rPr lang="ko-KR" altLang="en-US" smtClean="0"/>
+              <a:rPr lang="ko-KR" altLang="en-US"/>
               <a:t>마스터 제목 스타일 편집</a:t>
             </a:r>
-            <a:endParaRPr lang="ko-KR" altLang="en-US"/>
           </a:p>
         </p:txBody>
       </p:sp>
@@ -1487,7 +1494,7 @@
           <a:p>
             <a:pPr lvl="0"/>
             <a:r>
-              <a:rPr lang="ko-KR" altLang="en-US" smtClean="0"/>
+              <a:rPr lang="ko-KR" altLang="en-US"/>
               <a:t>마스터 텍스트 스타일을 편집합니다</a:t>
             </a:r>
           </a:p>
@@ -1543,38 +1550,37 @@
           <a:p>
             <a:pPr lvl="0"/>
             <a:r>
-              <a:rPr lang="ko-KR" altLang="en-US" smtClean="0"/>
+              <a:rPr lang="ko-KR" altLang="en-US"/>
               <a:t>마스터 텍스트 스타일을 편집합니다</a:t>
             </a:r>
           </a:p>
           <a:p>
             <a:pPr lvl="1"/>
             <a:r>
-              <a:rPr lang="ko-KR" altLang="en-US" smtClean="0"/>
+              <a:rPr lang="ko-KR" altLang="en-US"/>
               <a:t>둘째 수준</a:t>
             </a:r>
           </a:p>
           <a:p>
             <a:pPr lvl="2"/>
             <a:r>
-              <a:rPr lang="ko-KR" altLang="en-US" smtClean="0"/>
+              <a:rPr lang="ko-KR" altLang="en-US"/>
               <a:t>셋째 수준</a:t>
             </a:r>
           </a:p>
           <a:p>
             <a:pPr lvl="3"/>
             <a:r>
-              <a:rPr lang="ko-KR" altLang="en-US" smtClean="0"/>
+              <a:rPr lang="ko-KR" altLang="en-US"/>
               <a:t>넷째 수준</a:t>
             </a:r>
           </a:p>
           <a:p>
             <a:pPr lvl="4"/>
             <a:r>
-              <a:rPr lang="ko-KR" altLang="en-US" smtClean="0"/>
+              <a:rPr lang="ko-KR" altLang="en-US"/>
               <a:t>다섯째 수준</a:t>
             </a:r>
-            <a:endParaRPr lang="ko-KR" altLang="en-US"/>
           </a:p>
         </p:txBody>
       </p:sp>
@@ -1637,7 +1643,7 @@
           <a:p>
             <a:pPr lvl="0"/>
             <a:r>
-              <a:rPr lang="ko-KR" altLang="en-US" smtClean="0"/>
+              <a:rPr lang="ko-KR" altLang="en-US"/>
               <a:t>마스터 텍스트 스타일을 편집합니다</a:t>
             </a:r>
           </a:p>
@@ -1693,38 +1699,37 @@
           <a:p>
             <a:pPr lvl="0"/>
             <a:r>
-              <a:rPr lang="ko-KR" altLang="en-US" smtClean="0"/>
+              <a:rPr lang="ko-KR" altLang="en-US"/>
               <a:t>마스터 텍스트 스타일을 편집합니다</a:t>
             </a:r>
           </a:p>
           <a:p>
             <a:pPr lvl="1"/>
             <a:r>
-              <a:rPr lang="ko-KR" altLang="en-US" smtClean="0"/>
+              <a:rPr lang="ko-KR" altLang="en-US"/>
               <a:t>둘째 수준</a:t>
             </a:r>
           </a:p>
           <a:p>
             <a:pPr lvl="2"/>
             <a:r>
-              <a:rPr lang="ko-KR" altLang="en-US" smtClean="0"/>
+              <a:rPr lang="ko-KR" altLang="en-US"/>
               <a:t>셋째 수준</a:t>
             </a:r>
           </a:p>
           <a:p>
             <a:pPr lvl="3"/>
             <a:r>
-              <a:rPr lang="ko-KR" altLang="en-US" smtClean="0"/>
+              <a:rPr lang="ko-KR" altLang="en-US"/>
               <a:t>넷째 수준</a:t>
             </a:r>
           </a:p>
           <a:p>
             <a:pPr lvl="4"/>
             <a:r>
-              <a:rPr lang="ko-KR" altLang="en-US" smtClean="0"/>
+              <a:rPr lang="ko-KR" altLang="en-US"/>
               <a:t>다섯째 수준</a:t>
             </a:r>
-            <a:endParaRPr lang="ko-KR" altLang="en-US"/>
           </a:p>
         </p:txBody>
       </p:sp>
@@ -1834,10 +1839,9 @@
           <a:lstStyle/>
           <a:p>
             <a:r>
-              <a:rPr lang="ko-KR" altLang="en-US" smtClean="0"/>
+              <a:rPr lang="ko-KR" altLang="en-US"/>
               <a:t>마스터 제목 스타일 편집</a:t>
             </a:r>
-            <a:endParaRPr lang="ko-KR" altLang="en-US"/>
           </a:p>
         </p:txBody>
       </p:sp>
@@ -2046,10 +2050,9 @@
           </a:lstStyle>
           <a:p>
             <a:r>
-              <a:rPr lang="ko-KR" altLang="en-US" smtClean="0"/>
+              <a:rPr lang="ko-KR" altLang="en-US"/>
               <a:t>마스터 제목 스타일 편집</a:t>
             </a:r>
-            <a:endParaRPr lang="ko-KR" altLang="en-US"/>
           </a:p>
         </p:txBody>
       </p:sp>
@@ -2103,38 +2106,37 @@
           <a:p>
             <a:pPr lvl="0"/>
             <a:r>
-              <a:rPr lang="ko-KR" altLang="en-US" smtClean="0"/>
+              <a:rPr lang="ko-KR" altLang="en-US"/>
               <a:t>마스터 텍스트 스타일을 편집합니다</a:t>
             </a:r>
           </a:p>
           <a:p>
             <a:pPr lvl="1"/>
             <a:r>
-              <a:rPr lang="ko-KR" altLang="en-US" smtClean="0"/>
+              <a:rPr lang="ko-KR" altLang="en-US"/>
               <a:t>둘째 수준</a:t>
             </a:r>
           </a:p>
           <a:p>
             <a:pPr lvl="2"/>
             <a:r>
-              <a:rPr lang="ko-KR" altLang="en-US" smtClean="0"/>
+              <a:rPr lang="ko-KR" altLang="en-US"/>
               <a:t>셋째 수준</a:t>
             </a:r>
           </a:p>
           <a:p>
             <a:pPr lvl="3"/>
             <a:r>
-              <a:rPr lang="ko-KR" altLang="en-US" smtClean="0"/>
+              <a:rPr lang="ko-KR" altLang="en-US"/>
               <a:t>넷째 수준</a:t>
             </a:r>
           </a:p>
           <a:p>
             <a:pPr lvl="4"/>
             <a:r>
-              <a:rPr lang="ko-KR" altLang="en-US" smtClean="0"/>
+              <a:rPr lang="ko-KR" altLang="en-US"/>
               <a:t>다섯째 수준</a:t>
             </a:r>
-            <a:endParaRPr lang="ko-KR" altLang="en-US"/>
           </a:p>
         </p:txBody>
       </p:sp>
@@ -2197,7 +2199,7 @@
           <a:p>
             <a:pPr lvl="0"/>
             <a:r>
-              <a:rPr lang="ko-KR" altLang="en-US" smtClean="0"/>
+              <a:rPr lang="ko-KR" altLang="en-US"/>
               <a:t>마스터 텍스트 스타일을 편집합니다</a:t>
             </a:r>
           </a:p>
@@ -2318,10 +2320,9 @@
           </a:lstStyle>
           <a:p>
             <a:r>
-              <a:rPr lang="ko-KR" altLang="en-US" smtClean="0"/>
+              <a:rPr lang="ko-KR" altLang="en-US"/>
               <a:t>마스터 제목 스타일 편집</a:t>
             </a:r>
-            <a:endParaRPr lang="ko-KR" altLang="en-US"/>
           </a:p>
         </p:txBody>
       </p:sp>
@@ -2445,7 +2446,7 @@
           <a:p>
             <a:pPr lvl="0"/>
             <a:r>
-              <a:rPr lang="ko-KR" altLang="en-US" smtClean="0"/>
+              <a:rPr lang="ko-KR" altLang="en-US"/>
               <a:t>마스터 텍스트 스타일을 편집합니다</a:t>
             </a:r>
           </a:p>
@@ -2572,10 +2573,9 @@
           <a:lstStyle/>
           <a:p>
             <a:r>
-              <a:rPr lang="ko-KR" altLang="en-US" smtClean="0"/>
+              <a:rPr lang="ko-KR" altLang="en-US"/>
               <a:t>마스터 제목 스타일 편집</a:t>
             </a:r>
-            <a:endParaRPr lang="ko-KR" altLang="en-US"/>
           </a:p>
         </p:txBody>
       </p:sp>
@@ -2606,38 +2606,37 @@
           <a:p>
             <a:pPr lvl="0"/>
             <a:r>
-              <a:rPr lang="ko-KR" altLang="en-US" smtClean="0"/>
+              <a:rPr lang="ko-KR" altLang="en-US"/>
               <a:t>마스터 텍스트 스타일을 편집합니다</a:t>
             </a:r>
           </a:p>
           <a:p>
             <a:pPr lvl="1"/>
             <a:r>
-              <a:rPr lang="ko-KR" altLang="en-US" smtClean="0"/>
+              <a:rPr lang="ko-KR" altLang="en-US"/>
               <a:t>둘째 수준</a:t>
             </a:r>
           </a:p>
           <a:p>
             <a:pPr lvl="2"/>
             <a:r>
-              <a:rPr lang="ko-KR" altLang="en-US" smtClean="0"/>
+              <a:rPr lang="ko-KR" altLang="en-US"/>
               <a:t>셋째 수준</a:t>
             </a:r>
           </a:p>
           <a:p>
             <a:pPr lvl="3"/>
             <a:r>
-              <a:rPr lang="ko-KR" altLang="en-US" smtClean="0"/>
+              <a:rPr lang="ko-KR" altLang="en-US"/>
               <a:t>넷째 수준</a:t>
             </a:r>
           </a:p>
           <a:p>
             <a:pPr lvl="4"/>
             <a:r>
-              <a:rPr lang="ko-KR" altLang="en-US" smtClean="0"/>
+              <a:rPr lang="ko-KR" altLang="en-US"/>
               <a:t>다섯째 수준</a:t>
             </a:r>
-            <a:endParaRPr lang="ko-KR" altLang="en-US"/>
           </a:p>
         </p:txBody>
       </p:sp>
@@ -3062,7 +3061,7 @@
           <a:lstStyle/>
           <a:p>
             <a:r>
-              <a:rPr lang="en-US" altLang="ko-KR" dirty="0" smtClean="0"/>
+              <a:rPr lang="en-US" altLang="ko-KR" dirty="0"/>
               <a:t>PROJECT “J”</a:t>
             </a:r>
             <a:endParaRPr lang="ko-KR" altLang="en-US" dirty="0"/>
@@ -3085,15 +3084,15 @@
           <a:lstStyle/>
           <a:p>
             <a:r>
-              <a:rPr lang="en-US" altLang="ko-KR" dirty="0" smtClean="0"/>
+              <a:rPr lang="en-US" altLang="ko-KR" dirty="0"/>
               <a:t>UI </a:t>
             </a:r>
             <a:r>
-              <a:rPr lang="ko-KR" altLang="en-US" dirty="0" smtClean="0"/>
+              <a:rPr lang="ko-KR" altLang="en-US" dirty="0"/>
               <a:t>관련 </a:t>
             </a:r>
             <a:r>
-              <a:rPr lang="en-US" altLang="ko-KR" dirty="0" err="1" smtClean="0"/>
+              <a:rPr lang="en-US" altLang="ko-KR" dirty="0" err="1"/>
               <a:t>ppt</a:t>
             </a:r>
             <a:endParaRPr lang="ko-KR" altLang="en-US" dirty="0"/>
@@ -3148,18 +3147,13 @@
           <a:lstStyle/>
           <a:p>
             <a:r>
-              <a:rPr lang="en-US" altLang="ko-KR" dirty="0" smtClean="0"/>
+              <a:rPr lang="en-US" altLang="ko-KR" dirty="0"/>
               <a:t>6 </a:t>
             </a:r>
             <a:r>
               <a:rPr lang="ko-KR" altLang="en-US" dirty="0"/>
-              <a:t>제주특별자치도 기상관측 </a:t>
-            </a:r>
-            <a:r>
-              <a:rPr lang="ko-KR" altLang="en-US" dirty="0" smtClean="0"/>
-              <a:t>정보</a:t>
-            </a:r>
-            <a:endParaRPr lang="ko-KR" altLang="en-US" dirty="0"/>
+              <a:t>제주특별자치도 기상관측 정보</a:t>
+            </a:r>
           </a:p>
         </p:txBody>
       </p:sp>
@@ -3198,62 +3192,62 @@
           <a:p>
             <a:pPr algn="ctr"/>
             <a:r>
-              <a:rPr lang="ko-KR" altLang="en-US" sz="1200" dirty="0" smtClean="0"/>
+              <a:rPr lang="ko-KR" altLang="en-US" sz="1200" dirty="0"/>
               <a:t>제주 날씨정보</a:t>
             </a:r>
-            <a:endParaRPr lang="en-US" altLang="ko-KR" sz="1200" dirty="0" smtClean="0"/>
-          </a:p>
-          <a:p>
-            <a:pPr algn="ctr"/>
-            <a:endParaRPr lang="en-US" altLang="ko-KR" sz="1200" dirty="0"/>
-          </a:p>
-          <a:p>
-            <a:pPr algn="ctr"/>
-            <a:endParaRPr lang="en-US" altLang="ko-KR" sz="1200" dirty="0"/>
-          </a:p>
-          <a:p>
-            <a:pPr algn="ctr"/>
-            <a:endParaRPr lang="en-US" altLang="ko-KR" sz="1200" dirty="0" smtClean="0"/>
-          </a:p>
-          <a:p>
-            <a:pPr algn="ctr"/>
-            <a:endParaRPr lang="en-US" altLang="ko-KR" sz="1200" dirty="0"/>
-          </a:p>
-          <a:p>
-            <a:pPr algn="ctr"/>
-            <a:endParaRPr lang="en-US" altLang="ko-KR" sz="1200" dirty="0" smtClean="0"/>
-          </a:p>
-          <a:p>
-            <a:pPr algn="ctr"/>
-            <a:endParaRPr lang="en-US" altLang="ko-KR" sz="1200" dirty="0"/>
-          </a:p>
-          <a:p>
-            <a:pPr algn="ctr"/>
-            <a:endParaRPr lang="en-US" altLang="ko-KR" sz="1200" dirty="0" smtClean="0"/>
-          </a:p>
-          <a:p>
-            <a:pPr algn="ctr"/>
-            <a:endParaRPr lang="en-US" altLang="ko-KR" sz="1200" dirty="0"/>
-          </a:p>
-          <a:p>
-            <a:pPr algn="ctr"/>
-            <a:endParaRPr lang="en-US" altLang="ko-KR" sz="1200" dirty="0" smtClean="0"/>
-          </a:p>
-          <a:p>
-            <a:pPr algn="ctr"/>
-            <a:endParaRPr lang="en-US" altLang="ko-KR" sz="1200" dirty="0"/>
-          </a:p>
-          <a:p>
-            <a:pPr algn="ctr"/>
-            <a:endParaRPr lang="en-US" altLang="ko-KR" sz="1200" dirty="0" smtClean="0"/>
-          </a:p>
-          <a:p>
-            <a:pPr algn="ctr"/>
-            <a:endParaRPr lang="en-US" altLang="ko-KR" sz="1200" dirty="0"/>
-          </a:p>
-          <a:p>
-            <a:pPr algn="ctr"/>
-            <a:endParaRPr lang="en-US" altLang="ko-KR" sz="1200" dirty="0" smtClean="0"/>
+            <a:endParaRPr lang="en-US" altLang="ko-KR" sz="1200" dirty="0"/>
+          </a:p>
+          <a:p>
+            <a:pPr algn="ctr"/>
+            <a:endParaRPr lang="en-US" altLang="ko-KR" sz="1200" dirty="0"/>
+          </a:p>
+          <a:p>
+            <a:pPr algn="ctr"/>
+            <a:endParaRPr lang="en-US" altLang="ko-KR" sz="1200" dirty="0"/>
+          </a:p>
+          <a:p>
+            <a:pPr algn="ctr"/>
+            <a:endParaRPr lang="en-US" altLang="ko-KR" sz="1200" dirty="0"/>
+          </a:p>
+          <a:p>
+            <a:pPr algn="ctr"/>
+            <a:endParaRPr lang="en-US" altLang="ko-KR" sz="1200" dirty="0"/>
+          </a:p>
+          <a:p>
+            <a:pPr algn="ctr"/>
+            <a:endParaRPr lang="en-US" altLang="ko-KR" sz="1200" dirty="0"/>
+          </a:p>
+          <a:p>
+            <a:pPr algn="ctr"/>
+            <a:endParaRPr lang="en-US" altLang="ko-KR" sz="1200" dirty="0"/>
+          </a:p>
+          <a:p>
+            <a:pPr algn="ctr"/>
+            <a:endParaRPr lang="en-US" altLang="ko-KR" sz="1200" dirty="0"/>
+          </a:p>
+          <a:p>
+            <a:pPr algn="ctr"/>
+            <a:endParaRPr lang="en-US" altLang="ko-KR" sz="1200" dirty="0"/>
+          </a:p>
+          <a:p>
+            <a:pPr algn="ctr"/>
+            <a:endParaRPr lang="en-US" altLang="ko-KR" sz="1200" dirty="0"/>
+          </a:p>
+          <a:p>
+            <a:pPr algn="ctr"/>
+            <a:endParaRPr lang="en-US" altLang="ko-KR" sz="1200" dirty="0"/>
+          </a:p>
+          <a:p>
+            <a:pPr algn="ctr"/>
+            <a:endParaRPr lang="en-US" altLang="ko-KR" sz="1200" dirty="0"/>
+          </a:p>
+          <a:p>
+            <a:pPr algn="ctr"/>
+            <a:endParaRPr lang="en-US" altLang="ko-KR" sz="1200" dirty="0"/>
+          </a:p>
+          <a:p>
+            <a:pPr algn="ctr"/>
+            <a:endParaRPr lang="en-US" altLang="ko-KR" sz="1200" dirty="0"/>
           </a:p>
           <a:p>
             <a:pPr algn="ctr"/>
@@ -3431,10 +3425,9 @@
           <a:p>
             <a:pPr algn="ctr"/>
             <a:r>
-              <a:rPr lang="ko-KR" altLang="en-US" sz="1200" dirty="0" smtClean="0"/>
+              <a:rPr lang="ko-KR" altLang="en-US" sz="1200" dirty="0"/>
               <a:t>제주도 오늘의 상세날씨와</a:t>
             </a:r>
-            <a:endParaRPr lang="ko-KR" altLang="en-US" sz="1200" dirty="0"/>
           </a:p>
         </p:txBody>
       </p:sp>
@@ -3480,10 +3473,9 @@
           <a:p>
             <a:pPr algn="ctr"/>
             <a:r>
-              <a:rPr lang="ko-KR" altLang="en-US" sz="1200" dirty="0" smtClean="0"/>
+              <a:rPr lang="ko-KR" altLang="en-US" sz="1200" dirty="0"/>
               <a:t>제주도 주간날씨를 한번에</a:t>
             </a:r>
-            <a:endParaRPr lang="ko-KR" altLang="en-US" sz="1200" dirty="0"/>
           </a:p>
         </p:txBody>
       </p:sp>
@@ -3533,7 +3525,7 @@
           <a:lstStyle/>
           <a:p>
             <a:r>
-              <a:rPr lang="en-US" altLang="ko-KR" dirty="0" smtClean="0"/>
+              <a:rPr lang="en-US" altLang="ko-KR" dirty="0"/>
               <a:t>7 </a:t>
             </a:r>
             <a:r>
@@ -3661,12 +3653,8 @@
           <a:p>
             <a:pPr algn="ctr"/>
             <a:r>
-              <a:rPr lang="ko-KR" altLang="en-US" sz="1200" smtClean="0"/>
-              <a:t>주상절리</a:t>
-            </a:r>
-            <a:r>
               <a:rPr lang="ko-KR" altLang="en-US" sz="1200"/>
-              <a:t>대</a:t>
+              <a:t>주상절리대</a:t>
             </a:r>
             <a:endParaRPr lang="ko-KR" altLang="en-US" sz="1200" dirty="0"/>
           </a:p>
@@ -3707,7 +3695,7 @@
           <a:p>
             <a:pPr algn="ctr"/>
             <a:r>
-              <a:rPr lang="ko-KR" altLang="en-US" sz="1200" dirty="0" err="1" smtClean="0"/>
+              <a:rPr lang="ko-KR" altLang="en-US" sz="1200" dirty="0" err="1"/>
               <a:t>ㅁㄴㅇㄹ</a:t>
             </a:r>
             <a:endParaRPr lang="ko-KR" altLang="en-US" sz="1200" dirty="0"/>
@@ -3749,7 +3737,7 @@
           <a:p>
             <a:pPr algn="ctr"/>
             <a:r>
-              <a:rPr lang="ko-KR" altLang="en-US" sz="1200" dirty="0" err="1" smtClean="0"/>
+              <a:rPr lang="ko-KR" altLang="en-US" sz="1200" dirty="0" err="1"/>
               <a:t>ㅂㅈㄷㄱ</a:t>
             </a:r>
             <a:endParaRPr lang="ko-KR" altLang="en-US" sz="1200" dirty="0"/>
@@ -4058,7 +4046,7 @@
           <a:lstStyle/>
           <a:p>
             <a:r>
-              <a:rPr lang="en-US" altLang="ko-KR" dirty="0" smtClean="0"/>
+              <a:rPr lang="en-US" altLang="ko-KR" dirty="0"/>
               <a:t>8 </a:t>
             </a:r>
             <a:r>
@@ -4102,50 +4090,50 @@
           <a:lstStyle/>
           <a:p>
             <a:r>
-              <a:rPr lang="ko-KR" altLang="en-US" sz="1200" dirty="0" err="1" smtClean="0"/>
+              <a:rPr lang="ko-KR" altLang="en-US" sz="1200" dirty="0" err="1"/>
               <a:t>ㅁㅁㅁ식당</a:t>
             </a:r>
             <a:endParaRPr lang="en-US" altLang="ko-KR" sz="1200" dirty="0"/>
           </a:p>
           <a:p>
-            <a:endParaRPr lang="en-US" altLang="ko-KR" sz="1200" dirty="0" smtClean="0"/>
-          </a:p>
-          <a:p>
-            <a:r>
-              <a:rPr lang="ko-KR" altLang="en-US" sz="1200" dirty="0" err="1" smtClean="0"/>
+            <a:endParaRPr lang="en-US" altLang="ko-KR" sz="1200" dirty="0"/>
+          </a:p>
+          <a:p>
+            <a:r>
+              <a:rPr lang="ko-KR" altLang="en-US" sz="1200" dirty="0" err="1"/>
               <a:t>ㅇㅇㅇ식당</a:t>
             </a:r>
-            <a:endParaRPr lang="en-US" altLang="ko-KR" sz="1200" dirty="0" smtClean="0"/>
-          </a:p>
-          <a:p>
-            <a:endParaRPr lang="en-US" altLang="ko-KR" sz="1200" dirty="0"/>
-          </a:p>
-          <a:p>
-            <a:r>
-              <a:rPr lang="ko-KR" altLang="en-US" sz="1200" dirty="0" err="1" smtClean="0"/>
+            <a:endParaRPr lang="en-US" altLang="ko-KR" sz="1200" dirty="0"/>
+          </a:p>
+          <a:p>
+            <a:endParaRPr lang="en-US" altLang="ko-KR" sz="1200" dirty="0"/>
+          </a:p>
+          <a:p>
+            <a:r>
+              <a:rPr lang="ko-KR" altLang="en-US" sz="1200" dirty="0" err="1"/>
               <a:t>ㄹㄹㄹ식당</a:t>
             </a:r>
-            <a:endParaRPr lang="en-US" altLang="ko-KR" sz="1200" dirty="0" smtClean="0"/>
-          </a:p>
-          <a:p>
-            <a:endParaRPr lang="en-US" altLang="ko-KR" sz="1200" dirty="0"/>
-          </a:p>
-          <a:p>
-            <a:r>
-              <a:rPr lang="ko-KR" altLang="en-US" sz="1200" dirty="0" err="1" smtClean="0"/>
+            <a:endParaRPr lang="en-US" altLang="ko-KR" sz="1200" dirty="0"/>
+          </a:p>
+          <a:p>
+            <a:endParaRPr lang="en-US" altLang="ko-KR" sz="1200" dirty="0"/>
+          </a:p>
+          <a:p>
+            <a:r>
+              <a:rPr lang="ko-KR" altLang="en-US" sz="1200" dirty="0" err="1"/>
               <a:t>ㅎㅎㅎ식당</a:t>
             </a:r>
-            <a:endParaRPr lang="en-US" altLang="ko-KR" sz="1200" dirty="0" smtClean="0"/>
-          </a:p>
-          <a:p>
-            <a:endParaRPr lang="en-US" altLang="ko-KR" sz="1200" dirty="0" smtClean="0"/>
-          </a:p>
-          <a:p>
-            <a:r>
-              <a:rPr lang="ko-KR" altLang="en-US" sz="1200" dirty="0" err="1" smtClean="0"/>
+            <a:endParaRPr lang="en-US" altLang="ko-KR" sz="1200" dirty="0"/>
+          </a:p>
+          <a:p>
+            <a:endParaRPr lang="en-US" altLang="ko-KR" sz="1200" dirty="0"/>
+          </a:p>
+          <a:p>
+            <a:r>
+              <a:rPr lang="ko-KR" altLang="en-US" sz="1200" dirty="0" err="1"/>
               <a:t>ㅌㅌㅌ식당</a:t>
             </a:r>
-            <a:endParaRPr lang="en-US" altLang="ko-KR" sz="1200" dirty="0" smtClean="0"/>
+            <a:endParaRPr lang="en-US" altLang="ko-KR" sz="1200" dirty="0"/>
           </a:p>
         </p:txBody>
       </p:sp>
@@ -4191,27 +4179,27 @@
           <a:p>
             <a:pPr algn="ctr"/>
             <a:r>
-              <a:rPr lang="ko-KR" altLang="en-US" sz="1200" dirty="0" smtClean="0"/>
+              <a:rPr lang="ko-KR" altLang="en-US" sz="1200" dirty="0"/>
               <a:t>위치 데이터 비교가 된다면</a:t>
             </a:r>
-            <a:endParaRPr lang="en-US" altLang="ko-KR" sz="1200" dirty="0" smtClean="0"/>
-          </a:p>
-          <a:p>
-            <a:pPr algn="ctr"/>
-            <a:endParaRPr lang="en-US" altLang="ko-KR" sz="1200" dirty="0" smtClean="0"/>
-          </a:p>
-          <a:p>
-            <a:pPr algn="ctr"/>
-            <a:r>
-              <a:rPr lang="en-US" altLang="ko-KR" sz="1200" dirty="0" smtClean="0"/>
+            <a:endParaRPr lang="en-US" altLang="ko-KR" sz="1200" dirty="0"/>
+          </a:p>
+          <a:p>
+            <a:pPr algn="ctr"/>
+            <a:endParaRPr lang="en-US" altLang="ko-KR" sz="1200" dirty="0"/>
+          </a:p>
+          <a:p>
+            <a:pPr algn="ctr"/>
+            <a:r>
+              <a:rPr lang="en-US" altLang="ko-KR" sz="1200" dirty="0"/>
               <a:t>GPS</a:t>
             </a:r>
             <a:r>
-              <a:rPr lang="ko-KR" altLang="en-US" sz="1200" dirty="0" smtClean="0"/>
+              <a:rPr lang="ko-KR" altLang="en-US" sz="1200" dirty="0"/>
               <a:t>받아와서  </a:t>
             </a:r>
             <a:r>
-              <a:rPr lang="en-US" altLang="ko-KR" sz="1200" dirty="0" smtClean="0"/>
+              <a:rPr lang="en-US" altLang="ko-KR" sz="1200" dirty="0"/>
               <a:t>? </a:t>
             </a:r>
           </a:p>
@@ -4222,10 +4210,10 @@
           <a:p>
             <a:pPr algn="ctr"/>
             <a:r>
-              <a:rPr lang="ko-KR" altLang="en-US" sz="1200" dirty="0" smtClean="0"/>
+              <a:rPr lang="ko-KR" altLang="en-US" sz="1200" dirty="0"/>
               <a:t>근처 지점 목록</a:t>
             </a:r>
-            <a:endParaRPr lang="en-US" altLang="ko-KR" sz="1200" dirty="0" smtClean="0"/>
+            <a:endParaRPr lang="en-US" altLang="ko-KR" sz="1200" dirty="0"/>
           </a:p>
         </p:txBody>
       </p:sp>
@@ -4266,10 +4254,10 @@
           <a:p>
             <a:pPr algn="ctr"/>
             <a:r>
-              <a:rPr lang="ko-KR" altLang="en-US" sz="1100" smtClean="0"/>
+              <a:rPr lang="ko-KR" altLang="en-US" sz="1100"/>
               <a:t>상세보기</a:t>
             </a:r>
-            <a:endParaRPr lang="en-US" altLang="ko-KR" sz="1100" dirty="0" smtClean="0"/>
+            <a:endParaRPr lang="en-US" altLang="ko-KR" sz="1100" dirty="0"/>
           </a:p>
         </p:txBody>
       </p:sp>
@@ -4310,10 +4298,10 @@
           <a:p>
             <a:pPr algn="ctr"/>
             <a:r>
-              <a:rPr lang="ko-KR" altLang="en-US" sz="1100" dirty="0" smtClean="0"/>
+              <a:rPr lang="ko-KR" altLang="en-US" sz="1100" dirty="0"/>
               <a:t>상세보기</a:t>
             </a:r>
-            <a:endParaRPr lang="en-US" altLang="ko-KR" sz="1100" dirty="0" smtClean="0"/>
+            <a:endParaRPr lang="en-US" altLang="ko-KR" sz="1100" dirty="0"/>
           </a:p>
         </p:txBody>
       </p:sp>
@@ -4354,10 +4342,10 @@
           <a:p>
             <a:pPr algn="ctr"/>
             <a:r>
-              <a:rPr lang="ko-KR" altLang="en-US" sz="1100" smtClean="0"/>
+              <a:rPr lang="ko-KR" altLang="en-US" sz="1100"/>
               <a:t>상세보기</a:t>
             </a:r>
-            <a:endParaRPr lang="en-US" altLang="ko-KR" sz="1100" dirty="0" smtClean="0"/>
+            <a:endParaRPr lang="en-US" altLang="ko-KR" sz="1100" dirty="0"/>
           </a:p>
         </p:txBody>
       </p:sp>
@@ -4398,10 +4386,10 @@
           <a:p>
             <a:pPr algn="ctr"/>
             <a:r>
-              <a:rPr lang="ko-KR" altLang="en-US" sz="1100" smtClean="0"/>
+              <a:rPr lang="ko-KR" altLang="en-US" sz="1100"/>
               <a:t>상세보기</a:t>
             </a:r>
-            <a:endParaRPr lang="en-US" altLang="ko-KR" sz="1100" dirty="0" smtClean="0"/>
+            <a:endParaRPr lang="en-US" altLang="ko-KR" sz="1100" dirty="0"/>
           </a:p>
         </p:txBody>
       </p:sp>
@@ -4442,10 +4430,10 @@
           <a:p>
             <a:pPr algn="ctr"/>
             <a:r>
-              <a:rPr lang="ko-KR" altLang="en-US" sz="1100" smtClean="0"/>
+              <a:rPr lang="ko-KR" altLang="en-US" sz="1100"/>
               <a:t>상세보기</a:t>
             </a:r>
-            <a:endParaRPr lang="en-US" altLang="ko-KR" sz="1100" dirty="0" smtClean="0"/>
+            <a:endParaRPr lang="en-US" altLang="ko-KR" sz="1100" dirty="0"/>
           </a:p>
         </p:txBody>
       </p:sp>
@@ -4495,10 +4483,9 @@
           <a:lstStyle/>
           <a:p>
             <a:r>
-              <a:rPr lang="ko-KR" altLang="en-US" dirty="0" smtClean="0"/>
+              <a:rPr lang="ko-KR" altLang="en-US" dirty="0"/>
               <a:t>목차</a:t>
             </a:r>
-            <a:endParaRPr lang="ko-KR" altLang="en-US" dirty="0"/>
           </a:p>
         </p:txBody>
       </p:sp>
@@ -4520,75 +4507,62 @@
           <a:lstStyle/>
           <a:p>
             <a:r>
-              <a:rPr lang="en-US" altLang="ko-KR" sz="1800" dirty="0" smtClean="0"/>
+              <a:rPr lang="en-US" altLang="ko-KR" sz="1800" dirty="0"/>
               <a:t>1 </a:t>
             </a:r>
             <a:r>
-              <a:rPr lang="ko-KR" altLang="en-US" sz="1800" dirty="0" err="1" smtClean="0"/>
+              <a:rPr lang="ko-KR" altLang="en-US" sz="1800" dirty="0" err="1"/>
               <a:t>인트로</a:t>
             </a:r>
             <a:r>
-              <a:rPr lang="ko-KR" altLang="en-US" sz="1800" dirty="0" smtClean="0"/>
-              <a:t> 및 </a:t>
-            </a:r>
-            <a:r>
-              <a:rPr lang="ko-KR" altLang="en-US" sz="1800" dirty="0" smtClean="0"/>
-              <a:t>목록</a:t>
-            </a:r>
-            <a:endParaRPr lang="en-US" altLang="ko-KR" sz="1800" dirty="0" smtClean="0"/>
-          </a:p>
-          <a:p>
-            <a:r>
-              <a:rPr lang="en-US" altLang="ko-KR" sz="1800" dirty="0" smtClean="0"/>
+              <a:rPr lang="ko-KR" altLang="en-US" sz="1800" dirty="0"/>
+              <a:t> 및 목록</a:t>
+            </a:r>
+            <a:endParaRPr lang="en-US" altLang="ko-KR" sz="1800" dirty="0"/>
+          </a:p>
+          <a:p>
+            <a:r>
+              <a:rPr lang="en-US" altLang="ko-KR" sz="1800" dirty="0"/>
               <a:t>1-1 </a:t>
             </a:r>
             <a:r>
-              <a:rPr lang="ko-KR" altLang="en-US" sz="1800" dirty="0" smtClean="0"/>
+              <a:rPr lang="ko-KR" altLang="en-US" sz="1800" dirty="0"/>
               <a:t>로그인화면</a:t>
             </a:r>
-            <a:endParaRPr lang="en-US" altLang="ko-KR" sz="1800" dirty="0" smtClean="0"/>
-          </a:p>
-          <a:p>
-            <a:r>
-              <a:rPr lang="en-US" altLang="ko-KR" sz="1800" dirty="0" smtClean="0"/>
+            <a:endParaRPr lang="en-US" altLang="ko-KR" sz="1800" dirty="0"/>
+          </a:p>
+          <a:p>
+            <a:r>
+              <a:rPr lang="en-US" altLang="ko-KR" sz="1800" dirty="0"/>
               <a:t>1-2 </a:t>
             </a:r>
             <a:r>
-              <a:rPr lang="ko-KR" altLang="en-US" sz="1800" dirty="0" smtClean="0"/>
+              <a:rPr lang="ko-KR" altLang="en-US" sz="1800" dirty="0"/>
               <a:t>회원가입</a:t>
             </a:r>
-            <a:endParaRPr lang="en-US" altLang="ko-KR" sz="1800" dirty="0" smtClean="0"/>
-          </a:p>
-          <a:p>
-            <a:r>
-              <a:rPr lang="en-US" altLang="ko-KR" sz="1800" dirty="0" smtClean="0"/>
+            <a:endParaRPr lang="en-US" altLang="ko-KR" sz="1800" dirty="0"/>
+          </a:p>
+          <a:p>
+            <a:r>
+              <a:rPr lang="en-US" altLang="ko-KR" sz="1800" dirty="0"/>
               <a:t>1-3 </a:t>
             </a:r>
-            <a:endParaRPr lang="en-US" altLang="ko-KR" sz="1800" dirty="0" smtClean="0"/>
-          </a:p>
-          <a:p>
-            <a:r>
-              <a:rPr lang="en-US" altLang="ko-KR" sz="1800" dirty="0" smtClean="0"/>
+          </a:p>
+          <a:p>
+            <a:r>
+              <a:rPr lang="en-US" altLang="ko-KR" sz="1800" dirty="0"/>
               <a:t>2 </a:t>
             </a:r>
             <a:r>
-              <a:rPr lang="ko-KR" altLang="en-US" sz="1800" dirty="0" smtClean="0"/>
+              <a:rPr lang="ko-KR" altLang="en-US" sz="1800" dirty="0"/>
               <a:t>공통사항</a:t>
             </a:r>
-            <a:endParaRPr lang="en-US" altLang="ko-KR" sz="1800" dirty="0" smtClean="0"/>
-          </a:p>
-          <a:p>
-            <a:r>
-              <a:rPr lang="en-US" altLang="ko-KR" sz="1800" dirty="0" smtClean="0"/>
-              <a:t>3</a:t>
-            </a:r>
+            <a:endParaRPr lang="en-US" altLang="ko-KR" sz="1800" dirty="0"/>
+          </a:p>
+          <a:p>
             <a:r>
               <a:rPr lang="en-US" altLang="ko-KR" sz="1800" dirty="0"/>
-              <a:t> MY STAMP</a:t>
-            </a:r>
-            <a:r>
-              <a:rPr lang="en-US" altLang="ko-KR" sz="1800" dirty="0" smtClean="0"/>
-              <a:t> </a:t>
+              <a:t>3 MY STAMP </a:t>
             </a:r>
           </a:p>
           <a:p>
@@ -4597,51 +4571,39 @@
               <a:t>4 </a:t>
             </a:r>
             <a:r>
-              <a:rPr lang="ko-KR" altLang="en-US" sz="1800" dirty="0" smtClean="0"/>
-              <a:t>제주시 </a:t>
-            </a:r>
-            <a:r>
               <a:rPr lang="ko-KR" altLang="en-US" sz="1800" dirty="0"/>
-              <a:t>문화축제현황 정보</a:t>
-            </a:r>
-            <a:endParaRPr lang="en-US" altLang="ko-KR" sz="1800" dirty="0" smtClean="0"/>
-          </a:p>
-          <a:p>
-            <a:r>
-              <a:rPr lang="en-US" altLang="ko-KR" sz="1800" dirty="0" smtClean="0"/>
+              <a:t>제주시 문화축제현황 정보</a:t>
+            </a:r>
+            <a:endParaRPr lang="en-US" altLang="ko-KR" sz="1800" dirty="0"/>
+          </a:p>
+          <a:p>
+            <a:r>
+              <a:rPr lang="en-US" altLang="ko-KR" sz="1800" dirty="0"/>
               <a:t>5 </a:t>
             </a:r>
             <a:r>
               <a:rPr lang="ko-KR" altLang="en-US" sz="1800" dirty="0"/>
-              <a:t>제주시 공연행사 </a:t>
-            </a:r>
-            <a:r>
-              <a:rPr lang="ko-KR" altLang="en-US" sz="1800" dirty="0" smtClean="0"/>
-              <a:t>정보</a:t>
+              <a:t>제주시 공연행사 정보</a:t>
             </a:r>
             <a:endParaRPr lang="en-US" altLang="ko-KR" sz="1800" dirty="0"/>
           </a:p>
           <a:p>
             <a:r>
-              <a:rPr lang="en-US" altLang="ko-KR" sz="1800" dirty="0" smtClean="0"/>
+              <a:rPr lang="en-US" altLang="ko-KR" sz="1800" dirty="0"/>
               <a:t>6 </a:t>
             </a:r>
             <a:r>
-              <a:rPr lang="ko-KR" altLang="en-US" sz="1800" dirty="0" smtClean="0"/>
-              <a:t>제주특별자치도 </a:t>
-            </a:r>
-            <a:r>
               <a:rPr lang="ko-KR" altLang="en-US" sz="1800" dirty="0"/>
-              <a:t>기상관측 정보</a:t>
-            </a:r>
-          </a:p>
-          <a:p>
-            <a:r>
-              <a:rPr lang="en-US" altLang="ko-KR" sz="1800" dirty="0" smtClean="0"/>
+              <a:t>제주특별자치도 기상관측 정보</a:t>
+            </a:r>
+          </a:p>
+          <a:p>
+            <a:r>
+              <a:rPr lang="en-US" altLang="ko-KR" sz="1800" dirty="0"/>
               <a:t>7 </a:t>
             </a:r>
             <a:r>
-              <a:rPr lang="ko-KR" altLang="en-US" sz="1800" dirty="0" smtClean="0"/>
+              <a:rPr lang="ko-KR" altLang="en-US" sz="1800" dirty="0"/>
               <a:t>제주 </a:t>
             </a:r>
             <a:r>
@@ -4651,40 +4613,36 @@
           </a:p>
           <a:p>
             <a:r>
-              <a:rPr lang="en-US" altLang="ko-KR" sz="1800" dirty="0" smtClean="0"/>
+              <a:rPr lang="en-US" altLang="ko-KR" sz="1800" dirty="0"/>
               <a:t>8 </a:t>
             </a:r>
             <a:r>
-              <a:rPr lang="ko-KR" altLang="en-US" sz="1800" dirty="0" smtClean="0"/>
-              <a:t>근처 </a:t>
-            </a:r>
-            <a:r>
               <a:rPr lang="ko-KR" altLang="en-US" sz="1800" dirty="0"/>
-              <a:t>음식점 추천</a:t>
-            </a:r>
-          </a:p>
-          <a:p>
-            <a:r>
-              <a:rPr lang="ko-KR" altLang="en-US" sz="1800" dirty="0" err="1" smtClean="0"/>
+              <a:t>근처 음식점 추천</a:t>
+            </a:r>
+          </a:p>
+          <a:p>
+            <a:r>
+              <a:rPr lang="ko-KR" altLang="en-US" sz="1800" dirty="0" err="1"/>
               <a:t>ㅇ</a:t>
             </a:r>
-            <a:endParaRPr lang="en-US" altLang="ko-KR" sz="1800" dirty="0" smtClean="0"/>
-          </a:p>
-          <a:p>
-            <a:r>
-              <a:rPr lang="ko-KR" altLang="en-US" sz="1800" dirty="0" err="1" smtClean="0"/>
+            <a:endParaRPr lang="en-US" altLang="ko-KR" sz="1800" dirty="0"/>
+          </a:p>
+          <a:p>
+            <a:r>
+              <a:rPr lang="ko-KR" altLang="en-US" sz="1800" dirty="0" err="1"/>
               <a:t>ㄹ</a:t>
             </a:r>
-            <a:endParaRPr lang="en-US" altLang="ko-KR" sz="1800" dirty="0" smtClean="0"/>
-          </a:p>
-          <a:p>
-            <a:endParaRPr lang="en-US" altLang="ko-KR" sz="1800" dirty="0" smtClean="0"/>
-          </a:p>
-          <a:p>
             <a:endParaRPr lang="en-US" altLang="ko-KR" sz="1800" dirty="0"/>
           </a:p>
           <a:p>
-            <a:endParaRPr lang="en-US" altLang="ko-KR" sz="1800" dirty="0" smtClean="0"/>
+            <a:endParaRPr lang="en-US" altLang="ko-KR" sz="1800" dirty="0"/>
+          </a:p>
+          <a:p>
+            <a:endParaRPr lang="en-US" altLang="ko-KR" sz="1800" dirty="0"/>
+          </a:p>
+          <a:p>
+            <a:endParaRPr lang="en-US" altLang="ko-KR" sz="1800" dirty="0"/>
           </a:p>
         </p:txBody>
       </p:sp>
@@ -4734,18 +4692,17 @@
           <a:lstStyle/>
           <a:p>
             <a:r>
-              <a:rPr lang="en-US" altLang="ko-KR" dirty="0" smtClean="0"/>
+              <a:rPr lang="en-US" altLang="ko-KR" dirty="0"/>
               <a:t>1 </a:t>
             </a:r>
             <a:r>
-              <a:rPr lang="ko-KR" altLang="en-US" dirty="0" err="1" smtClean="0"/>
+              <a:rPr lang="ko-KR" altLang="en-US" dirty="0" err="1"/>
               <a:t>인트로</a:t>
             </a:r>
             <a:r>
-              <a:rPr lang="ko-KR" altLang="en-US" dirty="0" smtClean="0"/>
+              <a:rPr lang="ko-KR" altLang="en-US" dirty="0"/>
               <a:t> 및 목록</a:t>
             </a:r>
-            <a:endParaRPr lang="ko-KR" altLang="en-US" dirty="0"/>
           </a:p>
         </p:txBody>
       </p:sp>
@@ -4784,27 +4741,27 @@
           <a:p>
             <a:pPr algn="ctr"/>
             <a:r>
-              <a:rPr lang="ko-KR" altLang="en-US" sz="1200" dirty="0" smtClean="0"/>
+              <a:rPr lang="ko-KR" altLang="en-US" sz="1200" dirty="0"/>
               <a:t>제주 관광정보</a:t>
             </a:r>
-            <a:endParaRPr lang="en-US" altLang="ko-KR" sz="1200" dirty="0" smtClean="0"/>
-          </a:p>
-          <a:p>
-            <a:pPr algn="ctr"/>
-            <a:endParaRPr lang="en-US" altLang="ko-KR" sz="1200" dirty="0" smtClean="0"/>
-          </a:p>
-          <a:p>
-            <a:pPr algn="ctr"/>
-            <a:r>
-              <a:rPr lang="en-US" altLang="ko-KR" sz="1200" dirty="0" smtClean="0"/>
+            <a:endParaRPr lang="en-US" altLang="ko-KR" sz="1200" dirty="0"/>
+          </a:p>
+          <a:p>
+            <a:pPr algn="ctr"/>
+            <a:endParaRPr lang="en-US" altLang="ko-KR" sz="1200" dirty="0"/>
+          </a:p>
+          <a:p>
+            <a:pPr algn="ctr"/>
+            <a:r>
+              <a:rPr lang="en-US" altLang="ko-KR" sz="1200" dirty="0"/>
               <a:t>(With </a:t>
             </a:r>
             <a:r>
-              <a:rPr lang="ko-KR" altLang="en-US" sz="1200" dirty="0" smtClean="0"/>
+              <a:rPr lang="ko-KR" altLang="en-US" sz="1200" dirty="0"/>
               <a:t>공공데이터 </a:t>
             </a:r>
             <a:r>
-              <a:rPr lang="en-US" altLang="ko-KR" sz="1200" dirty="0" smtClean="0"/>
+              <a:rPr lang="en-US" altLang="ko-KR" sz="1200" dirty="0"/>
               <a:t>3.0)</a:t>
             </a:r>
             <a:endParaRPr lang="ko-KR" altLang="en-US" sz="1200" dirty="0"/>
@@ -4846,27 +4803,27 @@
           <a:p>
             <a:pPr algn="ctr"/>
             <a:r>
-              <a:rPr lang="en-US" altLang="ko-KR" sz="1200" dirty="0" smtClean="0"/>
+              <a:rPr lang="en-US" altLang="ko-KR" sz="1200" dirty="0"/>
               <a:t> </a:t>
             </a:r>
             <a:r>
-              <a:rPr lang="en-US" altLang="ko-KR" sz="800" dirty="0" err="1" smtClean="0"/>
+              <a:rPr lang="en-US" altLang="ko-KR" sz="800" dirty="0" err="1"/>
               <a:t>ui</a:t>
             </a:r>
             <a:r>
-              <a:rPr lang="en-US" altLang="ko-KR" sz="800" dirty="0" smtClean="0"/>
+              <a:rPr lang="en-US" altLang="ko-KR" sz="800" dirty="0"/>
               <a:t>(</a:t>
             </a:r>
             <a:r>
-              <a:rPr lang="ko-KR" altLang="en-US" sz="800" dirty="0" err="1" smtClean="0"/>
+              <a:rPr lang="ko-KR" altLang="en-US" sz="800" dirty="0" err="1"/>
               <a:t>밤낮판단</a:t>
             </a:r>
             <a:r>
-              <a:rPr lang="ko-KR" altLang="en-US" sz="800" dirty="0" smtClean="0"/>
+              <a:rPr lang="ko-KR" altLang="en-US" sz="800" dirty="0"/>
               <a:t> 및 위치 판단 배경</a:t>
             </a:r>
             <a:r>
-              <a:rPr lang="en-US" altLang="ko-KR" sz="800" dirty="0" smtClean="0"/>
+              <a:rPr lang="en-US" altLang="ko-KR" sz="800" dirty="0"/>
               <a:t>)</a:t>
             </a:r>
           </a:p>
@@ -4876,27 +4833,11 @@
           </a:p>
           <a:p>
             <a:pPr algn="ctr"/>
-            <a:endParaRPr lang="en-US" altLang="ko-KR" sz="800" dirty="0" smtClean="0"/>
-          </a:p>
-          <a:p>
-            <a:pPr algn="ctr"/>
-            <a:endParaRPr lang="en-US" altLang="ko-KR" sz="800" dirty="0" smtClean="0"/>
-          </a:p>
-          <a:p>
-            <a:pPr algn="ctr"/>
-            <a:r>
-              <a:rPr lang="en-US" altLang="ko-KR" sz="1200" dirty="0" smtClean="0"/>
-              <a:t>----------------------------</a:t>
-            </a:r>
-            <a:endParaRPr lang="en-US" altLang="ko-KR" sz="1200" dirty="0"/>
-          </a:p>
-          <a:p>
-            <a:pPr algn="ctr"/>
-            <a:r>
-              <a:rPr lang="en-US" altLang="ko-KR" sz="1200" dirty="0" smtClean="0"/>
-              <a:t>MY STAMP</a:t>
-            </a:r>
-            <a:endParaRPr lang="en-US" altLang="ko-KR" sz="1200" dirty="0"/>
+            <a:endParaRPr lang="en-US" altLang="ko-KR" sz="800" dirty="0"/>
+          </a:p>
+          <a:p>
+            <a:pPr algn="ctr"/>
+            <a:endParaRPr lang="en-US" altLang="ko-KR" sz="800" dirty="0"/>
           </a:p>
           <a:p>
             <a:pPr algn="ctr"/>
@@ -4908,6 +4849,20 @@
           <a:p>
             <a:pPr algn="ctr"/>
             <a:r>
+              <a:rPr lang="en-US" altLang="ko-KR" sz="1200" dirty="0"/>
+              <a:t>MY STAMP</a:t>
+            </a:r>
+          </a:p>
+          <a:p>
+            <a:pPr algn="ctr"/>
+            <a:r>
+              <a:rPr lang="en-US" altLang="ko-KR" sz="1200" dirty="0"/>
+              <a:t>----------------------------</a:t>
+            </a:r>
+          </a:p>
+          <a:p>
+            <a:pPr algn="ctr"/>
+            <a:r>
               <a:rPr lang="ko-KR" altLang="en-US" sz="1200" dirty="0"/>
               <a:t>제주시 문화축제현황 정보</a:t>
             </a:r>
@@ -4916,30 +4871,6 @@
           <a:p>
             <a:pPr algn="ctr"/>
             <a:r>
-              <a:rPr lang="en-US" altLang="ko-KR" sz="1200" dirty="0" smtClean="0"/>
-              <a:t>----------------------------</a:t>
-            </a:r>
-            <a:endParaRPr lang="en-US" altLang="ko-KR" sz="1200" dirty="0"/>
-          </a:p>
-          <a:p>
-            <a:pPr algn="ctr"/>
-            <a:r>
-              <a:rPr lang="ko-KR" altLang="en-US" sz="1200" dirty="0"/>
-              <a:t>제주시 </a:t>
-            </a:r>
-            <a:r>
-              <a:rPr lang="ko-KR" altLang="en-US" sz="1200" dirty="0" smtClean="0"/>
-              <a:t>공연행사 </a:t>
-            </a:r>
-            <a:r>
-              <a:rPr lang="ko-KR" altLang="en-US" sz="1200" dirty="0"/>
-              <a:t>정보</a:t>
-            </a:r>
-            <a:endParaRPr lang="en-US" altLang="ko-KR" sz="1200" dirty="0"/>
-          </a:p>
-          <a:p>
-            <a:pPr algn="ctr"/>
-            <a:r>
               <a:rPr lang="en-US" altLang="ko-KR" sz="1200" dirty="0"/>
               <a:t>----------------------------</a:t>
             </a:r>
@@ -4947,20 +4878,8 @@
           <a:p>
             <a:pPr algn="ctr"/>
             <a:r>
-              <a:rPr lang="ko-KR" altLang="en-US" sz="1200" dirty="0" smtClean="0"/>
-              <a:t>제주관광 </a:t>
-            </a:r>
-            <a:r>
-              <a:rPr lang="en-US" altLang="ko-KR" sz="1200" dirty="0" err="1" smtClean="0"/>
-              <a:t>ebook</a:t>
-            </a:r>
-            <a:r>
-              <a:rPr lang="en-US" altLang="ko-KR" sz="1200" dirty="0" smtClean="0"/>
-              <a:t> </a:t>
-            </a:r>
-            <a:r>
-              <a:rPr lang="ko-KR" altLang="en-US" sz="1200" dirty="0" smtClean="0"/>
-              <a:t>정보 서비스</a:t>
+              <a:rPr lang="ko-KR" altLang="en-US" sz="1200" dirty="0"/>
+              <a:t>제주시 공연행사 정보</a:t>
             </a:r>
             <a:endParaRPr lang="en-US" altLang="ko-KR" sz="1200" dirty="0"/>
           </a:p>
@@ -4974,8 +4893,20 @@
           <a:p>
             <a:pPr algn="ctr"/>
             <a:r>
-              <a:rPr lang="ko-KR" altLang="en-US" sz="1200" dirty="0" smtClean="0"/>
-              <a:t>제주특별자치도 기상관측 정보</a:t>
+              <a:rPr lang="ko-KR" altLang="en-US" sz="1200" dirty="0"/>
+              <a:t>제주관광 </a:t>
+            </a:r>
+            <a:r>
+              <a:rPr lang="en-US" altLang="ko-KR" sz="1200" dirty="0" err="1"/>
+              <a:t>ebook</a:t>
+            </a:r>
+            <a:r>
+              <a:rPr lang="en-US" altLang="ko-KR" sz="1200" dirty="0"/>
+              <a:t> </a:t>
+            </a:r>
+            <a:r>
+              <a:rPr lang="ko-KR" altLang="en-US" sz="1200" dirty="0"/>
+              <a:t>정보 서비스</a:t>
             </a:r>
             <a:endParaRPr lang="en-US" altLang="ko-KR" sz="1200" dirty="0"/>
           </a:p>
@@ -4989,12 +4920,8 @@
           <a:p>
             <a:pPr algn="ctr"/>
             <a:r>
-              <a:rPr lang="ko-KR" altLang="en-US" sz="1200" dirty="0" smtClean="0"/>
-              <a:t>제주 </a:t>
-            </a:r>
-            <a:r>
-              <a:rPr lang="en-US" altLang="ko-KR" sz="1200" dirty="0" smtClean="0"/>
-              <a:t>HOT PLACE</a:t>
+              <a:rPr lang="ko-KR" altLang="en-US" sz="1200" dirty="0"/>
+              <a:t>제주특별자치도 기상관측 정보</a:t>
             </a:r>
             <a:endParaRPr lang="en-US" altLang="ko-KR" sz="1200" dirty="0"/>
           </a:p>
@@ -5008,7 +4935,25 @@
           <a:p>
             <a:pPr algn="ctr"/>
             <a:r>
-              <a:rPr lang="ko-KR" altLang="en-US" sz="1200" dirty="0" smtClean="0"/>
+              <a:rPr lang="ko-KR" altLang="en-US" sz="1200" dirty="0"/>
+              <a:t>제주 </a:t>
+            </a:r>
+            <a:r>
+              <a:rPr lang="en-US" altLang="ko-KR" sz="1200" dirty="0"/>
+              <a:t>HOT PLACE</a:t>
+            </a:r>
+          </a:p>
+          <a:p>
+            <a:pPr algn="ctr"/>
+            <a:r>
+              <a:rPr lang="en-US" altLang="ko-KR" sz="1200" dirty="0"/>
+              <a:t>----------------------------</a:t>
+            </a:r>
+          </a:p>
+          <a:p>
+            <a:pPr algn="ctr"/>
+            <a:r>
+              <a:rPr lang="ko-KR" altLang="en-US" sz="1200" dirty="0"/>
               <a:t>근처 음식점 추천</a:t>
             </a:r>
             <a:endParaRPr lang="en-US" altLang="ko-KR" sz="1200" dirty="0"/>
@@ -5016,7 +4961,7 @@
           <a:p>
             <a:pPr algn="ctr"/>
             <a:r>
-              <a:rPr lang="en-US" altLang="ko-KR" sz="1200" dirty="0" smtClean="0"/>
+              <a:rPr lang="en-US" altLang="ko-KR" sz="1200" dirty="0"/>
               <a:t>----------------------------</a:t>
             </a:r>
           </a:p>
@@ -5122,86 +5067,86 @@
           <a:p>
             <a:pPr algn="ctr"/>
             <a:r>
-              <a:rPr lang="ko-KR" altLang="en-US" sz="1200" dirty="0" smtClean="0"/>
+              <a:rPr lang="ko-KR" altLang="en-US" sz="1200" dirty="0"/>
               <a:t>배경이미지 </a:t>
             </a:r>
             <a:r>
-              <a:rPr lang="ko-KR" altLang="en-US" sz="1200" dirty="0" err="1" smtClean="0"/>
+              <a:rPr lang="ko-KR" altLang="en-US" sz="1200" dirty="0" err="1"/>
               <a:t>하나있고</a:t>
             </a:r>
-            <a:endParaRPr lang="en-US" altLang="ko-KR" sz="1200" dirty="0" smtClean="0"/>
-          </a:p>
-          <a:p>
-            <a:pPr algn="ctr"/>
-            <a:endParaRPr lang="en-US" altLang="ko-KR" sz="1200" dirty="0"/>
-          </a:p>
-          <a:p>
-            <a:pPr algn="ctr"/>
-            <a:endParaRPr lang="en-US" altLang="ko-KR" sz="1200" dirty="0" smtClean="0"/>
-          </a:p>
-          <a:p>
-            <a:pPr algn="ctr"/>
-            <a:endParaRPr lang="en-US" altLang="ko-KR" sz="1200" dirty="0"/>
-          </a:p>
-          <a:p>
-            <a:pPr algn="ctr"/>
-            <a:endParaRPr lang="en-US" altLang="ko-KR" sz="1200" dirty="0" smtClean="0"/>
-          </a:p>
-          <a:p>
-            <a:pPr algn="ctr"/>
-            <a:endParaRPr lang="en-US" altLang="ko-KR" sz="1200" dirty="0"/>
-          </a:p>
-          <a:p>
-            <a:pPr algn="ctr"/>
-            <a:endParaRPr lang="en-US" altLang="ko-KR" sz="1200" dirty="0" smtClean="0"/>
-          </a:p>
-          <a:p>
-            <a:pPr algn="ctr"/>
-            <a:endParaRPr lang="en-US" altLang="ko-KR" sz="1200" dirty="0"/>
-          </a:p>
-          <a:p>
-            <a:pPr algn="ctr"/>
-            <a:endParaRPr lang="en-US" altLang="ko-KR" sz="1200" dirty="0" smtClean="0"/>
-          </a:p>
-          <a:p>
-            <a:pPr algn="ctr"/>
-            <a:endParaRPr lang="en-US" altLang="ko-KR" sz="1200" dirty="0"/>
-          </a:p>
-          <a:p>
-            <a:pPr algn="ctr"/>
-            <a:endParaRPr lang="en-US" altLang="ko-KR" sz="1200" dirty="0" smtClean="0"/>
-          </a:p>
-          <a:p>
-            <a:pPr algn="ctr"/>
-            <a:r>
-              <a:rPr lang="ko-KR" altLang="en-US" sz="800" dirty="0" smtClean="0"/>
+            <a:endParaRPr lang="en-US" altLang="ko-KR" sz="1200" dirty="0"/>
+          </a:p>
+          <a:p>
+            <a:pPr algn="ctr"/>
+            <a:endParaRPr lang="en-US" altLang="ko-KR" sz="1200" dirty="0"/>
+          </a:p>
+          <a:p>
+            <a:pPr algn="ctr"/>
+            <a:endParaRPr lang="en-US" altLang="ko-KR" sz="1200" dirty="0"/>
+          </a:p>
+          <a:p>
+            <a:pPr algn="ctr"/>
+            <a:endParaRPr lang="en-US" altLang="ko-KR" sz="1200" dirty="0"/>
+          </a:p>
+          <a:p>
+            <a:pPr algn="ctr"/>
+            <a:endParaRPr lang="en-US" altLang="ko-KR" sz="1200" dirty="0"/>
+          </a:p>
+          <a:p>
+            <a:pPr algn="ctr"/>
+            <a:endParaRPr lang="en-US" altLang="ko-KR" sz="1200" dirty="0"/>
+          </a:p>
+          <a:p>
+            <a:pPr algn="ctr"/>
+            <a:endParaRPr lang="en-US" altLang="ko-KR" sz="1200" dirty="0"/>
+          </a:p>
+          <a:p>
+            <a:pPr algn="ctr"/>
+            <a:endParaRPr lang="en-US" altLang="ko-KR" sz="1200" dirty="0"/>
+          </a:p>
+          <a:p>
+            <a:pPr algn="ctr"/>
+            <a:endParaRPr lang="en-US" altLang="ko-KR" sz="1200" dirty="0"/>
+          </a:p>
+          <a:p>
+            <a:pPr algn="ctr"/>
+            <a:endParaRPr lang="en-US" altLang="ko-KR" sz="1200" dirty="0"/>
+          </a:p>
+          <a:p>
+            <a:pPr algn="ctr"/>
+            <a:endParaRPr lang="en-US" altLang="ko-KR" sz="1200" dirty="0"/>
+          </a:p>
+          <a:p>
+            <a:pPr algn="ctr"/>
+            <a:r>
+              <a:rPr lang="ko-KR" altLang="en-US" sz="800" dirty="0"/>
               <a:t>회원가입        </a:t>
             </a:r>
             <a:r>
-              <a:rPr lang="ko-KR" altLang="en-US" sz="800" dirty="0" err="1" smtClean="0"/>
+              <a:rPr lang="ko-KR" altLang="en-US" sz="800" dirty="0" err="1"/>
               <a:t>비밀번호찾기</a:t>
             </a:r>
             <a:endParaRPr lang="en-US" altLang="ko-KR" sz="1200" dirty="0"/>
           </a:p>
           <a:p>
             <a:pPr algn="ctr"/>
-            <a:endParaRPr lang="en-US" altLang="ko-KR" sz="1200" dirty="0" smtClean="0"/>
-          </a:p>
-          <a:p>
-            <a:pPr algn="ctr"/>
-            <a:endParaRPr lang="en-US" altLang="ko-KR" sz="1200" dirty="0"/>
-          </a:p>
-          <a:p>
-            <a:pPr algn="ctr"/>
-            <a:endParaRPr lang="en-US" altLang="ko-KR" sz="1200" dirty="0" smtClean="0"/>
-          </a:p>
-          <a:p>
-            <a:pPr algn="ctr"/>
-            <a:endParaRPr lang="en-US" altLang="ko-KR" sz="1200" dirty="0"/>
-          </a:p>
-          <a:p>
-            <a:pPr algn="ctr"/>
-            <a:endParaRPr lang="en-US" altLang="ko-KR" sz="1200" dirty="0" smtClean="0"/>
+            <a:endParaRPr lang="en-US" altLang="ko-KR" sz="1200" dirty="0"/>
+          </a:p>
+          <a:p>
+            <a:pPr algn="ctr"/>
+            <a:endParaRPr lang="en-US" altLang="ko-KR" sz="1200" dirty="0"/>
+          </a:p>
+          <a:p>
+            <a:pPr algn="ctr"/>
+            <a:endParaRPr lang="en-US" altLang="ko-KR" sz="1200" dirty="0"/>
+          </a:p>
+          <a:p>
+            <a:pPr algn="ctr"/>
+            <a:endParaRPr lang="en-US" altLang="ko-KR" sz="1200" dirty="0"/>
+          </a:p>
+          <a:p>
+            <a:pPr algn="ctr"/>
+            <a:endParaRPr lang="en-US" altLang="ko-KR" sz="1200" dirty="0"/>
           </a:p>
           <a:p>
             <a:pPr algn="ctr"/>
@@ -5244,7 +5189,7 @@
           <a:p>
             <a:pPr algn="ctr"/>
             <a:r>
-              <a:rPr lang="ko-KR" altLang="en-US" sz="1200" smtClean="0"/>
+              <a:rPr lang="ko-KR" altLang="en-US" sz="1200"/>
               <a:t>아이디</a:t>
             </a:r>
             <a:endParaRPr lang="ko-KR" altLang="en-US" sz="1200" dirty="0"/>
@@ -5286,10 +5231,9 @@
           <a:p>
             <a:pPr algn="ctr"/>
             <a:r>
-              <a:rPr lang="ko-KR" altLang="en-US" sz="1200" dirty="0" smtClean="0"/>
+              <a:rPr lang="ko-KR" altLang="en-US" sz="1200" dirty="0"/>
               <a:t>비번</a:t>
             </a:r>
-            <a:endParaRPr lang="ko-KR" altLang="en-US" sz="1200" dirty="0"/>
           </a:p>
         </p:txBody>
       </p:sp>
@@ -5328,10 +5272,9 @@
           <a:p>
             <a:pPr algn="ctr"/>
             <a:r>
-              <a:rPr lang="ko-KR" altLang="en-US" sz="1200" dirty="0" smtClean="0"/>
+              <a:rPr lang="ko-KR" altLang="en-US" sz="1200" dirty="0"/>
               <a:t>로그인</a:t>
             </a:r>
-            <a:endParaRPr lang="ko-KR" altLang="en-US" sz="1200" dirty="0"/>
           </a:p>
         </p:txBody>
       </p:sp>
@@ -5427,27 +5370,27 @@
           <a:p>
             <a:pPr algn="ctr"/>
             <a:r>
-              <a:rPr lang="ko-KR" altLang="en-US" sz="1200" dirty="0" smtClean="0"/>
+              <a:rPr lang="ko-KR" altLang="en-US" sz="1200" dirty="0"/>
               <a:t>제주 관광정보</a:t>
             </a:r>
-            <a:endParaRPr lang="en-US" altLang="ko-KR" sz="1200" dirty="0" smtClean="0"/>
-          </a:p>
-          <a:p>
-            <a:pPr algn="ctr"/>
-            <a:endParaRPr lang="en-US" altLang="ko-KR" sz="1200" dirty="0" smtClean="0"/>
-          </a:p>
-          <a:p>
-            <a:pPr algn="ctr"/>
-            <a:r>
-              <a:rPr lang="en-US" altLang="ko-KR" sz="1200" dirty="0" smtClean="0"/>
+            <a:endParaRPr lang="en-US" altLang="ko-KR" sz="1200" dirty="0"/>
+          </a:p>
+          <a:p>
+            <a:pPr algn="ctr"/>
+            <a:endParaRPr lang="en-US" altLang="ko-KR" sz="1200" dirty="0"/>
+          </a:p>
+          <a:p>
+            <a:pPr algn="ctr"/>
+            <a:r>
+              <a:rPr lang="en-US" altLang="ko-KR" sz="1200" dirty="0"/>
               <a:t>(With </a:t>
             </a:r>
             <a:r>
-              <a:rPr lang="ko-KR" altLang="en-US" sz="1200" dirty="0" smtClean="0"/>
+              <a:rPr lang="ko-KR" altLang="en-US" sz="1200" dirty="0"/>
               <a:t>공공데이터 </a:t>
             </a:r>
             <a:r>
-              <a:rPr lang="en-US" altLang="ko-KR" sz="1200" dirty="0" smtClean="0"/>
+              <a:rPr lang="en-US" altLang="ko-KR" sz="1200" dirty="0"/>
               <a:t>3.0)</a:t>
             </a:r>
             <a:endParaRPr lang="ko-KR" altLang="en-US" sz="1200" dirty="0"/>
@@ -5489,27 +5432,27 @@
           <a:p>
             <a:pPr algn="ctr"/>
             <a:r>
-              <a:rPr lang="en-US" altLang="ko-KR" sz="1200" dirty="0" smtClean="0"/>
+              <a:rPr lang="en-US" altLang="ko-KR" sz="1200" dirty="0"/>
               <a:t> </a:t>
             </a:r>
             <a:r>
-              <a:rPr lang="en-US" altLang="ko-KR" sz="800" dirty="0" err="1" smtClean="0"/>
+              <a:rPr lang="en-US" altLang="ko-KR" sz="800" dirty="0" err="1"/>
               <a:t>ui</a:t>
             </a:r>
             <a:r>
-              <a:rPr lang="en-US" altLang="ko-KR" sz="800" dirty="0" smtClean="0"/>
+              <a:rPr lang="en-US" altLang="ko-KR" sz="800" dirty="0"/>
               <a:t>(</a:t>
             </a:r>
             <a:r>
-              <a:rPr lang="ko-KR" altLang="en-US" sz="800" dirty="0" err="1" smtClean="0"/>
+              <a:rPr lang="ko-KR" altLang="en-US" sz="800" dirty="0" err="1"/>
               <a:t>밤낮판단</a:t>
             </a:r>
             <a:r>
-              <a:rPr lang="ko-KR" altLang="en-US" sz="800" dirty="0" smtClean="0"/>
+              <a:rPr lang="ko-KR" altLang="en-US" sz="800" dirty="0"/>
               <a:t> 및 위치 판단 배경</a:t>
             </a:r>
             <a:r>
-              <a:rPr lang="en-US" altLang="ko-KR" sz="800" dirty="0" smtClean="0"/>
+              <a:rPr lang="en-US" altLang="ko-KR" sz="800" dirty="0"/>
               <a:t>)</a:t>
             </a:r>
           </a:p>
@@ -5519,27 +5462,11 @@
           </a:p>
           <a:p>
             <a:pPr algn="ctr"/>
-            <a:endParaRPr lang="en-US" altLang="ko-KR" sz="800" dirty="0" smtClean="0"/>
-          </a:p>
-          <a:p>
-            <a:pPr algn="ctr"/>
-            <a:endParaRPr lang="en-US" altLang="ko-KR" sz="800" dirty="0" smtClean="0"/>
-          </a:p>
-          <a:p>
-            <a:pPr algn="ctr"/>
-            <a:r>
-              <a:rPr lang="en-US" altLang="ko-KR" sz="1200" dirty="0" smtClean="0"/>
-              <a:t>----------------------------</a:t>
-            </a:r>
-            <a:endParaRPr lang="en-US" altLang="ko-KR" sz="1200" dirty="0"/>
-          </a:p>
-          <a:p>
-            <a:pPr algn="ctr"/>
-            <a:r>
-              <a:rPr lang="en-US" altLang="ko-KR" sz="1200" dirty="0" smtClean="0"/>
-              <a:t>MY STAMP</a:t>
-            </a:r>
-            <a:endParaRPr lang="en-US" altLang="ko-KR" sz="1200" dirty="0"/>
+            <a:endParaRPr lang="en-US" altLang="ko-KR" sz="800" dirty="0"/>
+          </a:p>
+          <a:p>
+            <a:pPr algn="ctr"/>
+            <a:endParaRPr lang="en-US" altLang="ko-KR" sz="800" dirty="0"/>
           </a:p>
           <a:p>
             <a:pPr algn="ctr"/>
@@ -5551,6 +5478,20 @@
           <a:p>
             <a:pPr algn="ctr"/>
             <a:r>
+              <a:rPr lang="en-US" altLang="ko-KR" sz="1200" dirty="0"/>
+              <a:t>MY STAMP</a:t>
+            </a:r>
+          </a:p>
+          <a:p>
+            <a:pPr algn="ctr"/>
+            <a:r>
+              <a:rPr lang="en-US" altLang="ko-KR" sz="1200" dirty="0"/>
+              <a:t>----------------------------</a:t>
+            </a:r>
+          </a:p>
+          <a:p>
+            <a:pPr algn="ctr"/>
+            <a:r>
               <a:rPr lang="ko-KR" altLang="en-US" sz="1200" dirty="0"/>
               <a:t>제주시 문화축제현황 정보</a:t>
             </a:r>
@@ -5559,30 +5500,6 @@
           <a:p>
             <a:pPr algn="ctr"/>
             <a:r>
-              <a:rPr lang="en-US" altLang="ko-KR" sz="1200" dirty="0" smtClean="0"/>
-              <a:t>----------------------------</a:t>
-            </a:r>
-            <a:endParaRPr lang="en-US" altLang="ko-KR" sz="1200" dirty="0"/>
-          </a:p>
-          <a:p>
-            <a:pPr algn="ctr"/>
-            <a:r>
-              <a:rPr lang="ko-KR" altLang="en-US" sz="1200" dirty="0"/>
-              <a:t>제주시 </a:t>
-            </a:r>
-            <a:r>
-              <a:rPr lang="ko-KR" altLang="en-US" sz="1200" dirty="0" smtClean="0"/>
-              <a:t>공연행사 </a:t>
-            </a:r>
-            <a:r>
-              <a:rPr lang="ko-KR" altLang="en-US" sz="1200" dirty="0"/>
-              <a:t>정보</a:t>
-            </a:r>
-            <a:endParaRPr lang="en-US" altLang="ko-KR" sz="1200" dirty="0"/>
-          </a:p>
-          <a:p>
-            <a:pPr algn="ctr"/>
-            <a:r>
               <a:rPr lang="en-US" altLang="ko-KR" sz="1200" dirty="0"/>
               <a:t>----------------------------</a:t>
             </a:r>
@@ -5590,20 +5507,8 @@
           <a:p>
             <a:pPr algn="ctr"/>
             <a:r>
-              <a:rPr lang="ko-KR" altLang="en-US" sz="1200" dirty="0" smtClean="0"/>
-              <a:t>제주관광 </a:t>
-            </a:r>
-            <a:r>
-              <a:rPr lang="en-US" altLang="ko-KR" sz="1200" dirty="0" err="1" smtClean="0"/>
-              <a:t>ebook</a:t>
-            </a:r>
-            <a:r>
-              <a:rPr lang="en-US" altLang="ko-KR" sz="1200" dirty="0" smtClean="0"/>
-              <a:t> </a:t>
-            </a:r>
-            <a:r>
-              <a:rPr lang="ko-KR" altLang="en-US" sz="1200" dirty="0" smtClean="0"/>
-              <a:t>정보 서비스</a:t>
+              <a:rPr lang="ko-KR" altLang="en-US" sz="1200" dirty="0"/>
+              <a:t>제주시 공연행사 정보</a:t>
             </a:r>
             <a:endParaRPr lang="en-US" altLang="ko-KR" sz="1200" dirty="0"/>
           </a:p>
@@ -5617,8 +5522,20 @@
           <a:p>
             <a:pPr algn="ctr"/>
             <a:r>
-              <a:rPr lang="ko-KR" altLang="en-US" sz="1200" dirty="0" smtClean="0"/>
-              <a:t>제주특별자치도 기상관측 정보</a:t>
+              <a:rPr lang="ko-KR" altLang="en-US" sz="1200" dirty="0"/>
+              <a:t>제주관광 </a:t>
+            </a:r>
+            <a:r>
+              <a:rPr lang="en-US" altLang="ko-KR" sz="1200" dirty="0" err="1"/>
+              <a:t>ebook</a:t>
+            </a:r>
+            <a:r>
+              <a:rPr lang="en-US" altLang="ko-KR" sz="1200" dirty="0"/>
+              <a:t> </a:t>
+            </a:r>
+            <a:r>
+              <a:rPr lang="ko-KR" altLang="en-US" sz="1200" dirty="0"/>
+              <a:t>정보 서비스</a:t>
             </a:r>
             <a:endParaRPr lang="en-US" altLang="ko-KR" sz="1200" dirty="0"/>
           </a:p>
@@ -5632,12 +5549,8 @@
           <a:p>
             <a:pPr algn="ctr"/>
             <a:r>
-              <a:rPr lang="ko-KR" altLang="en-US" sz="1200" dirty="0" smtClean="0"/>
-              <a:t>제주 </a:t>
-            </a:r>
-            <a:r>
-              <a:rPr lang="en-US" altLang="ko-KR" sz="1200" dirty="0" smtClean="0"/>
-              <a:t>HOT PLACE</a:t>
+              <a:rPr lang="ko-KR" altLang="en-US" sz="1200" dirty="0"/>
+              <a:t>제주특별자치도 기상관측 정보</a:t>
             </a:r>
             <a:endParaRPr lang="en-US" altLang="ko-KR" sz="1200" dirty="0"/>
           </a:p>
@@ -5651,7 +5564,25 @@
           <a:p>
             <a:pPr algn="ctr"/>
             <a:r>
-              <a:rPr lang="ko-KR" altLang="en-US" sz="1200" dirty="0" smtClean="0"/>
+              <a:rPr lang="ko-KR" altLang="en-US" sz="1200" dirty="0"/>
+              <a:t>제주 </a:t>
+            </a:r>
+            <a:r>
+              <a:rPr lang="en-US" altLang="ko-KR" sz="1200" dirty="0"/>
+              <a:t>HOT PLACE</a:t>
+            </a:r>
+          </a:p>
+          <a:p>
+            <a:pPr algn="ctr"/>
+            <a:r>
+              <a:rPr lang="en-US" altLang="ko-KR" sz="1200" dirty="0"/>
+              <a:t>----------------------------</a:t>
+            </a:r>
+          </a:p>
+          <a:p>
+            <a:pPr algn="ctr"/>
+            <a:r>
+              <a:rPr lang="ko-KR" altLang="en-US" sz="1200" dirty="0"/>
               <a:t>근처 음식점 추천</a:t>
             </a:r>
             <a:endParaRPr lang="en-US" altLang="ko-KR" sz="1200" dirty="0"/>
@@ -5659,7 +5590,7 @@
           <a:p>
             <a:pPr algn="ctr"/>
             <a:r>
-              <a:rPr lang="en-US" altLang="ko-KR" sz="1200" dirty="0" smtClean="0"/>
+              <a:rPr lang="en-US" altLang="ko-KR" sz="1200" dirty="0"/>
               <a:t>----------------------------</a:t>
             </a:r>
           </a:p>
@@ -5719,14 +5650,13 @@
           <a:lstStyle/>
           <a:p>
             <a:r>
-              <a:rPr lang="en-US" altLang="ko-KR" dirty="0" smtClean="0"/>
+              <a:rPr lang="en-US" altLang="ko-KR" dirty="0"/>
               <a:t>2 </a:t>
             </a:r>
             <a:r>
-              <a:rPr lang="ko-KR" altLang="en-US" dirty="0" smtClean="0"/>
+              <a:rPr lang="ko-KR" altLang="en-US" dirty="0"/>
               <a:t>공통사항</a:t>
             </a:r>
-            <a:endParaRPr lang="ko-KR" altLang="en-US" dirty="0"/>
           </a:p>
         </p:txBody>
       </p:sp>
@@ -5765,27 +5695,27 @@
           <a:p>
             <a:pPr algn="ctr"/>
             <a:r>
-              <a:rPr lang="en-US" altLang="ko-KR" sz="1200" dirty="0" smtClean="0"/>
+              <a:rPr lang="en-US" altLang="ko-KR" sz="1200" dirty="0"/>
               <a:t> </a:t>
             </a:r>
             <a:r>
-              <a:rPr lang="en-US" altLang="ko-KR" sz="800" dirty="0" err="1" smtClean="0"/>
+              <a:rPr lang="en-US" altLang="ko-KR" sz="800" dirty="0" err="1"/>
               <a:t>ui</a:t>
             </a:r>
             <a:r>
-              <a:rPr lang="en-US" altLang="ko-KR" sz="800" dirty="0" smtClean="0"/>
+              <a:rPr lang="en-US" altLang="ko-KR" sz="800" dirty="0"/>
               <a:t>(</a:t>
             </a:r>
             <a:r>
-              <a:rPr lang="ko-KR" altLang="en-US" sz="800" dirty="0" err="1" smtClean="0"/>
+              <a:rPr lang="ko-KR" altLang="en-US" sz="800" dirty="0" err="1"/>
               <a:t>밤낮판단</a:t>
             </a:r>
             <a:r>
-              <a:rPr lang="ko-KR" altLang="en-US" sz="800" dirty="0" smtClean="0"/>
+              <a:rPr lang="ko-KR" altLang="en-US" sz="800" dirty="0"/>
               <a:t> 및 위치 판단 배경</a:t>
             </a:r>
             <a:r>
-              <a:rPr lang="en-US" altLang="ko-KR" sz="800" dirty="0" smtClean="0"/>
+              <a:rPr lang="en-US" altLang="ko-KR" sz="800" dirty="0"/>
               <a:t>)</a:t>
             </a:r>
           </a:p>
@@ -5795,27 +5725,11 @@
           </a:p>
           <a:p>
             <a:pPr algn="ctr"/>
-            <a:endParaRPr lang="en-US" altLang="ko-KR" sz="800" dirty="0" smtClean="0"/>
-          </a:p>
-          <a:p>
-            <a:pPr algn="ctr"/>
-            <a:endParaRPr lang="en-US" altLang="ko-KR" sz="800" dirty="0" smtClean="0"/>
-          </a:p>
-          <a:p>
-            <a:pPr lvl="2" algn="ctr"/>
-            <a:r>
-              <a:rPr lang="en-US" altLang="ko-KR" sz="700" dirty="0" smtClean="0"/>
-              <a:t>----------------------------</a:t>
-            </a:r>
-            <a:endParaRPr lang="en-US" altLang="ko-KR" sz="700" dirty="0"/>
-          </a:p>
-          <a:p>
-            <a:pPr lvl="2" algn="ctr"/>
-            <a:r>
-              <a:rPr lang="en-US" altLang="ko-KR" sz="700" dirty="0" smtClean="0"/>
-              <a:t>MY STAMP</a:t>
-            </a:r>
-            <a:endParaRPr lang="en-US" altLang="ko-KR" sz="700" dirty="0"/>
+            <a:endParaRPr lang="en-US" altLang="ko-KR" sz="800" dirty="0"/>
+          </a:p>
+          <a:p>
+            <a:pPr algn="ctr"/>
+            <a:endParaRPr lang="en-US" altLang="ko-KR" sz="800" dirty="0"/>
           </a:p>
           <a:p>
             <a:pPr lvl="2" algn="ctr"/>
@@ -5827,6 +5741,20 @@
           <a:p>
             <a:pPr lvl="2" algn="ctr"/>
             <a:r>
+              <a:rPr lang="en-US" altLang="ko-KR" sz="700" dirty="0"/>
+              <a:t>MY STAMP</a:t>
+            </a:r>
+          </a:p>
+          <a:p>
+            <a:pPr lvl="2" algn="ctr"/>
+            <a:r>
+              <a:rPr lang="en-US" altLang="ko-KR" sz="700" dirty="0"/>
+              <a:t>----------------------------</a:t>
+            </a:r>
+          </a:p>
+          <a:p>
+            <a:pPr lvl="2" algn="ctr"/>
+            <a:r>
               <a:rPr lang="ko-KR" altLang="en-US" sz="700" dirty="0"/>
               <a:t>제주시 문화축제현황 정보</a:t>
             </a:r>
@@ -5835,30 +5763,6 @@
           <a:p>
             <a:pPr lvl="2" algn="ctr"/>
             <a:r>
-              <a:rPr lang="en-US" altLang="ko-KR" sz="700" dirty="0" smtClean="0"/>
-              <a:t>----------------------------</a:t>
-            </a:r>
-            <a:endParaRPr lang="en-US" altLang="ko-KR" sz="700" dirty="0"/>
-          </a:p>
-          <a:p>
-            <a:pPr lvl="2" algn="ctr"/>
-            <a:r>
-              <a:rPr lang="ko-KR" altLang="en-US" sz="700" dirty="0"/>
-              <a:t>제주시 </a:t>
-            </a:r>
-            <a:r>
-              <a:rPr lang="ko-KR" altLang="en-US" sz="700" dirty="0" smtClean="0"/>
-              <a:t>공연행사 </a:t>
-            </a:r>
-            <a:r>
-              <a:rPr lang="ko-KR" altLang="en-US" sz="700" dirty="0"/>
-              <a:t>정보</a:t>
-            </a:r>
-            <a:endParaRPr lang="en-US" altLang="ko-KR" sz="700" dirty="0"/>
-          </a:p>
-          <a:p>
-            <a:pPr lvl="2" algn="ctr"/>
-            <a:r>
               <a:rPr lang="en-US" altLang="ko-KR" sz="700" dirty="0"/>
               <a:t>----------------------------</a:t>
             </a:r>
@@ -5866,20 +5770,8 @@
           <a:p>
             <a:pPr lvl="2" algn="ctr"/>
             <a:r>
-              <a:rPr lang="ko-KR" altLang="en-US" sz="700" dirty="0" smtClean="0"/>
-              <a:t>제주관광 </a:t>
-            </a:r>
-            <a:r>
-              <a:rPr lang="en-US" altLang="ko-KR" sz="700" dirty="0" err="1" smtClean="0"/>
-              <a:t>ebook</a:t>
-            </a:r>
-            <a:r>
-              <a:rPr lang="en-US" altLang="ko-KR" sz="700" dirty="0" smtClean="0"/>
-              <a:t> </a:t>
-            </a:r>
-            <a:r>
-              <a:rPr lang="ko-KR" altLang="en-US" sz="700" dirty="0" smtClean="0"/>
-              <a:t>정보 서비스</a:t>
+              <a:rPr lang="ko-KR" altLang="en-US" sz="700" dirty="0"/>
+              <a:t>제주시 공연행사 정보</a:t>
             </a:r>
             <a:endParaRPr lang="en-US" altLang="ko-KR" sz="700" dirty="0"/>
           </a:p>
@@ -5893,8 +5785,20 @@
           <a:p>
             <a:pPr lvl="2" algn="ctr"/>
             <a:r>
-              <a:rPr lang="ko-KR" altLang="en-US" sz="700" dirty="0" smtClean="0"/>
-              <a:t>제주특별자치도 기상관측 정보</a:t>
+              <a:rPr lang="ko-KR" altLang="en-US" sz="700" dirty="0"/>
+              <a:t>제주관광 </a:t>
+            </a:r>
+            <a:r>
+              <a:rPr lang="en-US" altLang="ko-KR" sz="700" dirty="0" err="1"/>
+              <a:t>ebook</a:t>
+            </a:r>
+            <a:r>
+              <a:rPr lang="en-US" altLang="ko-KR" sz="700" dirty="0"/>
+              <a:t> </a:t>
+            </a:r>
+            <a:r>
+              <a:rPr lang="ko-KR" altLang="en-US" sz="700" dirty="0"/>
+              <a:t>정보 서비스</a:t>
             </a:r>
             <a:endParaRPr lang="en-US" altLang="ko-KR" sz="700" dirty="0"/>
           </a:p>
@@ -5908,12 +5812,8 @@
           <a:p>
             <a:pPr lvl="2" algn="ctr"/>
             <a:r>
-              <a:rPr lang="ko-KR" altLang="en-US" sz="700" dirty="0" smtClean="0"/>
-              <a:t>제주 </a:t>
-            </a:r>
-            <a:r>
-              <a:rPr lang="en-US" altLang="ko-KR" sz="700" dirty="0" smtClean="0"/>
-              <a:t>HOT PLACE</a:t>
+              <a:rPr lang="ko-KR" altLang="en-US" sz="700" dirty="0"/>
+              <a:t>제주특별자치도 기상관측 정보</a:t>
             </a:r>
             <a:endParaRPr lang="en-US" altLang="ko-KR" sz="700" dirty="0"/>
           </a:p>
@@ -5927,7 +5827,25 @@
           <a:p>
             <a:pPr lvl="2" algn="ctr"/>
             <a:r>
-              <a:rPr lang="ko-KR" altLang="en-US" sz="700" dirty="0" smtClean="0"/>
+              <a:rPr lang="ko-KR" altLang="en-US" sz="700" dirty="0"/>
+              <a:t>제주 </a:t>
+            </a:r>
+            <a:r>
+              <a:rPr lang="en-US" altLang="ko-KR" sz="700" dirty="0"/>
+              <a:t>HOT PLACE</a:t>
+            </a:r>
+          </a:p>
+          <a:p>
+            <a:pPr lvl="2" algn="ctr"/>
+            <a:r>
+              <a:rPr lang="en-US" altLang="ko-KR" sz="700" dirty="0"/>
+              <a:t>----------------------------</a:t>
+            </a:r>
+          </a:p>
+          <a:p>
+            <a:pPr lvl="2" algn="ctr"/>
+            <a:r>
+              <a:rPr lang="ko-KR" altLang="en-US" sz="700" dirty="0"/>
               <a:t>근처 음식점 추천</a:t>
             </a:r>
             <a:endParaRPr lang="en-US" altLang="ko-KR" sz="700" dirty="0"/>
@@ -5935,7 +5853,7 @@
           <a:p>
             <a:pPr lvl="2" algn="ctr"/>
             <a:r>
-              <a:rPr lang="en-US" altLang="ko-KR" sz="700" dirty="0" smtClean="0"/>
+              <a:rPr lang="en-US" altLang="ko-KR" sz="700" dirty="0"/>
               <a:t>----------------------------</a:t>
             </a:r>
           </a:p>
@@ -5972,14 +5890,13 @@
           <a:lstStyle/>
           <a:p>
             <a:r>
-              <a:rPr lang="en-US" altLang="ko-KR" sz="1100" dirty="0" smtClean="0"/>
+              <a:rPr lang="en-US" altLang="ko-KR" sz="1100" dirty="0"/>
               <a:t>+ </a:t>
             </a:r>
             <a:r>
-              <a:rPr lang="ko-KR" altLang="en-US" sz="1100" dirty="0" smtClean="0"/>
+              <a:rPr lang="ko-KR" altLang="en-US" sz="1100" dirty="0"/>
               <a:t>어디서든지 화면 오른쪽으로 리스트 추가되게</a:t>
             </a:r>
-            <a:endParaRPr lang="ko-KR" altLang="en-US" sz="1100" dirty="0"/>
           </a:p>
         </p:txBody>
       </p:sp>
@@ -6068,7 +5985,7 @@
           <a:lstStyle/>
           <a:p>
             <a:r>
-              <a:rPr lang="en-US" altLang="ko-KR" dirty="0" smtClean="0"/>
+              <a:rPr lang="en-US" altLang="ko-KR" dirty="0"/>
               <a:t>3 MY STAMP</a:t>
             </a:r>
             <a:endParaRPr lang="ko-KR" altLang="en-US" dirty="0"/>
@@ -6475,10 +6392,9 @@
           <a:p>
             <a:pPr algn="ctr"/>
             <a:r>
-              <a:rPr lang="ko-KR" altLang="en-US" sz="1200" dirty="0" smtClean="0"/>
+              <a:rPr lang="ko-KR" altLang="en-US" sz="1200" dirty="0"/>
               <a:t>상세보기로</a:t>
             </a:r>
-            <a:endParaRPr lang="ko-KR" altLang="en-US" sz="1200" dirty="0"/>
           </a:p>
         </p:txBody>
       </p:sp>
@@ -6528,16 +6444,12 @@
           <a:lstStyle/>
           <a:p>
             <a:r>
-              <a:rPr lang="en-US" altLang="ko-KR" dirty="0" smtClean="0"/>
+              <a:rPr lang="en-US" altLang="ko-KR" dirty="0"/>
               <a:t>4</a:t>
             </a:r>
             <a:r>
-              <a:rPr lang="ko-KR" altLang="en-US" dirty="0" smtClean="0"/>
-              <a:t> 제주시 </a:t>
-            </a:r>
-            <a:r>
               <a:rPr lang="ko-KR" altLang="en-US" dirty="0"/>
-              <a:t>문화축제현황 정보</a:t>
+              <a:t> 제주시 문화축제현황 정보</a:t>
             </a:r>
             <a:endParaRPr lang="en-US" altLang="ko-KR" dirty="0"/>
           </a:p>
@@ -6577,102 +6489,122 @@
           <a:lstStyle/>
           <a:p>
             <a:pPr algn="ctr"/>
-            <a:endParaRPr lang="en-US" altLang="ko-KR" sz="1200" dirty="0" smtClean="0"/>
-          </a:p>
-          <a:p>
-            <a:pPr algn="ctr"/>
-            <a:endParaRPr lang="en-US" altLang="ko-KR" sz="1200" dirty="0"/>
-          </a:p>
-          <a:p>
-            <a:pPr algn="ctr"/>
-            <a:endParaRPr lang="en-US" altLang="ko-KR" sz="1200" dirty="0" smtClean="0"/>
-          </a:p>
-          <a:p>
-            <a:pPr algn="ctr"/>
-            <a:endParaRPr lang="en-US" altLang="ko-KR" sz="1200" dirty="0"/>
-          </a:p>
-          <a:p>
-            <a:pPr algn="ctr"/>
-            <a:endParaRPr lang="en-US" altLang="ko-KR" sz="1200" dirty="0" smtClean="0"/>
-          </a:p>
-          <a:p>
-            <a:pPr algn="ctr"/>
-            <a:endParaRPr lang="en-US" altLang="ko-KR" sz="1200" dirty="0"/>
-          </a:p>
-          <a:p>
-            <a:pPr algn="ctr"/>
-            <a:endParaRPr lang="en-US" altLang="ko-KR" sz="1200" dirty="0" smtClean="0"/>
-          </a:p>
-          <a:p>
-            <a:pPr algn="ctr"/>
-            <a:endParaRPr lang="en-US" altLang="ko-KR" sz="1200" dirty="0"/>
-          </a:p>
-          <a:p>
-            <a:pPr algn="ctr"/>
-            <a:r>
-              <a:rPr lang="ko-KR" altLang="en-US" sz="1200" dirty="0" smtClean="0"/>
-              <a:t>정보입니다 </a:t>
-            </a:r>
-            <a:r>
-              <a:rPr lang="ko-KR" altLang="en-US" sz="1200" dirty="0"/>
-              <a:t>정보입니다 </a:t>
-            </a:r>
-            <a:endParaRPr lang="en-US" altLang="ko-KR" sz="1200" dirty="0"/>
-          </a:p>
-          <a:p>
-            <a:pPr algn="ctr"/>
-            <a:r>
-              <a:rPr lang="ko-KR" altLang="en-US" sz="1200" dirty="0"/>
-              <a:t>정보입니다 </a:t>
-            </a:r>
-            <a:endParaRPr lang="en-US" altLang="ko-KR" sz="1200" dirty="0"/>
-          </a:p>
-          <a:p>
-            <a:pPr algn="ctr"/>
-            <a:r>
-              <a:rPr lang="ko-KR" altLang="en-US" sz="1200" dirty="0"/>
-              <a:t>정보입니다 </a:t>
-            </a:r>
-            <a:endParaRPr lang="en-US" altLang="ko-KR" sz="1200" dirty="0"/>
-          </a:p>
-          <a:p>
-            <a:pPr algn="ctr"/>
-            <a:r>
-              <a:rPr lang="ko-KR" altLang="en-US" sz="1200" dirty="0"/>
-              <a:t>정보입니다 </a:t>
-            </a:r>
-            <a:endParaRPr lang="en-US" altLang="ko-KR" sz="1200" dirty="0"/>
-          </a:p>
-          <a:p>
-            <a:pPr algn="ctr"/>
-            <a:endParaRPr lang="en-US" altLang="ko-KR" sz="1200" dirty="0" smtClean="0"/>
-          </a:p>
-          <a:p>
-            <a:pPr algn="ctr"/>
-            <a:r>
-              <a:rPr lang="ko-KR" altLang="en-US" sz="1200" dirty="0" smtClean="0"/>
-              <a:t>상세보</a:t>
-            </a:r>
-            <a:r>
-              <a:rPr lang="ko-KR" altLang="en-US" sz="1200" dirty="0"/>
-              <a:t>기</a:t>
-            </a:r>
-            <a:endParaRPr lang="en-US" altLang="ko-KR" sz="1200" dirty="0"/>
-          </a:p>
-        </p:txBody>
-      </p:sp>
-      <p:sp>
-        <p:nvSpPr>
-          <p:cNvPr id="5" name="직사각형 4"/>
+            <a:endParaRPr lang="en-US" altLang="ko-KR" sz="1200" dirty="0"/>
+          </a:p>
+          <a:p>
+            <a:pPr algn="ctr"/>
+            <a:endParaRPr lang="en-US" altLang="ko-KR" sz="1200" dirty="0"/>
+          </a:p>
+          <a:p>
+            <a:pPr algn="ctr"/>
+            <a:endParaRPr lang="en-US" altLang="ko-KR" sz="1200" dirty="0"/>
+          </a:p>
+          <a:p>
+            <a:pPr algn="ctr"/>
+            <a:endParaRPr lang="en-US" altLang="ko-KR" sz="1200" dirty="0"/>
+          </a:p>
+          <a:p>
+            <a:pPr algn="ctr"/>
+            <a:endParaRPr lang="en-US" altLang="ko-KR" sz="1200" dirty="0"/>
+          </a:p>
+          <a:p>
+            <a:pPr algn="ctr"/>
+            <a:endParaRPr lang="en-US" altLang="ko-KR" sz="1200" dirty="0"/>
+          </a:p>
+          <a:p>
+            <a:pPr algn="ctr"/>
+            <a:endParaRPr lang="en-US" altLang="ko-KR" sz="1200" dirty="0"/>
+          </a:p>
+        </p:txBody>
+      </p:sp>
+      <p:sp>
+        <p:nvSpPr>
+          <p:cNvPr id="10" name="직사각형 9"/>
           <p:cNvSpPr/>
           <p:nvPr/>
         </p:nvSpPr>
         <p:spPr>
           <a:xfrm>
-            <a:off x="755576" y="2060848"/>
-            <a:ext cx="2016224" cy="1296144"/>
+            <a:off x="5383876" y="1988840"/>
+            <a:ext cx="2356084" cy="3672408"/>
           </a:xfrm>
           <a:prstGeom prst="rect">
+            <a:avLst/>
+          </a:prstGeom>
+        </p:spPr>
+        <p:style>
+          <a:lnRef idx="2">
+            <a:schemeClr val="dk1"/>
+          </a:lnRef>
+          <a:fillRef idx="1">
+            <a:schemeClr val="lt1"/>
+          </a:fillRef>
+          <a:effectRef idx="0">
+            <a:schemeClr val="dk1"/>
+          </a:effectRef>
+          <a:fontRef idx="minor">
+            <a:schemeClr val="dk1"/>
+          </a:fontRef>
+        </p:style>
+        <p:txBody>
+          <a:bodyPr rtlCol="0" anchor="ctr"/>
+          <a:lstStyle/>
+          <a:p>
+            <a:pPr algn="ctr"/>
+            <a:endParaRPr lang="en-US" altLang="ko-KR" sz="1200" dirty="0"/>
+          </a:p>
+          <a:p>
+            <a:pPr algn="ctr"/>
+            <a:endParaRPr lang="en-US" altLang="ko-KR" sz="1200" dirty="0"/>
+          </a:p>
+          <a:p>
+            <a:pPr algn="ctr"/>
+            <a:endParaRPr lang="en-US" altLang="ko-KR" sz="1200" dirty="0"/>
+          </a:p>
+          <a:p>
+            <a:pPr algn="ctr"/>
+            <a:endParaRPr lang="en-US" altLang="ko-KR" sz="1200" dirty="0"/>
+          </a:p>
+          <a:p>
+            <a:pPr algn="ctr"/>
+            <a:endParaRPr lang="en-US" altLang="ko-KR" sz="1200" dirty="0"/>
+          </a:p>
+          <a:p>
+            <a:pPr algn="ctr"/>
+            <a:r>
+              <a:rPr lang="en-US" altLang="ko-KR" sz="1200" dirty="0" err="1"/>
+              <a:t>ListView</a:t>
+            </a:r>
+            <a:endParaRPr lang="en-US" altLang="ko-KR" sz="1200" dirty="0"/>
+          </a:p>
+          <a:p>
+            <a:pPr algn="ctr"/>
+            <a:r>
+              <a:rPr lang="ko-KR" altLang="en-US" sz="1200" dirty="0"/>
+              <a:t>출력</a:t>
+            </a:r>
+            <a:endParaRPr lang="en-US" altLang="ko-KR" sz="1200" dirty="0"/>
+          </a:p>
+        </p:txBody>
+      </p:sp>
+      <p:sp>
+        <p:nvSpPr>
+          <p:cNvPr id="4" name="사각형: 둥근 모서리 3">
+            <a:extLst>
+              <a:ext uri="{FF2B5EF4-FFF2-40B4-BE49-F238E27FC236}">
+                <a16:creationId xmlns:a16="http://schemas.microsoft.com/office/drawing/2014/main" id="{627A04A8-4570-41F1-9635-3442F24D9C26}"/>
+              </a:ext>
+            </a:extLst>
+          </p:cNvPr>
+          <p:cNvSpPr/>
+          <p:nvPr/>
+        </p:nvSpPr>
+        <p:spPr>
+          <a:xfrm>
+            <a:off x="1115616" y="3068960"/>
+            <a:ext cx="1368152" cy="648072"/>
+          </a:xfrm>
+          <a:prstGeom prst="roundRect">
             <a:avLst/>
           </a:prstGeom>
         </p:spPr>
@@ -6698,91 +6630,44 @@
           <a:p>
             <a:pPr algn="ctr"/>
             <a:r>
-              <a:rPr lang="en-US" altLang="ko-KR" sz="1100" dirty="0" smtClean="0"/>
-              <a:t>[</a:t>
-            </a:r>
-            <a:r>
-              <a:rPr lang="ko-KR" altLang="en-US" sz="1100" dirty="0" smtClean="0"/>
-              <a:t>달력임</a:t>
-            </a:r>
-            <a:r>
-              <a:rPr lang="en-US" altLang="ko-KR" sz="1100" dirty="0" smtClean="0"/>
-              <a:t>]</a:t>
-            </a:r>
-          </a:p>
-          <a:p>
-            <a:pPr algn="ctr"/>
-            <a:endParaRPr lang="en-US" altLang="ko-KR" sz="1100" dirty="0" smtClean="0"/>
-          </a:p>
-          <a:p>
-            <a:pPr algn="ctr"/>
-            <a:r>
-              <a:rPr lang="en-US" altLang="ko-KR" sz="1100" dirty="0" smtClean="0"/>
-              <a:t>1</a:t>
-            </a:r>
-            <a:r>
-              <a:rPr lang="ko-KR" altLang="en-US" sz="1100" dirty="0" smtClean="0"/>
-              <a:t> </a:t>
-            </a:r>
-            <a:r>
-              <a:rPr lang="en-US" altLang="ko-KR" sz="1100" dirty="0" smtClean="0"/>
-              <a:t>2 3 4 5 6 7</a:t>
-            </a:r>
-          </a:p>
-          <a:p>
-            <a:pPr algn="ctr"/>
-            <a:r>
-              <a:rPr lang="en-US" altLang="ko-KR" sz="1100" dirty="0" smtClean="0"/>
-              <a:t>8 9 0 1 2 3 4</a:t>
-            </a:r>
-          </a:p>
-          <a:p>
-            <a:pPr algn="ctr"/>
-            <a:r>
-              <a:rPr lang="en-US" altLang="ko-KR" sz="1100" dirty="0" smtClean="0"/>
-              <a:t>5 6 7 8 9 0 1</a:t>
-            </a:r>
-          </a:p>
-          <a:p>
-            <a:pPr algn="ctr"/>
-            <a:r>
-              <a:rPr lang="en-US" altLang="ko-KR" sz="1100" dirty="0" smtClean="0"/>
-              <a:t>. . .</a:t>
-            </a:r>
-          </a:p>
-        </p:txBody>
-      </p:sp>
-      <p:sp>
-        <p:nvSpPr>
-          <p:cNvPr id="6" name="왼쪽 화살표 설명선 5"/>
+              <a:rPr lang="ko-KR" altLang="en-US" dirty="0"/>
+              <a:t>제주시</a:t>
+            </a:r>
+          </a:p>
+        </p:txBody>
+      </p:sp>
+      <p:sp>
+        <p:nvSpPr>
+          <p:cNvPr id="11" name="사각형: 둥근 모서리 10">
+            <a:extLst>
+              <a:ext uri="{FF2B5EF4-FFF2-40B4-BE49-F238E27FC236}">
+                <a16:creationId xmlns:a16="http://schemas.microsoft.com/office/drawing/2014/main" id="{F4C61916-CEF5-482E-9123-18AB5296C628}"/>
+              </a:ext>
+            </a:extLst>
+          </p:cNvPr>
           <p:cNvSpPr/>
           <p:nvPr/>
         </p:nvSpPr>
         <p:spPr>
           <a:xfrm>
-            <a:off x="2627784" y="1700808"/>
-            <a:ext cx="2088232" cy="1402218"/>
-          </a:xfrm>
-          <a:prstGeom prst="leftArrowCallout">
-            <a:avLst>
-              <a:gd name="adj1" fmla="val 8400"/>
-              <a:gd name="adj2" fmla="val 15778"/>
-              <a:gd name="adj3" fmla="val 14856"/>
-              <a:gd name="adj4" fmla="val 64977"/>
-            </a:avLst>
+            <a:off x="1115616" y="4127801"/>
+            <a:ext cx="1368152" cy="648072"/>
+          </a:xfrm>
+          <a:prstGeom prst="roundRect">
+            <a:avLst/>
           </a:prstGeom>
         </p:spPr>
         <p:style>
           <a:lnRef idx="2">
-            <a:schemeClr val="accent3">
+            <a:schemeClr val="accent1">
               <a:shade val="50000"/>
             </a:schemeClr>
           </a:lnRef>
           <a:fillRef idx="1">
-            <a:schemeClr val="accent3"/>
+            <a:schemeClr val="accent1"/>
           </a:fillRef>
           <a:effectRef idx="0">
-            <a:schemeClr val="accent3"/>
+            <a:schemeClr val="accent1"/>
           </a:effectRef>
           <a:fontRef idx="minor">
             <a:schemeClr val="lt1"/>
@@ -6794,64 +6679,44 @@
           <a:p>
             <a:pPr algn="ctr"/>
             <a:r>
-              <a:rPr lang="ko-KR" altLang="en-US" sz="1200" dirty="0" err="1" smtClean="0"/>
-              <a:t>댤력</a:t>
-            </a:r>
-            <a:r>
-              <a:rPr lang="ko-KR" altLang="en-US" sz="1200" dirty="0" smtClean="0"/>
-              <a:t> 안에 정보 </a:t>
-            </a:r>
-            <a:r>
-              <a:rPr lang="ko-KR" altLang="en-US" sz="1200" dirty="0" err="1" smtClean="0"/>
-              <a:t>있는날을</a:t>
-            </a:r>
-            <a:r>
-              <a:rPr lang="ko-KR" altLang="en-US" sz="1200" dirty="0" smtClean="0"/>
-              <a:t> 색상으로 표기 및 </a:t>
-            </a:r>
-            <a:r>
-              <a:rPr lang="ko-KR" altLang="en-US" sz="1200" dirty="0" err="1" smtClean="0"/>
-              <a:t>눌렀을때</a:t>
-            </a:r>
-            <a:r>
-              <a:rPr lang="ko-KR" altLang="en-US" sz="1200" dirty="0" smtClean="0"/>
-              <a:t> </a:t>
-            </a:r>
-            <a:endParaRPr lang="ko-KR" altLang="en-US" sz="1200" dirty="0"/>
-          </a:p>
-        </p:txBody>
-      </p:sp>
-      <p:sp>
-        <p:nvSpPr>
-          <p:cNvPr id="7" name="왼쪽 화살표 설명선 6"/>
+              <a:rPr lang="ko-KR" altLang="en-US" dirty="0"/>
+              <a:t>서귀포시</a:t>
+            </a:r>
+          </a:p>
+        </p:txBody>
+      </p:sp>
+      <p:sp>
+        <p:nvSpPr>
+          <p:cNvPr id="14" name="화살표: 오른쪽 13">
+            <a:extLst>
+              <a:ext uri="{FF2B5EF4-FFF2-40B4-BE49-F238E27FC236}">
+                <a16:creationId xmlns:a16="http://schemas.microsoft.com/office/drawing/2014/main" id="{A2D6D81C-1A7D-4E57-B0B6-CBE3610A2A59}"/>
+              </a:ext>
+            </a:extLst>
+          </p:cNvPr>
           <p:cNvSpPr/>
           <p:nvPr/>
         </p:nvSpPr>
         <p:spPr>
           <a:xfrm>
-            <a:off x="2627784" y="3212976"/>
-            <a:ext cx="2088232" cy="1402218"/>
-          </a:xfrm>
-          <a:prstGeom prst="leftArrowCallout">
-            <a:avLst>
-              <a:gd name="adj1" fmla="val 8400"/>
-              <a:gd name="adj2" fmla="val 15778"/>
-              <a:gd name="adj3" fmla="val 14856"/>
-              <a:gd name="adj4" fmla="val 64977"/>
-            </a:avLst>
+            <a:off x="3681794" y="3296671"/>
+            <a:ext cx="1008112" cy="792088"/>
+          </a:xfrm>
+          <a:prstGeom prst="rightArrow">
+            <a:avLst/>
           </a:prstGeom>
         </p:spPr>
         <p:style>
           <a:lnRef idx="2">
-            <a:schemeClr val="accent3">
+            <a:schemeClr val="accent1">
               <a:shade val="50000"/>
             </a:schemeClr>
           </a:lnRef>
           <a:fillRef idx="1">
-            <a:schemeClr val="accent3"/>
+            <a:schemeClr val="accent1"/>
           </a:fillRef>
           <a:effectRef idx="0">
-            <a:schemeClr val="accent3"/>
+            <a:schemeClr val="accent1"/>
           </a:effectRef>
           <a:fontRef idx="minor">
             <a:schemeClr val="lt1"/>
@@ -6862,92 +6727,42 @@
           <a:lstStyle/>
           <a:p>
             <a:pPr algn="ctr"/>
-            <a:r>
-              <a:rPr lang="ko-KR" altLang="en-US" sz="1200" dirty="0" smtClean="0"/>
-              <a:t>요기에 </a:t>
-            </a:r>
-            <a:r>
-              <a:rPr lang="ko-KR" altLang="en-US" sz="1200" dirty="0" err="1" smtClean="0"/>
-              <a:t>정보나옴</a:t>
-            </a:r>
-            <a:r>
-              <a:rPr lang="ko-KR" altLang="en-US" sz="1200" dirty="0" smtClean="0"/>
-              <a:t> </a:t>
-            </a:r>
-            <a:endParaRPr lang="ko-KR" altLang="en-US" sz="1200" dirty="0"/>
-          </a:p>
-        </p:txBody>
-      </p:sp>
-      <p:sp>
-        <p:nvSpPr>
-          <p:cNvPr id="8" name="직사각형 7"/>
+            <a:endParaRPr lang="ko-KR" altLang="en-US"/>
+          </a:p>
+        </p:txBody>
+      </p:sp>
+      <p:sp>
+        <p:nvSpPr>
+          <p:cNvPr id="15" name="직사각형 14">
+            <a:extLst>
+              <a:ext uri="{FF2B5EF4-FFF2-40B4-BE49-F238E27FC236}">
+                <a16:creationId xmlns:a16="http://schemas.microsoft.com/office/drawing/2014/main" id="{38660404-A27B-4765-A9C0-0F00CA9FB6B8}"/>
+              </a:ext>
+            </a:extLst>
+          </p:cNvPr>
           <p:cNvSpPr/>
           <p:nvPr/>
         </p:nvSpPr>
         <p:spPr>
           <a:xfrm>
-            <a:off x="1063788" y="4797152"/>
-            <a:ext cx="1491988" cy="432048"/>
+            <a:off x="5383876" y="1988840"/>
+            <a:ext cx="2356476" cy="576064"/>
           </a:xfrm>
           <a:prstGeom prst="rect">
             <a:avLst/>
           </a:prstGeom>
-          <a:noFill/>
         </p:spPr>
         <p:style>
           <a:lnRef idx="2">
-            <a:schemeClr val="dk1"/>
-          </a:lnRef>
-          <a:fillRef idx="1">
-            <a:schemeClr val="lt1"/>
-          </a:fillRef>
-          <a:effectRef idx="0">
-            <a:schemeClr val="dk1"/>
-          </a:effectRef>
-          <a:fontRef idx="minor">
-            <a:schemeClr val="dk1"/>
-          </a:fontRef>
-        </p:style>
-        <p:txBody>
-          <a:bodyPr rtlCol="0" anchor="ctr"/>
-          <a:lstStyle/>
-          <a:p>
-            <a:pPr algn="ctr"/>
-            <a:endParaRPr lang="ko-KR" altLang="en-US"/>
-          </a:p>
-        </p:txBody>
-      </p:sp>
-      <p:sp>
-        <p:nvSpPr>
-          <p:cNvPr id="9" name="왼쪽 화살표 설명선 8"/>
-          <p:cNvSpPr/>
-          <p:nvPr/>
-        </p:nvSpPr>
-        <p:spPr>
-          <a:xfrm>
-            <a:off x="2592261" y="4789334"/>
-            <a:ext cx="2088232" cy="754146"/>
-          </a:xfrm>
-          <a:prstGeom prst="leftArrowCallout">
-            <a:avLst>
-              <a:gd name="adj1" fmla="val 8400"/>
-              <a:gd name="adj2" fmla="val 15778"/>
-              <a:gd name="adj3" fmla="val 14856"/>
-              <a:gd name="adj4" fmla="val 64977"/>
-            </a:avLst>
-          </a:prstGeom>
-        </p:spPr>
-        <p:style>
-          <a:lnRef idx="2">
-            <a:schemeClr val="accent3">
+            <a:schemeClr val="accent1">
               <a:shade val="50000"/>
             </a:schemeClr>
           </a:lnRef>
           <a:fillRef idx="1">
-            <a:schemeClr val="accent3"/>
+            <a:schemeClr val="accent1"/>
           </a:fillRef>
           <a:effectRef idx="0">
-            <a:schemeClr val="accent3"/>
+            <a:schemeClr val="accent1"/>
           </a:effectRef>
           <a:fontRef idx="minor">
             <a:schemeClr val="lt1"/>
@@ -6959,99 +6774,13 @@
           <a:p>
             <a:pPr algn="ctr"/>
             <a:r>
-              <a:rPr lang="ko-KR" altLang="en-US" sz="1200" dirty="0" smtClean="0"/>
-              <a:t>상세보기로</a:t>
-            </a:r>
-            <a:endParaRPr lang="ko-KR" altLang="en-US" sz="1200" dirty="0"/>
-          </a:p>
-        </p:txBody>
-      </p:sp>
-      <p:sp>
-        <p:nvSpPr>
-          <p:cNvPr id="10" name="직사각형 9"/>
-          <p:cNvSpPr/>
-          <p:nvPr/>
-        </p:nvSpPr>
-        <p:spPr>
-          <a:xfrm>
-            <a:off x="5724128" y="1988840"/>
-            <a:ext cx="2356084" cy="3672408"/>
-          </a:xfrm>
-          <a:prstGeom prst="rect">
-            <a:avLst/>
-          </a:prstGeom>
-        </p:spPr>
-        <p:style>
-          <a:lnRef idx="2">
-            <a:schemeClr val="dk1"/>
-          </a:lnRef>
-          <a:fillRef idx="1">
-            <a:schemeClr val="lt1"/>
-          </a:fillRef>
-          <a:effectRef idx="0">
-            <a:schemeClr val="dk1"/>
-          </a:effectRef>
-          <a:fontRef idx="minor">
-            <a:schemeClr val="dk1"/>
-          </a:fontRef>
-        </p:style>
-        <p:txBody>
-          <a:bodyPr rtlCol="0" anchor="ctr"/>
-          <a:lstStyle/>
-          <a:p>
-            <a:pPr algn="ctr"/>
-            <a:r>
-              <a:rPr lang="ko-KR" altLang="en-US" sz="1200" dirty="0" smtClean="0"/>
-              <a:t>정보 제목</a:t>
-            </a:r>
-            <a:endParaRPr lang="en-US" altLang="ko-KR" sz="1200" dirty="0" smtClean="0"/>
-          </a:p>
-          <a:p>
-            <a:pPr algn="ctr"/>
-            <a:endParaRPr lang="en-US" altLang="ko-KR" sz="1200" dirty="0"/>
-          </a:p>
-          <a:p>
-            <a:pPr algn="ctr"/>
-            <a:endParaRPr lang="en-US" altLang="ko-KR" sz="1200" dirty="0" smtClean="0"/>
-          </a:p>
-          <a:p>
-            <a:pPr algn="ctr"/>
-            <a:r>
-              <a:rPr lang="ko-KR" altLang="en-US" sz="1200" dirty="0" smtClean="0"/>
-              <a:t>정보내용</a:t>
-            </a:r>
-            <a:endParaRPr lang="en-US" altLang="ko-KR" sz="1200" dirty="0" smtClean="0"/>
-          </a:p>
-          <a:p>
-            <a:pPr algn="ctr"/>
-            <a:endParaRPr lang="en-US" altLang="ko-KR" sz="1200" dirty="0"/>
-          </a:p>
-          <a:p>
-            <a:pPr algn="ctr"/>
-            <a:endParaRPr lang="en-US" altLang="ko-KR" sz="1200" dirty="0" smtClean="0"/>
-          </a:p>
-          <a:p>
-            <a:pPr algn="ctr"/>
-            <a:r>
-              <a:rPr lang="ko-KR" altLang="en-US" sz="1200" dirty="0" smtClean="0"/>
-              <a:t>관련 위치</a:t>
-            </a:r>
-            <a:r>
-              <a:rPr lang="en-US" altLang="ko-KR" sz="1200" dirty="0" smtClean="0"/>
-              <a:t>?</a:t>
-            </a:r>
-          </a:p>
-          <a:p>
-            <a:pPr algn="ctr"/>
-            <a:r>
-              <a:rPr lang="ko-KR" altLang="en-US" sz="1200" dirty="0" smtClean="0"/>
-              <a:t>관련 링크</a:t>
-            </a:r>
-            <a:r>
-              <a:rPr lang="en-US" altLang="ko-KR" sz="1200" dirty="0" smtClean="0"/>
-              <a:t>?</a:t>
-            </a:r>
-            <a:endParaRPr lang="en-US" altLang="ko-KR" sz="1200" dirty="0"/>
+              <a:rPr lang="en-US" altLang="ko-KR" dirty="0"/>
+              <a:t>XX</a:t>
+            </a:r>
+            <a:r>
+              <a:rPr lang="ko-KR" altLang="en-US" dirty="0"/>
+              <a:t>시</a:t>
+            </a:r>
           </a:p>
         </p:txBody>
       </p:sp>
@@ -7103,16 +6832,12 @@
           <a:lstStyle/>
           <a:p>
             <a:r>
-              <a:rPr lang="en-US" altLang="ko-KR" dirty="0" smtClean="0"/>
+              <a:rPr lang="en-US" altLang="ko-KR" dirty="0"/>
               <a:t>5 </a:t>
             </a:r>
             <a:r>
               <a:rPr lang="ko-KR" altLang="en-US" dirty="0"/>
-              <a:t>제주시 공연행사 </a:t>
-            </a:r>
-            <a:r>
-              <a:rPr lang="ko-KR" altLang="en-US" dirty="0" smtClean="0"/>
-              <a:t>정보</a:t>
+              <a:t>제주시 공연행사 정보</a:t>
             </a:r>
             <a:endParaRPr lang="en-US" altLang="ko-KR" dirty="0"/>
           </a:p>
@@ -7152,42 +6877,46 @@
           <a:lstStyle/>
           <a:p>
             <a:pPr algn="ctr"/>
-            <a:endParaRPr lang="en-US" altLang="ko-KR" sz="1200" dirty="0" smtClean="0"/>
-          </a:p>
-          <a:p>
-            <a:pPr algn="ctr"/>
-            <a:endParaRPr lang="en-US" altLang="ko-KR" sz="1200" dirty="0"/>
-          </a:p>
-          <a:p>
-            <a:pPr algn="ctr"/>
-            <a:endParaRPr lang="en-US" altLang="ko-KR" sz="1200" dirty="0" smtClean="0"/>
-          </a:p>
-          <a:p>
-            <a:pPr algn="ctr"/>
-            <a:endParaRPr lang="en-US" altLang="ko-KR" sz="1200" dirty="0"/>
-          </a:p>
-          <a:p>
-            <a:pPr algn="ctr"/>
-            <a:endParaRPr lang="en-US" altLang="ko-KR" sz="1200" dirty="0" smtClean="0"/>
-          </a:p>
-          <a:p>
-            <a:pPr algn="ctr"/>
-            <a:endParaRPr lang="en-US" altLang="ko-KR" sz="1200" dirty="0"/>
-          </a:p>
-          <a:p>
-            <a:pPr algn="ctr"/>
-            <a:endParaRPr lang="en-US" altLang="ko-KR" sz="1200" dirty="0" smtClean="0"/>
-          </a:p>
-          <a:p>
-            <a:pPr algn="ctr"/>
-            <a:endParaRPr lang="en-US" altLang="ko-KR" sz="1200" dirty="0"/>
-          </a:p>
-          <a:p>
-            <a:pPr algn="ctr"/>
-            <a:r>
-              <a:rPr lang="ko-KR" altLang="en-US" sz="1200" dirty="0" smtClean="0"/>
-              <a:t>정보입니다 </a:t>
-            </a:r>
+            <a:endParaRPr lang="en-US" altLang="ko-KR" sz="1200" dirty="0"/>
+          </a:p>
+          <a:p>
+            <a:pPr algn="ctr"/>
+            <a:endParaRPr lang="en-US" altLang="ko-KR" sz="1200" dirty="0"/>
+          </a:p>
+          <a:p>
+            <a:pPr algn="ctr"/>
+            <a:endParaRPr lang="en-US" altLang="ko-KR" sz="1200" dirty="0"/>
+          </a:p>
+          <a:p>
+            <a:pPr algn="ctr"/>
+            <a:endParaRPr lang="en-US" altLang="ko-KR" sz="1200" dirty="0"/>
+          </a:p>
+          <a:p>
+            <a:pPr algn="ctr"/>
+            <a:endParaRPr lang="en-US" altLang="ko-KR" sz="1200" dirty="0"/>
+          </a:p>
+          <a:p>
+            <a:pPr algn="ctr"/>
+            <a:endParaRPr lang="en-US" altLang="ko-KR" sz="1200" dirty="0"/>
+          </a:p>
+          <a:p>
+            <a:pPr algn="ctr"/>
+            <a:endParaRPr lang="en-US" altLang="ko-KR" sz="1200" dirty="0"/>
+          </a:p>
+          <a:p>
+            <a:pPr algn="ctr"/>
+            <a:endParaRPr lang="en-US" altLang="ko-KR" sz="1200" dirty="0"/>
+          </a:p>
+          <a:p>
+            <a:pPr algn="ctr"/>
+            <a:r>
+              <a:rPr lang="ko-KR" altLang="en-US" sz="1200" dirty="0"/>
+              <a:t>정보입니다 정보입니다 </a:t>
+            </a:r>
+            <a:endParaRPr lang="en-US" altLang="ko-KR" sz="1200" dirty="0"/>
+          </a:p>
+          <a:p>
+            <a:pPr algn="ctr"/>
             <a:r>
               <a:rPr lang="ko-KR" altLang="en-US" sz="1200" dirty="0"/>
               <a:t>정보입니다 </a:t>
@@ -7212,25 +6941,13 @@
           </a:p>
           <a:p>
             <a:pPr algn="ctr"/>
+            <a:endParaRPr lang="en-US" altLang="ko-KR" sz="1200" dirty="0"/>
+          </a:p>
+          <a:p>
+            <a:pPr algn="ctr"/>
             <a:r>
               <a:rPr lang="ko-KR" altLang="en-US" sz="1200" dirty="0"/>
-              <a:t>정보입니다 </a:t>
-            </a:r>
-            <a:endParaRPr lang="en-US" altLang="ko-KR" sz="1200" dirty="0"/>
-          </a:p>
-          <a:p>
-            <a:pPr algn="ctr"/>
-            <a:endParaRPr lang="en-US" altLang="ko-KR" sz="1200" dirty="0" smtClean="0"/>
-          </a:p>
-          <a:p>
-            <a:pPr algn="ctr"/>
-            <a:r>
-              <a:rPr lang="ko-KR" altLang="en-US" sz="1200" dirty="0" smtClean="0"/>
-              <a:t>상세보</a:t>
-            </a:r>
-            <a:r>
-              <a:rPr lang="ko-KR" altLang="en-US" sz="1200" dirty="0"/>
-              <a:t>기</a:t>
+              <a:t>상세보기</a:t>
             </a:r>
             <a:endParaRPr lang="en-US" altLang="ko-KR" sz="1200" dirty="0"/>
           </a:p>
@@ -7273,55 +6990,55 @@
           <a:p>
             <a:pPr algn="ctr"/>
             <a:r>
-              <a:rPr lang="en-US" altLang="ko-KR" sz="1100" dirty="0" smtClean="0"/>
+              <a:rPr lang="en-US" altLang="ko-KR" sz="1100" dirty="0"/>
               <a:t>[</a:t>
             </a:r>
             <a:r>
-              <a:rPr lang="ko-KR" altLang="en-US" sz="1100" dirty="0" smtClean="0"/>
+              <a:rPr lang="ko-KR" altLang="en-US" sz="1100" dirty="0"/>
               <a:t>달력임</a:t>
             </a:r>
             <a:r>
-              <a:rPr lang="en-US" altLang="ko-KR" sz="1100" dirty="0" smtClean="0"/>
+              <a:rPr lang="en-US" altLang="ko-KR" sz="1100" dirty="0"/>
               <a:t>]</a:t>
             </a:r>
           </a:p>
           <a:p>
             <a:pPr algn="ctr"/>
-            <a:endParaRPr lang="en-US" altLang="ko-KR" sz="1100" dirty="0" smtClean="0"/>
-          </a:p>
-          <a:p>
-            <a:pPr algn="ctr"/>
-            <a:r>
-              <a:rPr lang="en-US" altLang="ko-KR" sz="1100" dirty="0" smtClean="0"/>
+            <a:endParaRPr lang="en-US" altLang="ko-KR" sz="1100" dirty="0"/>
+          </a:p>
+          <a:p>
+            <a:pPr algn="ctr"/>
+            <a:r>
+              <a:rPr lang="en-US" altLang="ko-KR" sz="1100" dirty="0"/>
               <a:t>1</a:t>
             </a:r>
             <a:r>
-              <a:rPr lang="ko-KR" altLang="en-US" sz="1100" dirty="0" smtClean="0"/>
+              <a:rPr lang="ko-KR" altLang="en-US" sz="1100" dirty="0"/>
               <a:t> </a:t>
             </a:r>
             <a:r>
-              <a:rPr lang="en-US" altLang="ko-KR" sz="1100" dirty="0" smtClean="0"/>
+              <a:rPr lang="en-US" altLang="ko-KR" sz="1100" dirty="0"/>
               <a:t>2 3 4 5 6 7</a:t>
             </a:r>
           </a:p>
           <a:p>
             <a:pPr algn="ctr"/>
             <a:r>
-              <a:rPr lang="en-US" altLang="ko-KR" sz="1100" dirty="0" smtClean="0"/>
+              <a:rPr lang="en-US" altLang="ko-KR" sz="1100" dirty="0"/>
               <a:t>8 9 0 1 2 3 4</a:t>
             </a:r>
           </a:p>
           <a:p>
             <a:pPr algn="ctr"/>
             <a:r>
-              <a:rPr lang="en-US" altLang="ko-KR" sz="1100" dirty="0" smtClean="0"/>
+              <a:rPr lang="en-US" altLang="ko-KR" sz="1100" dirty="0"/>
               <a:t>5 6 7 8 9 0 1</a:t>
             </a:r>
           </a:p>
           <a:p>
             <a:pPr algn="ctr"/>
             <a:r>
-              <a:rPr lang="en-US" altLang="ko-KR" sz="1100" dirty="0" smtClean="0"/>
+              <a:rPr lang="en-US" altLang="ko-KR" sz="1100" dirty="0"/>
               <a:t>. . .</a:t>
             </a:r>
           </a:p>
@@ -7369,30 +7086,29 @@
           <a:p>
             <a:pPr algn="ctr"/>
             <a:r>
-              <a:rPr lang="ko-KR" altLang="en-US" sz="1200" dirty="0" err="1" smtClean="0"/>
+              <a:rPr lang="ko-KR" altLang="en-US" sz="1200" dirty="0" err="1"/>
               <a:t>댤력</a:t>
             </a:r>
             <a:r>
-              <a:rPr lang="ko-KR" altLang="en-US" sz="1200" dirty="0" smtClean="0"/>
+              <a:rPr lang="ko-KR" altLang="en-US" sz="1200" dirty="0"/>
               <a:t> 안에 정보 </a:t>
             </a:r>
             <a:r>
-              <a:rPr lang="ko-KR" altLang="en-US" sz="1200" dirty="0" err="1" smtClean="0"/>
+              <a:rPr lang="ko-KR" altLang="en-US" sz="1200" dirty="0" err="1"/>
               <a:t>있는날을</a:t>
             </a:r>
             <a:r>
-              <a:rPr lang="ko-KR" altLang="en-US" sz="1200" dirty="0" smtClean="0"/>
+              <a:rPr lang="ko-KR" altLang="en-US" sz="1200" dirty="0"/>
               <a:t> 색상으로 표기 및 </a:t>
             </a:r>
             <a:r>
-              <a:rPr lang="ko-KR" altLang="en-US" sz="1200" dirty="0" err="1" smtClean="0"/>
+              <a:rPr lang="ko-KR" altLang="en-US" sz="1200" dirty="0" err="1"/>
               <a:t>눌렀을때</a:t>
             </a:r>
             <a:r>
-              <a:rPr lang="ko-KR" altLang="en-US" sz="1200" dirty="0" smtClean="0"/>
+              <a:rPr lang="ko-KR" altLang="en-US" sz="1200" dirty="0"/>
               <a:t> </a:t>
             </a:r>
-            <a:endParaRPr lang="ko-KR" altLang="en-US" sz="1200" dirty="0"/>
           </a:p>
         </p:txBody>
       </p:sp>
@@ -7438,18 +7154,17 @@
           <a:p>
             <a:pPr algn="ctr"/>
             <a:r>
-              <a:rPr lang="ko-KR" altLang="en-US" sz="1200" dirty="0" smtClean="0"/>
+              <a:rPr lang="ko-KR" altLang="en-US" sz="1200" dirty="0"/>
               <a:t>요기에 </a:t>
             </a:r>
             <a:r>
-              <a:rPr lang="ko-KR" altLang="en-US" sz="1200" dirty="0" err="1" smtClean="0"/>
+              <a:rPr lang="ko-KR" altLang="en-US" sz="1200" dirty="0" err="1"/>
               <a:t>정보나옴</a:t>
             </a:r>
             <a:r>
-              <a:rPr lang="ko-KR" altLang="en-US" sz="1200" dirty="0" smtClean="0"/>
+              <a:rPr lang="ko-KR" altLang="en-US" sz="1200" dirty="0"/>
               <a:t> </a:t>
             </a:r>
-            <a:endParaRPr lang="ko-KR" altLang="en-US" sz="1200" dirty="0"/>
           </a:p>
         </p:txBody>
       </p:sp>
@@ -7534,11 +7249,11 @@
           <a:p>
             <a:pPr algn="ctr"/>
             <a:r>
-              <a:rPr lang="ko-KR" altLang="en-US" sz="1200" dirty="0" smtClean="0"/>
+              <a:rPr lang="ko-KR" altLang="en-US" sz="1200" dirty="0"/>
               <a:t>상세보기로 </a:t>
             </a:r>
             <a:r>
-              <a:rPr lang="en-US" altLang="ko-KR" sz="1200" dirty="0" smtClean="0"/>
+              <a:rPr lang="en-US" altLang="ko-KR" sz="1200" dirty="0"/>
               <a:t>&gt; </a:t>
             </a:r>
             <a:endParaRPr lang="ko-KR" altLang="en-US" sz="1200" dirty="0"/>
@@ -7580,57 +7295,56 @@
           <a:p>
             <a:pPr algn="ctr"/>
             <a:r>
-              <a:rPr lang="ko-KR" altLang="en-US" sz="1200" dirty="0" smtClean="0"/>
+              <a:rPr lang="ko-KR" altLang="en-US" sz="1200" dirty="0"/>
               <a:t>정보 제목</a:t>
             </a:r>
-            <a:endParaRPr lang="en-US" altLang="ko-KR" sz="1200" dirty="0" smtClean="0"/>
-          </a:p>
-          <a:p>
-            <a:pPr algn="ctr"/>
-            <a:endParaRPr lang="en-US" altLang="ko-KR" sz="1200" dirty="0"/>
-          </a:p>
-          <a:p>
-            <a:pPr algn="ctr"/>
-            <a:endParaRPr lang="en-US" altLang="ko-KR" sz="1200" dirty="0" smtClean="0"/>
-          </a:p>
-          <a:p>
-            <a:pPr algn="ctr"/>
-            <a:r>
-              <a:rPr lang="ko-KR" altLang="en-US" sz="1200" dirty="0" smtClean="0"/>
+            <a:endParaRPr lang="en-US" altLang="ko-KR" sz="1200" dirty="0"/>
+          </a:p>
+          <a:p>
+            <a:pPr algn="ctr"/>
+            <a:endParaRPr lang="en-US" altLang="ko-KR" sz="1200" dirty="0"/>
+          </a:p>
+          <a:p>
+            <a:pPr algn="ctr"/>
+            <a:endParaRPr lang="en-US" altLang="ko-KR" sz="1200" dirty="0"/>
+          </a:p>
+          <a:p>
+            <a:pPr algn="ctr"/>
+            <a:r>
+              <a:rPr lang="ko-KR" altLang="en-US" sz="1200" dirty="0"/>
               <a:t>정보내용</a:t>
             </a:r>
-            <a:endParaRPr lang="en-US" altLang="ko-KR" sz="1200" dirty="0" smtClean="0"/>
-          </a:p>
-          <a:p>
-            <a:pPr algn="ctr"/>
-            <a:endParaRPr lang="en-US" altLang="ko-KR" sz="1200" dirty="0"/>
-          </a:p>
-          <a:p>
-            <a:pPr algn="ctr"/>
-            <a:endParaRPr lang="en-US" altLang="ko-KR" sz="1200" dirty="0" smtClean="0"/>
-          </a:p>
-          <a:p>
-            <a:pPr algn="ctr"/>
-            <a:r>
-              <a:rPr lang="ko-KR" altLang="en-US" sz="1200" dirty="0" smtClean="0"/>
+            <a:endParaRPr lang="en-US" altLang="ko-KR" sz="1200" dirty="0"/>
+          </a:p>
+          <a:p>
+            <a:pPr algn="ctr"/>
+            <a:endParaRPr lang="en-US" altLang="ko-KR" sz="1200" dirty="0"/>
+          </a:p>
+          <a:p>
+            <a:pPr algn="ctr"/>
+            <a:endParaRPr lang="en-US" altLang="ko-KR" sz="1200" dirty="0"/>
+          </a:p>
+          <a:p>
+            <a:pPr algn="ctr"/>
+            <a:r>
+              <a:rPr lang="ko-KR" altLang="en-US" sz="1200" dirty="0"/>
               <a:t>관련 위치</a:t>
             </a:r>
             <a:r>
-              <a:rPr lang="en-US" altLang="ko-KR" sz="1200" dirty="0" smtClean="0"/>
+              <a:rPr lang="en-US" altLang="ko-KR" sz="1200" dirty="0"/>
               <a:t>?</a:t>
             </a:r>
           </a:p>
           <a:p>
             <a:pPr algn="ctr"/>
             <a:r>
-              <a:rPr lang="ko-KR" altLang="en-US" sz="1200" dirty="0" smtClean="0"/>
+              <a:rPr lang="ko-KR" altLang="en-US" sz="1200" dirty="0"/>
               <a:t>관련 링크</a:t>
             </a:r>
             <a:r>
-              <a:rPr lang="en-US" altLang="ko-KR" sz="1200" dirty="0" smtClean="0"/>
+              <a:rPr lang="en-US" altLang="ko-KR" sz="1200" dirty="0"/>
               <a:t>?</a:t>
             </a:r>
-            <a:endParaRPr lang="en-US" altLang="ko-KR" sz="1200" dirty="0"/>
           </a:p>
         </p:txBody>
       </p:sp>

--- a/Project Info/ui.pptx
+++ b/Project Info/ui.pptx
@@ -13,10 +13,12 @@
     <p:sldId id="264" r:id="rId7"/>
     <p:sldId id="259" r:id="rId8"/>
     <p:sldId id="263" r:id="rId9"/>
-    <p:sldId id="265" r:id="rId10"/>
-    <p:sldId id="260" r:id="rId11"/>
-    <p:sldId id="261" r:id="rId12"/>
-    <p:sldId id="262" r:id="rId13"/>
+    <p:sldId id="270" r:id="rId10"/>
+    <p:sldId id="269" r:id="rId11"/>
+    <p:sldId id="265" r:id="rId12"/>
+    <p:sldId id="260" r:id="rId13"/>
+    <p:sldId id="261" r:id="rId14"/>
+    <p:sldId id="262" r:id="rId15"/>
   </p:sldIdLst>
   <p:sldSz cx="9144000" cy="6858000" type="screen4x3"/>
   <p:notesSz cx="6858000" cy="9144000"/>
@@ -317,7 +319,7 @@
           <a:p>
             <a:fld id="{FB30EDBD-1C2D-4C1E-B459-B60219FAB484}" type="datetimeFigureOut">
               <a:rPr lang="ko-KR" altLang="en-US" smtClean="0"/>
-              <a:t>2017-06-04</a:t>
+              <a:t>2017-06-05</a:t>
             </a:fld>
             <a:endParaRPr lang="ko-KR" altLang="en-US"/>
           </a:p>
@@ -480,7 +482,7 @@
           <a:p>
             <a:fld id="{FB30EDBD-1C2D-4C1E-B459-B60219FAB484}" type="datetimeFigureOut">
               <a:rPr lang="ko-KR" altLang="en-US" smtClean="0"/>
-              <a:t>2017-06-04</a:t>
+              <a:t>2017-06-05</a:t>
             </a:fld>
             <a:endParaRPr lang="ko-KR" altLang="en-US"/>
           </a:p>
@@ -653,7 +655,7 @@
           <a:p>
             <a:fld id="{FB30EDBD-1C2D-4C1E-B459-B60219FAB484}" type="datetimeFigureOut">
               <a:rPr lang="ko-KR" altLang="en-US" smtClean="0"/>
-              <a:t>2017-06-04</a:t>
+              <a:t>2017-06-05</a:t>
             </a:fld>
             <a:endParaRPr lang="ko-KR" altLang="en-US"/>
           </a:p>
@@ -816,7 +818,7 @@
           <a:p>
             <a:fld id="{FB30EDBD-1C2D-4C1E-B459-B60219FAB484}" type="datetimeFigureOut">
               <a:rPr lang="ko-KR" altLang="en-US" smtClean="0"/>
-              <a:t>2017-06-04</a:t>
+              <a:t>2017-06-05</a:t>
             </a:fld>
             <a:endParaRPr lang="ko-KR" altLang="en-US"/>
           </a:p>
@@ -1056,7 +1058,7 @@
           <a:p>
             <a:fld id="{FB30EDBD-1C2D-4C1E-B459-B60219FAB484}" type="datetimeFigureOut">
               <a:rPr lang="ko-KR" altLang="en-US" smtClean="0"/>
-              <a:t>2017-06-04</a:t>
+              <a:t>2017-06-05</a:t>
             </a:fld>
             <a:endParaRPr lang="ko-KR" altLang="en-US"/>
           </a:p>
@@ -1336,7 +1338,7 @@
           <a:p>
             <a:fld id="{FB30EDBD-1C2D-4C1E-B459-B60219FAB484}" type="datetimeFigureOut">
               <a:rPr lang="ko-KR" altLang="en-US" smtClean="0"/>
-              <a:t>2017-06-04</a:t>
+              <a:t>2017-06-05</a:t>
             </a:fld>
             <a:endParaRPr lang="ko-KR" altLang="en-US"/>
           </a:p>
@@ -1750,7 +1752,7 @@
           <a:p>
             <a:fld id="{FB30EDBD-1C2D-4C1E-B459-B60219FAB484}" type="datetimeFigureOut">
               <a:rPr lang="ko-KR" altLang="en-US" smtClean="0"/>
-              <a:t>2017-06-04</a:t>
+              <a:t>2017-06-05</a:t>
             </a:fld>
             <a:endParaRPr lang="ko-KR" altLang="en-US"/>
           </a:p>
@@ -1862,7 +1864,7 @@
           <a:p>
             <a:fld id="{FB30EDBD-1C2D-4C1E-B459-B60219FAB484}" type="datetimeFigureOut">
               <a:rPr lang="ko-KR" altLang="en-US" smtClean="0"/>
-              <a:t>2017-06-04</a:t>
+              <a:t>2017-06-05</a:t>
             </a:fld>
             <a:endParaRPr lang="ko-KR" altLang="en-US"/>
           </a:p>
@@ -1952,7 +1954,7 @@
           <a:p>
             <a:fld id="{FB30EDBD-1C2D-4C1E-B459-B60219FAB484}" type="datetimeFigureOut">
               <a:rPr lang="ko-KR" altLang="en-US" smtClean="0"/>
-              <a:t>2017-06-04</a:t>
+              <a:t>2017-06-05</a:t>
             </a:fld>
             <a:endParaRPr lang="ko-KR" altLang="en-US"/>
           </a:p>
@@ -2222,7 +2224,7 @@
           <a:p>
             <a:fld id="{FB30EDBD-1C2D-4C1E-B459-B60219FAB484}" type="datetimeFigureOut">
               <a:rPr lang="ko-KR" altLang="en-US" smtClean="0"/>
-              <a:t>2017-06-04</a:t>
+              <a:t>2017-06-05</a:t>
             </a:fld>
             <a:endParaRPr lang="ko-KR" altLang="en-US"/>
           </a:p>
@@ -2469,7 +2471,7 @@
           <a:p>
             <a:fld id="{FB30EDBD-1C2D-4C1E-B459-B60219FAB484}" type="datetimeFigureOut">
               <a:rPr lang="ko-KR" altLang="en-US" smtClean="0"/>
-              <a:t>2017-06-04</a:t>
+              <a:t>2017-06-05</a:t>
             </a:fld>
             <a:endParaRPr lang="ko-KR" altLang="en-US"/>
           </a:p>
@@ -2675,7 +2677,7 @@
           <a:p>
             <a:fld id="{FB30EDBD-1C2D-4C1E-B459-B60219FAB484}" type="datetimeFigureOut">
               <a:rPr lang="ko-KR" altLang="en-US" smtClean="0"/>
-              <a:t>2017-06-04</a:t>
+              <a:t>2017-06-05</a:t>
             </a:fld>
             <a:endParaRPr lang="ko-KR" altLang="en-US"/>
           </a:p>
@@ -3142,6 +3144,1154 @@
         <p:spPr/>
         <p:txBody>
           <a:bodyPr>
+            <a:normAutofit/>
+          </a:bodyPr>
+          <a:lstStyle/>
+          <a:p>
+            <a:r>
+              <a:rPr lang="en-US" altLang="ko-KR" dirty="0"/>
+              <a:t>5. </a:t>
+            </a:r>
+            <a:r>
+              <a:rPr lang="ko-KR" altLang="en-US" dirty="0"/>
+              <a:t>임시 제주도 공연행사 정보</a:t>
+            </a:r>
+            <a:endParaRPr lang="en-US" altLang="ko-KR" dirty="0"/>
+          </a:p>
+        </p:txBody>
+      </p:sp>
+      <p:sp>
+        <p:nvSpPr>
+          <p:cNvPr id="3" name="직사각형 2"/>
+          <p:cNvSpPr/>
+          <p:nvPr/>
+        </p:nvSpPr>
+        <p:spPr>
+          <a:xfrm>
+            <a:off x="631740" y="1988840"/>
+            <a:ext cx="2356084" cy="3672408"/>
+          </a:xfrm>
+          <a:prstGeom prst="rect">
+            <a:avLst/>
+          </a:prstGeom>
+        </p:spPr>
+        <p:style>
+          <a:lnRef idx="2">
+            <a:schemeClr val="dk1"/>
+          </a:lnRef>
+          <a:fillRef idx="1">
+            <a:schemeClr val="lt1"/>
+          </a:fillRef>
+          <a:effectRef idx="0">
+            <a:schemeClr val="dk1"/>
+          </a:effectRef>
+          <a:fontRef idx="minor">
+            <a:schemeClr val="dk1"/>
+          </a:fontRef>
+        </p:style>
+        <p:txBody>
+          <a:bodyPr rtlCol="0" anchor="ctr"/>
+          <a:lstStyle/>
+          <a:p>
+            <a:pPr algn="ctr"/>
+            <a:endParaRPr lang="en-US" altLang="ko-KR" sz="1200" dirty="0"/>
+          </a:p>
+          <a:p>
+            <a:pPr algn="ctr"/>
+            <a:endParaRPr lang="en-US" altLang="ko-KR" sz="1200" dirty="0"/>
+          </a:p>
+          <a:p>
+            <a:pPr algn="ctr"/>
+            <a:endParaRPr lang="en-US" altLang="ko-KR" sz="1200" dirty="0"/>
+          </a:p>
+          <a:p>
+            <a:pPr algn="ctr"/>
+            <a:endParaRPr lang="en-US" altLang="ko-KR" sz="1200" dirty="0"/>
+          </a:p>
+          <a:p>
+            <a:pPr algn="ctr"/>
+            <a:endParaRPr lang="en-US" altLang="ko-KR" sz="1200" dirty="0"/>
+          </a:p>
+          <a:p>
+            <a:pPr algn="ctr"/>
+            <a:endParaRPr lang="en-US" altLang="ko-KR" sz="1200" dirty="0"/>
+          </a:p>
+          <a:p>
+            <a:pPr algn="ctr"/>
+            <a:endParaRPr lang="en-US" altLang="ko-KR" sz="1200" dirty="0"/>
+          </a:p>
+        </p:txBody>
+      </p:sp>
+      <p:sp>
+        <p:nvSpPr>
+          <p:cNvPr id="10" name="직사각형 9"/>
+          <p:cNvSpPr/>
+          <p:nvPr/>
+        </p:nvSpPr>
+        <p:spPr>
+          <a:xfrm>
+            <a:off x="3779912" y="1988840"/>
+            <a:ext cx="2356084" cy="3672408"/>
+          </a:xfrm>
+          <a:prstGeom prst="rect">
+            <a:avLst/>
+          </a:prstGeom>
+        </p:spPr>
+        <p:style>
+          <a:lnRef idx="2">
+            <a:schemeClr val="dk1"/>
+          </a:lnRef>
+          <a:fillRef idx="1">
+            <a:schemeClr val="lt1"/>
+          </a:fillRef>
+          <a:effectRef idx="0">
+            <a:schemeClr val="dk1"/>
+          </a:effectRef>
+          <a:fontRef idx="minor">
+            <a:schemeClr val="dk1"/>
+          </a:fontRef>
+        </p:style>
+        <p:txBody>
+          <a:bodyPr rtlCol="0" anchor="ctr"/>
+          <a:lstStyle/>
+          <a:p>
+            <a:pPr algn="ctr"/>
+            <a:endParaRPr lang="en-US" altLang="ko-KR" sz="1200" dirty="0"/>
+          </a:p>
+          <a:p>
+            <a:pPr algn="ctr"/>
+            <a:endParaRPr lang="en-US" altLang="ko-KR" sz="1200" dirty="0"/>
+          </a:p>
+          <a:p>
+            <a:pPr algn="ctr"/>
+            <a:endParaRPr lang="en-US" altLang="ko-KR" sz="1200" dirty="0"/>
+          </a:p>
+          <a:p>
+            <a:pPr algn="ctr"/>
+            <a:endParaRPr lang="en-US" altLang="ko-KR" sz="1200" dirty="0"/>
+          </a:p>
+        </p:txBody>
+      </p:sp>
+      <p:sp>
+        <p:nvSpPr>
+          <p:cNvPr id="4" name="사각형: 둥근 모서리 3">
+            <a:extLst>
+              <a:ext uri="{FF2B5EF4-FFF2-40B4-BE49-F238E27FC236}">
+                <a16:creationId xmlns:a16="http://schemas.microsoft.com/office/drawing/2014/main" id="{627A04A8-4570-41F1-9635-3442F24D9C26}"/>
+              </a:ext>
+            </a:extLst>
+          </p:cNvPr>
+          <p:cNvSpPr/>
+          <p:nvPr/>
+        </p:nvSpPr>
+        <p:spPr>
+          <a:xfrm>
+            <a:off x="1115616" y="3068960"/>
+            <a:ext cx="1368152" cy="648072"/>
+          </a:xfrm>
+          <a:prstGeom prst="roundRect">
+            <a:avLst/>
+          </a:prstGeom>
+        </p:spPr>
+        <p:style>
+          <a:lnRef idx="2">
+            <a:schemeClr val="accent1">
+              <a:shade val="50000"/>
+            </a:schemeClr>
+          </a:lnRef>
+          <a:fillRef idx="1">
+            <a:schemeClr val="accent1"/>
+          </a:fillRef>
+          <a:effectRef idx="0">
+            <a:schemeClr val="accent1"/>
+          </a:effectRef>
+          <a:fontRef idx="minor">
+            <a:schemeClr val="lt1"/>
+          </a:fontRef>
+        </p:style>
+        <p:txBody>
+          <a:bodyPr rtlCol="0" anchor="ctr"/>
+          <a:lstStyle/>
+          <a:p>
+            <a:pPr algn="ctr"/>
+            <a:r>
+              <a:rPr lang="ko-KR" altLang="en-US" dirty="0"/>
+              <a:t>제주시</a:t>
+            </a:r>
+          </a:p>
+        </p:txBody>
+      </p:sp>
+      <p:sp>
+        <p:nvSpPr>
+          <p:cNvPr id="11" name="사각형: 둥근 모서리 10">
+            <a:extLst>
+              <a:ext uri="{FF2B5EF4-FFF2-40B4-BE49-F238E27FC236}">
+                <a16:creationId xmlns:a16="http://schemas.microsoft.com/office/drawing/2014/main" id="{F4C61916-CEF5-482E-9123-18AB5296C628}"/>
+              </a:ext>
+            </a:extLst>
+          </p:cNvPr>
+          <p:cNvSpPr/>
+          <p:nvPr/>
+        </p:nvSpPr>
+        <p:spPr>
+          <a:xfrm>
+            <a:off x="1115616" y="4127801"/>
+            <a:ext cx="1368152" cy="648072"/>
+          </a:xfrm>
+          <a:prstGeom prst="roundRect">
+            <a:avLst/>
+          </a:prstGeom>
+        </p:spPr>
+        <p:style>
+          <a:lnRef idx="2">
+            <a:schemeClr val="accent1">
+              <a:shade val="50000"/>
+            </a:schemeClr>
+          </a:lnRef>
+          <a:fillRef idx="1">
+            <a:schemeClr val="accent1"/>
+          </a:fillRef>
+          <a:effectRef idx="0">
+            <a:schemeClr val="accent1"/>
+          </a:effectRef>
+          <a:fontRef idx="minor">
+            <a:schemeClr val="lt1"/>
+          </a:fontRef>
+        </p:style>
+        <p:txBody>
+          <a:bodyPr rtlCol="0" anchor="ctr"/>
+          <a:lstStyle/>
+          <a:p>
+            <a:pPr algn="ctr"/>
+            <a:r>
+              <a:rPr lang="ko-KR" altLang="en-US" dirty="0"/>
+              <a:t>서귀포시</a:t>
+            </a:r>
+          </a:p>
+        </p:txBody>
+      </p:sp>
+      <p:sp>
+        <p:nvSpPr>
+          <p:cNvPr id="14" name="화살표: 오른쪽 13">
+            <a:extLst>
+              <a:ext uri="{FF2B5EF4-FFF2-40B4-BE49-F238E27FC236}">
+                <a16:creationId xmlns:a16="http://schemas.microsoft.com/office/drawing/2014/main" id="{A2D6D81C-1A7D-4E57-B0B6-CBE3610A2A59}"/>
+              </a:ext>
+            </a:extLst>
+          </p:cNvPr>
+          <p:cNvSpPr/>
+          <p:nvPr/>
+        </p:nvSpPr>
+        <p:spPr>
+          <a:xfrm>
+            <a:off x="3131840" y="3320988"/>
+            <a:ext cx="504056" cy="792088"/>
+          </a:xfrm>
+          <a:prstGeom prst="rightArrow">
+            <a:avLst/>
+          </a:prstGeom>
+        </p:spPr>
+        <p:style>
+          <a:lnRef idx="2">
+            <a:schemeClr val="accent1">
+              <a:shade val="50000"/>
+            </a:schemeClr>
+          </a:lnRef>
+          <a:fillRef idx="1">
+            <a:schemeClr val="accent1"/>
+          </a:fillRef>
+          <a:effectRef idx="0">
+            <a:schemeClr val="accent1"/>
+          </a:effectRef>
+          <a:fontRef idx="minor">
+            <a:schemeClr val="lt1"/>
+          </a:fontRef>
+        </p:style>
+        <p:txBody>
+          <a:bodyPr rtlCol="0" anchor="ctr"/>
+          <a:lstStyle/>
+          <a:p>
+            <a:pPr algn="ctr"/>
+            <a:endParaRPr lang="ko-KR" altLang="en-US"/>
+          </a:p>
+        </p:txBody>
+      </p:sp>
+      <p:sp>
+        <p:nvSpPr>
+          <p:cNvPr id="15" name="직사각형 14">
+            <a:extLst>
+              <a:ext uri="{FF2B5EF4-FFF2-40B4-BE49-F238E27FC236}">
+                <a16:creationId xmlns:a16="http://schemas.microsoft.com/office/drawing/2014/main" id="{38660404-A27B-4765-A9C0-0F00CA9FB6B8}"/>
+              </a:ext>
+            </a:extLst>
+          </p:cNvPr>
+          <p:cNvSpPr/>
+          <p:nvPr/>
+        </p:nvSpPr>
+        <p:spPr>
+          <a:xfrm>
+            <a:off x="3779912" y="1988840"/>
+            <a:ext cx="2356476" cy="576064"/>
+          </a:xfrm>
+          <a:prstGeom prst="rect">
+            <a:avLst/>
+          </a:prstGeom>
+        </p:spPr>
+        <p:style>
+          <a:lnRef idx="2">
+            <a:schemeClr val="accent1">
+              <a:shade val="50000"/>
+            </a:schemeClr>
+          </a:lnRef>
+          <a:fillRef idx="1">
+            <a:schemeClr val="accent1"/>
+          </a:fillRef>
+          <a:effectRef idx="0">
+            <a:schemeClr val="accent1"/>
+          </a:effectRef>
+          <a:fontRef idx="minor">
+            <a:schemeClr val="lt1"/>
+          </a:fontRef>
+        </p:style>
+        <p:txBody>
+          <a:bodyPr rtlCol="0" anchor="ctr"/>
+          <a:lstStyle/>
+          <a:p>
+            <a:pPr algn="ctr"/>
+            <a:r>
+              <a:rPr lang="ko-KR" altLang="en-US" dirty="0"/>
+              <a:t>제주시</a:t>
+            </a:r>
+          </a:p>
+        </p:txBody>
+      </p:sp>
+      <p:sp>
+        <p:nvSpPr>
+          <p:cNvPr id="9" name="직사각형 8">
+            <a:extLst>
+              <a:ext uri="{FF2B5EF4-FFF2-40B4-BE49-F238E27FC236}">
+                <a16:creationId xmlns:a16="http://schemas.microsoft.com/office/drawing/2014/main" id="{70BA56C3-98F2-47F6-9C9F-47D46C5463E6}"/>
+              </a:ext>
+            </a:extLst>
+          </p:cNvPr>
+          <p:cNvSpPr/>
+          <p:nvPr/>
+        </p:nvSpPr>
+        <p:spPr>
+          <a:xfrm>
+            <a:off x="6660232" y="1970653"/>
+            <a:ext cx="2356084" cy="3672408"/>
+          </a:xfrm>
+          <a:prstGeom prst="rect">
+            <a:avLst/>
+          </a:prstGeom>
+        </p:spPr>
+        <p:style>
+          <a:lnRef idx="2">
+            <a:schemeClr val="dk1"/>
+          </a:lnRef>
+          <a:fillRef idx="1">
+            <a:schemeClr val="lt1"/>
+          </a:fillRef>
+          <a:effectRef idx="0">
+            <a:schemeClr val="dk1"/>
+          </a:effectRef>
+          <a:fontRef idx="minor">
+            <a:schemeClr val="dk1"/>
+          </a:fontRef>
+        </p:style>
+        <p:txBody>
+          <a:bodyPr rtlCol="0" anchor="ctr"/>
+          <a:lstStyle/>
+          <a:p>
+            <a:pPr algn="ctr"/>
+            <a:endParaRPr lang="en-US" altLang="ko-KR" sz="1200" dirty="0"/>
+          </a:p>
+          <a:p>
+            <a:pPr algn="ctr"/>
+            <a:endParaRPr lang="en-US" altLang="ko-KR" sz="1200" dirty="0"/>
+          </a:p>
+          <a:p>
+            <a:pPr algn="ctr"/>
+            <a:endParaRPr lang="en-US" altLang="ko-KR" sz="1200" dirty="0"/>
+          </a:p>
+          <a:p>
+            <a:pPr algn="ctr"/>
+            <a:endParaRPr lang="en-US" altLang="ko-KR" sz="1200" dirty="0"/>
+          </a:p>
+          <a:p>
+            <a:pPr algn="ctr"/>
+            <a:endParaRPr lang="en-US" altLang="ko-KR" sz="1200" dirty="0"/>
+          </a:p>
+          <a:p>
+            <a:pPr algn="ctr"/>
+            <a:r>
+              <a:rPr lang="en-US" altLang="ko-KR" sz="1200" dirty="0" err="1"/>
+              <a:t>ListView</a:t>
+            </a:r>
+            <a:endParaRPr lang="en-US" altLang="ko-KR" sz="1200" dirty="0"/>
+          </a:p>
+          <a:p>
+            <a:pPr algn="ctr"/>
+            <a:r>
+              <a:rPr lang="ko-KR" altLang="en-US" sz="1200" dirty="0"/>
+              <a:t>출력</a:t>
+            </a:r>
+            <a:endParaRPr lang="en-US" altLang="ko-KR" sz="1200" dirty="0"/>
+          </a:p>
+        </p:txBody>
+      </p:sp>
+      <p:sp>
+        <p:nvSpPr>
+          <p:cNvPr id="12" name="직사각형 11">
+            <a:extLst>
+              <a:ext uri="{FF2B5EF4-FFF2-40B4-BE49-F238E27FC236}">
+                <a16:creationId xmlns:a16="http://schemas.microsoft.com/office/drawing/2014/main" id="{93CF9267-43D6-4CA0-B656-A7374DE587F9}"/>
+              </a:ext>
+            </a:extLst>
+          </p:cNvPr>
+          <p:cNvSpPr/>
+          <p:nvPr/>
+        </p:nvSpPr>
+        <p:spPr>
+          <a:xfrm>
+            <a:off x="6660232" y="1970653"/>
+            <a:ext cx="2356476" cy="576064"/>
+          </a:xfrm>
+          <a:prstGeom prst="rect">
+            <a:avLst/>
+          </a:prstGeom>
+        </p:spPr>
+        <p:style>
+          <a:lnRef idx="2">
+            <a:schemeClr val="accent1">
+              <a:shade val="50000"/>
+            </a:schemeClr>
+          </a:lnRef>
+          <a:fillRef idx="1">
+            <a:schemeClr val="accent1"/>
+          </a:fillRef>
+          <a:effectRef idx="0">
+            <a:schemeClr val="accent1"/>
+          </a:effectRef>
+          <a:fontRef idx="minor">
+            <a:schemeClr val="lt1"/>
+          </a:fontRef>
+        </p:style>
+        <p:txBody>
+          <a:bodyPr rtlCol="0" anchor="ctr"/>
+          <a:lstStyle/>
+          <a:p>
+            <a:pPr algn="ctr"/>
+            <a:r>
+              <a:rPr lang="ko-KR" altLang="en-US" dirty="0"/>
+              <a:t>버튼이름</a:t>
+            </a:r>
+          </a:p>
+        </p:txBody>
+      </p:sp>
+      <p:sp>
+        <p:nvSpPr>
+          <p:cNvPr id="13" name="화살표: 오른쪽 12">
+            <a:extLst>
+              <a:ext uri="{FF2B5EF4-FFF2-40B4-BE49-F238E27FC236}">
+                <a16:creationId xmlns:a16="http://schemas.microsoft.com/office/drawing/2014/main" id="{FEFF20A3-7D9F-465D-9260-EFF6397B6633}"/>
+              </a:ext>
+            </a:extLst>
+          </p:cNvPr>
+          <p:cNvSpPr/>
+          <p:nvPr/>
+        </p:nvSpPr>
+        <p:spPr>
+          <a:xfrm>
+            <a:off x="6156176" y="3410813"/>
+            <a:ext cx="504056" cy="792088"/>
+          </a:xfrm>
+          <a:prstGeom prst="rightArrow">
+            <a:avLst/>
+          </a:prstGeom>
+        </p:spPr>
+        <p:style>
+          <a:lnRef idx="2">
+            <a:schemeClr val="accent1">
+              <a:shade val="50000"/>
+            </a:schemeClr>
+          </a:lnRef>
+          <a:fillRef idx="1">
+            <a:schemeClr val="accent1"/>
+          </a:fillRef>
+          <a:effectRef idx="0">
+            <a:schemeClr val="accent1"/>
+          </a:effectRef>
+          <a:fontRef idx="minor">
+            <a:schemeClr val="lt1"/>
+          </a:fontRef>
+        </p:style>
+        <p:txBody>
+          <a:bodyPr rtlCol="0" anchor="ctr"/>
+          <a:lstStyle/>
+          <a:p>
+            <a:pPr algn="ctr"/>
+            <a:endParaRPr lang="ko-KR" altLang="en-US"/>
+          </a:p>
+        </p:txBody>
+      </p:sp>
+      <p:sp>
+        <p:nvSpPr>
+          <p:cNvPr id="17" name="사각형: 둥근 모서리 16">
+            <a:extLst>
+              <a:ext uri="{FF2B5EF4-FFF2-40B4-BE49-F238E27FC236}">
+                <a16:creationId xmlns:a16="http://schemas.microsoft.com/office/drawing/2014/main" id="{5F46ABB4-6B50-4ABF-AB8B-D712820C9E46}"/>
+              </a:ext>
+            </a:extLst>
+          </p:cNvPr>
+          <p:cNvSpPr/>
+          <p:nvPr/>
+        </p:nvSpPr>
+        <p:spPr>
+          <a:xfrm>
+            <a:off x="4273878" y="3783676"/>
+            <a:ext cx="1368152" cy="648072"/>
+          </a:xfrm>
+          <a:prstGeom prst="roundRect">
+            <a:avLst/>
+          </a:prstGeom>
+        </p:spPr>
+        <p:style>
+          <a:lnRef idx="2">
+            <a:schemeClr val="accent1">
+              <a:shade val="50000"/>
+            </a:schemeClr>
+          </a:lnRef>
+          <a:fillRef idx="1">
+            <a:schemeClr val="accent1"/>
+          </a:fillRef>
+          <a:effectRef idx="0">
+            <a:schemeClr val="accent1"/>
+          </a:effectRef>
+          <a:fontRef idx="minor">
+            <a:schemeClr val="lt1"/>
+          </a:fontRef>
+        </p:style>
+        <p:txBody>
+          <a:bodyPr rtlCol="0" anchor="ctr"/>
+          <a:lstStyle/>
+          <a:p>
+            <a:pPr algn="ctr"/>
+            <a:r>
+              <a:rPr lang="ko-KR" altLang="en-US" dirty="0"/>
+              <a:t>제주아트센터 공연</a:t>
+            </a:r>
+          </a:p>
+        </p:txBody>
+      </p:sp>
+    </p:spTree>
+    <p:extLst>
+      <p:ext uri="{BB962C8B-B14F-4D97-AF65-F5344CB8AC3E}">
+        <p14:creationId xmlns:p14="http://schemas.microsoft.com/office/powerpoint/2010/main" val="3865455561"/>
+      </p:ext>
+    </p:extLst>
+  </p:cSld>
+  <p:clrMapOvr>
+    <a:masterClrMapping/>
+  </p:clrMapOvr>
+</p:sld>
+</file>
+
+<file path=ppt/slides/slide11.xml><?xml version="1.0" encoding="utf-8"?>
+<p:sld xmlns:a="http://schemas.openxmlformats.org/drawingml/2006/main" xmlns:r="http://schemas.openxmlformats.org/officeDocument/2006/relationships" xmlns:p="http://schemas.openxmlformats.org/presentationml/2006/main">
+  <p:cSld>
+    <p:spTree>
+      <p:nvGrpSpPr>
+        <p:cNvPr id="1" name=""/>
+        <p:cNvGrpSpPr/>
+        <p:nvPr/>
+      </p:nvGrpSpPr>
+      <p:grpSpPr>
+        <a:xfrm>
+          <a:off x="0" y="0"/>
+          <a:ext cx="0" cy="0"/>
+          <a:chOff x="0" y="0"/>
+          <a:chExt cx="0" cy="0"/>
+        </a:xfrm>
+      </p:grpSpPr>
+      <p:sp>
+        <p:nvSpPr>
+          <p:cNvPr id="2" name="제목 1"/>
+          <p:cNvSpPr>
+            <a:spLocks noGrp="1"/>
+          </p:cNvSpPr>
+          <p:nvPr>
+            <p:ph type="title"/>
+          </p:nvPr>
+        </p:nvSpPr>
+        <p:spPr/>
+        <p:txBody>
+          <a:bodyPr>
+            <a:normAutofit/>
+          </a:bodyPr>
+          <a:lstStyle/>
+          <a:p>
+            <a:r>
+              <a:rPr lang="en-US" altLang="ko-KR" dirty="0"/>
+              <a:t>5 </a:t>
+            </a:r>
+            <a:r>
+              <a:rPr lang="ko-KR" altLang="en-US" dirty="0"/>
+              <a:t>제주도 공연행사 정보</a:t>
+            </a:r>
+            <a:endParaRPr lang="en-US" altLang="ko-KR" dirty="0"/>
+          </a:p>
+        </p:txBody>
+      </p:sp>
+      <p:sp>
+        <p:nvSpPr>
+          <p:cNvPr id="3" name="직사각형 2"/>
+          <p:cNvSpPr/>
+          <p:nvPr/>
+        </p:nvSpPr>
+        <p:spPr>
+          <a:xfrm>
+            <a:off x="631740" y="1988840"/>
+            <a:ext cx="2356084" cy="3672408"/>
+          </a:xfrm>
+          <a:prstGeom prst="rect">
+            <a:avLst/>
+          </a:prstGeom>
+        </p:spPr>
+        <p:style>
+          <a:lnRef idx="2">
+            <a:schemeClr val="dk1"/>
+          </a:lnRef>
+          <a:fillRef idx="1">
+            <a:schemeClr val="lt1"/>
+          </a:fillRef>
+          <a:effectRef idx="0">
+            <a:schemeClr val="dk1"/>
+          </a:effectRef>
+          <a:fontRef idx="minor">
+            <a:schemeClr val="dk1"/>
+          </a:fontRef>
+        </p:style>
+        <p:txBody>
+          <a:bodyPr rtlCol="0" anchor="ctr"/>
+          <a:lstStyle/>
+          <a:p>
+            <a:pPr algn="ctr"/>
+            <a:endParaRPr lang="en-US" altLang="ko-KR" sz="1200" dirty="0"/>
+          </a:p>
+          <a:p>
+            <a:pPr algn="ctr"/>
+            <a:endParaRPr lang="en-US" altLang="ko-KR" sz="1200" dirty="0"/>
+          </a:p>
+          <a:p>
+            <a:pPr algn="ctr"/>
+            <a:endParaRPr lang="en-US" altLang="ko-KR" sz="1200" dirty="0"/>
+          </a:p>
+          <a:p>
+            <a:pPr algn="ctr"/>
+            <a:endParaRPr lang="en-US" altLang="ko-KR" sz="1200" dirty="0"/>
+          </a:p>
+          <a:p>
+            <a:pPr algn="ctr"/>
+            <a:endParaRPr lang="en-US" altLang="ko-KR" sz="1200" dirty="0"/>
+          </a:p>
+          <a:p>
+            <a:pPr algn="ctr"/>
+            <a:endParaRPr lang="en-US" altLang="ko-KR" sz="1200" dirty="0"/>
+          </a:p>
+          <a:p>
+            <a:pPr algn="ctr"/>
+            <a:endParaRPr lang="en-US" altLang="ko-KR" sz="1200" dirty="0"/>
+          </a:p>
+          <a:p>
+            <a:pPr algn="ctr"/>
+            <a:endParaRPr lang="en-US" altLang="ko-KR" sz="1200" dirty="0"/>
+          </a:p>
+          <a:p>
+            <a:pPr algn="ctr"/>
+            <a:r>
+              <a:rPr lang="ko-KR" altLang="en-US" sz="1200" dirty="0"/>
+              <a:t>정보입니다 정보입니다 </a:t>
+            </a:r>
+            <a:endParaRPr lang="en-US" altLang="ko-KR" sz="1200" dirty="0"/>
+          </a:p>
+          <a:p>
+            <a:pPr algn="ctr"/>
+            <a:r>
+              <a:rPr lang="ko-KR" altLang="en-US" sz="1200" dirty="0"/>
+              <a:t>정보입니다 </a:t>
+            </a:r>
+            <a:endParaRPr lang="en-US" altLang="ko-KR" sz="1200" dirty="0"/>
+          </a:p>
+          <a:p>
+            <a:pPr algn="ctr"/>
+            <a:r>
+              <a:rPr lang="ko-KR" altLang="en-US" sz="1200" dirty="0"/>
+              <a:t>정보입니다 </a:t>
+            </a:r>
+            <a:endParaRPr lang="en-US" altLang="ko-KR" sz="1200" dirty="0"/>
+          </a:p>
+          <a:p>
+            <a:pPr algn="ctr"/>
+            <a:r>
+              <a:rPr lang="ko-KR" altLang="en-US" sz="1200" dirty="0"/>
+              <a:t>정보입니다 </a:t>
+            </a:r>
+            <a:endParaRPr lang="en-US" altLang="ko-KR" sz="1200" dirty="0"/>
+          </a:p>
+          <a:p>
+            <a:pPr algn="ctr"/>
+            <a:endParaRPr lang="en-US" altLang="ko-KR" sz="1200" dirty="0"/>
+          </a:p>
+          <a:p>
+            <a:pPr algn="ctr"/>
+            <a:r>
+              <a:rPr lang="ko-KR" altLang="en-US" sz="1200" dirty="0"/>
+              <a:t>상세보기</a:t>
+            </a:r>
+            <a:endParaRPr lang="en-US" altLang="ko-KR" sz="1200" dirty="0"/>
+          </a:p>
+        </p:txBody>
+      </p:sp>
+      <p:sp>
+        <p:nvSpPr>
+          <p:cNvPr id="5" name="직사각형 4"/>
+          <p:cNvSpPr/>
+          <p:nvPr/>
+        </p:nvSpPr>
+        <p:spPr>
+          <a:xfrm>
+            <a:off x="755576" y="2060848"/>
+            <a:ext cx="2016224" cy="1296144"/>
+          </a:xfrm>
+          <a:prstGeom prst="rect">
+            <a:avLst/>
+          </a:prstGeom>
+        </p:spPr>
+        <p:style>
+          <a:lnRef idx="2">
+            <a:schemeClr val="accent1">
+              <a:shade val="50000"/>
+            </a:schemeClr>
+          </a:lnRef>
+          <a:fillRef idx="1">
+            <a:schemeClr val="accent1"/>
+          </a:fillRef>
+          <a:effectRef idx="0">
+            <a:schemeClr val="accent1"/>
+          </a:effectRef>
+          <a:fontRef idx="minor">
+            <a:schemeClr val="lt1"/>
+          </a:fontRef>
+        </p:style>
+        <p:txBody>
+          <a:bodyPr rtlCol="0" anchor="ctr"/>
+          <a:lstStyle/>
+          <a:p>
+            <a:pPr algn="ctr"/>
+            <a:r>
+              <a:rPr lang="en-US" altLang="ko-KR" sz="1100" dirty="0"/>
+              <a:t>[</a:t>
+            </a:r>
+            <a:r>
+              <a:rPr lang="ko-KR" altLang="en-US" sz="1100" dirty="0"/>
+              <a:t>달력임</a:t>
+            </a:r>
+            <a:r>
+              <a:rPr lang="en-US" altLang="ko-KR" sz="1100" dirty="0"/>
+              <a:t>]</a:t>
+            </a:r>
+          </a:p>
+          <a:p>
+            <a:pPr algn="ctr"/>
+            <a:endParaRPr lang="en-US" altLang="ko-KR" sz="1100" dirty="0"/>
+          </a:p>
+          <a:p>
+            <a:pPr algn="ctr"/>
+            <a:r>
+              <a:rPr lang="en-US" altLang="ko-KR" sz="1100" dirty="0"/>
+              <a:t>1</a:t>
+            </a:r>
+            <a:r>
+              <a:rPr lang="ko-KR" altLang="en-US" sz="1100" dirty="0"/>
+              <a:t> </a:t>
+            </a:r>
+            <a:r>
+              <a:rPr lang="en-US" altLang="ko-KR" sz="1100" dirty="0"/>
+              <a:t>2 3 4 5 6 7</a:t>
+            </a:r>
+          </a:p>
+          <a:p>
+            <a:pPr algn="ctr"/>
+            <a:r>
+              <a:rPr lang="en-US" altLang="ko-KR" sz="1100" dirty="0"/>
+              <a:t>8 9 0 1 2 3 4</a:t>
+            </a:r>
+          </a:p>
+          <a:p>
+            <a:pPr algn="ctr"/>
+            <a:r>
+              <a:rPr lang="en-US" altLang="ko-KR" sz="1100" dirty="0"/>
+              <a:t>5 6 7 8 9 0 1</a:t>
+            </a:r>
+          </a:p>
+          <a:p>
+            <a:pPr algn="ctr"/>
+            <a:r>
+              <a:rPr lang="en-US" altLang="ko-KR" sz="1100" dirty="0"/>
+              <a:t>. . .</a:t>
+            </a:r>
+          </a:p>
+        </p:txBody>
+      </p:sp>
+      <p:sp>
+        <p:nvSpPr>
+          <p:cNvPr id="6" name="왼쪽 화살표 설명선 5"/>
+          <p:cNvSpPr/>
+          <p:nvPr/>
+        </p:nvSpPr>
+        <p:spPr>
+          <a:xfrm>
+            <a:off x="2627784" y="1700808"/>
+            <a:ext cx="2088232" cy="1402218"/>
+          </a:xfrm>
+          <a:prstGeom prst="leftArrowCallout">
+            <a:avLst>
+              <a:gd name="adj1" fmla="val 8400"/>
+              <a:gd name="adj2" fmla="val 15778"/>
+              <a:gd name="adj3" fmla="val 14856"/>
+              <a:gd name="adj4" fmla="val 64977"/>
+            </a:avLst>
+          </a:prstGeom>
+        </p:spPr>
+        <p:style>
+          <a:lnRef idx="2">
+            <a:schemeClr val="accent3">
+              <a:shade val="50000"/>
+            </a:schemeClr>
+          </a:lnRef>
+          <a:fillRef idx="1">
+            <a:schemeClr val="accent3"/>
+          </a:fillRef>
+          <a:effectRef idx="0">
+            <a:schemeClr val="accent3"/>
+          </a:effectRef>
+          <a:fontRef idx="minor">
+            <a:schemeClr val="lt1"/>
+          </a:fontRef>
+        </p:style>
+        <p:txBody>
+          <a:bodyPr rtlCol="0" anchor="ctr"/>
+          <a:lstStyle/>
+          <a:p>
+            <a:pPr algn="ctr"/>
+            <a:r>
+              <a:rPr lang="ko-KR" altLang="en-US" sz="1200" dirty="0" err="1"/>
+              <a:t>댤력</a:t>
+            </a:r>
+            <a:r>
+              <a:rPr lang="ko-KR" altLang="en-US" sz="1200" dirty="0"/>
+              <a:t> 안에 정보 </a:t>
+            </a:r>
+            <a:r>
+              <a:rPr lang="ko-KR" altLang="en-US" sz="1200" dirty="0" err="1"/>
+              <a:t>있는날을</a:t>
+            </a:r>
+            <a:r>
+              <a:rPr lang="ko-KR" altLang="en-US" sz="1200" dirty="0"/>
+              <a:t> 색상으로 표기 및 </a:t>
+            </a:r>
+            <a:r>
+              <a:rPr lang="ko-KR" altLang="en-US" sz="1200" dirty="0" err="1"/>
+              <a:t>눌렀을때</a:t>
+            </a:r>
+            <a:r>
+              <a:rPr lang="ko-KR" altLang="en-US" sz="1200" dirty="0"/>
+              <a:t> </a:t>
+            </a:r>
+          </a:p>
+        </p:txBody>
+      </p:sp>
+      <p:sp>
+        <p:nvSpPr>
+          <p:cNvPr id="7" name="왼쪽 화살표 설명선 6"/>
+          <p:cNvSpPr/>
+          <p:nvPr/>
+        </p:nvSpPr>
+        <p:spPr>
+          <a:xfrm>
+            <a:off x="2627784" y="3212976"/>
+            <a:ext cx="2088232" cy="1402218"/>
+          </a:xfrm>
+          <a:prstGeom prst="leftArrowCallout">
+            <a:avLst>
+              <a:gd name="adj1" fmla="val 8400"/>
+              <a:gd name="adj2" fmla="val 15778"/>
+              <a:gd name="adj3" fmla="val 14856"/>
+              <a:gd name="adj4" fmla="val 64977"/>
+            </a:avLst>
+          </a:prstGeom>
+        </p:spPr>
+        <p:style>
+          <a:lnRef idx="2">
+            <a:schemeClr val="accent3">
+              <a:shade val="50000"/>
+            </a:schemeClr>
+          </a:lnRef>
+          <a:fillRef idx="1">
+            <a:schemeClr val="accent3"/>
+          </a:fillRef>
+          <a:effectRef idx="0">
+            <a:schemeClr val="accent3"/>
+          </a:effectRef>
+          <a:fontRef idx="minor">
+            <a:schemeClr val="lt1"/>
+          </a:fontRef>
+        </p:style>
+        <p:txBody>
+          <a:bodyPr rtlCol="0" anchor="ctr"/>
+          <a:lstStyle/>
+          <a:p>
+            <a:pPr algn="ctr"/>
+            <a:r>
+              <a:rPr lang="ko-KR" altLang="en-US" sz="1200" dirty="0"/>
+              <a:t>요기에 </a:t>
+            </a:r>
+            <a:r>
+              <a:rPr lang="ko-KR" altLang="en-US" sz="1200" dirty="0" err="1"/>
+              <a:t>정보나옴</a:t>
+            </a:r>
+            <a:r>
+              <a:rPr lang="ko-KR" altLang="en-US" sz="1200" dirty="0"/>
+              <a:t> </a:t>
+            </a:r>
+          </a:p>
+        </p:txBody>
+      </p:sp>
+      <p:sp>
+        <p:nvSpPr>
+          <p:cNvPr id="8" name="직사각형 7"/>
+          <p:cNvSpPr/>
+          <p:nvPr/>
+        </p:nvSpPr>
+        <p:spPr>
+          <a:xfrm>
+            <a:off x="1063788" y="4797152"/>
+            <a:ext cx="1491988" cy="432048"/>
+          </a:xfrm>
+          <a:prstGeom prst="rect">
+            <a:avLst/>
+          </a:prstGeom>
+          <a:noFill/>
+        </p:spPr>
+        <p:style>
+          <a:lnRef idx="2">
+            <a:schemeClr val="dk1"/>
+          </a:lnRef>
+          <a:fillRef idx="1">
+            <a:schemeClr val="lt1"/>
+          </a:fillRef>
+          <a:effectRef idx="0">
+            <a:schemeClr val="dk1"/>
+          </a:effectRef>
+          <a:fontRef idx="minor">
+            <a:schemeClr val="dk1"/>
+          </a:fontRef>
+        </p:style>
+        <p:txBody>
+          <a:bodyPr rtlCol="0" anchor="ctr"/>
+          <a:lstStyle/>
+          <a:p>
+            <a:pPr algn="ctr"/>
+            <a:endParaRPr lang="ko-KR" altLang="en-US"/>
+          </a:p>
+        </p:txBody>
+      </p:sp>
+      <p:sp>
+        <p:nvSpPr>
+          <p:cNvPr id="9" name="왼쪽 화살표 설명선 8"/>
+          <p:cNvSpPr/>
+          <p:nvPr/>
+        </p:nvSpPr>
+        <p:spPr>
+          <a:xfrm>
+            <a:off x="2592261" y="4789334"/>
+            <a:ext cx="2088232" cy="754146"/>
+          </a:xfrm>
+          <a:prstGeom prst="leftArrowCallout">
+            <a:avLst>
+              <a:gd name="adj1" fmla="val 8400"/>
+              <a:gd name="adj2" fmla="val 15778"/>
+              <a:gd name="adj3" fmla="val 14856"/>
+              <a:gd name="adj4" fmla="val 64977"/>
+            </a:avLst>
+          </a:prstGeom>
+        </p:spPr>
+        <p:style>
+          <a:lnRef idx="2">
+            <a:schemeClr val="accent3">
+              <a:shade val="50000"/>
+            </a:schemeClr>
+          </a:lnRef>
+          <a:fillRef idx="1">
+            <a:schemeClr val="accent3"/>
+          </a:fillRef>
+          <a:effectRef idx="0">
+            <a:schemeClr val="accent3"/>
+          </a:effectRef>
+          <a:fontRef idx="minor">
+            <a:schemeClr val="lt1"/>
+          </a:fontRef>
+        </p:style>
+        <p:txBody>
+          <a:bodyPr rtlCol="0" anchor="ctr"/>
+          <a:lstStyle/>
+          <a:p>
+            <a:pPr algn="ctr"/>
+            <a:r>
+              <a:rPr lang="ko-KR" altLang="en-US" sz="1200" dirty="0"/>
+              <a:t>상세보기로 </a:t>
+            </a:r>
+            <a:r>
+              <a:rPr lang="en-US" altLang="ko-KR" sz="1200" dirty="0"/>
+              <a:t>&gt; </a:t>
+            </a:r>
+            <a:endParaRPr lang="ko-KR" altLang="en-US" sz="1200" dirty="0"/>
+          </a:p>
+        </p:txBody>
+      </p:sp>
+      <p:sp>
+        <p:nvSpPr>
+          <p:cNvPr id="10" name="직사각형 9"/>
+          <p:cNvSpPr/>
+          <p:nvPr/>
+        </p:nvSpPr>
+        <p:spPr>
+          <a:xfrm>
+            <a:off x="5724128" y="1988840"/>
+            <a:ext cx="2356084" cy="3672408"/>
+          </a:xfrm>
+          <a:prstGeom prst="rect">
+            <a:avLst/>
+          </a:prstGeom>
+        </p:spPr>
+        <p:style>
+          <a:lnRef idx="2">
+            <a:schemeClr val="dk1"/>
+          </a:lnRef>
+          <a:fillRef idx="1">
+            <a:schemeClr val="lt1"/>
+          </a:fillRef>
+          <a:effectRef idx="0">
+            <a:schemeClr val="dk1"/>
+          </a:effectRef>
+          <a:fontRef idx="minor">
+            <a:schemeClr val="dk1"/>
+          </a:fontRef>
+        </p:style>
+        <p:txBody>
+          <a:bodyPr rtlCol="0" anchor="ctr"/>
+          <a:lstStyle/>
+          <a:p>
+            <a:pPr algn="ctr"/>
+            <a:r>
+              <a:rPr lang="ko-KR" altLang="en-US" sz="1200" dirty="0"/>
+              <a:t>정보 제목</a:t>
+            </a:r>
+            <a:endParaRPr lang="en-US" altLang="ko-KR" sz="1200" dirty="0"/>
+          </a:p>
+          <a:p>
+            <a:pPr algn="ctr"/>
+            <a:endParaRPr lang="en-US" altLang="ko-KR" sz="1200" dirty="0"/>
+          </a:p>
+          <a:p>
+            <a:pPr algn="ctr"/>
+            <a:endParaRPr lang="en-US" altLang="ko-KR" sz="1200" dirty="0"/>
+          </a:p>
+          <a:p>
+            <a:pPr algn="ctr"/>
+            <a:r>
+              <a:rPr lang="ko-KR" altLang="en-US" sz="1200" dirty="0"/>
+              <a:t>정보내용</a:t>
+            </a:r>
+            <a:endParaRPr lang="en-US" altLang="ko-KR" sz="1200" dirty="0"/>
+          </a:p>
+          <a:p>
+            <a:pPr algn="ctr"/>
+            <a:endParaRPr lang="en-US" altLang="ko-KR" sz="1200" dirty="0"/>
+          </a:p>
+          <a:p>
+            <a:pPr algn="ctr"/>
+            <a:endParaRPr lang="en-US" altLang="ko-KR" sz="1200" dirty="0"/>
+          </a:p>
+          <a:p>
+            <a:pPr algn="ctr"/>
+            <a:r>
+              <a:rPr lang="ko-KR" altLang="en-US" sz="1200" dirty="0"/>
+              <a:t>관련 위치</a:t>
+            </a:r>
+            <a:r>
+              <a:rPr lang="en-US" altLang="ko-KR" sz="1200" dirty="0"/>
+              <a:t>?</a:t>
+            </a:r>
+          </a:p>
+          <a:p>
+            <a:pPr algn="ctr"/>
+            <a:r>
+              <a:rPr lang="ko-KR" altLang="en-US" sz="1200" dirty="0"/>
+              <a:t>관련 링크</a:t>
+            </a:r>
+            <a:r>
+              <a:rPr lang="en-US" altLang="ko-KR" sz="1200" dirty="0"/>
+              <a:t>?</a:t>
+            </a:r>
+          </a:p>
+        </p:txBody>
+      </p:sp>
+    </p:spTree>
+    <p:extLst>
+      <p:ext uri="{BB962C8B-B14F-4D97-AF65-F5344CB8AC3E}">
+        <p14:creationId xmlns:p14="http://schemas.microsoft.com/office/powerpoint/2010/main" val="58792400"/>
+      </p:ext>
+    </p:extLst>
+  </p:cSld>
+  <p:clrMapOvr>
+    <a:masterClrMapping/>
+  </p:clrMapOvr>
+</p:sld>
+</file>
+
+<file path=ppt/slides/slide12.xml><?xml version="1.0" encoding="utf-8"?>
+<p:sld xmlns:a="http://schemas.openxmlformats.org/drawingml/2006/main" xmlns:r="http://schemas.openxmlformats.org/officeDocument/2006/relationships" xmlns:p="http://schemas.openxmlformats.org/presentationml/2006/main">
+  <p:cSld>
+    <p:spTree>
+      <p:nvGrpSpPr>
+        <p:cNvPr id="1" name=""/>
+        <p:cNvGrpSpPr/>
+        <p:nvPr/>
+      </p:nvGrpSpPr>
+      <p:grpSpPr>
+        <a:xfrm>
+          <a:off x="0" y="0"/>
+          <a:ext cx="0" cy="0"/>
+          <a:chOff x="0" y="0"/>
+          <a:chExt cx="0" cy="0"/>
+        </a:xfrm>
+      </p:grpSpPr>
+      <p:sp>
+        <p:nvSpPr>
+          <p:cNvPr id="2" name="제목 1"/>
+          <p:cNvSpPr>
+            <a:spLocks noGrp="1"/>
+          </p:cNvSpPr>
+          <p:nvPr>
+            <p:ph type="title"/>
+          </p:nvPr>
+        </p:nvSpPr>
+        <p:spPr/>
+        <p:txBody>
+          <a:bodyPr>
             <a:normAutofit fontScale="90000"/>
           </a:bodyPr>
           <a:lstStyle/>
@@ -3492,7 +4642,7 @@
 </p:sld>
 </file>
 
-<file path=ppt/slides/slide11.xml><?xml version="1.0" encoding="utf-8"?>
+<file path=ppt/slides/slide13.xml><?xml version="1.0" encoding="utf-8"?>
 <p:sld xmlns:a="http://schemas.openxmlformats.org/drawingml/2006/main" xmlns:r="http://schemas.openxmlformats.org/officeDocument/2006/relationships" xmlns:p="http://schemas.openxmlformats.org/presentationml/2006/main">
   <p:cSld>
     <p:spTree>
@@ -4013,7 +5163,7 @@
 </p:sld>
 </file>
 
-<file path=ppt/slides/slide12.xml><?xml version="1.0" encoding="utf-8"?>
+<file path=ppt/slides/slide14.xml><?xml version="1.0" encoding="utf-8"?>
 <p:sld xmlns:a="http://schemas.openxmlformats.org/drawingml/2006/main" xmlns:r="http://schemas.openxmlformats.org/officeDocument/2006/relationships" xmlns:p="http://schemas.openxmlformats.org/presentationml/2006/main">
   <p:cSld>
     <p:spTree>
@@ -6449,7 +7599,7 @@
             </a:r>
             <a:r>
               <a:rPr lang="ko-KR" altLang="en-US" dirty="0"/>
-              <a:t> 제주시 문화축제현황 정보</a:t>
+              <a:t> 제주도 문화축제현황 정보</a:t>
             </a:r>
             <a:endParaRPr lang="en-US" altLang="ko-KR" dirty="0"/>
           </a:p>
@@ -6525,7 +7675,7 @@
         </p:nvSpPr>
         <p:spPr>
           <a:xfrm>
-            <a:off x="5383876" y="1988840"/>
+            <a:off x="3779912" y="1988840"/>
             <a:ext cx="2356084" cy="3672408"/>
           </a:xfrm>
           <a:prstGeom prst="rect">
@@ -6563,26 +7713,6 @@
           </a:p>
           <a:p>
             <a:pPr algn="ctr"/>
-            <a:endParaRPr lang="en-US" altLang="ko-KR" sz="1200" dirty="0"/>
-          </a:p>
-          <a:p>
-            <a:pPr algn="ctr"/>
-            <a:endParaRPr lang="en-US" altLang="ko-KR" sz="1200" dirty="0"/>
-          </a:p>
-          <a:p>
-            <a:pPr algn="ctr"/>
-            <a:r>
-              <a:rPr lang="en-US" altLang="ko-KR" sz="1200" dirty="0" err="1"/>
-              <a:t>ListView</a:t>
-            </a:r>
-            <a:endParaRPr lang="en-US" altLang="ko-KR" sz="1200" dirty="0"/>
-          </a:p>
-          <a:p>
-            <a:pPr algn="ctr"/>
-            <a:r>
-              <a:rPr lang="ko-KR" altLang="en-US" sz="1200" dirty="0"/>
-              <a:t>출력</a:t>
-            </a:r>
             <a:endParaRPr lang="en-US" altLang="ko-KR" sz="1200" dirty="0"/>
           </a:p>
         </p:txBody>
@@ -6699,8 +7829,8 @@
         </p:nvSpPr>
         <p:spPr>
           <a:xfrm>
-            <a:off x="3681794" y="3296671"/>
-            <a:ext cx="1008112" cy="792088"/>
+            <a:off x="3131840" y="3320988"/>
+            <a:ext cx="504056" cy="792088"/>
           </a:xfrm>
           <a:prstGeom prst="rightArrow">
             <a:avLst/>
@@ -6745,7 +7875,7 @@
         </p:nvSpPr>
         <p:spPr>
           <a:xfrm>
-            <a:off x="5383876" y="1988840"/>
+            <a:off x="3779912" y="1988840"/>
             <a:ext cx="2356476" cy="576064"/>
           </a:xfrm>
           <a:prstGeom prst="rect">
@@ -6774,13 +7904,287 @@
           <a:p>
             <a:pPr algn="ctr"/>
             <a:r>
+              <a:rPr lang="ko-KR" altLang="en-US" dirty="0"/>
+              <a:t>제주시</a:t>
+            </a:r>
+          </a:p>
+        </p:txBody>
+      </p:sp>
+      <p:sp>
+        <p:nvSpPr>
+          <p:cNvPr id="9" name="직사각형 8">
+            <a:extLst>
+              <a:ext uri="{FF2B5EF4-FFF2-40B4-BE49-F238E27FC236}">
+                <a16:creationId xmlns:a16="http://schemas.microsoft.com/office/drawing/2014/main" id="{70BA56C3-98F2-47F6-9C9F-47D46C5463E6}"/>
+              </a:ext>
+            </a:extLst>
+          </p:cNvPr>
+          <p:cNvSpPr/>
+          <p:nvPr/>
+        </p:nvSpPr>
+        <p:spPr>
+          <a:xfrm>
+            <a:off x="6660232" y="1970653"/>
+            <a:ext cx="2356084" cy="3672408"/>
+          </a:xfrm>
+          <a:prstGeom prst="rect">
+            <a:avLst/>
+          </a:prstGeom>
+        </p:spPr>
+        <p:style>
+          <a:lnRef idx="2">
+            <a:schemeClr val="dk1"/>
+          </a:lnRef>
+          <a:fillRef idx="1">
+            <a:schemeClr val="lt1"/>
+          </a:fillRef>
+          <a:effectRef idx="0">
+            <a:schemeClr val="dk1"/>
+          </a:effectRef>
+          <a:fontRef idx="minor">
+            <a:schemeClr val="dk1"/>
+          </a:fontRef>
+        </p:style>
+        <p:txBody>
+          <a:bodyPr rtlCol="0" anchor="ctr"/>
+          <a:lstStyle/>
+          <a:p>
+            <a:pPr algn="ctr"/>
+            <a:endParaRPr lang="en-US" altLang="ko-KR" sz="1200" dirty="0"/>
+          </a:p>
+          <a:p>
+            <a:pPr algn="ctr"/>
+            <a:endParaRPr lang="en-US" altLang="ko-KR" sz="1200" dirty="0"/>
+          </a:p>
+          <a:p>
+            <a:pPr algn="ctr"/>
+            <a:endParaRPr lang="en-US" altLang="ko-KR" sz="1200" dirty="0"/>
+          </a:p>
+          <a:p>
+            <a:pPr algn="ctr"/>
+            <a:endParaRPr lang="en-US" altLang="ko-KR" sz="1200" dirty="0"/>
+          </a:p>
+          <a:p>
+            <a:pPr algn="ctr"/>
+            <a:endParaRPr lang="en-US" altLang="ko-KR" sz="1200" dirty="0"/>
+          </a:p>
+          <a:p>
+            <a:pPr algn="ctr"/>
+            <a:r>
+              <a:rPr lang="en-US" altLang="ko-KR" sz="1200" dirty="0" err="1"/>
+              <a:t>ListView</a:t>
+            </a:r>
+            <a:endParaRPr lang="en-US" altLang="ko-KR" sz="1200" dirty="0"/>
+          </a:p>
+          <a:p>
+            <a:pPr algn="ctr"/>
+            <a:r>
+              <a:rPr lang="ko-KR" altLang="en-US" sz="1200" dirty="0"/>
+              <a:t>출력</a:t>
+            </a:r>
+            <a:endParaRPr lang="en-US" altLang="ko-KR" sz="1200" dirty="0"/>
+          </a:p>
+        </p:txBody>
+      </p:sp>
+      <p:sp>
+        <p:nvSpPr>
+          <p:cNvPr id="12" name="직사각형 11">
+            <a:extLst>
+              <a:ext uri="{FF2B5EF4-FFF2-40B4-BE49-F238E27FC236}">
+                <a16:creationId xmlns:a16="http://schemas.microsoft.com/office/drawing/2014/main" id="{93CF9267-43D6-4CA0-B656-A7374DE587F9}"/>
+              </a:ext>
+            </a:extLst>
+          </p:cNvPr>
+          <p:cNvSpPr/>
+          <p:nvPr/>
+        </p:nvSpPr>
+        <p:spPr>
+          <a:xfrm>
+            <a:off x="6660232" y="1970653"/>
+            <a:ext cx="2356476" cy="576064"/>
+          </a:xfrm>
+          <a:prstGeom prst="rect">
+            <a:avLst/>
+          </a:prstGeom>
+        </p:spPr>
+        <p:style>
+          <a:lnRef idx="2">
+            <a:schemeClr val="accent1">
+              <a:shade val="50000"/>
+            </a:schemeClr>
+          </a:lnRef>
+          <a:fillRef idx="1">
+            <a:schemeClr val="accent1"/>
+          </a:fillRef>
+          <a:effectRef idx="0">
+            <a:schemeClr val="accent1"/>
+          </a:effectRef>
+          <a:fontRef idx="minor">
+            <a:schemeClr val="lt1"/>
+          </a:fontRef>
+        </p:style>
+        <p:txBody>
+          <a:bodyPr rtlCol="0" anchor="ctr"/>
+          <a:lstStyle/>
+          <a:p>
+            <a:pPr algn="ctr"/>
+            <a:r>
+              <a:rPr lang="ko-KR" altLang="en-US" dirty="0"/>
+              <a:t>버튼이름</a:t>
+            </a:r>
+          </a:p>
+        </p:txBody>
+      </p:sp>
+      <p:sp>
+        <p:nvSpPr>
+          <p:cNvPr id="13" name="화살표: 오른쪽 12">
+            <a:extLst>
+              <a:ext uri="{FF2B5EF4-FFF2-40B4-BE49-F238E27FC236}">
+                <a16:creationId xmlns:a16="http://schemas.microsoft.com/office/drawing/2014/main" id="{FEFF20A3-7D9F-465D-9260-EFF6397B6633}"/>
+              </a:ext>
+            </a:extLst>
+          </p:cNvPr>
+          <p:cNvSpPr/>
+          <p:nvPr/>
+        </p:nvSpPr>
+        <p:spPr>
+          <a:xfrm>
+            <a:off x="6156176" y="3410813"/>
+            <a:ext cx="504056" cy="792088"/>
+          </a:xfrm>
+          <a:prstGeom prst="rightArrow">
+            <a:avLst/>
+          </a:prstGeom>
+        </p:spPr>
+        <p:style>
+          <a:lnRef idx="2">
+            <a:schemeClr val="accent1">
+              <a:shade val="50000"/>
+            </a:schemeClr>
+          </a:lnRef>
+          <a:fillRef idx="1">
+            <a:schemeClr val="accent1"/>
+          </a:fillRef>
+          <a:effectRef idx="0">
+            <a:schemeClr val="accent1"/>
+          </a:effectRef>
+          <a:fontRef idx="minor">
+            <a:schemeClr val="lt1"/>
+          </a:fontRef>
+        </p:style>
+        <p:txBody>
+          <a:bodyPr rtlCol="0" anchor="ctr"/>
+          <a:lstStyle/>
+          <a:p>
+            <a:pPr algn="ctr"/>
+            <a:endParaRPr lang="ko-KR" altLang="en-US"/>
+          </a:p>
+        </p:txBody>
+      </p:sp>
+      <p:sp>
+        <p:nvSpPr>
+          <p:cNvPr id="16" name="사각형: 둥근 모서리 15">
+            <a:extLst>
+              <a:ext uri="{FF2B5EF4-FFF2-40B4-BE49-F238E27FC236}">
+                <a16:creationId xmlns:a16="http://schemas.microsoft.com/office/drawing/2014/main" id="{C53D6346-D622-484E-B676-64888D89F1BA}"/>
+              </a:ext>
+            </a:extLst>
+          </p:cNvPr>
+          <p:cNvSpPr/>
+          <p:nvPr/>
+        </p:nvSpPr>
+        <p:spPr>
+          <a:xfrm>
+            <a:off x="4273878" y="2996952"/>
+            <a:ext cx="1368152" cy="648072"/>
+          </a:xfrm>
+          <a:prstGeom prst="roundRect">
+            <a:avLst/>
+          </a:prstGeom>
+        </p:spPr>
+        <p:style>
+          <a:lnRef idx="2">
+            <a:schemeClr val="accent1">
+              <a:shade val="50000"/>
+            </a:schemeClr>
+          </a:lnRef>
+          <a:fillRef idx="1">
+            <a:schemeClr val="accent1"/>
+          </a:fillRef>
+          <a:effectRef idx="0">
+            <a:schemeClr val="accent1"/>
+          </a:effectRef>
+          <a:fontRef idx="minor">
+            <a:schemeClr val="lt1"/>
+          </a:fontRef>
+        </p:style>
+        <p:txBody>
+          <a:bodyPr rtlCol="0" anchor="ctr"/>
+          <a:lstStyle/>
+          <a:p>
+            <a:pPr algn="ctr"/>
+            <a:r>
+              <a:rPr lang="ko-KR" altLang="en-US" dirty="0"/>
+              <a:t>축제</a:t>
+            </a:r>
+            <a:r>
               <a:rPr lang="en-US" altLang="ko-KR" dirty="0"/>
-              <a:t>XX</a:t>
+              <a:t>/</a:t>
             </a:r>
             <a:r>
               <a:rPr lang="ko-KR" altLang="en-US" dirty="0"/>
-              <a:t>시</a:t>
-            </a:r>
+              <a:t>행사</a:t>
+            </a:r>
+          </a:p>
+        </p:txBody>
+      </p:sp>
+      <p:sp>
+        <p:nvSpPr>
+          <p:cNvPr id="18" name="사각형: 둥근 모서리 17">
+            <a:extLst>
+              <a:ext uri="{FF2B5EF4-FFF2-40B4-BE49-F238E27FC236}">
+                <a16:creationId xmlns:a16="http://schemas.microsoft.com/office/drawing/2014/main" id="{7B1D9AB3-3993-4A19-A0C4-DA870A2DBC5C}"/>
+              </a:ext>
+            </a:extLst>
+          </p:cNvPr>
+          <p:cNvSpPr/>
+          <p:nvPr/>
+        </p:nvSpPr>
+        <p:spPr>
+          <a:xfrm>
+            <a:off x="4273878" y="4005064"/>
+            <a:ext cx="1368152" cy="648072"/>
+          </a:xfrm>
+          <a:prstGeom prst="roundRect">
+            <a:avLst/>
+          </a:prstGeom>
+        </p:spPr>
+        <p:style>
+          <a:lnRef idx="2">
+            <a:schemeClr val="accent1">
+              <a:shade val="50000"/>
+            </a:schemeClr>
+          </a:lnRef>
+          <a:fillRef idx="1">
+            <a:schemeClr val="accent1"/>
+          </a:fillRef>
+          <a:effectRef idx="0">
+            <a:schemeClr val="accent1"/>
+          </a:effectRef>
+          <a:fontRef idx="minor">
+            <a:schemeClr val="lt1"/>
+          </a:fontRef>
+        </p:style>
+        <p:txBody>
+          <a:bodyPr rtlCol="0" anchor="ctr"/>
+          <a:lstStyle/>
+          <a:p>
+            <a:pPr algn="ctr"/>
+            <a:r>
+              <a:rPr lang="ko-KR" altLang="en-US" dirty="0" err="1"/>
+              <a:t>문화예술의거리</a:t>
+            </a:r>
+            <a:endParaRPr lang="ko-KR" altLang="en-US" dirty="0"/>
           </a:p>
         </p:txBody>
       </p:sp>
@@ -6826,18 +8230,16 @@
         </p:nvSpPr>
         <p:spPr/>
         <p:txBody>
-          <a:bodyPr>
-            <a:normAutofit/>
-          </a:bodyPr>
+          <a:bodyPr/>
           <a:lstStyle/>
           <a:p>
             <a:r>
               <a:rPr lang="en-US" altLang="ko-KR" dirty="0"/>
-              <a:t>5 </a:t>
+              <a:t>4</a:t>
             </a:r>
             <a:r>
               <a:rPr lang="ko-KR" altLang="en-US" dirty="0"/>
-              <a:t>제주시 공연행사 정보</a:t>
+              <a:t> 제주도 문화축제현황 정보</a:t>
             </a:r>
             <a:endParaRPr lang="en-US" altLang="ko-KR" dirty="0"/>
           </a:p>
@@ -6903,68 +8305,26 @@
             <a:pPr algn="ctr"/>
             <a:endParaRPr lang="en-US" altLang="ko-KR" sz="1200" dirty="0"/>
           </a:p>
-          <a:p>
-            <a:pPr algn="ctr"/>
-            <a:endParaRPr lang="en-US" altLang="ko-KR" sz="1200" dirty="0"/>
-          </a:p>
-          <a:p>
-            <a:pPr algn="ctr"/>
-            <a:r>
-              <a:rPr lang="ko-KR" altLang="en-US" sz="1200" dirty="0"/>
-              <a:t>정보입니다 정보입니다 </a:t>
-            </a:r>
-            <a:endParaRPr lang="en-US" altLang="ko-KR" sz="1200" dirty="0"/>
-          </a:p>
-          <a:p>
-            <a:pPr algn="ctr"/>
-            <a:r>
-              <a:rPr lang="ko-KR" altLang="en-US" sz="1200" dirty="0"/>
-              <a:t>정보입니다 </a:t>
-            </a:r>
-            <a:endParaRPr lang="en-US" altLang="ko-KR" sz="1200" dirty="0"/>
-          </a:p>
-          <a:p>
-            <a:pPr algn="ctr"/>
-            <a:r>
-              <a:rPr lang="ko-KR" altLang="en-US" sz="1200" dirty="0"/>
-              <a:t>정보입니다 </a:t>
-            </a:r>
-            <a:endParaRPr lang="en-US" altLang="ko-KR" sz="1200" dirty="0"/>
-          </a:p>
-          <a:p>
-            <a:pPr algn="ctr"/>
-            <a:r>
-              <a:rPr lang="ko-KR" altLang="en-US" sz="1200" dirty="0"/>
-              <a:t>정보입니다 </a:t>
-            </a:r>
-            <a:endParaRPr lang="en-US" altLang="ko-KR" sz="1200" dirty="0"/>
-          </a:p>
-          <a:p>
-            <a:pPr algn="ctr"/>
-            <a:endParaRPr lang="en-US" altLang="ko-KR" sz="1200" dirty="0"/>
-          </a:p>
-          <a:p>
-            <a:pPr algn="ctr"/>
-            <a:r>
-              <a:rPr lang="ko-KR" altLang="en-US" sz="1200" dirty="0"/>
-              <a:t>상세보기</a:t>
-            </a:r>
-            <a:endParaRPr lang="en-US" altLang="ko-KR" sz="1200" dirty="0"/>
-          </a:p>
-        </p:txBody>
-      </p:sp>
-      <p:sp>
-        <p:nvSpPr>
-          <p:cNvPr id="5" name="직사각형 4"/>
+        </p:txBody>
+      </p:sp>
+      <p:sp>
+        <p:nvSpPr>
+          <p:cNvPr id="4" name="사각형: 둥근 모서리 3">
+            <a:extLst>
+              <a:ext uri="{FF2B5EF4-FFF2-40B4-BE49-F238E27FC236}">
+                <a16:creationId xmlns:a16="http://schemas.microsoft.com/office/drawing/2014/main" id="{627A04A8-4570-41F1-9635-3442F24D9C26}"/>
+              </a:ext>
+            </a:extLst>
+          </p:cNvPr>
           <p:cNvSpPr/>
           <p:nvPr/>
         </p:nvSpPr>
         <p:spPr>
           <a:xfrm>
-            <a:off x="755576" y="2060848"/>
-            <a:ext cx="2016224" cy="1296144"/>
-          </a:xfrm>
-          <a:prstGeom prst="rect">
+            <a:off x="1115616" y="3068960"/>
+            <a:ext cx="1368152" cy="648072"/>
+          </a:xfrm>
+          <a:prstGeom prst="roundRect">
             <a:avLst/>
           </a:prstGeom>
         </p:spPr>
@@ -6990,91 +8350,44 @@
           <a:p>
             <a:pPr algn="ctr"/>
             <a:r>
-              <a:rPr lang="en-US" altLang="ko-KR" sz="1100" dirty="0"/>
-              <a:t>[</a:t>
-            </a:r>
-            <a:r>
-              <a:rPr lang="ko-KR" altLang="en-US" sz="1100" dirty="0"/>
-              <a:t>달력임</a:t>
-            </a:r>
-            <a:r>
-              <a:rPr lang="en-US" altLang="ko-KR" sz="1100" dirty="0"/>
-              <a:t>]</a:t>
-            </a:r>
-          </a:p>
-          <a:p>
-            <a:pPr algn="ctr"/>
-            <a:endParaRPr lang="en-US" altLang="ko-KR" sz="1100" dirty="0"/>
-          </a:p>
-          <a:p>
-            <a:pPr algn="ctr"/>
-            <a:r>
-              <a:rPr lang="en-US" altLang="ko-KR" sz="1100" dirty="0"/>
-              <a:t>1</a:t>
-            </a:r>
-            <a:r>
-              <a:rPr lang="ko-KR" altLang="en-US" sz="1100" dirty="0"/>
-              <a:t> </a:t>
-            </a:r>
-            <a:r>
-              <a:rPr lang="en-US" altLang="ko-KR" sz="1100" dirty="0"/>
-              <a:t>2 3 4 5 6 7</a:t>
-            </a:r>
-          </a:p>
-          <a:p>
-            <a:pPr algn="ctr"/>
-            <a:r>
-              <a:rPr lang="en-US" altLang="ko-KR" sz="1100" dirty="0"/>
-              <a:t>8 9 0 1 2 3 4</a:t>
-            </a:r>
-          </a:p>
-          <a:p>
-            <a:pPr algn="ctr"/>
-            <a:r>
-              <a:rPr lang="en-US" altLang="ko-KR" sz="1100" dirty="0"/>
-              <a:t>5 6 7 8 9 0 1</a:t>
-            </a:r>
-          </a:p>
-          <a:p>
-            <a:pPr algn="ctr"/>
-            <a:r>
-              <a:rPr lang="en-US" altLang="ko-KR" sz="1100" dirty="0"/>
-              <a:t>. . .</a:t>
-            </a:r>
-          </a:p>
-        </p:txBody>
-      </p:sp>
-      <p:sp>
-        <p:nvSpPr>
-          <p:cNvPr id="6" name="왼쪽 화살표 설명선 5"/>
+              <a:rPr lang="ko-KR" altLang="en-US" dirty="0"/>
+              <a:t>제주시</a:t>
+            </a:r>
+          </a:p>
+        </p:txBody>
+      </p:sp>
+      <p:sp>
+        <p:nvSpPr>
+          <p:cNvPr id="11" name="사각형: 둥근 모서리 10">
+            <a:extLst>
+              <a:ext uri="{FF2B5EF4-FFF2-40B4-BE49-F238E27FC236}">
+                <a16:creationId xmlns:a16="http://schemas.microsoft.com/office/drawing/2014/main" id="{F4C61916-CEF5-482E-9123-18AB5296C628}"/>
+              </a:ext>
+            </a:extLst>
+          </p:cNvPr>
           <p:cNvSpPr/>
           <p:nvPr/>
         </p:nvSpPr>
         <p:spPr>
           <a:xfrm>
-            <a:off x="2627784" y="1700808"/>
-            <a:ext cx="2088232" cy="1402218"/>
-          </a:xfrm>
-          <a:prstGeom prst="leftArrowCallout">
-            <a:avLst>
-              <a:gd name="adj1" fmla="val 8400"/>
-              <a:gd name="adj2" fmla="val 15778"/>
-              <a:gd name="adj3" fmla="val 14856"/>
-              <a:gd name="adj4" fmla="val 64977"/>
-            </a:avLst>
+            <a:off x="1115616" y="4127801"/>
+            <a:ext cx="1368152" cy="648072"/>
+          </a:xfrm>
+          <a:prstGeom prst="roundRect">
+            <a:avLst/>
           </a:prstGeom>
         </p:spPr>
         <p:style>
           <a:lnRef idx="2">
-            <a:schemeClr val="accent3">
+            <a:schemeClr val="accent1">
               <a:shade val="50000"/>
             </a:schemeClr>
           </a:lnRef>
           <a:fillRef idx="1">
-            <a:schemeClr val="accent3"/>
+            <a:schemeClr val="accent1"/>
           </a:fillRef>
           <a:effectRef idx="0">
-            <a:schemeClr val="accent3"/>
+            <a:schemeClr val="accent1"/>
           </a:effectRef>
           <a:fontRef idx="minor">
             <a:schemeClr val="lt1"/>
@@ -7086,63 +8399,44 @@
           <a:p>
             <a:pPr algn="ctr"/>
             <a:r>
-              <a:rPr lang="ko-KR" altLang="en-US" sz="1200" dirty="0" err="1"/>
-              <a:t>댤력</a:t>
-            </a:r>
-            <a:r>
-              <a:rPr lang="ko-KR" altLang="en-US" sz="1200" dirty="0"/>
-              <a:t> 안에 정보 </a:t>
-            </a:r>
-            <a:r>
-              <a:rPr lang="ko-KR" altLang="en-US" sz="1200" dirty="0" err="1"/>
-              <a:t>있는날을</a:t>
-            </a:r>
-            <a:r>
-              <a:rPr lang="ko-KR" altLang="en-US" sz="1200" dirty="0"/>
-              <a:t> 색상으로 표기 및 </a:t>
-            </a:r>
-            <a:r>
-              <a:rPr lang="ko-KR" altLang="en-US" sz="1200" dirty="0" err="1"/>
-              <a:t>눌렀을때</a:t>
-            </a:r>
-            <a:r>
-              <a:rPr lang="ko-KR" altLang="en-US" sz="1200" dirty="0"/>
-              <a:t> </a:t>
-            </a:r>
-          </a:p>
-        </p:txBody>
-      </p:sp>
-      <p:sp>
-        <p:nvSpPr>
-          <p:cNvPr id="7" name="왼쪽 화살표 설명선 6"/>
+              <a:rPr lang="ko-KR" altLang="en-US" dirty="0"/>
+              <a:t>서귀포시</a:t>
+            </a:r>
+          </a:p>
+        </p:txBody>
+      </p:sp>
+      <p:sp>
+        <p:nvSpPr>
+          <p:cNvPr id="14" name="화살표: 오른쪽 13">
+            <a:extLst>
+              <a:ext uri="{FF2B5EF4-FFF2-40B4-BE49-F238E27FC236}">
+                <a16:creationId xmlns:a16="http://schemas.microsoft.com/office/drawing/2014/main" id="{A2D6D81C-1A7D-4E57-B0B6-CBE3610A2A59}"/>
+              </a:ext>
+            </a:extLst>
+          </p:cNvPr>
           <p:cNvSpPr/>
           <p:nvPr/>
         </p:nvSpPr>
         <p:spPr>
           <a:xfrm>
-            <a:off x="2627784" y="3212976"/>
-            <a:ext cx="2088232" cy="1402218"/>
-          </a:xfrm>
-          <a:prstGeom prst="leftArrowCallout">
-            <a:avLst>
-              <a:gd name="adj1" fmla="val 8400"/>
-              <a:gd name="adj2" fmla="val 15778"/>
-              <a:gd name="adj3" fmla="val 14856"/>
-              <a:gd name="adj4" fmla="val 64977"/>
-            </a:avLst>
+            <a:off x="3347864" y="3338805"/>
+            <a:ext cx="1512168" cy="792088"/>
+          </a:xfrm>
+          <a:prstGeom prst="rightArrow">
+            <a:avLst/>
           </a:prstGeom>
         </p:spPr>
         <p:style>
           <a:lnRef idx="2">
-            <a:schemeClr val="accent3">
+            <a:schemeClr val="accent1">
               <a:shade val="50000"/>
             </a:schemeClr>
           </a:lnRef>
           <a:fillRef idx="1">
-            <a:schemeClr val="accent3"/>
+            <a:schemeClr val="accent1"/>
           </a:fillRef>
           <a:effectRef idx="0">
-            <a:schemeClr val="accent3"/>
+            <a:schemeClr val="accent1"/>
           </a:effectRef>
           <a:fontRef idx="minor">
             <a:schemeClr val="lt1"/>
@@ -7153,36 +8447,30 @@
           <a:lstStyle/>
           <a:p>
             <a:pPr algn="ctr"/>
-            <a:r>
-              <a:rPr lang="ko-KR" altLang="en-US" sz="1200" dirty="0"/>
-              <a:t>요기에 </a:t>
-            </a:r>
-            <a:r>
-              <a:rPr lang="ko-KR" altLang="en-US" sz="1200" dirty="0" err="1"/>
-              <a:t>정보나옴</a:t>
-            </a:r>
-            <a:r>
-              <a:rPr lang="ko-KR" altLang="en-US" sz="1200" dirty="0"/>
-              <a:t> </a:t>
-            </a:r>
-          </a:p>
-        </p:txBody>
-      </p:sp>
-      <p:sp>
-        <p:nvSpPr>
-          <p:cNvPr id="8" name="직사각형 7"/>
+            <a:endParaRPr lang="ko-KR" altLang="en-US"/>
+          </a:p>
+        </p:txBody>
+      </p:sp>
+      <p:sp>
+        <p:nvSpPr>
+          <p:cNvPr id="9" name="직사각형 8">
+            <a:extLst>
+              <a:ext uri="{FF2B5EF4-FFF2-40B4-BE49-F238E27FC236}">
+                <a16:creationId xmlns:a16="http://schemas.microsoft.com/office/drawing/2014/main" id="{70BA56C3-98F2-47F6-9C9F-47D46C5463E6}"/>
+              </a:ext>
+            </a:extLst>
+          </p:cNvPr>
           <p:cNvSpPr/>
           <p:nvPr/>
         </p:nvSpPr>
         <p:spPr>
           <a:xfrm>
-            <a:off x="1063788" y="4797152"/>
-            <a:ext cx="1491988" cy="432048"/>
+            <a:off x="4932040" y="1898645"/>
+            <a:ext cx="2356084" cy="3672408"/>
           </a:xfrm>
           <a:prstGeom prst="rect">
             <a:avLst/>
           </a:prstGeom>
-          <a:noFill/>
         </p:spPr>
         <p:style>
           <a:lnRef idx="2">
@@ -7203,41 +8491,74 @@
           <a:lstStyle/>
           <a:p>
             <a:pPr algn="ctr"/>
-            <a:endParaRPr lang="ko-KR" altLang="en-US"/>
-          </a:p>
-        </p:txBody>
-      </p:sp>
-      <p:sp>
-        <p:nvSpPr>
-          <p:cNvPr id="9" name="왼쪽 화살표 설명선 8"/>
+            <a:endParaRPr lang="en-US" altLang="ko-KR" sz="1200" dirty="0"/>
+          </a:p>
+          <a:p>
+            <a:pPr algn="ctr"/>
+            <a:endParaRPr lang="en-US" altLang="ko-KR" sz="1200" dirty="0"/>
+          </a:p>
+          <a:p>
+            <a:pPr algn="ctr"/>
+            <a:endParaRPr lang="en-US" altLang="ko-KR" sz="1200" dirty="0"/>
+          </a:p>
+          <a:p>
+            <a:pPr algn="ctr"/>
+            <a:endParaRPr lang="en-US" altLang="ko-KR" sz="1200" dirty="0"/>
+          </a:p>
+          <a:p>
+            <a:pPr algn="ctr"/>
+            <a:endParaRPr lang="en-US" altLang="ko-KR" sz="1200" dirty="0"/>
+          </a:p>
+          <a:p>
+            <a:pPr algn="ctr"/>
+            <a:r>
+              <a:rPr lang="en-US" altLang="ko-KR" sz="1200" dirty="0" err="1"/>
+              <a:t>ListView</a:t>
+            </a:r>
+            <a:endParaRPr lang="en-US" altLang="ko-KR" sz="1200" dirty="0"/>
+          </a:p>
+          <a:p>
+            <a:pPr algn="ctr"/>
+            <a:r>
+              <a:rPr lang="ko-KR" altLang="en-US" sz="1200" dirty="0"/>
+              <a:t>출력</a:t>
+            </a:r>
+            <a:endParaRPr lang="en-US" altLang="ko-KR" sz="1200" dirty="0"/>
+          </a:p>
+        </p:txBody>
+      </p:sp>
+      <p:sp>
+        <p:nvSpPr>
+          <p:cNvPr id="12" name="직사각형 11">
+            <a:extLst>
+              <a:ext uri="{FF2B5EF4-FFF2-40B4-BE49-F238E27FC236}">
+                <a16:creationId xmlns:a16="http://schemas.microsoft.com/office/drawing/2014/main" id="{93CF9267-43D6-4CA0-B656-A7374DE587F9}"/>
+              </a:ext>
+            </a:extLst>
+          </p:cNvPr>
           <p:cNvSpPr/>
           <p:nvPr/>
         </p:nvSpPr>
         <p:spPr>
           <a:xfrm>
-            <a:off x="2592261" y="4789334"/>
-            <a:ext cx="2088232" cy="754146"/>
-          </a:xfrm>
-          <a:prstGeom prst="leftArrowCallout">
-            <a:avLst>
-              <a:gd name="adj1" fmla="val 8400"/>
-              <a:gd name="adj2" fmla="val 15778"/>
-              <a:gd name="adj3" fmla="val 14856"/>
-              <a:gd name="adj4" fmla="val 64977"/>
-            </a:avLst>
+            <a:off x="4932040" y="1916832"/>
+            <a:ext cx="2356476" cy="576064"/>
+          </a:xfrm>
+          <a:prstGeom prst="rect">
+            <a:avLst/>
           </a:prstGeom>
         </p:spPr>
         <p:style>
           <a:lnRef idx="2">
-            <a:schemeClr val="accent3">
+            <a:schemeClr val="accent1">
               <a:shade val="50000"/>
             </a:schemeClr>
           </a:lnRef>
           <a:fillRef idx="1">
-            <a:schemeClr val="accent3"/>
+            <a:schemeClr val="accent1"/>
           </a:fillRef>
           <a:effectRef idx="0">
-            <a:schemeClr val="accent3"/>
+            <a:schemeClr val="accent1"/>
           </a:effectRef>
           <a:fontRef idx="minor">
             <a:schemeClr val="lt1"/>
@@ -7249,101 +8570,8 @@
           <a:p>
             <a:pPr algn="ctr"/>
             <a:r>
-              <a:rPr lang="ko-KR" altLang="en-US" sz="1200" dirty="0"/>
-              <a:t>상세보기로 </a:t>
-            </a:r>
-            <a:r>
-              <a:rPr lang="en-US" altLang="ko-KR" sz="1200" dirty="0"/>
-              <a:t>&gt; </a:t>
-            </a:r>
-            <a:endParaRPr lang="ko-KR" altLang="en-US" sz="1200" dirty="0"/>
-          </a:p>
-        </p:txBody>
-      </p:sp>
-      <p:sp>
-        <p:nvSpPr>
-          <p:cNvPr id="10" name="직사각형 9"/>
-          <p:cNvSpPr/>
-          <p:nvPr/>
-        </p:nvSpPr>
-        <p:spPr>
-          <a:xfrm>
-            <a:off x="5724128" y="1988840"/>
-            <a:ext cx="2356084" cy="3672408"/>
-          </a:xfrm>
-          <a:prstGeom prst="rect">
-            <a:avLst/>
-          </a:prstGeom>
-        </p:spPr>
-        <p:style>
-          <a:lnRef idx="2">
-            <a:schemeClr val="dk1"/>
-          </a:lnRef>
-          <a:fillRef idx="1">
-            <a:schemeClr val="lt1"/>
-          </a:fillRef>
-          <a:effectRef idx="0">
-            <a:schemeClr val="dk1"/>
-          </a:effectRef>
-          <a:fontRef idx="minor">
-            <a:schemeClr val="dk1"/>
-          </a:fontRef>
-        </p:style>
-        <p:txBody>
-          <a:bodyPr rtlCol="0" anchor="ctr"/>
-          <a:lstStyle/>
-          <a:p>
-            <a:pPr algn="ctr"/>
-            <a:r>
-              <a:rPr lang="ko-KR" altLang="en-US" sz="1200" dirty="0"/>
-              <a:t>정보 제목</a:t>
-            </a:r>
-            <a:endParaRPr lang="en-US" altLang="ko-KR" sz="1200" dirty="0"/>
-          </a:p>
-          <a:p>
-            <a:pPr algn="ctr"/>
-            <a:endParaRPr lang="en-US" altLang="ko-KR" sz="1200" dirty="0"/>
-          </a:p>
-          <a:p>
-            <a:pPr algn="ctr"/>
-            <a:endParaRPr lang="en-US" altLang="ko-KR" sz="1200" dirty="0"/>
-          </a:p>
-          <a:p>
-            <a:pPr algn="ctr"/>
-            <a:r>
-              <a:rPr lang="ko-KR" altLang="en-US" sz="1200" dirty="0"/>
-              <a:t>정보내용</a:t>
-            </a:r>
-            <a:endParaRPr lang="en-US" altLang="ko-KR" sz="1200" dirty="0"/>
-          </a:p>
-          <a:p>
-            <a:pPr algn="ctr"/>
-            <a:endParaRPr lang="en-US" altLang="ko-KR" sz="1200" dirty="0"/>
-          </a:p>
-          <a:p>
-            <a:pPr algn="ctr"/>
-            <a:endParaRPr lang="en-US" altLang="ko-KR" sz="1200" dirty="0"/>
-          </a:p>
-          <a:p>
-            <a:pPr algn="ctr"/>
-            <a:r>
-              <a:rPr lang="ko-KR" altLang="en-US" sz="1200" dirty="0"/>
-              <a:t>관련 위치</a:t>
-            </a:r>
-            <a:r>
-              <a:rPr lang="en-US" altLang="ko-KR" sz="1200" dirty="0"/>
-              <a:t>?</a:t>
-            </a:r>
-          </a:p>
-          <a:p>
-            <a:pPr algn="ctr"/>
-            <a:r>
-              <a:rPr lang="ko-KR" altLang="en-US" sz="1200" dirty="0"/>
-              <a:t>관련 링크</a:t>
-            </a:r>
-            <a:r>
-              <a:rPr lang="en-US" altLang="ko-KR" sz="1200" dirty="0"/>
-              <a:t>?</a:t>
+              <a:rPr lang="ko-KR" altLang="en-US" dirty="0"/>
+              <a:t>서귀포시</a:t>
             </a:r>
           </a:p>
         </p:txBody>
@@ -7351,7 +8579,7 @@
     </p:spTree>
     <p:extLst>
       <p:ext uri="{BB962C8B-B14F-4D97-AF65-F5344CB8AC3E}">
-        <p14:creationId xmlns:p14="http://schemas.microsoft.com/office/powerpoint/2010/main" val="58792400"/>
+        <p14:creationId xmlns:p14="http://schemas.microsoft.com/office/powerpoint/2010/main" val="481680966"/>
       </p:ext>
     </p:extLst>
   </p:cSld>

--- a/Project Info/ui.pptx
+++ b/Project Info/ui.pptx
@@ -15,8 +15,9 @@
     <p:sldId id="263" r:id="rId9"/>
     <p:sldId id="265" r:id="rId10"/>
     <p:sldId id="260" r:id="rId11"/>
-    <p:sldId id="261" r:id="rId12"/>
-    <p:sldId id="262" r:id="rId13"/>
+    <p:sldId id="269" r:id="rId12"/>
+    <p:sldId id="261" r:id="rId13"/>
+    <p:sldId id="262" r:id="rId14"/>
   </p:sldIdLst>
   <p:sldSz cx="9144000" cy="6858000" type="screen4x3"/>
   <p:notesSz cx="6858000" cy="9144000"/>
@@ -117,7 +118,7 @@
   </p:defaultTextStyle>
   <p:extLst>
     <p:ext uri="{EFAFB233-063F-42B5-8137-9DF3F51BA10A}">
-      <p15:sldGuideLst xmlns:p15="http://schemas.microsoft.com/office/powerpoint/2012/main">
+      <p15:sldGuideLst xmlns:p15="http://schemas.microsoft.com/office/powerpoint/2012/main" xmlns="">
         <p15:guide id="1" orient="horz" pos="2160">
           <p15:clr>
             <a:srgbClr val="A4A3A4"/>
@@ -317,7 +318,7 @@
           <a:p>
             <a:fld id="{FB30EDBD-1C2D-4C1E-B459-B60219FAB484}" type="datetimeFigureOut">
               <a:rPr lang="ko-KR" altLang="en-US" smtClean="0"/>
-              <a:t>2017-06-04</a:t>
+              <a:t>2017-06-07</a:t>
             </a:fld>
             <a:endParaRPr lang="ko-KR" altLang="en-US"/>
           </a:p>
@@ -480,7 +481,7 @@
           <a:p>
             <a:fld id="{FB30EDBD-1C2D-4C1E-B459-B60219FAB484}" type="datetimeFigureOut">
               <a:rPr lang="ko-KR" altLang="en-US" smtClean="0"/>
-              <a:t>2017-06-04</a:t>
+              <a:t>2017-06-07</a:t>
             </a:fld>
             <a:endParaRPr lang="ko-KR" altLang="en-US"/>
           </a:p>
@@ -653,7 +654,7 @@
           <a:p>
             <a:fld id="{FB30EDBD-1C2D-4C1E-B459-B60219FAB484}" type="datetimeFigureOut">
               <a:rPr lang="ko-KR" altLang="en-US" smtClean="0"/>
-              <a:t>2017-06-04</a:t>
+              <a:t>2017-06-07</a:t>
             </a:fld>
             <a:endParaRPr lang="ko-KR" altLang="en-US"/>
           </a:p>
@@ -816,7 +817,7 @@
           <a:p>
             <a:fld id="{FB30EDBD-1C2D-4C1E-B459-B60219FAB484}" type="datetimeFigureOut">
               <a:rPr lang="ko-KR" altLang="en-US" smtClean="0"/>
-              <a:t>2017-06-04</a:t>
+              <a:t>2017-06-07</a:t>
             </a:fld>
             <a:endParaRPr lang="ko-KR" altLang="en-US"/>
           </a:p>
@@ -1056,7 +1057,7 @@
           <a:p>
             <a:fld id="{FB30EDBD-1C2D-4C1E-B459-B60219FAB484}" type="datetimeFigureOut">
               <a:rPr lang="ko-KR" altLang="en-US" smtClean="0"/>
-              <a:t>2017-06-04</a:t>
+              <a:t>2017-06-07</a:t>
             </a:fld>
             <a:endParaRPr lang="ko-KR" altLang="en-US"/>
           </a:p>
@@ -1336,7 +1337,7 @@
           <a:p>
             <a:fld id="{FB30EDBD-1C2D-4C1E-B459-B60219FAB484}" type="datetimeFigureOut">
               <a:rPr lang="ko-KR" altLang="en-US" smtClean="0"/>
-              <a:t>2017-06-04</a:t>
+              <a:t>2017-06-07</a:t>
             </a:fld>
             <a:endParaRPr lang="ko-KR" altLang="en-US"/>
           </a:p>
@@ -1750,7 +1751,7 @@
           <a:p>
             <a:fld id="{FB30EDBD-1C2D-4C1E-B459-B60219FAB484}" type="datetimeFigureOut">
               <a:rPr lang="ko-KR" altLang="en-US" smtClean="0"/>
-              <a:t>2017-06-04</a:t>
+              <a:t>2017-06-07</a:t>
             </a:fld>
             <a:endParaRPr lang="ko-KR" altLang="en-US"/>
           </a:p>
@@ -1862,7 +1863,7 @@
           <a:p>
             <a:fld id="{FB30EDBD-1C2D-4C1E-B459-B60219FAB484}" type="datetimeFigureOut">
               <a:rPr lang="ko-KR" altLang="en-US" smtClean="0"/>
-              <a:t>2017-06-04</a:t>
+              <a:t>2017-06-07</a:t>
             </a:fld>
             <a:endParaRPr lang="ko-KR" altLang="en-US"/>
           </a:p>
@@ -1952,7 +1953,7 @@
           <a:p>
             <a:fld id="{FB30EDBD-1C2D-4C1E-B459-B60219FAB484}" type="datetimeFigureOut">
               <a:rPr lang="ko-KR" altLang="en-US" smtClean="0"/>
-              <a:t>2017-06-04</a:t>
+              <a:t>2017-06-07</a:t>
             </a:fld>
             <a:endParaRPr lang="ko-KR" altLang="en-US"/>
           </a:p>
@@ -2222,7 +2223,7 @@
           <a:p>
             <a:fld id="{FB30EDBD-1C2D-4C1E-B459-B60219FAB484}" type="datetimeFigureOut">
               <a:rPr lang="ko-KR" altLang="en-US" smtClean="0"/>
-              <a:t>2017-06-04</a:t>
+              <a:t>2017-06-07</a:t>
             </a:fld>
             <a:endParaRPr lang="ko-KR" altLang="en-US"/>
           </a:p>
@@ -2469,7 +2470,7 @@
           <a:p>
             <a:fld id="{FB30EDBD-1C2D-4C1E-B459-B60219FAB484}" type="datetimeFigureOut">
               <a:rPr lang="ko-KR" altLang="en-US" smtClean="0"/>
-              <a:t>2017-06-04</a:t>
+              <a:t>2017-06-07</a:t>
             </a:fld>
             <a:endParaRPr lang="ko-KR" altLang="en-US"/>
           </a:p>
@@ -2675,7 +2676,7 @@
           <a:p>
             <a:fld id="{FB30EDBD-1C2D-4C1E-B459-B60219FAB484}" type="datetimeFigureOut">
               <a:rPr lang="ko-KR" altLang="en-US" smtClean="0"/>
-              <a:t>2017-06-04</a:t>
+              <a:t>2017-06-07</a:t>
             </a:fld>
             <a:endParaRPr lang="ko-KR" altLang="en-US"/>
           </a:p>
@@ -3479,6 +3480,61 @@
           </a:p>
         </p:txBody>
       </p:sp>
+      <p:sp>
+        <p:nvSpPr>
+          <p:cNvPr id="4" name="직사각형 3"/>
+          <p:cNvSpPr/>
+          <p:nvPr/>
+        </p:nvSpPr>
+        <p:spPr>
+          <a:xfrm>
+            <a:off x="4932040" y="1335266"/>
+            <a:ext cx="3528392" cy="2592288"/>
+          </a:xfrm>
+          <a:prstGeom prst="rect">
+            <a:avLst/>
+          </a:prstGeom>
+        </p:spPr>
+        <p:style>
+          <a:lnRef idx="2">
+            <a:schemeClr val="accent1">
+              <a:shade val="50000"/>
+            </a:schemeClr>
+          </a:lnRef>
+          <a:fillRef idx="1">
+            <a:schemeClr val="accent1"/>
+          </a:fillRef>
+          <a:effectRef idx="0">
+            <a:schemeClr val="accent1"/>
+          </a:effectRef>
+          <a:fontRef idx="minor">
+            <a:schemeClr val="lt1"/>
+          </a:fontRef>
+        </p:style>
+        <p:txBody>
+          <a:bodyPr rtlCol="0" anchor="ctr"/>
+          <a:lstStyle/>
+          <a:p>
+            <a:pPr algn="ctr"/>
+            <a:r>
+              <a:rPr lang="ko-KR" altLang="en-US" dirty="0" smtClean="0"/>
+              <a:t>더 상세히</a:t>
+            </a:r>
+            <a:endParaRPr lang="en-US" altLang="ko-KR" dirty="0" smtClean="0"/>
+          </a:p>
+          <a:p>
+            <a:pPr algn="ctr"/>
+            <a:r>
+              <a:rPr lang="ko-KR" altLang="en-US" dirty="0" smtClean="0"/>
+              <a:t>다음페이</a:t>
+            </a:r>
+            <a:r>
+              <a:rPr lang="ko-KR" altLang="en-US" dirty="0"/>
+              <a:t>지</a:t>
+            </a:r>
+          </a:p>
+        </p:txBody>
+      </p:sp>
     </p:spTree>
     <p:extLst>
       <p:ext uri="{BB962C8B-B14F-4D97-AF65-F5344CB8AC3E}">
@@ -3493,6 +3549,2254 @@
 </file>
 
 <file path=ppt/slides/slide11.xml><?xml version="1.0" encoding="utf-8"?>
+<p:sld xmlns:a="http://schemas.openxmlformats.org/drawingml/2006/main" xmlns:r="http://schemas.openxmlformats.org/officeDocument/2006/relationships" xmlns:p="http://schemas.openxmlformats.org/presentationml/2006/main">
+  <p:cSld>
+    <p:spTree>
+      <p:nvGrpSpPr>
+        <p:cNvPr id="1" name=""/>
+        <p:cNvGrpSpPr/>
+        <p:nvPr/>
+      </p:nvGrpSpPr>
+      <p:grpSpPr>
+        <a:xfrm>
+          <a:off x="0" y="0"/>
+          <a:ext cx="0" cy="0"/>
+          <a:chOff x="0" y="0"/>
+          <a:chExt cx="0" cy="0"/>
+        </a:xfrm>
+      </p:grpSpPr>
+      <p:sp>
+        <p:nvSpPr>
+          <p:cNvPr id="2" name="제목 1"/>
+          <p:cNvSpPr>
+            <a:spLocks noGrp="1"/>
+          </p:cNvSpPr>
+          <p:nvPr>
+            <p:ph type="title"/>
+          </p:nvPr>
+        </p:nvSpPr>
+        <p:spPr/>
+        <p:txBody>
+          <a:bodyPr>
+            <a:normAutofit fontScale="90000"/>
+          </a:bodyPr>
+          <a:lstStyle/>
+          <a:p>
+            <a:r>
+              <a:rPr lang="en-US" altLang="ko-KR" dirty="0"/>
+              <a:t>6 </a:t>
+            </a:r>
+            <a:r>
+              <a:rPr lang="ko-KR" altLang="en-US" dirty="0"/>
+              <a:t>제주특별자치도 기상관측 정보</a:t>
+            </a:r>
+          </a:p>
+        </p:txBody>
+      </p:sp>
+      <p:sp>
+        <p:nvSpPr>
+          <p:cNvPr id="3" name="직사각형 2"/>
+          <p:cNvSpPr/>
+          <p:nvPr/>
+        </p:nvSpPr>
+        <p:spPr>
+          <a:xfrm>
+            <a:off x="3183581" y="1268760"/>
+            <a:ext cx="2628125" cy="2376264"/>
+          </a:xfrm>
+          <a:prstGeom prst="rect">
+            <a:avLst/>
+          </a:prstGeom>
+        </p:spPr>
+        <p:style>
+          <a:lnRef idx="2">
+            <a:schemeClr val="dk1"/>
+          </a:lnRef>
+          <a:fillRef idx="1">
+            <a:schemeClr val="lt1"/>
+          </a:fillRef>
+          <a:effectRef idx="0">
+            <a:schemeClr val="dk1"/>
+          </a:effectRef>
+          <a:fontRef idx="minor">
+            <a:schemeClr val="dk1"/>
+          </a:fontRef>
+        </p:style>
+        <p:txBody>
+          <a:bodyPr rtlCol="0" anchor="ctr"/>
+          <a:lstStyle/>
+          <a:p>
+            <a:pPr algn="ctr"/>
+            <a:r>
+              <a:rPr lang="ko-KR" altLang="en-US" sz="1200" dirty="0" err="1" smtClean="0"/>
+              <a:t>최근날씨정보</a:t>
+            </a:r>
+            <a:endParaRPr lang="en-US" altLang="ko-KR" sz="1200" dirty="0" smtClean="0"/>
+          </a:p>
+          <a:p>
+            <a:pPr algn="ctr"/>
+            <a:endParaRPr lang="en-US" altLang="ko-KR" sz="1200" dirty="0" smtClean="0"/>
+          </a:p>
+          <a:p>
+            <a:pPr algn="ctr"/>
+            <a:endParaRPr lang="en-US" altLang="ko-KR" sz="1200" dirty="0"/>
+          </a:p>
+          <a:p>
+            <a:pPr algn="ctr"/>
+            <a:endParaRPr lang="en-US" altLang="ko-KR" sz="1200" dirty="0" smtClean="0"/>
+          </a:p>
+          <a:p>
+            <a:pPr algn="ctr"/>
+            <a:endParaRPr lang="en-US" altLang="ko-KR" sz="1200" dirty="0"/>
+          </a:p>
+          <a:p>
+            <a:pPr algn="ctr"/>
+            <a:endParaRPr lang="en-US" altLang="ko-KR" sz="1200" dirty="0" smtClean="0"/>
+          </a:p>
+          <a:p>
+            <a:pPr algn="ctr"/>
+            <a:endParaRPr lang="en-US" altLang="ko-KR" sz="1200" dirty="0"/>
+          </a:p>
+          <a:p>
+            <a:pPr algn="ctr"/>
+            <a:endParaRPr lang="en-US" altLang="ko-KR" sz="1200" dirty="0" smtClean="0"/>
+          </a:p>
+          <a:p>
+            <a:pPr algn="ctr"/>
+            <a:endParaRPr lang="en-US" altLang="ko-KR" sz="1200" dirty="0"/>
+          </a:p>
+          <a:p>
+            <a:pPr algn="ctr"/>
+            <a:endParaRPr lang="en-US" altLang="ko-KR" sz="1200" dirty="0" smtClean="0"/>
+          </a:p>
+          <a:p>
+            <a:pPr algn="ctr"/>
+            <a:endParaRPr lang="en-US" altLang="ko-KR" sz="1200" dirty="0"/>
+          </a:p>
+          <a:p>
+            <a:pPr algn="ctr"/>
+            <a:endParaRPr lang="ko-KR" altLang="en-US" sz="1200" dirty="0" smtClean="0"/>
+          </a:p>
+        </p:txBody>
+      </p:sp>
+      <p:sp>
+        <p:nvSpPr>
+          <p:cNvPr id="8" name="직사각형 7"/>
+          <p:cNvSpPr/>
+          <p:nvPr/>
+        </p:nvSpPr>
+        <p:spPr>
+          <a:xfrm>
+            <a:off x="3183582" y="4365104"/>
+            <a:ext cx="2612554" cy="2160240"/>
+          </a:xfrm>
+          <a:prstGeom prst="rect">
+            <a:avLst/>
+          </a:prstGeom>
+        </p:spPr>
+        <p:style>
+          <a:lnRef idx="2">
+            <a:schemeClr val="dk1"/>
+          </a:lnRef>
+          <a:fillRef idx="1">
+            <a:schemeClr val="lt1"/>
+          </a:fillRef>
+          <a:effectRef idx="0">
+            <a:schemeClr val="dk1"/>
+          </a:effectRef>
+          <a:fontRef idx="minor">
+            <a:schemeClr val="dk1"/>
+          </a:fontRef>
+        </p:style>
+        <p:txBody>
+          <a:bodyPr rtlCol="0" anchor="ctr"/>
+          <a:lstStyle/>
+          <a:p>
+            <a:pPr algn="ctr"/>
+            <a:r>
+              <a:rPr lang="ko-KR" altLang="en-US" sz="1200" dirty="0" smtClean="0"/>
+              <a:t>주간날씨정보</a:t>
+            </a:r>
+            <a:endParaRPr lang="en-US" altLang="ko-KR" sz="1200" dirty="0" smtClean="0"/>
+          </a:p>
+          <a:p>
+            <a:pPr algn="ctr"/>
+            <a:endParaRPr lang="en-US" altLang="ko-KR" sz="1200" dirty="0"/>
+          </a:p>
+          <a:p>
+            <a:pPr algn="ctr"/>
+            <a:endParaRPr lang="en-US" altLang="ko-KR" sz="1200" dirty="0" smtClean="0"/>
+          </a:p>
+          <a:p>
+            <a:pPr algn="ctr"/>
+            <a:endParaRPr lang="en-US" altLang="ko-KR" sz="1200" dirty="0"/>
+          </a:p>
+          <a:p>
+            <a:pPr algn="ctr"/>
+            <a:endParaRPr lang="en-US" altLang="ko-KR" sz="1200" dirty="0" smtClean="0"/>
+          </a:p>
+          <a:p>
+            <a:pPr algn="ctr"/>
+            <a:endParaRPr lang="en-US" altLang="ko-KR" sz="1200" dirty="0"/>
+          </a:p>
+          <a:p>
+            <a:pPr algn="ctr"/>
+            <a:endParaRPr lang="en-US" altLang="ko-KR" sz="1200" dirty="0" smtClean="0"/>
+          </a:p>
+          <a:p>
+            <a:pPr algn="ctr"/>
+            <a:endParaRPr lang="en-US" altLang="ko-KR" sz="1200" dirty="0"/>
+          </a:p>
+          <a:p>
+            <a:pPr algn="ctr"/>
+            <a:endParaRPr lang="en-US" altLang="ko-KR" sz="1200" dirty="0" smtClean="0"/>
+          </a:p>
+          <a:p>
+            <a:pPr algn="ctr"/>
+            <a:endParaRPr lang="en-US" altLang="ko-KR" sz="1200" dirty="0"/>
+          </a:p>
+          <a:p>
+            <a:pPr algn="ctr"/>
+            <a:endParaRPr lang="en-US" altLang="ko-KR" sz="1200" dirty="0" smtClean="0"/>
+          </a:p>
+          <a:p>
+            <a:pPr algn="ctr"/>
+            <a:endParaRPr lang="en-US" altLang="ko-KR" sz="1200" dirty="0"/>
+          </a:p>
+          <a:p>
+            <a:pPr algn="ctr"/>
+            <a:endParaRPr lang="en-US" altLang="ko-KR" sz="1200" dirty="0" smtClean="0"/>
+          </a:p>
+          <a:p>
+            <a:pPr algn="ctr"/>
+            <a:endParaRPr lang="en-US" altLang="ko-KR" sz="1200" dirty="0"/>
+          </a:p>
+        </p:txBody>
+      </p:sp>
+      <p:grpSp>
+        <p:nvGrpSpPr>
+          <p:cNvPr id="6" name="그룹 5"/>
+          <p:cNvGrpSpPr/>
+          <p:nvPr/>
+        </p:nvGrpSpPr>
+        <p:grpSpPr>
+          <a:xfrm>
+            <a:off x="3183583" y="4653136"/>
+            <a:ext cx="4311943" cy="864096"/>
+            <a:chOff x="3183583" y="4005064"/>
+            <a:chExt cx="4311943" cy="864096"/>
+          </a:xfrm>
+        </p:grpSpPr>
+        <p:pic>
+          <p:nvPicPr>
+            <p:cNvPr id="4" name="Picture 2"/>
+            <p:cNvPicPr>
+              <a:picLocks noChangeAspect="1" noChangeArrowheads="1"/>
+            </p:cNvPicPr>
+            <p:nvPr/>
+          </p:nvPicPr>
+          <p:blipFill rotWithShape="1">
+            <a:blip r:embed="rId2">
+              <a:extLst>
+                <a:ext uri="{28A0092B-C50C-407E-A947-70E740481C1C}">
+                  <a14:useLocalDpi xmlns:a14="http://schemas.microsoft.com/office/drawing/2010/main" val="0"/>
+                </a:ext>
+              </a:extLst>
+            </a:blip>
+            <a:srcRect l="12709"/>
+            <a:stretch/>
+          </p:blipFill>
+          <p:spPr bwMode="auto">
+            <a:xfrm>
+              <a:off x="3183583" y="4005064"/>
+              <a:ext cx="4311943" cy="864096"/>
+            </a:xfrm>
+            <a:prstGeom prst="rect">
+              <a:avLst/>
+            </a:prstGeom>
+            <a:noFill/>
+            <a:ln>
+              <a:noFill/>
+            </a:ln>
+            <a:effectLst/>
+            <a:extLst>
+              <a:ext uri="{909E8E84-426E-40DD-AFC4-6F175D3DCCD1}">
+                <a14:hiddenFill xmlns:a14="http://schemas.microsoft.com/office/drawing/2010/main">
+                  <a:solidFill>
+                    <a:schemeClr val="accent1"/>
+                  </a:solidFill>
+                </a14:hiddenFill>
+              </a:ext>
+              <a:ext uri="{91240B29-F687-4F45-9708-019B960494DF}">
+                <a14:hiddenLine xmlns:a14="http://schemas.microsoft.com/office/drawing/2010/main" w="9525">
+                  <a:solidFill>
+                    <a:schemeClr val="tx1"/>
+                  </a:solidFill>
+                  <a:miter lim="800000"/>
+                  <a:headEnd/>
+                  <a:tailEnd/>
+                </a14:hiddenLine>
+              </a:ext>
+              <a:ext uri="{AF507438-7753-43E0-B8FC-AC1667EBCBE1}">
+                <a14:hiddenEffects xmlns:a14="http://schemas.microsoft.com/office/drawing/2010/main">
+                  <a:effectLst>
+                    <a:outerShdw dist="35921" dir="2700000" algn="ctr" rotWithShape="0">
+                      <a:schemeClr val="bg2"/>
+                    </a:outerShdw>
+                  </a:effectLst>
+                </a14:hiddenEffects>
+              </a:ext>
+            </a:extLst>
+          </p:spPr>
+        </p:pic>
+        <p:sp>
+          <p:nvSpPr>
+            <p:cNvPr id="5" name="직사각형 4"/>
+            <p:cNvSpPr/>
+            <p:nvPr/>
+          </p:nvSpPr>
+          <p:spPr>
+            <a:xfrm>
+              <a:off x="3511379" y="4424272"/>
+              <a:ext cx="288032" cy="372879"/>
+            </a:xfrm>
+            <a:prstGeom prst="rect">
+              <a:avLst/>
+            </a:prstGeom>
+          </p:spPr>
+          <p:style>
+            <a:lnRef idx="2">
+              <a:schemeClr val="accent1">
+                <a:shade val="50000"/>
+              </a:schemeClr>
+            </a:lnRef>
+            <a:fillRef idx="1">
+              <a:schemeClr val="accent1"/>
+            </a:fillRef>
+            <a:effectRef idx="0">
+              <a:schemeClr val="accent1"/>
+            </a:effectRef>
+            <a:fontRef idx="minor">
+              <a:schemeClr val="lt1"/>
+            </a:fontRef>
+          </p:style>
+          <p:txBody>
+            <a:bodyPr rtlCol="0" anchor="ctr"/>
+            <a:lstStyle/>
+            <a:p>
+              <a:pPr algn="ctr"/>
+              <a:endParaRPr lang="ko-KR" altLang="en-US"/>
+            </a:p>
+          </p:txBody>
+        </p:sp>
+        <p:sp>
+          <p:nvSpPr>
+            <p:cNvPr id="11" name="직사각형 10"/>
+            <p:cNvSpPr/>
+            <p:nvPr/>
+          </p:nvSpPr>
+          <p:spPr>
+            <a:xfrm>
+              <a:off x="4211960" y="4424272"/>
+              <a:ext cx="288032" cy="372879"/>
+            </a:xfrm>
+            <a:prstGeom prst="rect">
+              <a:avLst/>
+            </a:prstGeom>
+          </p:spPr>
+          <p:style>
+            <a:lnRef idx="2">
+              <a:schemeClr val="accent1">
+                <a:shade val="50000"/>
+              </a:schemeClr>
+            </a:lnRef>
+            <a:fillRef idx="1">
+              <a:schemeClr val="accent1"/>
+            </a:fillRef>
+            <a:effectRef idx="0">
+              <a:schemeClr val="accent1"/>
+            </a:effectRef>
+            <a:fontRef idx="minor">
+              <a:schemeClr val="lt1"/>
+            </a:fontRef>
+          </p:style>
+          <p:txBody>
+            <a:bodyPr rtlCol="0" anchor="ctr"/>
+            <a:lstStyle/>
+            <a:p>
+              <a:pPr algn="ctr"/>
+              <a:endParaRPr lang="ko-KR" altLang="en-US"/>
+            </a:p>
+          </p:txBody>
+        </p:sp>
+        <p:sp>
+          <p:nvSpPr>
+            <p:cNvPr id="12" name="직사각형 11"/>
+            <p:cNvSpPr/>
+            <p:nvPr/>
+          </p:nvSpPr>
+          <p:spPr>
+            <a:xfrm>
+              <a:off x="4881634" y="4424272"/>
+              <a:ext cx="288032" cy="372879"/>
+            </a:xfrm>
+            <a:prstGeom prst="rect">
+              <a:avLst/>
+            </a:prstGeom>
+          </p:spPr>
+          <p:style>
+            <a:lnRef idx="2">
+              <a:schemeClr val="accent1">
+                <a:shade val="50000"/>
+              </a:schemeClr>
+            </a:lnRef>
+            <a:fillRef idx="1">
+              <a:schemeClr val="accent1"/>
+            </a:fillRef>
+            <a:effectRef idx="0">
+              <a:schemeClr val="accent1"/>
+            </a:effectRef>
+            <a:fontRef idx="minor">
+              <a:schemeClr val="lt1"/>
+            </a:fontRef>
+          </p:style>
+          <p:txBody>
+            <a:bodyPr rtlCol="0" anchor="ctr"/>
+            <a:lstStyle/>
+            <a:p>
+              <a:pPr algn="ctr"/>
+              <a:endParaRPr lang="ko-KR" altLang="en-US"/>
+            </a:p>
+          </p:txBody>
+        </p:sp>
+        <p:sp>
+          <p:nvSpPr>
+            <p:cNvPr id="13" name="직사각형 12"/>
+            <p:cNvSpPr/>
+            <p:nvPr/>
+          </p:nvSpPr>
+          <p:spPr>
+            <a:xfrm>
+              <a:off x="5508104" y="4424272"/>
+              <a:ext cx="288032" cy="372879"/>
+            </a:xfrm>
+            <a:prstGeom prst="rect">
+              <a:avLst/>
+            </a:prstGeom>
+          </p:spPr>
+          <p:style>
+            <a:lnRef idx="2">
+              <a:schemeClr val="accent1">
+                <a:shade val="50000"/>
+              </a:schemeClr>
+            </a:lnRef>
+            <a:fillRef idx="1">
+              <a:schemeClr val="accent1"/>
+            </a:fillRef>
+            <a:effectRef idx="0">
+              <a:schemeClr val="accent1"/>
+            </a:effectRef>
+            <a:fontRef idx="minor">
+              <a:schemeClr val="lt1"/>
+            </a:fontRef>
+          </p:style>
+          <p:txBody>
+            <a:bodyPr rtlCol="0" anchor="ctr"/>
+            <a:lstStyle/>
+            <a:p>
+              <a:pPr algn="ctr"/>
+              <a:endParaRPr lang="ko-KR" altLang="en-US"/>
+            </a:p>
+          </p:txBody>
+        </p:sp>
+        <p:sp>
+          <p:nvSpPr>
+            <p:cNvPr id="14" name="직사각형 13"/>
+            <p:cNvSpPr/>
+            <p:nvPr/>
+          </p:nvSpPr>
+          <p:spPr>
+            <a:xfrm>
+              <a:off x="6156176" y="4424272"/>
+              <a:ext cx="288032" cy="372879"/>
+            </a:xfrm>
+            <a:prstGeom prst="rect">
+              <a:avLst/>
+            </a:prstGeom>
+          </p:spPr>
+          <p:style>
+            <a:lnRef idx="2">
+              <a:schemeClr val="accent1">
+                <a:shade val="50000"/>
+              </a:schemeClr>
+            </a:lnRef>
+            <a:fillRef idx="1">
+              <a:schemeClr val="accent1"/>
+            </a:fillRef>
+            <a:effectRef idx="0">
+              <a:schemeClr val="accent1"/>
+            </a:effectRef>
+            <a:fontRef idx="minor">
+              <a:schemeClr val="lt1"/>
+            </a:fontRef>
+          </p:style>
+          <p:txBody>
+            <a:bodyPr rtlCol="0" anchor="ctr"/>
+            <a:lstStyle/>
+            <a:p>
+              <a:pPr algn="ctr"/>
+              <a:endParaRPr lang="ko-KR" altLang="en-US"/>
+            </a:p>
+          </p:txBody>
+        </p:sp>
+        <p:pic>
+          <p:nvPicPr>
+            <p:cNvPr id="2050" name="Picture 2"/>
+            <p:cNvPicPr>
+              <a:picLocks noChangeAspect="1" noChangeArrowheads="1"/>
+            </p:cNvPicPr>
+            <p:nvPr/>
+          </p:nvPicPr>
+          <p:blipFill>
+            <a:blip r:embed="rId3">
+              <a:extLst>
+                <a:ext uri="{28A0092B-C50C-407E-A947-70E740481C1C}">
+                  <a14:useLocalDpi xmlns:a14="http://schemas.microsoft.com/office/drawing/2010/main" val="0"/>
+                </a:ext>
+              </a:extLst>
+            </a:blip>
+            <a:srcRect/>
+            <a:stretch>
+              <a:fillRect/>
+            </a:stretch>
+          </p:blipFill>
+          <p:spPr bwMode="auto">
+            <a:xfrm>
+              <a:off x="3183583" y="4462306"/>
+              <a:ext cx="333375" cy="352425"/>
+            </a:xfrm>
+            <a:prstGeom prst="rect">
+              <a:avLst/>
+            </a:prstGeom>
+            <a:noFill/>
+            <a:ln>
+              <a:noFill/>
+            </a:ln>
+            <a:effectLst/>
+            <a:extLst>
+              <a:ext uri="{909E8E84-426E-40DD-AFC4-6F175D3DCCD1}">
+                <a14:hiddenFill xmlns:a14="http://schemas.microsoft.com/office/drawing/2010/main">
+                  <a:solidFill>
+                    <a:schemeClr val="accent1"/>
+                  </a:solidFill>
+                </a14:hiddenFill>
+              </a:ext>
+              <a:ext uri="{91240B29-F687-4F45-9708-019B960494DF}">
+                <a14:hiddenLine xmlns:a14="http://schemas.microsoft.com/office/drawing/2010/main" w="9525">
+                  <a:solidFill>
+                    <a:schemeClr val="tx1"/>
+                  </a:solidFill>
+                  <a:miter lim="800000"/>
+                  <a:headEnd/>
+                  <a:tailEnd/>
+                </a14:hiddenLine>
+              </a:ext>
+              <a:ext uri="{AF507438-7753-43E0-B8FC-AC1667EBCBE1}">
+                <a14:hiddenEffects xmlns:a14="http://schemas.microsoft.com/office/drawing/2010/main">
+                  <a:effectLst>
+                    <a:outerShdw dist="35921" dir="2700000" algn="ctr" rotWithShape="0">
+                      <a:schemeClr val="bg2"/>
+                    </a:outerShdw>
+                  </a:effectLst>
+                </a14:hiddenEffects>
+              </a:ext>
+            </a:extLst>
+          </p:spPr>
+        </p:pic>
+        <p:pic>
+          <p:nvPicPr>
+            <p:cNvPr id="31" name="Picture 2"/>
+            <p:cNvPicPr>
+              <a:picLocks noChangeAspect="1" noChangeArrowheads="1"/>
+            </p:cNvPicPr>
+            <p:nvPr/>
+          </p:nvPicPr>
+          <p:blipFill>
+            <a:blip r:embed="rId3">
+              <a:extLst>
+                <a:ext uri="{28A0092B-C50C-407E-A947-70E740481C1C}">
+                  <a14:useLocalDpi xmlns:a14="http://schemas.microsoft.com/office/drawing/2010/main" val="0"/>
+                </a:ext>
+              </a:extLst>
+            </a:blip>
+            <a:srcRect/>
+            <a:stretch>
+              <a:fillRect/>
+            </a:stretch>
+          </p:blipFill>
+          <p:spPr bwMode="auto">
+            <a:xfrm>
+              <a:off x="3878585" y="4462306"/>
+              <a:ext cx="333375" cy="352425"/>
+            </a:xfrm>
+            <a:prstGeom prst="rect">
+              <a:avLst/>
+            </a:prstGeom>
+            <a:noFill/>
+            <a:ln>
+              <a:noFill/>
+            </a:ln>
+            <a:effectLst/>
+            <a:extLst>
+              <a:ext uri="{909E8E84-426E-40DD-AFC4-6F175D3DCCD1}">
+                <a14:hiddenFill xmlns:a14="http://schemas.microsoft.com/office/drawing/2010/main">
+                  <a:solidFill>
+                    <a:schemeClr val="accent1"/>
+                  </a:solidFill>
+                </a14:hiddenFill>
+              </a:ext>
+              <a:ext uri="{91240B29-F687-4F45-9708-019B960494DF}">
+                <a14:hiddenLine xmlns:a14="http://schemas.microsoft.com/office/drawing/2010/main" w="9525">
+                  <a:solidFill>
+                    <a:schemeClr val="tx1"/>
+                  </a:solidFill>
+                  <a:miter lim="800000"/>
+                  <a:headEnd/>
+                  <a:tailEnd/>
+                </a14:hiddenLine>
+              </a:ext>
+              <a:ext uri="{AF507438-7753-43E0-B8FC-AC1667EBCBE1}">
+                <a14:hiddenEffects xmlns:a14="http://schemas.microsoft.com/office/drawing/2010/main">
+                  <a:effectLst>
+                    <a:outerShdw dist="35921" dir="2700000" algn="ctr" rotWithShape="0">
+                      <a:schemeClr val="bg2"/>
+                    </a:outerShdw>
+                  </a:effectLst>
+                </a14:hiddenEffects>
+              </a:ext>
+            </a:extLst>
+          </p:spPr>
+        </p:pic>
+        <p:pic>
+          <p:nvPicPr>
+            <p:cNvPr id="32" name="Picture 2"/>
+            <p:cNvPicPr>
+              <a:picLocks noChangeAspect="1" noChangeArrowheads="1"/>
+            </p:cNvPicPr>
+            <p:nvPr/>
+          </p:nvPicPr>
+          <p:blipFill>
+            <a:blip r:embed="rId3">
+              <a:extLst>
+                <a:ext uri="{28A0092B-C50C-407E-A947-70E740481C1C}">
+                  <a14:useLocalDpi xmlns:a14="http://schemas.microsoft.com/office/drawing/2010/main" val="0"/>
+                </a:ext>
+              </a:extLst>
+            </a:blip>
+            <a:srcRect/>
+            <a:stretch>
+              <a:fillRect/>
+            </a:stretch>
+          </p:blipFill>
+          <p:spPr bwMode="auto">
+            <a:xfrm>
+              <a:off x="4534730" y="4462306"/>
+              <a:ext cx="333375" cy="352425"/>
+            </a:xfrm>
+            <a:prstGeom prst="rect">
+              <a:avLst/>
+            </a:prstGeom>
+            <a:noFill/>
+            <a:ln>
+              <a:noFill/>
+            </a:ln>
+            <a:effectLst/>
+            <a:extLst>
+              <a:ext uri="{909E8E84-426E-40DD-AFC4-6F175D3DCCD1}">
+                <a14:hiddenFill xmlns:a14="http://schemas.microsoft.com/office/drawing/2010/main">
+                  <a:solidFill>
+                    <a:schemeClr val="accent1"/>
+                  </a:solidFill>
+                </a14:hiddenFill>
+              </a:ext>
+              <a:ext uri="{91240B29-F687-4F45-9708-019B960494DF}">
+                <a14:hiddenLine xmlns:a14="http://schemas.microsoft.com/office/drawing/2010/main" w="9525">
+                  <a:solidFill>
+                    <a:schemeClr val="tx1"/>
+                  </a:solidFill>
+                  <a:miter lim="800000"/>
+                  <a:headEnd/>
+                  <a:tailEnd/>
+                </a14:hiddenLine>
+              </a:ext>
+              <a:ext uri="{AF507438-7753-43E0-B8FC-AC1667EBCBE1}">
+                <a14:hiddenEffects xmlns:a14="http://schemas.microsoft.com/office/drawing/2010/main">
+                  <a:effectLst>
+                    <a:outerShdw dist="35921" dir="2700000" algn="ctr" rotWithShape="0">
+                      <a:schemeClr val="bg2"/>
+                    </a:outerShdw>
+                  </a:effectLst>
+                </a14:hiddenEffects>
+              </a:ext>
+            </a:extLst>
+          </p:spPr>
+        </p:pic>
+        <p:pic>
+          <p:nvPicPr>
+            <p:cNvPr id="33" name="Picture 2"/>
+            <p:cNvPicPr>
+              <a:picLocks noChangeAspect="1" noChangeArrowheads="1"/>
+            </p:cNvPicPr>
+            <p:nvPr/>
+          </p:nvPicPr>
+          <p:blipFill>
+            <a:blip r:embed="rId3">
+              <a:extLst>
+                <a:ext uri="{28A0092B-C50C-407E-A947-70E740481C1C}">
+                  <a14:useLocalDpi xmlns:a14="http://schemas.microsoft.com/office/drawing/2010/main" val="0"/>
+                </a:ext>
+              </a:extLst>
+            </a:blip>
+            <a:srcRect/>
+            <a:stretch>
+              <a:fillRect/>
+            </a:stretch>
+          </p:blipFill>
+          <p:spPr bwMode="auto">
+            <a:xfrm>
+              <a:off x="5174729" y="4462306"/>
+              <a:ext cx="333375" cy="352425"/>
+            </a:xfrm>
+            <a:prstGeom prst="rect">
+              <a:avLst/>
+            </a:prstGeom>
+            <a:noFill/>
+            <a:ln>
+              <a:noFill/>
+            </a:ln>
+            <a:effectLst/>
+            <a:extLst>
+              <a:ext uri="{909E8E84-426E-40DD-AFC4-6F175D3DCCD1}">
+                <a14:hiddenFill xmlns:a14="http://schemas.microsoft.com/office/drawing/2010/main">
+                  <a:solidFill>
+                    <a:schemeClr val="accent1"/>
+                  </a:solidFill>
+                </a14:hiddenFill>
+              </a:ext>
+              <a:ext uri="{91240B29-F687-4F45-9708-019B960494DF}">
+                <a14:hiddenLine xmlns:a14="http://schemas.microsoft.com/office/drawing/2010/main" w="9525">
+                  <a:solidFill>
+                    <a:schemeClr val="tx1"/>
+                  </a:solidFill>
+                  <a:miter lim="800000"/>
+                  <a:headEnd/>
+                  <a:tailEnd/>
+                </a14:hiddenLine>
+              </a:ext>
+              <a:ext uri="{AF507438-7753-43E0-B8FC-AC1667EBCBE1}">
+                <a14:hiddenEffects xmlns:a14="http://schemas.microsoft.com/office/drawing/2010/main">
+                  <a:effectLst>
+                    <a:outerShdw dist="35921" dir="2700000" algn="ctr" rotWithShape="0">
+                      <a:schemeClr val="bg2"/>
+                    </a:outerShdw>
+                  </a:effectLst>
+                </a14:hiddenEffects>
+              </a:ext>
+            </a:extLst>
+          </p:spPr>
+        </p:pic>
+        <p:pic>
+          <p:nvPicPr>
+            <p:cNvPr id="34" name="Picture 2"/>
+            <p:cNvPicPr>
+              <a:picLocks noChangeAspect="1" noChangeArrowheads="1"/>
+            </p:cNvPicPr>
+            <p:nvPr/>
+          </p:nvPicPr>
+          <p:blipFill>
+            <a:blip r:embed="rId3">
+              <a:extLst>
+                <a:ext uri="{28A0092B-C50C-407E-A947-70E740481C1C}">
+                  <a14:useLocalDpi xmlns:a14="http://schemas.microsoft.com/office/drawing/2010/main" val="0"/>
+                </a:ext>
+              </a:extLst>
+            </a:blip>
+            <a:srcRect/>
+            <a:stretch>
+              <a:fillRect/>
+            </a:stretch>
+          </p:blipFill>
+          <p:spPr bwMode="auto">
+            <a:xfrm>
+              <a:off x="5847879" y="4462306"/>
+              <a:ext cx="333375" cy="352425"/>
+            </a:xfrm>
+            <a:prstGeom prst="rect">
+              <a:avLst/>
+            </a:prstGeom>
+            <a:noFill/>
+            <a:ln>
+              <a:noFill/>
+            </a:ln>
+            <a:effectLst/>
+            <a:extLst>
+              <a:ext uri="{909E8E84-426E-40DD-AFC4-6F175D3DCCD1}">
+                <a14:hiddenFill xmlns:a14="http://schemas.microsoft.com/office/drawing/2010/main">
+                  <a:solidFill>
+                    <a:schemeClr val="accent1"/>
+                  </a:solidFill>
+                </a14:hiddenFill>
+              </a:ext>
+              <a:ext uri="{91240B29-F687-4F45-9708-019B960494DF}">
+                <a14:hiddenLine xmlns:a14="http://schemas.microsoft.com/office/drawing/2010/main" w="9525">
+                  <a:solidFill>
+                    <a:schemeClr val="tx1"/>
+                  </a:solidFill>
+                  <a:miter lim="800000"/>
+                  <a:headEnd/>
+                  <a:tailEnd/>
+                </a14:hiddenLine>
+              </a:ext>
+              <a:ext uri="{AF507438-7753-43E0-B8FC-AC1667EBCBE1}">
+                <a14:hiddenEffects xmlns:a14="http://schemas.microsoft.com/office/drawing/2010/main">
+                  <a:effectLst>
+                    <a:outerShdw dist="35921" dir="2700000" algn="ctr" rotWithShape="0">
+                      <a:schemeClr val="bg2"/>
+                    </a:outerShdw>
+                  </a:effectLst>
+                </a14:hiddenEffects>
+              </a:ext>
+            </a:extLst>
+          </p:spPr>
+        </p:pic>
+        <p:pic>
+          <p:nvPicPr>
+            <p:cNvPr id="35" name="Picture 2"/>
+            <p:cNvPicPr>
+              <a:picLocks noChangeAspect="1" noChangeArrowheads="1"/>
+            </p:cNvPicPr>
+            <p:nvPr/>
+          </p:nvPicPr>
+          <p:blipFill>
+            <a:blip r:embed="rId3">
+              <a:extLst>
+                <a:ext uri="{28A0092B-C50C-407E-A947-70E740481C1C}">
+                  <a14:useLocalDpi xmlns:a14="http://schemas.microsoft.com/office/drawing/2010/main" val="0"/>
+                </a:ext>
+              </a:extLst>
+            </a:blip>
+            <a:srcRect/>
+            <a:stretch>
+              <a:fillRect/>
+            </a:stretch>
+          </p:blipFill>
+          <p:spPr bwMode="auto">
+            <a:xfrm>
+              <a:off x="6475478" y="4462306"/>
+              <a:ext cx="333375" cy="352425"/>
+            </a:xfrm>
+            <a:prstGeom prst="rect">
+              <a:avLst/>
+            </a:prstGeom>
+            <a:noFill/>
+            <a:ln>
+              <a:noFill/>
+            </a:ln>
+            <a:effectLst/>
+            <a:extLst>
+              <a:ext uri="{909E8E84-426E-40DD-AFC4-6F175D3DCCD1}">
+                <a14:hiddenFill xmlns:a14="http://schemas.microsoft.com/office/drawing/2010/main">
+                  <a:solidFill>
+                    <a:schemeClr val="accent1"/>
+                  </a:solidFill>
+                </a14:hiddenFill>
+              </a:ext>
+              <a:ext uri="{91240B29-F687-4F45-9708-019B960494DF}">
+                <a14:hiddenLine xmlns:a14="http://schemas.microsoft.com/office/drawing/2010/main" w="9525">
+                  <a:solidFill>
+                    <a:schemeClr val="tx1"/>
+                  </a:solidFill>
+                  <a:miter lim="800000"/>
+                  <a:headEnd/>
+                  <a:tailEnd/>
+                </a14:hiddenLine>
+              </a:ext>
+              <a:ext uri="{AF507438-7753-43E0-B8FC-AC1667EBCBE1}">
+                <a14:hiddenEffects xmlns:a14="http://schemas.microsoft.com/office/drawing/2010/main">
+                  <a:effectLst>
+                    <a:outerShdw dist="35921" dir="2700000" algn="ctr" rotWithShape="0">
+                      <a:schemeClr val="bg2"/>
+                    </a:outerShdw>
+                  </a:effectLst>
+                </a14:hiddenEffects>
+              </a:ext>
+            </a:extLst>
+          </p:spPr>
+        </p:pic>
+        <p:pic>
+          <p:nvPicPr>
+            <p:cNvPr id="36" name="Picture 2"/>
+            <p:cNvPicPr>
+              <a:picLocks noChangeAspect="1" noChangeArrowheads="1"/>
+            </p:cNvPicPr>
+            <p:nvPr/>
+          </p:nvPicPr>
+          <p:blipFill>
+            <a:blip r:embed="rId3">
+              <a:extLst>
+                <a:ext uri="{28A0092B-C50C-407E-A947-70E740481C1C}">
+                  <a14:useLocalDpi xmlns:a14="http://schemas.microsoft.com/office/drawing/2010/main" val="0"/>
+                </a:ext>
+              </a:extLst>
+            </a:blip>
+            <a:srcRect/>
+            <a:stretch>
+              <a:fillRect/>
+            </a:stretch>
+          </p:blipFill>
+          <p:spPr bwMode="auto">
+            <a:xfrm>
+              <a:off x="6831997" y="4462306"/>
+              <a:ext cx="333375" cy="352425"/>
+            </a:xfrm>
+            <a:prstGeom prst="rect">
+              <a:avLst/>
+            </a:prstGeom>
+            <a:noFill/>
+            <a:ln>
+              <a:noFill/>
+            </a:ln>
+            <a:effectLst/>
+            <a:extLst>
+              <a:ext uri="{909E8E84-426E-40DD-AFC4-6F175D3DCCD1}">
+                <a14:hiddenFill xmlns:a14="http://schemas.microsoft.com/office/drawing/2010/main">
+                  <a:solidFill>
+                    <a:schemeClr val="accent1"/>
+                  </a:solidFill>
+                </a14:hiddenFill>
+              </a:ext>
+              <a:ext uri="{91240B29-F687-4F45-9708-019B960494DF}">
+                <a14:hiddenLine xmlns:a14="http://schemas.microsoft.com/office/drawing/2010/main" w="9525">
+                  <a:solidFill>
+                    <a:schemeClr val="tx1"/>
+                  </a:solidFill>
+                  <a:miter lim="800000"/>
+                  <a:headEnd/>
+                  <a:tailEnd/>
+                </a14:hiddenLine>
+              </a:ext>
+              <a:ext uri="{AF507438-7753-43E0-B8FC-AC1667EBCBE1}">
+                <a14:hiddenEffects xmlns:a14="http://schemas.microsoft.com/office/drawing/2010/main">
+                  <a:effectLst>
+                    <a:outerShdw dist="35921" dir="2700000" algn="ctr" rotWithShape="0">
+                      <a:schemeClr val="bg2"/>
+                    </a:outerShdw>
+                  </a:effectLst>
+                </a14:hiddenEffects>
+              </a:ext>
+            </a:extLst>
+          </p:spPr>
+        </p:pic>
+        <p:pic>
+          <p:nvPicPr>
+            <p:cNvPr id="37" name="Picture 2"/>
+            <p:cNvPicPr>
+              <a:picLocks noChangeAspect="1" noChangeArrowheads="1"/>
+            </p:cNvPicPr>
+            <p:nvPr/>
+          </p:nvPicPr>
+          <p:blipFill>
+            <a:blip r:embed="rId3">
+              <a:extLst>
+                <a:ext uri="{28A0092B-C50C-407E-A947-70E740481C1C}">
+                  <a14:useLocalDpi xmlns:a14="http://schemas.microsoft.com/office/drawing/2010/main" val="0"/>
+                </a:ext>
+              </a:extLst>
+            </a:blip>
+            <a:srcRect/>
+            <a:stretch>
+              <a:fillRect/>
+            </a:stretch>
+          </p:blipFill>
+          <p:spPr bwMode="auto">
+            <a:xfrm>
+              <a:off x="7157013" y="4462306"/>
+              <a:ext cx="333375" cy="352425"/>
+            </a:xfrm>
+            <a:prstGeom prst="rect">
+              <a:avLst/>
+            </a:prstGeom>
+            <a:noFill/>
+            <a:ln>
+              <a:noFill/>
+            </a:ln>
+            <a:effectLst/>
+            <a:extLst>
+              <a:ext uri="{909E8E84-426E-40DD-AFC4-6F175D3DCCD1}">
+                <a14:hiddenFill xmlns:a14="http://schemas.microsoft.com/office/drawing/2010/main">
+                  <a:solidFill>
+                    <a:schemeClr val="accent1"/>
+                  </a:solidFill>
+                </a14:hiddenFill>
+              </a:ext>
+              <a:ext uri="{91240B29-F687-4F45-9708-019B960494DF}">
+                <a14:hiddenLine xmlns:a14="http://schemas.microsoft.com/office/drawing/2010/main" w="9525">
+                  <a:solidFill>
+                    <a:schemeClr val="tx1"/>
+                  </a:solidFill>
+                  <a:miter lim="800000"/>
+                  <a:headEnd/>
+                  <a:tailEnd/>
+                </a14:hiddenLine>
+              </a:ext>
+              <a:ext uri="{AF507438-7753-43E0-B8FC-AC1667EBCBE1}">
+                <a14:hiddenEffects xmlns:a14="http://schemas.microsoft.com/office/drawing/2010/main">
+                  <a:effectLst>
+                    <a:outerShdw dist="35921" dir="2700000" algn="ctr" rotWithShape="0">
+                      <a:schemeClr val="bg2"/>
+                    </a:outerShdw>
+                  </a:effectLst>
+                </a14:hiddenEffects>
+              </a:ext>
+            </a:extLst>
+          </p:spPr>
+        </p:pic>
+      </p:grpSp>
+      <p:grpSp>
+        <p:nvGrpSpPr>
+          <p:cNvPr id="38" name="그룹 37"/>
+          <p:cNvGrpSpPr/>
+          <p:nvPr/>
+        </p:nvGrpSpPr>
+        <p:grpSpPr>
+          <a:xfrm>
+            <a:off x="-540568" y="5517232"/>
+            <a:ext cx="6195094" cy="864096"/>
+            <a:chOff x="3183583" y="4005064"/>
+            <a:chExt cx="4311943" cy="864096"/>
+          </a:xfrm>
+        </p:grpSpPr>
+        <p:pic>
+          <p:nvPicPr>
+            <p:cNvPr id="39" name="Picture 2"/>
+            <p:cNvPicPr>
+              <a:picLocks noChangeAspect="1" noChangeArrowheads="1"/>
+            </p:cNvPicPr>
+            <p:nvPr/>
+          </p:nvPicPr>
+          <p:blipFill rotWithShape="1">
+            <a:blip r:embed="rId2">
+              <a:extLst>
+                <a:ext uri="{28A0092B-C50C-407E-A947-70E740481C1C}">
+                  <a14:useLocalDpi xmlns:a14="http://schemas.microsoft.com/office/drawing/2010/main" val="0"/>
+                </a:ext>
+              </a:extLst>
+            </a:blip>
+            <a:srcRect l="12709"/>
+            <a:stretch/>
+          </p:blipFill>
+          <p:spPr bwMode="auto">
+            <a:xfrm>
+              <a:off x="3183583" y="4005064"/>
+              <a:ext cx="4311943" cy="864096"/>
+            </a:xfrm>
+            <a:prstGeom prst="rect">
+              <a:avLst/>
+            </a:prstGeom>
+            <a:noFill/>
+            <a:ln>
+              <a:noFill/>
+            </a:ln>
+            <a:effectLst/>
+            <a:extLst>
+              <a:ext uri="{909E8E84-426E-40DD-AFC4-6F175D3DCCD1}">
+                <a14:hiddenFill xmlns:a14="http://schemas.microsoft.com/office/drawing/2010/main">
+                  <a:solidFill>
+                    <a:schemeClr val="accent1"/>
+                  </a:solidFill>
+                </a14:hiddenFill>
+              </a:ext>
+              <a:ext uri="{91240B29-F687-4F45-9708-019B960494DF}">
+                <a14:hiddenLine xmlns:a14="http://schemas.microsoft.com/office/drawing/2010/main" w="9525">
+                  <a:solidFill>
+                    <a:schemeClr val="tx1"/>
+                  </a:solidFill>
+                  <a:miter lim="800000"/>
+                  <a:headEnd/>
+                  <a:tailEnd/>
+                </a14:hiddenLine>
+              </a:ext>
+              <a:ext uri="{AF507438-7753-43E0-B8FC-AC1667EBCBE1}">
+                <a14:hiddenEffects xmlns:a14="http://schemas.microsoft.com/office/drawing/2010/main">
+                  <a:effectLst>
+                    <a:outerShdw dist="35921" dir="2700000" algn="ctr" rotWithShape="0">
+                      <a:schemeClr val="bg2"/>
+                    </a:outerShdw>
+                  </a:effectLst>
+                </a14:hiddenEffects>
+              </a:ext>
+            </a:extLst>
+          </p:spPr>
+        </p:pic>
+        <p:sp>
+          <p:nvSpPr>
+            <p:cNvPr id="40" name="직사각형 39"/>
+            <p:cNvSpPr/>
+            <p:nvPr/>
+          </p:nvSpPr>
+          <p:spPr>
+            <a:xfrm>
+              <a:off x="3511379" y="4424272"/>
+              <a:ext cx="288032" cy="372879"/>
+            </a:xfrm>
+            <a:prstGeom prst="rect">
+              <a:avLst/>
+            </a:prstGeom>
+          </p:spPr>
+          <p:style>
+            <a:lnRef idx="2">
+              <a:schemeClr val="accent1">
+                <a:shade val="50000"/>
+              </a:schemeClr>
+            </a:lnRef>
+            <a:fillRef idx="1">
+              <a:schemeClr val="accent1"/>
+            </a:fillRef>
+            <a:effectRef idx="0">
+              <a:schemeClr val="accent1"/>
+            </a:effectRef>
+            <a:fontRef idx="minor">
+              <a:schemeClr val="lt1"/>
+            </a:fontRef>
+          </p:style>
+          <p:txBody>
+            <a:bodyPr rtlCol="0" anchor="ctr"/>
+            <a:lstStyle/>
+            <a:p>
+              <a:pPr algn="ctr"/>
+              <a:endParaRPr lang="ko-KR" altLang="en-US"/>
+            </a:p>
+          </p:txBody>
+        </p:sp>
+        <p:sp>
+          <p:nvSpPr>
+            <p:cNvPr id="41" name="직사각형 40"/>
+            <p:cNvSpPr/>
+            <p:nvPr/>
+          </p:nvSpPr>
+          <p:spPr>
+            <a:xfrm>
+              <a:off x="4211960" y="4424272"/>
+              <a:ext cx="288032" cy="372879"/>
+            </a:xfrm>
+            <a:prstGeom prst="rect">
+              <a:avLst/>
+            </a:prstGeom>
+          </p:spPr>
+          <p:style>
+            <a:lnRef idx="2">
+              <a:schemeClr val="accent1">
+                <a:shade val="50000"/>
+              </a:schemeClr>
+            </a:lnRef>
+            <a:fillRef idx="1">
+              <a:schemeClr val="accent1"/>
+            </a:fillRef>
+            <a:effectRef idx="0">
+              <a:schemeClr val="accent1"/>
+            </a:effectRef>
+            <a:fontRef idx="minor">
+              <a:schemeClr val="lt1"/>
+            </a:fontRef>
+          </p:style>
+          <p:txBody>
+            <a:bodyPr rtlCol="0" anchor="ctr"/>
+            <a:lstStyle/>
+            <a:p>
+              <a:pPr algn="ctr"/>
+              <a:endParaRPr lang="ko-KR" altLang="en-US"/>
+            </a:p>
+          </p:txBody>
+        </p:sp>
+        <p:sp>
+          <p:nvSpPr>
+            <p:cNvPr id="42" name="직사각형 41"/>
+            <p:cNvSpPr/>
+            <p:nvPr/>
+          </p:nvSpPr>
+          <p:spPr>
+            <a:xfrm>
+              <a:off x="4881634" y="4424272"/>
+              <a:ext cx="288032" cy="372879"/>
+            </a:xfrm>
+            <a:prstGeom prst="rect">
+              <a:avLst/>
+            </a:prstGeom>
+          </p:spPr>
+          <p:style>
+            <a:lnRef idx="2">
+              <a:schemeClr val="accent1">
+                <a:shade val="50000"/>
+              </a:schemeClr>
+            </a:lnRef>
+            <a:fillRef idx="1">
+              <a:schemeClr val="accent1"/>
+            </a:fillRef>
+            <a:effectRef idx="0">
+              <a:schemeClr val="accent1"/>
+            </a:effectRef>
+            <a:fontRef idx="minor">
+              <a:schemeClr val="lt1"/>
+            </a:fontRef>
+          </p:style>
+          <p:txBody>
+            <a:bodyPr rtlCol="0" anchor="ctr"/>
+            <a:lstStyle/>
+            <a:p>
+              <a:pPr algn="ctr"/>
+              <a:endParaRPr lang="ko-KR" altLang="en-US"/>
+            </a:p>
+          </p:txBody>
+        </p:sp>
+        <p:sp>
+          <p:nvSpPr>
+            <p:cNvPr id="43" name="직사각형 42"/>
+            <p:cNvSpPr/>
+            <p:nvPr/>
+          </p:nvSpPr>
+          <p:spPr>
+            <a:xfrm>
+              <a:off x="5508104" y="4424272"/>
+              <a:ext cx="288032" cy="372879"/>
+            </a:xfrm>
+            <a:prstGeom prst="rect">
+              <a:avLst/>
+            </a:prstGeom>
+          </p:spPr>
+          <p:style>
+            <a:lnRef idx="2">
+              <a:schemeClr val="accent1">
+                <a:shade val="50000"/>
+              </a:schemeClr>
+            </a:lnRef>
+            <a:fillRef idx="1">
+              <a:schemeClr val="accent1"/>
+            </a:fillRef>
+            <a:effectRef idx="0">
+              <a:schemeClr val="accent1"/>
+            </a:effectRef>
+            <a:fontRef idx="minor">
+              <a:schemeClr val="lt1"/>
+            </a:fontRef>
+          </p:style>
+          <p:txBody>
+            <a:bodyPr rtlCol="0" anchor="ctr"/>
+            <a:lstStyle/>
+            <a:p>
+              <a:pPr algn="ctr"/>
+              <a:endParaRPr lang="ko-KR" altLang="en-US"/>
+            </a:p>
+          </p:txBody>
+        </p:sp>
+        <p:sp>
+          <p:nvSpPr>
+            <p:cNvPr id="44" name="직사각형 43"/>
+            <p:cNvSpPr/>
+            <p:nvPr/>
+          </p:nvSpPr>
+          <p:spPr>
+            <a:xfrm>
+              <a:off x="6156176" y="4424272"/>
+              <a:ext cx="288032" cy="372879"/>
+            </a:xfrm>
+            <a:prstGeom prst="rect">
+              <a:avLst/>
+            </a:prstGeom>
+          </p:spPr>
+          <p:style>
+            <a:lnRef idx="2">
+              <a:schemeClr val="accent1">
+                <a:shade val="50000"/>
+              </a:schemeClr>
+            </a:lnRef>
+            <a:fillRef idx="1">
+              <a:schemeClr val="accent1"/>
+            </a:fillRef>
+            <a:effectRef idx="0">
+              <a:schemeClr val="accent1"/>
+            </a:effectRef>
+            <a:fontRef idx="minor">
+              <a:schemeClr val="lt1"/>
+            </a:fontRef>
+          </p:style>
+          <p:txBody>
+            <a:bodyPr rtlCol="0" anchor="ctr"/>
+            <a:lstStyle/>
+            <a:p>
+              <a:pPr algn="ctr"/>
+              <a:endParaRPr lang="ko-KR" altLang="en-US"/>
+            </a:p>
+          </p:txBody>
+        </p:sp>
+        <p:pic>
+          <p:nvPicPr>
+            <p:cNvPr id="45" name="Picture 2"/>
+            <p:cNvPicPr>
+              <a:picLocks noChangeAspect="1" noChangeArrowheads="1"/>
+            </p:cNvPicPr>
+            <p:nvPr/>
+          </p:nvPicPr>
+          <p:blipFill>
+            <a:blip r:embed="rId3">
+              <a:extLst>
+                <a:ext uri="{28A0092B-C50C-407E-A947-70E740481C1C}">
+                  <a14:useLocalDpi xmlns:a14="http://schemas.microsoft.com/office/drawing/2010/main" val="0"/>
+                </a:ext>
+              </a:extLst>
+            </a:blip>
+            <a:srcRect/>
+            <a:stretch>
+              <a:fillRect/>
+            </a:stretch>
+          </p:blipFill>
+          <p:spPr bwMode="auto">
+            <a:xfrm>
+              <a:off x="3183583" y="4462306"/>
+              <a:ext cx="333375" cy="352425"/>
+            </a:xfrm>
+            <a:prstGeom prst="rect">
+              <a:avLst/>
+            </a:prstGeom>
+            <a:noFill/>
+            <a:ln>
+              <a:noFill/>
+            </a:ln>
+            <a:effectLst/>
+            <a:extLst>
+              <a:ext uri="{909E8E84-426E-40DD-AFC4-6F175D3DCCD1}">
+                <a14:hiddenFill xmlns:a14="http://schemas.microsoft.com/office/drawing/2010/main">
+                  <a:solidFill>
+                    <a:schemeClr val="accent1"/>
+                  </a:solidFill>
+                </a14:hiddenFill>
+              </a:ext>
+              <a:ext uri="{91240B29-F687-4F45-9708-019B960494DF}">
+                <a14:hiddenLine xmlns:a14="http://schemas.microsoft.com/office/drawing/2010/main" w="9525">
+                  <a:solidFill>
+                    <a:schemeClr val="tx1"/>
+                  </a:solidFill>
+                  <a:miter lim="800000"/>
+                  <a:headEnd/>
+                  <a:tailEnd/>
+                </a14:hiddenLine>
+              </a:ext>
+              <a:ext uri="{AF507438-7753-43E0-B8FC-AC1667EBCBE1}">
+                <a14:hiddenEffects xmlns:a14="http://schemas.microsoft.com/office/drawing/2010/main">
+                  <a:effectLst>
+                    <a:outerShdw dist="35921" dir="2700000" algn="ctr" rotWithShape="0">
+                      <a:schemeClr val="bg2"/>
+                    </a:outerShdw>
+                  </a:effectLst>
+                </a14:hiddenEffects>
+              </a:ext>
+            </a:extLst>
+          </p:spPr>
+        </p:pic>
+        <p:pic>
+          <p:nvPicPr>
+            <p:cNvPr id="46" name="Picture 2"/>
+            <p:cNvPicPr>
+              <a:picLocks noChangeAspect="1" noChangeArrowheads="1"/>
+            </p:cNvPicPr>
+            <p:nvPr/>
+          </p:nvPicPr>
+          <p:blipFill>
+            <a:blip r:embed="rId3">
+              <a:extLst>
+                <a:ext uri="{28A0092B-C50C-407E-A947-70E740481C1C}">
+                  <a14:useLocalDpi xmlns:a14="http://schemas.microsoft.com/office/drawing/2010/main" val="0"/>
+                </a:ext>
+              </a:extLst>
+            </a:blip>
+            <a:srcRect/>
+            <a:stretch>
+              <a:fillRect/>
+            </a:stretch>
+          </p:blipFill>
+          <p:spPr bwMode="auto">
+            <a:xfrm>
+              <a:off x="3878585" y="4462306"/>
+              <a:ext cx="333375" cy="352425"/>
+            </a:xfrm>
+            <a:prstGeom prst="rect">
+              <a:avLst/>
+            </a:prstGeom>
+            <a:noFill/>
+            <a:ln>
+              <a:noFill/>
+            </a:ln>
+            <a:effectLst/>
+            <a:extLst>
+              <a:ext uri="{909E8E84-426E-40DD-AFC4-6F175D3DCCD1}">
+                <a14:hiddenFill xmlns:a14="http://schemas.microsoft.com/office/drawing/2010/main">
+                  <a:solidFill>
+                    <a:schemeClr val="accent1"/>
+                  </a:solidFill>
+                </a14:hiddenFill>
+              </a:ext>
+              <a:ext uri="{91240B29-F687-4F45-9708-019B960494DF}">
+                <a14:hiddenLine xmlns:a14="http://schemas.microsoft.com/office/drawing/2010/main" w="9525">
+                  <a:solidFill>
+                    <a:schemeClr val="tx1"/>
+                  </a:solidFill>
+                  <a:miter lim="800000"/>
+                  <a:headEnd/>
+                  <a:tailEnd/>
+                </a14:hiddenLine>
+              </a:ext>
+              <a:ext uri="{AF507438-7753-43E0-B8FC-AC1667EBCBE1}">
+                <a14:hiddenEffects xmlns:a14="http://schemas.microsoft.com/office/drawing/2010/main">
+                  <a:effectLst>
+                    <a:outerShdw dist="35921" dir="2700000" algn="ctr" rotWithShape="0">
+                      <a:schemeClr val="bg2"/>
+                    </a:outerShdw>
+                  </a:effectLst>
+                </a14:hiddenEffects>
+              </a:ext>
+            </a:extLst>
+          </p:spPr>
+        </p:pic>
+        <p:pic>
+          <p:nvPicPr>
+            <p:cNvPr id="47" name="Picture 2"/>
+            <p:cNvPicPr>
+              <a:picLocks noChangeAspect="1" noChangeArrowheads="1"/>
+            </p:cNvPicPr>
+            <p:nvPr/>
+          </p:nvPicPr>
+          <p:blipFill>
+            <a:blip r:embed="rId3">
+              <a:extLst>
+                <a:ext uri="{28A0092B-C50C-407E-A947-70E740481C1C}">
+                  <a14:useLocalDpi xmlns:a14="http://schemas.microsoft.com/office/drawing/2010/main" val="0"/>
+                </a:ext>
+              </a:extLst>
+            </a:blip>
+            <a:srcRect/>
+            <a:stretch>
+              <a:fillRect/>
+            </a:stretch>
+          </p:blipFill>
+          <p:spPr bwMode="auto">
+            <a:xfrm>
+              <a:off x="4534730" y="4462306"/>
+              <a:ext cx="333375" cy="352425"/>
+            </a:xfrm>
+            <a:prstGeom prst="rect">
+              <a:avLst/>
+            </a:prstGeom>
+            <a:noFill/>
+            <a:ln>
+              <a:noFill/>
+            </a:ln>
+            <a:effectLst/>
+            <a:extLst>
+              <a:ext uri="{909E8E84-426E-40DD-AFC4-6F175D3DCCD1}">
+                <a14:hiddenFill xmlns:a14="http://schemas.microsoft.com/office/drawing/2010/main">
+                  <a:solidFill>
+                    <a:schemeClr val="accent1"/>
+                  </a:solidFill>
+                </a14:hiddenFill>
+              </a:ext>
+              <a:ext uri="{91240B29-F687-4F45-9708-019B960494DF}">
+                <a14:hiddenLine xmlns:a14="http://schemas.microsoft.com/office/drawing/2010/main" w="9525">
+                  <a:solidFill>
+                    <a:schemeClr val="tx1"/>
+                  </a:solidFill>
+                  <a:miter lim="800000"/>
+                  <a:headEnd/>
+                  <a:tailEnd/>
+                </a14:hiddenLine>
+              </a:ext>
+              <a:ext uri="{AF507438-7753-43E0-B8FC-AC1667EBCBE1}">
+                <a14:hiddenEffects xmlns:a14="http://schemas.microsoft.com/office/drawing/2010/main">
+                  <a:effectLst>
+                    <a:outerShdw dist="35921" dir="2700000" algn="ctr" rotWithShape="0">
+                      <a:schemeClr val="bg2"/>
+                    </a:outerShdw>
+                  </a:effectLst>
+                </a14:hiddenEffects>
+              </a:ext>
+            </a:extLst>
+          </p:spPr>
+        </p:pic>
+        <p:pic>
+          <p:nvPicPr>
+            <p:cNvPr id="48" name="Picture 2"/>
+            <p:cNvPicPr>
+              <a:picLocks noChangeAspect="1" noChangeArrowheads="1"/>
+            </p:cNvPicPr>
+            <p:nvPr/>
+          </p:nvPicPr>
+          <p:blipFill>
+            <a:blip r:embed="rId3">
+              <a:extLst>
+                <a:ext uri="{28A0092B-C50C-407E-A947-70E740481C1C}">
+                  <a14:useLocalDpi xmlns:a14="http://schemas.microsoft.com/office/drawing/2010/main" val="0"/>
+                </a:ext>
+              </a:extLst>
+            </a:blip>
+            <a:srcRect/>
+            <a:stretch>
+              <a:fillRect/>
+            </a:stretch>
+          </p:blipFill>
+          <p:spPr bwMode="auto">
+            <a:xfrm>
+              <a:off x="5174729" y="4462306"/>
+              <a:ext cx="333375" cy="352425"/>
+            </a:xfrm>
+            <a:prstGeom prst="rect">
+              <a:avLst/>
+            </a:prstGeom>
+            <a:noFill/>
+            <a:ln>
+              <a:noFill/>
+            </a:ln>
+            <a:effectLst/>
+            <a:extLst>
+              <a:ext uri="{909E8E84-426E-40DD-AFC4-6F175D3DCCD1}">
+                <a14:hiddenFill xmlns:a14="http://schemas.microsoft.com/office/drawing/2010/main">
+                  <a:solidFill>
+                    <a:schemeClr val="accent1"/>
+                  </a:solidFill>
+                </a14:hiddenFill>
+              </a:ext>
+              <a:ext uri="{91240B29-F687-4F45-9708-019B960494DF}">
+                <a14:hiddenLine xmlns:a14="http://schemas.microsoft.com/office/drawing/2010/main" w="9525">
+                  <a:solidFill>
+                    <a:schemeClr val="tx1"/>
+                  </a:solidFill>
+                  <a:miter lim="800000"/>
+                  <a:headEnd/>
+                  <a:tailEnd/>
+                </a14:hiddenLine>
+              </a:ext>
+              <a:ext uri="{AF507438-7753-43E0-B8FC-AC1667EBCBE1}">
+                <a14:hiddenEffects xmlns:a14="http://schemas.microsoft.com/office/drawing/2010/main">
+                  <a:effectLst>
+                    <a:outerShdw dist="35921" dir="2700000" algn="ctr" rotWithShape="0">
+                      <a:schemeClr val="bg2"/>
+                    </a:outerShdw>
+                  </a:effectLst>
+                </a14:hiddenEffects>
+              </a:ext>
+            </a:extLst>
+          </p:spPr>
+        </p:pic>
+        <p:pic>
+          <p:nvPicPr>
+            <p:cNvPr id="49" name="Picture 2"/>
+            <p:cNvPicPr>
+              <a:picLocks noChangeAspect="1" noChangeArrowheads="1"/>
+            </p:cNvPicPr>
+            <p:nvPr/>
+          </p:nvPicPr>
+          <p:blipFill>
+            <a:blip r:embed="rId3">
+              <a:extLst>
+                <a:ext uri="{28A0092B-C50C-407E-A947-70E740481C1C}">
+                  <a14:useLocalDpi xmlns:a14="http://schemas.microsoft.com/office/drawing/2010/main" val="0"/>
+                </a:ext>
+              </a:extLst>
+            </a:blip>
+            <a:srcRect/>
+            <a:stretch>
+              <a:fillRect/>
+            </a:stretch>
+          </p:blipFill>
+          <p:spPr bwMode="auto">
+            <a:xfrm>
+              <a:off x="5847879" y="4462306"/>
+              <a:ext cx="333375" cy="352425"/>
+            </a:xfrm>
+            <a:prstGeom prst="rect">
+              <a:avLst/>
+            </a:prstGeom>
+            <a:noFill/>
+            <a:ln>
+              <a:noFill/>
+            </a:ln>
+            <a:effectLst/>
+            <a:extLst>
+              <a:ext uri="{909E8E84-426E-40DD-AFC4-6F175D3DCCD1}">
+                <a14:hiddenFill xmlns:a14="http://schemas.microsoft.com/office/drawing/2010/main">
+                  <a:solidFill>
+                    <a:schemeClr val="accent1"/>
+                  </a:solidFill>
+                </a14:hiddenFill>
+              </a:ext>
+              <a:ext uri="{91240B29-F687-4F45-9708-019B960494DF}">
+                <a14:hiddenLine xmlns:a14="http://schemas.microsoft.com/office/drawing/2010/main" w="9525">
+                  <a:solidFill>
+                    <a:schemeClr val="tx1"/>
+                  </a:solidFill>
+                  <a:miter lim="800000"/>
+                  <a:headEnd/>
+                  <a:tailEnd/>
+                </a14:hiddenLine>
+              </a:ext>
+              <a:ext uri="{AF507438-7753-43E0-B8FC-AC1667EBCBE1}">
+                <a14:hiddenEffects xmlns:a14="http://schemas.microsoft.com/office/drawing/2010/main">
+                  <a:effectLst>
+                    <a:outerShdw dist="35921" dir="2700000" algn="ctr" rotWithShape="0">
+                      <a:schemeClr val="bg2"/>
+                    </a:outerShdw>
+                  </a:effectLst>
+                </a14:hiddenEffects>
+              </a:ext>
+            </a:extLst>
+          </p:spPr>
+        </p:pic>
+        <p:pic>
+          <p:nvPicPr>
+            <p:cNvPr id="50" name="Picture 2"/>
+            <p:cNvPicPr>
+              <a:picLocks noChangeAspect="1" noChangeArrowheads="1"/>
+            </p:cNvPicPr>
+            <p:nvPr/>
+          </p:nvPicPr>
+          <p:blipFill>
+            <a:blip r:embed="rId3">
+              <a:extLst>
+                <a:ext uri="{28A0092B-C50C-407E-A947-70E740481C1C}">
+                  <a14:useLocalDpi xmlns:a14="http://schemas.microsoft.com/office/drawing/2010/main" val="0"/>
+                </a:ext>
+              </a:extLst>
+            </a:blip>
+            <a:srcRect/>
+            <a:stretch>
+              <a:fillRect/>
+            </a:stretch>
+          </p:blipFill>
+          <p:spPr bwMode="auto">
+            <a:xfrm>
+              <a:off x="6475478" y="4462306"/>
+              <a:ext cx="333375" cy="352425"/>
+            </a:xfrm>
+            <a:prstGeom prst="rect">
+              <a:avLst/>
+            </a:prstGeom>
+            <a:noFill/>
+            <a:ln>
+              <a:noFill/>
+            </a:ln>
+            <a:effectLst/>
+            <a:extLst>
+              <a:ext uri="{909E8E84-426E-40DD-AFC4-6F175D3DCCD1}">
+                <a14:hiddenFill xmlns:a14="http://schemas.microsoft.com/office/drawing/2010/main">
+                  <a:solidFill>
+                    <a:schemeClr val="accent1"/>
+                  </a:solidFill>
+                </a14:hiddenFill>
+              </a:ext>
+              <a:ext uri="{91240B29-F687-4F45-9708-019B960494DF}">
+                <a14:hiddenLine xmlns:a14="http://schemas.microsoft.com/office/drawing/2010/main" w="9525">
+                  <a:solidFill>
+                    <a:schemeClr val="tx1"/>
+                  </a:solidFill>
+                  <a:miter lim="800000"/>
+                  <a:headEnd/>
+                  <a:tailEnd/>
+                </a14:hiddenLine>
+              </a:ext>
+              <a:ext uri="{AF507438-7753-43E0-B8FC-AC1667EBCBE1}">
+                <a14:hiddenEffects xmlns:a14="http://schemas.microsoft.com/office/drawing/2010/main">
+                  <a:effectLst>
+                    <a:outerShdw dist="35921" dir="2700000" algn="ctr" rotWithShape="0">
+                      <a:schemeClr val="bg2"/>
+                    </a:outerShdw>
+                  </a:effectLst>
+                </a14:hiddenEffects>
+              </a:ext>
+            </a:extLst>
+          </p:spPr>
+        </p:pic>
+        <p:pic>
+          <p:nvPicPr>
+            <p:cNvPr id="51" name="Picture 2"/>
+            <p:cNvPicPr>
+              <a:picLocks noChangeAspect="1" noChangeArrowheads="1"/>
+            </p:cNvPicPr>
+            <p:nvPr/>
+          </p:nvPicPr>
+          <p:blipFill>
+            <a:blip r:embed="rId3">
+              <a:extLst>
+                <a:ext uri="{28A0092B-C50C-407E-A947-70E740481C1C}">
+                  <a14:useLocalDpi xmlns:a14="http://schemas.microsoft.com/office/drawing/2010/main" val="0"/>
+                </a:ext>
+              </a:extLst>
+            </a:blip>
+            <a:srcRect/>
+            <a:stretch>
+              <a:fillRect/>
+            </a:stretch>
+          </p:blipFill>
+          <p:spPr bwMode="auto">
+            <a:xfrm>
+              <a:off x="6831997" y="4462306"/>
+              <a:ext cx="333375" cy="352425"/>
+            </a:xfrm>
+            <a:prstGeom prst="rect">
+              <a:avLst/>
+            </a:prstGeom>
+            <a:noFill/>
+            <a:ln>
+              <a:noFill/>
+            </a:ln>
+            <a:effectLst/>
+            <a:extLst>
+              <a:ext uri="{909E8E84-426E-40DD-AFC4-6F175D3DCCD1}">
+                <a14:hiddenFill xmlns:a14="http://schemas.microsoft.com/office/drawing/2010/main">
+                  <a:solidFill>
+                    <a:schemeClr val="accent1"/>
+                  </a:solidFill>
+                </a14:hiddenFill>
+              </a:ext>
+              <a:ext uri="{91240B29-F687-4F45-9708-019B960494DF}">
+                <a14:hiddenLine xmlns:a14="http://schemas.microsoft.com/office/drawing/2010/main" w="9525">
+                  <a:solidFill>
+                    <a:schemeClr val="tx1"/>
+                  </a:solidFill>
+                  <a:miter lim="800000"/>
+                  <a:headEnd/>
+                  <a:tailEnd/>
+                </a14:hiddenLine>
+              </a:ext>
+              <a:ext uri="{AF507438-7753-43E0-B8FC-AC1667EBCBE1}">
+                <a14:hiddenEffects xmlns:a14="http://schemas.microsoft.com/office/drawing/2010/main">
+                  <a:effectLst>
+                    <a:outerShdw dist="35921" dir="2700000" algn="ctr" rotWithShape="0">
+                      <a:schemeClr val="bg2"/>
+                    </a:outerShdw>
+                  </a:effectLst>
+                </a14:hiddenEffects>
+              </a:ext>
+            </a:extLst>
+          </p:spPr>
+        </p:pic>
+        <p:pic>
+          <p:nvPicPr>
+            <p:cNvPr id="52" name="Picture 2"/>
+            <p:cNvPicPr>
+              <a:picLocks noChangeAspect="1" noChangeArrowheads="1"/>
+            </p:cNvPicPr>
+            <p:nvPr/>
+          </p:nvPicPr>
+          <p:blipFill>
+            <a:blip r:embed="rId3">
+              <a:extLst>
+                <a:ext uri="{28A0092B-C50C-407E-A947-70E740481C1C}">
+                  <a14:useLocalDpi xmlns:a14="http://schemas.microsoft.com/office/drawing/2010/main" val="0"/>
+                </a:ext>
+              </a:extLst>
+            </a:blip>
+            <a:srcRect/>
+            <a:stretch>
+              <a:fillRect/>
+            </a:stretch>
+          </p:blipFill>
+          <p:spPr bwMode="auto">
+            <a:xfrm>
+              <a:off x="7157013" y="4462306"/>
+              <a:ext cx="333375" cy="352425"/>
+            </a:xfrm>
+            <a:prstGeom prst="rect">
+              <a:avLst/>
+            </a:prstGeom>
+            <a:noFill/>
+            <a:ln>
+              <a:noFill/>
+            </a:ln>
+            <a:effectLst/>
+            <a:extLst>
+              <a:ext uri="{909E8E84-426E-40DD-AFC4-6F175D3DCCD1}">
+                <a14:hiddenFill xmlns:a14="http://schemas.microsoft.com/office/drawing/2010/main">
+                  <a:solidFill>
+                    <a:schemeClr val="accent1"/>
+                  </a:solidFill>
+                </a14:hiddenFill>
+              </a:ext>
+              <a:ext uri="{91240B29-F687-4F45-9708-019B960494DF}">
+                <a14:hiddenLine xmlns:a14="http://schemas.microsoft.com/office/drawing/2010/main" w="9525">
+                  <a:solidFill>
+                    <a:schemeClr val="tx1"/>
+                  </a:solidFill>
+                  <a:miter lim="800000"/>
+                  <a:headEnd/>
+                  <a:tailEnd/>
+                </a14:hiddenLine>
+              </a:ext>
+              <a:ext uri="{AF507438-7753-43E0-B8FC-AC1667EBCBE1}">
+                <a14:hiddenEffects xmlns:a14="http://schemas.microsoft.com/office/drawing/2010/main">
+                  <a:effectLst>
+                    <a:outerShdw dist="35921" dir="2700000" algn="ctr" rotWithShape="0">
+                      <a:schemeClr val="bg2"/>
+                    </a:outerShdw>
+                  </a:effectLst>
+                </a14:hiddenEffects>
+              </a:ext>
+            </a:extLst>
+          </p:spPr>
+        </p:pic>
+      </p:grpSp>
+      <p:sp>
+        <p:nvSpPr>
+          <p:cNvPr id="7" name="직사각형 6"/>
+          <p:cNvSpPr/>
+          <p:nvPr/>
+        </p:nvSpPr>
+        <p:spPr>
+          <a:xfrm>
+            <a:off x="-612575" y="5193196"/>
+            <a:ext cx="3816424" cy="1512168"/>
+          </a:xfrm>
+          <a:prstGeom prst="rect">
+            <a:avLst/>
+          </a:prstGeom>
+        </p:spPr>
+        <p:style>
+          <a:lnRef idx="2">
+            <a:schemeClr val="dk1"/>
+          </a:lnRef>
+          <a:fillRef idx="1">
+            <a:schemeClr val="lt1"/>
+          </a:fillRef>
+          <a:effectRef idx="0">
+            <a:schemeClr val="dk1"/>
+          </a:effectRef>
+          <a:fontRef idx="minor">
+            <a:schemeClr val="dk1"/>
+          </a:fontRef>
+        </p:style>
+        <p:txBody>
+          <a:bodyPr rtlCol="0" anchor="ctr"/>
+          <a:lstStyle/>
+          <a:p>
+            <a:pPr algn="ctr"/>
+            <a:endParaRPr lang="ko-KR" altLang="en-US"/>
+          </a:p>
+        </p:txBody>
+      </p:sp>
+      <p:sp>
+        <p:nvSpPr>
+          <p:cNvPr id="53" name="직사각형 52"/>
+          <p:cNvSpPr/>
+          <p:nvPr/>
+        </p:nvSpPr>
+        <p:spPr>
+          <a:xfrm>
+            <a:off x="5811707" y="4530506"/>
+            <a:ext cx="3357361" cy="1512168"/>
+          </a:xfrm>
+          <a:prstGeom prst="rect">
+            <a:avLst/>
+          </a:prstGeom>
+        </p:spPr>
+        <p:style>
+          <a:lnRef idx="2">
+            <a:schemeClr val="dk1"/>
+          </a:lnRef>
+          <a:fillRef idx="1">
+            <a:schemeClr val="lt1"/>
+          </a:fillRef>
+          <a:effectRef idx="0">
+            <a:schemeClr val="dk1"/>
+          </a:effectRef>
+          <a:fontRef idx="minor">
+            <a:schemeClr val="dk1"/>
+          </a:fontRef>
+        </p:style>
+        <p:txBody>
+          <a:bodyPr rtlCol="0" anchor="ctr"/>
+          <a:lstStyle/>
+          <a:p>
+            <a:pPr algn="ctr"/>
+            <a:endParaRPr lang="ko-KR" altLang="en-US"/>
+          </a:p>
+        </p:txBody>
+      </p:sp>
+      <p:pic>
+        <p:nvPicPr>
+          <p:cNvPr id="2051" name="Picture 3"/>
+          <p:cNvPicPr>
+            <a:picLocks noChangeAspect="1" noChangeArrowheads="1"/>
+          </p:cNvPicPr>
+          <p:nvPr/>
+        </p:nvPicPr>
+        <p:blipFill>
+          <a:blip r:embed="rId4">
+            <a:extLst>
+              <a:ext uri="{28A0092B-C50C-407E-A947-70E740481C1C}">
+                <a14:useLocalDpi xmlns:a14="http://schemas.microsoft.com/office/drawing/2010/main" val="0"/>
+              </a:ext>
+            </a:extLst>
+          </a:blip>
+          <a:srcRect/>
+          <a:stretch>
+            <a:fillRect/>
+          </a:stretch>
+        </p:blipFill>
+        <p:spPr bwMode="auto">
+          <a:xfrm>
+            <a:off x="3648905" y="1549921"/>
+            <a:ext cx="1771650" cy="942975"/>
+          </a:xfrm>
+          <a:prstGeom prst="rect">
+            <a:avLst/>
+          </a:prstGeom>
+          <a:noFill/>
+          <a:ln>
+            <a:noFill/>
+          </a:ln>
+          <a:effectLst/>
+          <a:extLst>
+            <a:ext uri="{909E8E84-426E-40DD-AFC4-6F175D3DCCD1}">
+              <a14:hiddenFill xmlns:a14="http://schemas.microsoft.com/office/drawing/2010/main">
+                <a:solidFill>
+                  <a:schemeClr val="accent1"/>
+                </a:solidFill>
+              </a14:hiddenFill>
+            </a:ext>
+            <a:ext uri="{91240B29-F687-4F45-9708-019B960494DF}">
+              <a14:hiddenLine xmlns:a14="http://schemas.microsoft.com/office/drawing/2010/main" w="9525">
+                <a:solidFill>
+                  <a:schemeClr val="tx1"/>
+                </a:solidFill>
+                <a:miter lim="800000"/>
+                <a:headEnd/>
+                <a:tailEnd/>
+              </a14:hiddenLine>
+            </a:ext>
+            <a:ext uri="{AF507438-7753-43E0-B8FC-AC1667EBCBE1}">
+              <a14:hiddenEffects xmlns:a14="http://schemas.microsoft.com/office/drawing/2010/main">
+                <a:effectLst>
+                  <a:outerShdw dist="35921" dir="2700000" algn="ctr" rotWithShape="0">
+                    <a:schemeClr val="bg2"/>
+                  </a:outerShdw>
+                </a:effectLst>
+              </a14:hiddenEffects>
+            </a:ext>
+          </a:extLst>
+        </p:spPr>
+      </p:pic>
+      <p:sp>
+        <p:nvSpPr>
+          <p:cNvPr id="55" name="직사각형 54"/>
+          <p:cNvSpPr/>
+          <p:nvPr/>
+        </p:nvSpPr>
+        <p:spPr>
+          <a:xfrm>
+            <a:off x="4557199" y="2012005"/>
+            <a:ext cx="622986" cy="372879"/>
+          </a:xfrm>
+          <a:prstGeom prst="rect">
+            <a:avLst/>
+          </a:prstGeom>
+        </p:spPr>
+        <p:style>
+          <a:lnRef idx="2">
+            <a:schemeClr val="accent1">
+              <a:shade val="50000"/>
+            </a:schemeClr>
+          </a:lnRef>
+          <a:fillRef idx="1">
+            <a:schemeClr val="accent1"/>
+          </a:fillRef>
+          <a:effectRef idx="0">
+            <a:schemeClr val="accent1"/>
+          </a:effectRef>
+          <a:fontRef idx="minor">
+            <a:schemeClr val="lt1"/>
+          </a:fontRef>
+        </p:style>
+        <p:txBody>
+          <a:bodyPr rtlCol="0" anchor="ctr"/>
+          <a:lstStyle/>
+          <a:p>
+            <a:pPr algn="ctr"/>
+            <a:endParaRPr lang="ko-KR" altLang="en-US"/>
+          </a:p>
+        </p:txBody>
+      </p:sp>
+      <p:sp>
+        <p:nvSpPr>
+          <p:cNvPr id="9" name="왼쪽 화살표 설명선 8"/>
+          <p:cNvSpPr/>
+          <p:nvPr/>
+        </p:nvSpPr>
+        <p:spPr>
+          <a:xfrm>
+            <a:off x="5211088" y="1628800"/>
+            <a:ext cx="1984954" cy="929684"/>
+          </a:xfrm>
+          <a:prstGeom prst="leftArrowCallout">
+            <a:avLst/>
+          </a:prstGeom>
+        </p:spPr>
+        <p:style>
+          <a:lnRef idx="2">
+            <a:schemeClr val="accent3">
+              <a:shade val="50000"/>
+            </a:schemeClr>
+          </a:lnRef>
+          <a:fillRef idx="1">
+            <a:schemeClr val="accent3"/>
+          </a:fillRef>
+          <a:effectRef idx="0">
+            <a:schemeClr val="accent3"/>
+          </a:effectRef>
+          <a:fontRef idx="minor">
+            <a:schemeClr val="lt1"/>
+          </a:fontRef>
+        </p:style>
+        <p:txBody>
+          <a:bodyPr rtlCol="0" anchor="ctr"/>
+          <a:lstStyle/>
+          <a:p>
+            <a:pPr algn="ctr"/>
+            <a:r>
+              <a:rPr lang="ko-KR" altLang="en-US" sz="1200" dirty="0" err="1" smtClean="0"/>
+              <a:t>가장맨앞걸루</a:t>
+            </a:r>
+            <a:endParaRPr lang="ko-KR" altLang="en-US" sz="1200" dirty="0"/>
+          </a:p>
+        </p:txBody>
+      </p:sp>
+      <p:pic>
+        <p:nvPicPr>
+          <p:cNvPr id="2052" name="Picture 4"/>
+          <p:cNvPicPr>
+            <a:picLocks noChangeAspect="1" noChangeArrowheads="1"/>
+          </p:cNvPicPr>
+          <p:nvPr/>
+        </p:nvPicPr>
+        <p:blipFill>
+          <a:blip r:embed="rId5">
+            <a:extLst>
+              <a:ext uri="{28A0092B-C50C-407E-A947-70E740481C1C}">
+                <a14:useLocalDpi xmlns:a14="http://schemas.microsoft.com/office/drawing/2010/main" val="0"/>
+              </a:ext>
+            </a:extLst>
+          </a:blip>
+          <a:srcRect/>
+          <a:stretch>
+            <a:fillRect/>
+          </a:stretch>
+        </p:blipFill>
+        <p:spPr bwMode="auto">
+          <a:xfrm>
+            <a:off x="3310901" y="2384884"/>
+            <a:ext cx="1756184" cy="978185"/>
+          </a:xfrm>
+          <a:prstGeom prst="rect">
+            <a:avLst/>
+          </a:prstGeom>
+          <a:noFill/>
+          <a:ln>
+            <a:noFill/>
+          </a:ln>
+          <a:effectLst/>
+          <a:extLst>
+            <a:ext uri="{909E8E84-426E-40DD-AFC4-6F175D3DCCD1}">
+              <a14:hiddenFill xmlns:a14="http://schemas.microsoft.com/office/drawing/2010/main">
+                <a:solidFill>
+                  <a:schemeClr val="accent1"/>
+                </a:solidFill>
+              </a14:hiddenFill>
+            </a:ext>
+            <a:ext uri="{91240B29-F687-4F45-9708-019B960494DF}">
+              <a14:hiddenLine xmlns:a14="http://schemas.microsoft.com/office/drawing/2010/main" w="9525">
+                <a:solidFill>
+                  <a:schemeClr val="tx1"/>
+                </a:solidFill>
+                <a:miter lim="800000"/>
+                <a:headEnd/>
+                <a:tailEnd/>
+              </a14:hiddenLine>
+            </a:ext>
+            <a:ext uri="{AF507438-7753-43E0-B8FC-AC1667EBCBE1}">
+              <a14:hiddenEffects xmlns:a14="http://schemas.microsoft.com/office/drawing/2010/main">
+                <a:effectLst>
+                  <a:outerShdw dist="35921" dir="2700000" algn="ctr" rotWithShape="0">
+                    <a:schemeClr val="bg2"/>
+                  </a:outerShdw>
+                </a:effectLst>
+              </a14:hiddenEffects>
+            </a:ext>
+          </a:extLst>
+        </p:spPr>
+      </p:pic>
+      <p:pic>
+        <p:nvPicPr>
+          <p:cNvPr id="2054" name="Picture 6"/>
+          <p:cNvPicPr>
+            <a:picLocks noChangeAspect="1" noChangeArrowheads="1"/>
+          </p:cNvPicPr>
+          <p:nvPr/>
+        </p:nvPicPr>
+        <p:blipFill>
+          <a:blip r:embed="rId6">
+            <a:extLst>
+              <a:ext uri="{28A0092B-C50C-407E-A947-70E740481C1C}">
+                <a14:useLocalDpi xmlns:a14="http://schemas.microsoft.com/office/drawing/2010/main" val="0"/>
+              </a:ext>
+            </a:extLst>
+          </a:blip>
+          <a:srcRect/>
+          <a:stretch>
+            <a:fillRect/>
+          </a:stretch>
+        </p:blipFill>
+        <p:spPr bwMode="auto">
+          <a:xfrm>
+            <a:off x="3310901" y="3469962"/>
+            <a:ext cx="1756184" cy="1111166"/>
+          </a:xfrm>
+          <a:prstGeom prst="rect">
+            <a:avLst/>
+          </a:prstGeom>
+          <a:noFill/>
+          <a:ln>
+            <a:noFill/>
+          </a:ln>
+          <a:effectLst/>
+          <a:extLst>
+            <a:ext uri="{909E8E84-426E-40DD-AFC4-6F175D3DCCD1}">
+              <a14:hiddenFill xmlns:a14="http://schemas.microsoft.com/office/drawing/2010/main">
+                <a:solidFill>
+                  <a:schemeClr val="accent1"/>
+                </a:solidFill>
+              </a14:hiddenFill>
+            </a:ext>
+            <a:ext uri="{91240B29-F687-4F45-9708-019B960494DF}">
+              <a14:hiddenLine xmlns:a14="http://schemas.microsoft.com/office/drawing/2010/main" w="9525">
+                <a:solidFill>
+                  <a:schemeClr val="tx1"/>
+                </a:solidFill>
+                <a:miter lim="800000"/>
+                <a:headEnd/>
+                <a:tailEnd/>
+              </a14:hiddenLine>
+            </a:ext>
+            <a:ext uri="{AF507438-7753-43E0-B8FC-AC1667EBCBE1}">
+              <a14:hiddenEffects xmlns:a14="http://schemas.microsoft.com/office/drawing/2010/main">
+                <a:effectLst>
+                  <a:outerShdw dist="35921" dir="2700000" algn="ctr" rotWithShape="0">
+                    <a:schemeClr val="bg2"/>
+                  </a:outerShdw>
+                </a:effectLst>
+              </a14:hiddenEffects>
+            </a:ext>
+          </a:extLst>
+        </p:spPr>
+      </p:pic>
+      <p:sp>
+        <p:nvSpPr>
+          <p:cNvPr id="60" name="직사각형 59"/>
+          <p:cNvSpPr/>
+          <p:nvPr/>
+        </p:nvSpPr>
+        <p:spPr>
+          <a:xfrm>
+            <a:off x="3350269" y="2892469"/>
+            <a:ext cx="1716815" cy="320508"/>
+          </a:xfrm>
+          <a:prstGeom prst="rect">
+            <a:avLst/>
+          </a:prstGeom>
+        </p:spPr>
+        <p:style>
+          <a:lnRef idx="2">
+            <a:schemeClr val="accent1">
+              <a:shade val="50000"/>
+            </a:schemeClr>
+          </a:lnRef>
+          <a:fillRef idx="1">
+            <a:schemeClr val="accent1"/>
+          </a:fillRef>
+          <a:effectRef idx="0">
+            <a:schemeClr val="accent1"/>
+          </a:effectRef>
+          <a:fontRef idx="minor">
+            <a:schemeClr val="lt1"/>
+          </a:fontRef>
+        </p:style>
+        <p:txBody>
+          <a:bodyPr rtlCol="0" anchor="ctr"/>
+          <a:lstStyle/>
+          <a:p>
+            <a:pPr algn="ctr"/>
+            <a:endParaRPr lang="ko-KR" altLang="en-US"/>
+          </a:p>
+        </p:txBody>
+      </p:sp>
+      <p:sp>
+        <p:nvSpPr>
+          <p:cNvPr id="61" name="직사각형 60"/>
+          <p:cNvSpPr/>
+          <p:nvPr/>
+        </p:nvSpPr>
+        <p:spPr>
+          <a:xfrm>
+            <a:off x="3294322" y="3978017"/>
+            <a:ext cx="1716815" cy="320508"/>
+          </a:xfrm>
+          <a:prstGeom prst="rect">
+            <a:avLst/>
+          </a:prstGeom>
+        </p:spPr>
+        <p:style>
+          <a:lnRef idx="2">
+            <a:schemeClr val="accent1">
+              <a:shade val="50000"/>
+            </a:schemeClr>
+          </a:lnRef>
+          <a:fillRef idx="1">
+            <a:schemeClr val="accent1"/>
+          </a:fillRef>
+          <a:effectRef idx="0">
+            <a:schemeClr val="accent1"/>
+          </a:effectRef>
+          <a:fontRef idx="minor">
+            <a:schemeClr val="lt1"/>
+          </a:fontRef>
+        </p:style>
+        <p:txBody>
+          <a:bodyPr rtlCol="0" anchor="ctr"/>
+          <a:lstStyle/>
+          <a:p>
+            <a:pPr algn="ctr"/>
+            <a:endParaRPr lang="ko-KR" altLang="en-US"/>
+          </a:p>
+        </p:txBody>
+      </p:sp>
+    </p:spTree>
+    <p:extLst>
+      <p:ext uri="{BB962C8B-B14F-4D97-AF65-F5344CB8AC3E}">
+        <p14:creationId xmlns:p14="http://schemas.microsoft.com/office/powerpoint/2010/main" val="2036592828"/>
+      </p:ext>
+    </p:extLst>
+  </p:cSld>
+  <p:clrMapOvr>
+    <a:masterClrMapping/>
+  </p:clrMapOvr>
+</p:sld>
+</file>
+
+<file path=ppt/slides/slide12.xml><?xml version="1.0" encoding="utf-8"?>
 <p:sld xmlns:a="http://schemas.openxmlformats.org/drawingml/2006/main" xmlns:r="http://schemas.openxmlformats.org/officeDocument/2006/relationships" xmlns:p="http://schemas.openxmlformats.org/presentationml/2006/main">
   <p:cSld>
     <p:spTree>
@@ -4013,7 +6317,7 @@
 </p:sld>
 </file>
 
-<file path=ppt/slides/slide12.xml><?xml version="1.0" encoding="utf-8"?>
+<file path=ppt/slides/slide13.xml><?xml version="1.0" encoding="utf-8"?>
 <p:sld xmlns:a="http://schemas.openxmlformats.org/drawingml/2006/main" xmlns:r="http://schemas.openxmlformats.org/officeDocument/2006/relationships" xmlns:p="http://schemas.openxmlformats.org/presentationml/2006/main">
   <p:cSld>
     <p:spTree>
@@ -4483,9 +6787,10 @@
           <a:lstStyle/>
           <a:p>
             <a:r>
-              <a:rPr lang="ko-KR" altLang="en-US" dirty="0"/>
-              <a:t>목차</a:t>
-            </a:r>
+              <a:rPr lang="ko-KR" altLang="en-US" dirty="0" smtClean="0"/>
+              <a:t>목차 </a:t>
+            </a:r>
+            <a:endParaRPr lang="ko-KR" altLang="en-US" dirty="0"/>
           </a:p>
         </p:txBody>
       </p:sp>
@@ -6592,7 +8897,7 @@
           <p:cNvPr id="4" name="사각형: 둥근 모서리 3">
             <a:extLst>
               <a:ext uri="{FF2B5EF4-FFF2-40B4-BE49-F238E27FC236}">
-                <a16:creationId xmlns:a16="http://schemas.microsoft.com/office/drawing/2014/main" id="{627A04A8-4570-41F1-9635-3442F24D9C26}"/>
+                <a16:creationId xmlns:a16="http://schemas.microsoft.com/office/drawing/2014/main" xmlns="" id="{627A04A8-4570-41F1-9635-3442F24D9C26}"/>
               </a:ext>
             </a:extLst>
           </p:cNvPr>
@@ -6641,7 +8946,7 @@
           <p:cNvPr id="11" name="사각형: 둥근 모서리 10">
             <a:extLst>
               <a:ext uri="{FF2B5EF4-FFF2-40B4-BE49-F238E27FC236}">
-                <a16:creationId xmlns:a16="http://schemas.microsoft.com/office/drawing/2014/main" id="{F4C61916-CEF5-482E-9123-18AB5296C628}"/>
+                <a16:creationId xmlns:a16="http://schemas.microsoft.com/office/drawing/2014/main" xmlns="" id="{F4C61916-CEF5-482E-9123-18AB5296C628}"/>
               </a:ext>
             </a:extLst>
           </p:cNvPr>
@@ -6690,7 +8995,7 @@
           <p:cNvPr id="14" name="화살표: 오른쪽 13">
             <a:extLst>
               <a:ext uri="{FF2B5EF4-FFF2-40B4-BE49-F238E27FC236}">
-                <a16:creationId xmlns:a16="http://schemas.microsoft.com/office/drawing/2014/main" id="{A2D6D81C-1A7D-4E57-B0B6-CBE3610A2A59}"/>
+                <a16:creationId xmlns:a16="http://schemas.microsoft.com/office/drawing/2014/main" xmlns="" id="{A2D6D81C-1A7D-4E57-B0B6-CBE3610A2A59}"/>
               </a:ext>
             </a:extLst>
           </p:cNvPr>
@@ -6736,7 +9041,7 @@
           <p:cNvPr id="15" name="직사각형 14">
             <a:extLst>
               <a:ext uri="{FF2B5EF4-FFF2-40B4-BE49-F238E27FC236}">
-                <a16:creationId xmlns:a16="http://schemas.microsoft.com/office/drawing/2014/main" id="{38660404-A27B-4765-A9C0-0F00CA9FB6B8}"/>
+                <a16:creationId xmlns:a16="http://schemas.microsoft.com/office/drawing/2014/main" xmlns="" id="{38660404-A27B-4765-A9C0-0F00CA9FB6B8}"/>
               </a:ext>
             </a:extLst>
           </p:cNvPr>
